--- a/ThingSpaceTsM2.pptx
+++ b/ThingSpaceTsM2.pptx
@@ -109,6 +109,11 @@
       </a:defRPr>
     </a:lvl9pPr>
   </p:defaultTextStyle>
+  <p:extLst>
+    <p:ext uri="{EFAFB233-063F-42B5-8137-9DF3F51BA10A}">
+      <p15:sldGuideLst xmlns:p15="http://schemas.microsoft.com/office/powerpoint/2012/main"/>
+    </p:ext>
+  </p:extLst>
 </p:presentation>
 </file>
 
@@ -6100,6 +6105,299 @@
       </p:grpSpPr>
       <p:sp>
         <p:nvSpPr>
+          <p:cNvPr id="23" name="Rectangle 22">
+            <a:extLst>
+              <a:ext uri="{FF2B5EF4-FFF2-40B4-BE49-F238E27FC236}">
+                <a16:creationId xmlns:a16="http://schemas.microsoft.com/office/drawing/2014/main" id="{9BB6BCC8-A996-1C8F-6312-A4AD4A24C0FE}"/>
+              </a:ext>
+            </a:extLst>
+          </p:cNvPr>
+          <p:cNvSpPr/>
+          <p:nvPr/>
+        </p:nvSpPr>
+        <p:spPr>
+          <a:xfrm>
+            <a:off x="1539240" y="1147604"/>
+            <a:ext cx="6065520" cy="3421380"/>
+          </a:xfrm>
+          <a:prstGeom prst="rect">
+            <a:avLst/>
+          </a:prstGeom>
+        </p:spPr>
+        <p:style>
+          <a:lnRef idx="2">
+            <a:schemeClr val="accent1">
+              <a:shade val="15000"/>
+            </a:schemeClr>
+          </a:lnRef>
+          <a:fillRef idx="1">
+            <a:schemeClr val="accent1"/>
+          </a:fillRef>
+          <a:effectRef idx="0">
+            <a:schemeClr val="accent1"/>
+          </a:effectRef>
+          <a:fontRef idx="minor">
+            <a:schemeClr val="lt1"/>
+          </a:fontRef>
+        </p:style>
+        <p:txBody>
+          <a:bodyPr rtlCol="0" anchor="ctr"/>
+          <a:lstStyle/>
+          <a:p>
+            <a:pPr algn="ctr"/>
+            <a:endParaRPr lang="pl-PL"/>
+          </a:p>
+        </p:txBody>
+      </p:sp>
+      <p:sp>
+        <p:nvSpPr>
+          <p:cNvPr id="48" name="Rectangle 47">
+            <a:extLst>
+              <a:ext uri="{FF2B5EF4-FFF2-40B4-BE49-F238E27FC236}">
+                <a16:creationId xmlns:a16="http://schemas.microsoft.com/office/drawing/2014/main" id="{45B64817-250F-FCE4-CFC3-1F8BD26D0207}"/>
+              </a:ext>
+            </a:extLst>
+          </p:cNvPr>
+          <p:cNvSpPr/>
+          <p:nvPr/>
+        </p:nvSpPr>
+        <p:spPr>
+          <a:xfrm>
+            <a:off x="4664921" y="2730987"/>
+            <a:ext cx="2551219" cy="576599"/>
+          </a:xfrm>
+          <a:prstGeom prst="rect">
+            <a:avLst/>
+          </a:prstGeom>
+          <a:solidFill>
+            <a:schemeClr val="accent5">
+              <a:lumMod val="50000"/>
+            </a:schemeClr>
+          </a:solidFill>
+        </p:spPr>
+        <p:style>
+          <a:lnRef idx="2">
+            <a:schemeClr val="accent1">
+              <a:shade val="15000"/>
+            </a:schemeClr>
+          </a:lnRef>
+          <a:fillRef idx="1">
+            <a:schemeClr val="accent1"/>
+          </a:fillRef>
+          <a:effectRef idx="0">
+            <a:schemeClr val="accent1"/>
+          </a:effectRef>
+          <a:fontRef idx="minor">
+            <a:schemeClr val="lt1"/>
+          </a:fontRef>
+        </p:style>
+        <p:txBody>
+          <a:bodyPr rtlCol="0" anchor="ctr"/>
+          <a:lstStyle/>
+          <a:p>
+            <a:pPr algn="ctr"/>
+            <a:endParaRPr lang="pl-PL"/>
+          </a:p>
+        </p:txBody>
+      </p:sp>
+      <p:sp>
+        <p:nvSpPr>
+          <p:cNvPr id="47" name="Rectangle 46">
+            <a:extLst>
+              <a:ext uri="{FF2B5EF4-FFF2-40B4-BE49-F238E27FC236}">
+                <a16:creationId xmlns:a16="http://schemas.microsoft.com/office/drawing/2014/main" id="{15243AED-9FC8-98B8-C6D7-CD75A1872574}"/>
+              </a:ext>
+            </a:extLst>
+          </p:cNvPr>
+          <p:cNvSpPr/>
+          <p:nvPr/>
+        </p:nvSpPr>
+        <p:spPr>
+          <a:xfrm>
+            <a:off x="1712139" y="2798421"/>
+            <a:ext cx="2789861" cy="1618656"/>
+          </a:xfrm>
+          <a:prstGeom prst="rect">
+            <a:avLst/>
+          </a:prstGeom>
+          <a:solidFill>
+            <a:srgbClr val="7030A0"/>
+          </a:solidFill>
+        </p:spPr>
+        <p:style>
+          <a:lnRef idx="2">
+            <a:schemeClr val="accent1">
+              <a:shade val="15000"/>
+            </a:schemeClr>
+          </a:lnRef>
+          <a:fillRef idx="1">
+            <a:schemeClr val="accent1"/>
+          </a:fillRef>
+          <a:effectRef idx="0">
+            <a:schemeClr val="accent1"/>
+          </a:effectRef>
+          <a:fontRef idx="minor">
+            <a:schemeClr val="lt1"/>
+          </a:fontRef>
+        </p:style>
+        <p:txBody>
+          <a:bodyPr rtlCol="0" anchor="ctr"/>
+          <a:lstStyle/>
+          <a:p>
+            <a:pPr algn="ctr"/>
+            <a:endParaRPr lang="pl-PL"/>
+          </a:p>
+        </p:txBody>
+      </p:sp>
+      <p:sp>
+        <p:nvSpPr>
+          <p:cNvPr id="37" name="Rectangle 36">
+            <a:extLst>
+              <a:ext uri="{FF2B5EF4-FFF2-40B4-BE49-F238E27FC236}">
+                <a16:creationId xmlns:a16="http://schemas.microsoft.com/office/drawing/2014/main" id="{8FAAF6E4-3880-0141-E33B-46C52CD321B7}"/>
+              </a:ext>
+            </a:extLst>
+          </p:cNvPr>
+          <p:cNvSpPr/>
+          <p:nvPr/>
+        </p:nvSpPr>
+        <p:spPr>
+          <a:xfrm>
+            <a:off x="5259803" y="3535680"/>
+            <a:ext cx="2031054" cy="752939"/>
+          </a:xfrm>
+          <a:prstGeom prst="rect">
+            <a:avLst/>
+          </a:prstGeom>
+          <a:solidFill>
+            <a:schemeClr val="bg1">
+              <a:lumMod val="65000"/>
+              <a:lumOff val="35000"/>
+            </a:schemeClr>
+          </a:solidFill>
+        </p:spPr>
+        <p:style>
+          <a:lnRef idx="2">
+            <a:schemeClr val="dk1">
+              <a:shade val="15000"/>
+            </a:schemeClr>
+          </a:lnRef>
+          <a:fillRef idx="1">
+            <a:schemeClr val="dk1"/>
+          </a:fillRef>
+          <a:effectRef idx="0">
+            <a:schemeClr val="dk1"/>
+          </a:effectRef>
+          <a:fontRef idx="minor">
+            <a:schemeClr val="lt1"/>
+          </a:fontRef>
+        </p:style>
+        <p:txBody>
+          <a:bodyPr rtlCol="0" anchor="ctr"/>
+          <a:lstStyle/>
+          <a:p>
+            <a:pPr algn="ctr"/>
+            <a:endParaRPr lang="pl-PL"/>
+          </a:p>
+        </p:txBody>
+      </p:sp>
+      <p:sp>
+        <p:nvSpPr>
+          <p:cNvPr id="26" name="Rectangle 25">
+            <a:extLst>
+              <a:ext uri="{FF2B5EF4-FFF2-40B4-BE49-F238E27FC236}">
+                <a16:creationId xmlns:a16="http://schemas.microsoft.com/office/drawing/2014/main" id="{A44DA0E5-771C-4ACD-8787-AAE804949F65}"/>
+              </a:ext>
+            </a:extLst>
+          </p:cNvPr>
+          <p:cNvSpPr/>
+          <p:nvPr/>
+        </p:nvSpPr>
+        <p:spPr>
+          <a:xfrm>
+            <a:off x="5120640" y="1299511"/>
+            <a:ext cx="1463040" cy="1298471"/>
+          </a:xfrm>
+          <a:prstGeom prst="rect">
+            <a:avLst/>
+          </a:prstGeom>
+        </p:spPr>
+        <p:style>
+          <a:lnRef idx="2">
+            <a:schemeClr val="accent4">
+              <a:shade val="15000"/>
+            </a:schemeClr>
+          </a:lnRef>
+          <a:fillRef idx="1">
+            <a:schemeClr val="accent4"/>
+          </a:fillRef>
+          <a:effectRef idx="0">
+            <a:schemeClr val="accent4"/>
+          </a:effectRef>
+          <a:fontRef idx="minor">
+            <a:schemeClr val="lt1"/>
+          </a:fontRef>
+        </p:style>
+        <p:txBody>
+          <a:bodyPr rtlCol="0" anchor="ctr"/>
+          <a:lstStyle/>
+          <a:p>
+            <a:pPr algn="ctr"/>
+            <a:endParaRPr lang="pl-PL"/>
+          </a:p>
+        </p:txBody>
+      </p:sp>
+      <p:sp>
+        <p:nvSpPr>
+          <p:cNvPr id="25" name="Rectangle 24">
+            <a:extLst>
+              <a:ext uri="{FF2B5EF4-FFF2-40B4-BE49-F238E27FC236}">
+                <a16:creationId xmlns:a16="http://schemas.microsoft.com/office/drawing/2014/main" id="{A076507E-F516-3CDE-D96B-907E17D11D1A}"/>
+              </a:ext>
+            </a:extLst>
+          </p:cNvPr>
+          <p:cNvSpPr/>
+          <p:nvPr/>
+        </p:nvSpPr>
+        <p:spPr>
+          <a:xfrm>
+            <a:off x="2651760" y="1299511"/>
+            <a:ext cx="1669753" cy="1385991"/>
+          </a:xfrm>
+          <a:prstGeom prst="rect">
+            <a:avLst/>
+          </a:prstGeom>
+          <a:solidFill>
+            <a:srgbClr val="FF0000"/>
+          </a:solidFill>
+        </p:spPr>
+        <p:style>
+          <a:lnRef idx="2">
+            <a:schemeClr val="accent4">
+              <a:shade val="15000"/>
+            </a:schemeClr>
+          </a:lnRef>
+          <a:fillRef idx="1">
+            <a:schemeClr val="accent4"/>
+          </a:fillRef>
+          <a:effectRef idx="0">
+            <a:schemeClr val="accent4"/>
+          </a:effectRef>
+          <a:fontRef idx="minor">
+            <a:schemeClr val="lt1"/>
+          </a:fontRef>
+        </p:style>
+        <p:txBody>
+          <a:bodyPr rtlCol="0" anchor="ctr"/>
+          <a:lstStyle/>
+          <a:p>
+            <a:pPr algn="ctr"/>
+            <a:endParaRPr lang="pl-PL"/>
+          </a:p>
+        </p:txBody>
+      </p:sp>
+      <p:sp>
+        <p:nvSpPr>
           <p:cNvPr id="2" name="Title 1">
             <a:extLst>
               <a:ext uri="{FF2B5EF4-FFF2-40B4-BE49-F238E27FC236}">
@@ -6130,26 +6428,987 @@
       </p:sp>
       <p:sp>
         <p:nvSpPr>
-          <p:cNvPr id="3" name="Content Placeholder 2">
+          <p:cNvPr id="5" name="TextBox 4">
             <a:extLst>
               <a:ext uri="{FF2B5EF4-FFF2-40B4-BE49-F238E27FC236}">
-                <a16:creationId xmlns:a16="http://schemas.microsoft.com/office/drawing/2014/main" id="{111CED69-7812-4E7E-5C94-3D75015E964C}"/>
+                <a16:creationId xmlns:a16="http://schemas.microsoft.com/office/drawing/2014/main" id="{E519C272-F848-9890-7BE5-A6F8F70084AA}"/>
               </a:ext>
             </a:extLst>
           </p:cNvPr>
-          <p:cNvSpPr>
-            <a:spLocks noGrp="1"/>
-          </p:cNvSpPr>
-          <p:nvPr>
-            <p:ph idx="1"/>
-          </p:nvPr>
-        </p:nvSpPr>
-        <p:spPr/>
-        <p:txBody>
-          <a:bodyPr/>
-          <a:lstStyle/>
-          <a:p>
-            <a:endParaRPr lang="pl-PL"/>
+          <p:cNvSpPr txBox="1"/>
+          <p:nvPr/>
+        </p:nvSpPr>
+        <p:spPr>
+          <a:xfrm>
+            <a:off x="3139440" y="1299511"/>
+            <a:ext cx="764953" cy="338554"/>
+          </a:xfrm>
+          <a:prstGeom prst="rect">
+            <a:avLst/>
+          </a:prstGeom>
+          <a:noFill/>
+        </p:spPr>
+        <p:txBody>
+          <a:bodyPr wrap="none" rtlCol="0">
+            <a:spAutoFit/>
+          </a:bodyPr>
+          <a:lstStyle/>
+          <a:p>
+            <a:r>
+              <a:rPr lang="en-IE" sz="1600" dirty="0"/>
+              <a:t>Sing In</a:t>
+            </a:r>
+          </a:p>
+        </p:txBody>
+      </p:sp>
+      <p:sp>
+        <p:nvSpPr>
+          <p:cNvPr id="6" name="TextBox 5">
+            <a:extLst>
+              <a:ext uri="{FF2B5EF4-FFF2-40B4-BE49-F238E27FC236}">
+                <a16:creationId xmlns:a16="http://schemas.microsoft.com/office/drawing/2014/main" id="{50102270-C95E-D9DE-FCF1-B1FA8B2DFC0C}"/>
+              </a:ext>
+            </a:extLst>
+          </p:cNvPr>
+          <p:cNvSpPr txBox="1"/>
+          <p:nvPr/>
+        </p:nvSpPr>
+        <p:spPr>
+          <a:xfrm>
+            <a:off x="3048581" y="1668843"/>
+            <a:ext cx="925253" cy="338554"/>
+          </a:xfrm>
+          <a:prstGeom prst="rect">
+            <a:avLst/>
+          </a:prstGeom>
+          <a:noFill/>
+        </p:spPr>
+        <p:txBody>
+          <a:bodyPr wrap="none" rtlCol="0">
+            <a:spAutoFit/>
+          </a:bodyPr>
+          <a:lstStyle/>
+          <a:p>
+            <a:r>
+              <a:rPr lang="en-IE" sz="1600" dirty="0"/>
+              <a:t>Sign Out</a:t>
+            </a:r>
+            <a:endParaRPr lang="pl-PL" sz="1600" dirty="0"/>
+          </a:p>
+        </p:txBody>
+      </p:sp>
+      <p:sp>
+        <p:nvSpPr>
+          <p:cNvPr id="7" name="TextBox 6">
+            <a:extLst>
+              <a:ext uri="{FF2B5EF4-FFF2-40B4-BE49-F238E27FC236}">
+                <a16:creationId xmlns:a16="http://schemas.microsoft.com/office/drawing/2014/main" id="{E767BC79-AA64-FE6E-6CB1-AB7580D9A9C9}"/>
+              </a:ext>
+            </a:extLst>
+          </p:cNvPr>
+          <p:cNvSpPr txBox="1"/>
+          <p:nvPr/>
+        </p:nvSpPr>
+        <p:spPr>
+          <a:xfrm>
+            <a:off x="3087661" y="2009794"/>
+            <a:ext cx="847091" cy="338554"/>
+          </a:xfrm>
+          <a:prstGeom prst="rect">
+            <a:avLst/>
+          </a:prstGeom>
+          <a:noFill/>
+        </p:spPr>
+        <p:txBody>
+          <a:bodyPr wrap="none" rtlCol="0">
+            <a:spAutoFit/>
+          </a:bodyPr>
+          <a:lstStyle/>
+          <a:p>
+            <a:r>
+              <a:rPr lang="en-IE" sz="1600" dirty="0"/>
+              <a:t>Sing Up</a:t>
+            </a:r>
+            <a:endParaRPr lang="pl-PL" sz="1600" dirty="0"/>
+          </a:p>
+        </p:txBody>
+      </p:sp>
+      <p:sp>
+        <p:nvSpPr>
+          <p:cNvPr id="8" name="TextBox 7">
+            <a:extLst>
+              <a:ext uri="{FF2B5EF4-FFF2-40B4-BE49-F238E27FC236}">
+                <a16:creationId xmlns:a16="http://schemas.microsoft.com/office/drawing/2014/main" id="{0227D585-A9D1-390B-E0E5-D1EFF005BC6D}"/>
+              </a:ext>
+            </a:extLst>
+          </p:cNvPr>
+          <p:cNvSpPr txBox="1"/>
+          <p:nvPr/>
+        </p:nvSpPr>
+        <p:spPr>
+          <a:xfrm>
+            <a:off x="2811780" y="2346948"/>
+            <a:ext cx="1482265" cy="338554"/>
+          </a:xfrm>
+          <a:prstGeom prst="rect">
+            <a:avLst/>
+          </a:prstGeom>
+          <a:noFill/>
+        </p:spPr>
+        <p:txBody>
+          <a:bodyPr wrap="none" rtlCol="0">
+            <a:spAutoFit/>
+          </a:bodyPr>
+          <a:lstStyle/>
+          <a:p>
+            <a:r>
+              <a:rPr lang="en-IE" sz="1600" dirty="0"/>
+              <a:t>Delete Account</a:t>
+            </a:r>
+            <a:endParaRPr lang="pl-PL" sz="1600" dirty="0"/>
+          </a:p>
+        </p:txBody>
+      </p:sp>
+      <p:sp>
+        <p:nvSpPr>
+          <p:cNvPr id="9" name="TextBox 8">
+            <a:extLst>
+              <a:ext uri="{FF2B5EF4-FFF2-40B4-BE49-F238E27FC236}">
+                <a16:creationId xmlns:a16="http://schemas.microsoft.com/office/drawing/2014/main" id="{6FA1341F-6E0B-7BB6-ABBA-BA26A39D0A4E}"/>
+              </a:ext>
+            </a:extLst>
+          </p:cNvPr>
+          <p:cNvSpPr txBox="1"/>
+          <p:nvPr/>
+        </p:nvSpPr>
+        <p:spPr>
+          <a:xfrm>
+            <a:off x="5227320" y="1299511"/>
+            <a:ext cx="1217000" cy="338554"/>
+          </a:xfrm>
+          <a:prstGeom prst="rect">
+            <a:avLst/>
+          </a:prstGeom>
+          <a:noFill/>
+        </p:spPr>
+        <p:txBody>
+          <a:bodyPr wrap="none" rtlCol="0">
+            <a:spAutoFit/>
+          </a:bodyPr>
+          <a:lstStyle/>
+          <a:p>
+            <a:r>
+              <a:rPr lang="en-IE" sz="1600" dirty="0"/>
+              <a:t>Create Note</a:t>
+            </a:r>
+            <a:endParaRPr lang="pl-PL" sz="1600" dirty="0"/>
+          </a:p>
+        </p:txBody>
+      </p:sp>
+      <p:sp>
+        <p:nvSpPr>
+          <p:cNvPr id="10" name="TextBox 9">
+            <a:extLst>
+              <a:ext uri="{FF2B5EF4-FFF2-40B4-BE49-F238E27FC236}">
+                <a16:creationId xmlns:a16="http://schemas.microsoft.com/office/drawing/2014/main" id="{AD9E5720-B15B-62F6-E4F5-EE70C119C308}"/>
+              </a:ext>
+            </a:extLst>
+          </p:cNvPr>
+          <p:cNvSpPr txBox="1"/>
+          <p:nvPr/>
+        </p:nvSpPr>
+        <p:spPr>
+          <a:xfrm>
+            <a:off x="5182859" y="1611931"/>
+            <a:ext cx="1282723" cy="338554"/>
+          </a:xfrm>
+          <a:prstGeom prst="rect">
+            <a:avLst/>
+          </a:prstGeom>
+          <a:noFill/>
+        </p:spPr>
+        <p:txBody>
+          <a:bodyPr wrap="none" rtlCol="0">
+            <a:spAutoFit/>
+          </a:bodyPr>
+          <a:lstStyle/>
+          <a:p>
+            <a:r>
+              <a:rPr lang="en-IE" sz="1600" dirty="0"/>
+              <a:t>Update Note</a:t>
+            </a:r>
+            <a:endParaRPr lang="pl-PL" sz="1600" dirty="0"/>
+          </a:p>
+        </p:txBody>
+      </p:sp>
+      <p:sp>
+        <p:nvSpPr>
+          <p:cNvPr id="11" name="TextBox 10">
+            <a:extLst>
+              <a:ext uri="{FF2B5EF4-FFF2-40B4-BE49-F238E27FC236}">
+                <a16:creationId xmlns:a16="http://schemas.microsoft.com/office/drawing/2014/main" id="{7BD1AD93-2FC6-BF3C-1585-DECEB3551AFA}"/>
+              </a:ext>
+            </a:extLst>
+          </p:cNvPr>
+          <p:cNvSpPr txBox="1"/>
+          <p:nvPr/>
+        </p:nvSpPr>
+        <p:spPr>
+          <a:xfrm>
+            <a:off x="5259803" y="1920704"/>
+            <a:ext cx="1146468" cy="338554"/>
+          </a:xfrm>
+          <a:prstGeom prst="rect">
+            <a:avLst/>
+          </a:prstGeom>
+          <a:noFill/>
+        </p:spPr>
+        <p:txBody>
+          <a:bodyPr wrap="none" rtlCol="0">
+            <a:spAutoFit/>
+          </a:bodyPr>
+          <a:lstStyle/>
+          <a:p>
+            <a:r>
+              <a:rPr lang="en-IE" sz="1600" dirty="0"/>
+              <a:t>Share Note</a:t>
+            </a:r>
+            <a:endParaRPr lang="pl-PL" sz="1600" dirty="0"/>
+          </a:p>
+        </p:txBody>
+      </p:sp>
+      <p:sp>
+        <p:nvSpPr>
+          <p:cNvPr id="12" name="TextBox 11">
+            <a:extLst>
+              <a:ext uri="{FF2B5EF4-FFF2-40B4-BE49-F238E27FC236}">
+                <a16:creationId xmlns:a16="http://schemas.microsoft.com/office/drawing/2014/main" id="{205C132D-D3FB-9C69-16D6-BEACA95A87E6}"/>
+              </a:ext>
+            </a:extLst>
+          </p:cNvPr>
+          <p:cNvSpPr txBox="1"/>
+          <p:nvPr/>
+        </p:nvSpPr>
+        <p:spPr>
+          <a:xfrm>
+            <a:off x="5190953" y="2219788"/>
+            <a:ext cx="1215397" cy="338554"/>
+          </a:xfrm>
+          <a:prstGeom prst="rect">
+            <a:avLst/>
+          </a:prstGeom>
+          <a:noFill/>
+        </p:spPr>
+        <p:txBody>
+          <a:bodyPr wrap="none" rtlCol="0">
+            <a:spAutoFit/>
+          </a:bodyPr>
+          <a:lstStyle/>
+          <a:p>
+            <a:r>
+              <a:rPr lang="en-IE" sz="1600" dirty="0"/>
+              <a:t>Delete Note</a:t>
+            </a:r>
+            <a:endParaRPr lang="pl-PL" sz="1600" dirty="0"/>
+          </a:p>
+        </p:txBody>
+      </p:sp>
+      <p:sp>
+        <p:nvSpPr>
+          <p:cNvPr id="13" name="TextBox 12">
+            <a:extLst>
+              <a:ext uri="{FF2B5EF4-FFF2-40B4-BE49-F238E27FC236}">
+                <a16:creationId xmlns:a16="http://schemas.microsoft.com/office/drawing/2014/main" id="{76430900-AE9D-3988-6ED0-AE39D4FA0E50}"/>
+              </a:ext>
+            </a:extLst>
+          </p:cNvPr>
+          <p:cNvSpPr txBox="1"/>
+          <p:nvPr/>
+        </p:nvSpPr>
+        <p:spPr>
+          <a:xfrm>
+            <a:off x="4986329" y="2730987"/>
+            <a:ext cx="2049151" cy="338554"/>
+          </a:xfrm>
+          <a:prstGeom prst="rect">
+            <a:avLst/>
+          </a:prstGeom>
+          <a:noFill/>
+        </p:spPr>
+        <p:txBody>
+          <a:bodyPr wrap="none" rtlCol="0">
+            <a:spAutoFit/>
+          </a:bodyPr>
+          <a:lstStyle/>
+          <a:p>
+            <a:r>
+              <a:rPr lang="en-IE" sz="1600" dirty="0"/>
+              <a:t>Create Note Template</a:t>
+            </a:r>
+            <a:endParaRPr lang="pl-PL" sz="1600" dirty="0"/>
+          </a:p>
+        </p:txBody>
+      </p:sp>
+      <p:sp>
+        <p:nvSpPr>
+          <p:cNvPr id="14" name="TextBox 13">
+            <a:extLst>
+              <a:ext uri="{FF2B5EF4-FFF2-40B4-BE49-F238E27FC236}">
+                <a16:creationId xmlns:a16="http://schemas.microsoft.com/office/drawing/2014/main" id="{E324BB1E-7203-83C9-7C79-B762D7F04EF1}"/>
+              </a:ext>
+            </a:extLst>
+          </p:cNvPr>
+          <p:cNvSpPr txBox="1"/>
+          <p:nvPr/>
+        </p:nvSpPr>
+        <p:spPr>
+          <a:xfrm>
+            <a:off x="5332130" y="3621765"/>
+            <a:ext cx="1750607" cy="338554"/>
+          </a:xfrm>
+          <a:prstGeom prst="rect">
+            <a:avLst/>
+          </a:prstGeom>
+          <a:noFill/>
+        </p:spPr>
+        <p:txBody>
+          <a:bodyPr wrap="none" rtlCol="0">
+            <a:spAutoFit/>
+          </a:bodyPr>
+          <a:lstStyle/>
+          <a:p>
+            <a:r>
+              <a:rPr lang="en-IE" sz="1600" dirty="0"/>
+              <a:t>Synonymic Search</a:t>
+            </a:r>
+            <a:endParaRPr lang="pl-PL" sz="1600" dirty="0"/>
+          </a:p>
+        </p:txBody>
+      </p:sp>
+      <p:sp>
+        <p:nvSpPr>
+          <p:cNvPr id="15" name="TextBox 14">
+            <a:extLst>
+              <a:ext uri="{FF2B5EF4-FFF2-40B4-BE49-F238E27FC236}">
+                <a16:creationId xmlns:a16="http://schemas.microsoft.com/office/drawing/2014/main" id="{209EF96E-1A99-E9C7-4323-825DAA7FEF44}"/>
+              </a:ext>
+            </a:extLst>
+          </p:cNvPr>
+          <p:cNvSpPr txBox="1"/>
+          <p:nvPr/>
+        </p:nvSpPr>
+        <p:spPr>
+          <a:xfrm>
+            <a:off x="5733416" y="3891636"/>
+            <a:ext cx="1143262" cy="338554"/>
+          </a:xfrm>
+          <a:prstGeom prst="rect">
+            <a:avLst/>
+          </a:prstGeom>
+          <a:noFill/>
+        </p:spPr>
+        <p:txBody>
+          <a:bodyPr wrap="none" rtlCol="0">
+            <a:spAutoFit/>
+          </a:bodyPr>
+          <a:lstStyle/>
+          <a:p>
+            <a:r>
+              <a:rPr lang="en-IE" sz="1600" dirty="0"/>
+              <a:t>Filter notes</a:t>
+            </a:r>
+            <a:endParaRPr lang="pl-PL" sz="1600" dirty="0"/>
+          </a:p>
+        </p:txBody>
+      </p:sp>
+      <p:sp>
+        <p:nvSpPr>
+          <p:cNvPr id="16" name="TextBox 15">
+            <a:extLst>
+              <a:ext uri="{FF2B5EF4-FFF2-40B4-BE49-F238E27FC236}">
+                <a16:creationId xmlns:a16="http://schemas.microsoft.com/office/drawing/2014/main" id="{E2EE8439-5EEA-CACE-4AB6-23B262E5094E}"/>
+              </a:ext>
+            </a:extLst>
+          </p:cNvPr>
+          <p:cNvSpPr txBox="1"/>
+          <p:nvPr/>
+        </p:nvSpPr>
+        <p:spPr>
+          <a:xfrm>
+            <a:off x="2156827" y="2798421"/>
+            <a:ext cx="1847685" cy="338554"/>
+          </a:xfrm>
+          <a:prstGeom prst="rect">
+            <a:avLst/>
+          </a:prstGeom>
+          <a:noFill/>
+        </p:spPr>
+        <p:txBody>
+          <a:bodyPr wrap="none" rtlCol="0">
+            <a:spAutoFit/>
+          </a:bodyPr>
+          <a:lstStyle/>
+          <a:p>
+            <a:r>
+              <a:rPr lang="en-IE" sz="1600" dirty="0"/>
+              <a:t>Invite to Workspace</a:t>
+            </a:r>
+            <a:endParaRPr lang="pl-PL" sz="1600" dirty="0"/>
+          </a:p>
+        </p:txBody>
+      </p:sp>
+      <p:sp>
+        <p:nvSpPr>
+          <p:cNvPr id="17" name="TextBox 16">
+            <a:extLst>
+              <a:ext uri="{FF2B5EF4-FFF2-40B4-BE49-F238E27FC236}">
+                <a16:creationId xmlns:a16="http://schemas.microsoft.com/office/drawing/2014/main" id="{A68AC190-8C9C-CAFA-52B8-097CD19FBEC5}"/>
+              </a:ext>
+            </a:extLst>
+          </p:cNvPr>
+          <p:cNvSpPr txBox="1"/>
+          <p:nvPr/>
+        </p:nvSpPr>
+        <p:spPr>
+          <a:xfrm>
+            <a:off x="2088677" y="3081366"/>
+            <a:ext cx="1989647" cy="338554"/>
+          </a:xfrm>
+          <a:prstGeom prst="rect">
+            <a:avLst/>
+          </a:prstGeom>
+          <a:noFill/>
+        </p:spPr>
+        <p:txBody>
+          <a:bodyPr wrap="none" rtlCol="0">
+            <a:spAutoFit/>
+          </a:bodyPr>
+          <a:lstStyle/>
+          <a:p>
+            <a:r>
+              <a:rPr lang="en-IE" sz="1600" dirty="0"/>
+              <a:t>Send a Chat Message</a:t>
+            </a:r>
+            <a:endParaRPr lang="pl-PL" sz="1600" dirty="0"/>
+          </a:p>
+        </p:txBody>
+      </p:sp>
+      <p:sp>
+        <p:nvSpPr>
+          <p:cNvPr id="18" name="TextBox 17">
+            <a:extLst>
+              <a:ext uri="{FF2B5EF4-FFF2-40B4-BE49-F238E27FC236}">
+                <a16:creationId xmlns:a16="http://schemas.microsoft.com/office/drawing/2014/main" id="{53B87EC5-E1BC-61E9-7F9E-AA062406065C}"/>
+              </a:ext>
+            </a:extLst>
+          </p:cNvPr>
+          <p:cNvSpPr txBox="1"/>
+          <p:nvPr/>
+        </p:nvSpPr>
+        <p:spPr>
+          <a:xfrm>
+            <a:off x="2147465" y="3402506"/>
+            <a:ext cx="1866921" cy="338554"/>
+          </a:xfrm>
+          <a:prstGeom prst="rect">
+            <a:avLst/>
+          </a:prstGeom>
+          <a:noFill/>
+        </p:spPr>
+        <p:txBody>
+          <a:bodyPr wrap="none" rtlCol="0">
+            <a:spAutoFit/>
+          </a:bodyPr>
+          <a:lstStyle/>
+          <a:p>
+            <a:r>
+              <a:rPr lang="en-IE" sz="1600" dirty="0"/>
+              <a:t>Browse Workspaces</a:t>
+            </a:r>
+            <a:endParaRPr lang="pl-PL" sz="1600" dirty="0"/>
+          </a:p>
+        </p:txBody>
+      </p:sp>
+      <p:sp>
+        <p:nvSpPr>
+          <p:cNvPr id="19" name="TextBox 18">
+            <a:extLst>
+              <a:ext uri="{FF2B5EF4-FFF2-40B4-BE49-F238E27FC236}">
+                <a16:creationId xmlns:a16="http://schemas.microsoft.com/office/drawing/2014/main" id="{0282B073-DA9B-3E7B-221F-F052306E5472}"/>
+              </a:ext>
+            </a:extLst>
+          </p:cNvPr>
+          <p:cNvSpPr txBox="1"/>
+          <p:nvPr/>
+        </p:nvSpPr>
+        <p:spPr>
+          <a:xfrm>
+            <a:off x="2250604" y="3709191"/>
+            <a:ext cx="1660134" cy="338554"/>
+          </a:xfrm>
+          <a:prstGeom prst="rect">
+            <a:avLst/>
+          </a:prstGeom>
+          <a:noFill/>
+        </p:spPr>
+        <p:txBody>
+          <a:bodyPr wrap="none" rtlCol="0">
+            <a:spAutoFit/>
+          </a:bodyPr>
+          <a:lstStyle/>
+          <a:p>
+            <a:r>
+              <a:rPr lang="en-IE" sz="1600" dirty="0"/>
+              <a:t>Leave Workspace</a:t>
+            </a:r>
+            <a:endParaRPr lang="pl-PL" sz="1600" dirty="0"/>
+          </a:p>
+        </p:txBody>
+      </p:sp>
+      <p:sp>
+        <p:nvSpPr>
+          <p:cNvPr id="20" name="TextBox 19">
+            <a:extLst>
+              <a:ext uri="{FF2B5EF4-FFF2-40B4-BE49-F238E27FC236}">
+                <a16:creationId xmlns:a16="http://schemas.microsoft.com/office/drawing/2014/main" id="{7FD40246-C709-0F0F-AB81-D5E350D1185F}"/>
+              </a:ext>
+            </a:extLst>
+          </p:cNvPr>
+          <p:cNvSpPr txBox="1"/>
+          <p:nvPr/>
+        </p:nvSpPr>
+        <p:spPr>
+          <a:xfrm>
+            <a:off x="4635615" y="3023360"/>
+            <a:ext cx="2642005" cy="338554"/>
+          </a:xfrm>
+          <a:prstGeom prst="rect">
+            <a:avLst/>
+          </a:prstGeom>
+          <a:noFill/>
+        </p:spPr>
+        <p:txBody>
+          <a:bodyPr wrap="none" rtlCol="0">
+            <a:spAutoFit/>
+          </a:bodyPr>
+          <a:lstStyle/>
+          <a:p>
+            <a:r>
+              <a:rPr lang="en-IE" sz="1600" dirty="0"/>
+              <a:t>Receive Datetime Reminders</a:t>
+            </a:r>
+            <a:endParaRPr lang="pl-PL" sz="1600" dirty="0"/>
+          </a:p>
+        </p:txBody>
+      </p:sp>
+      <p:sp>
+        <p:nvSpPr>
+          <p:cNvPr id="21" name="TextBox 20">
+            <a:extLst>
+              <a:ext uri="{FF2B5EF4-FFF2-40B4-BE49-F238E27FC236}">
+                <a16:creationId xmlns:a16="http://schemas.microsoft.com/office/drawing/2014/main" id="{1201BAE8-D5B8-BBB9-DC3F-2B989DA67FE3}"/>
+              </a:ext>
+            </a:extLst>
+          </p:cNvPr>
+          <p:cNvSpPr txBox="1"/>
+          <p:nvPr/>
+        </p:nvSpPr>
+        <p:spPr>
+          <a:xfrm>
+            <a:off x="1637422" y="4006591"/>
+            <a:ext cx="2887009" cy="338554"/>
+          </a:xfrm>
+          <a:prstGeom prst="rect">
+            <a:avLst/>
+          </a:prstGeom>
+          <a:noFill/>
+        </p:spPr>
+        <p:txBody>
+          <a:bodyPr wrap="none" rtlCol="0">
+            <a:spAutoFit/>
+          </a:bodyPr>
+          <a:lstStyle/>
+          <a:p>
+            <a:r>
+              <a:rPr lang="en-IE" sz="1600" dirty="0"/>
+              <a:t>Directly Add Note to Workspace</a:t>
+            </a:r>
+            <a:endParaRPr lang="pl-PL" sz="1600" dirty="0"/>
+          </a:p>
+        </p:txBody>
+      </p:sp>
+      <p:sp>
+        <p:nvSpPr>
+          <p:cNvPr id="22" name="TextBox 21">
+            <a:extLst>
+              <a:ext uri="{FF2B5EF4-FFF2-40B4-BE49-F238E27FC236}">
+                <a16:creationId xmlns:a16="http://schemas.microsoft.com/office/drawing/2014/main" id="{2D1D3AE1-043B-9C0D-666B-876B03D24BDA}"/>
+              </a:ext>
+            </a:extLst>
+          </p:cNvPr>
+          <p:cNvSpPr txBox="1"/>
+          <p:nvPr/>
+        </p:nvSpPr>
+        <p:spPr>
+          <a:xfrm>
+            <a:off x="418550" y="2289726"/>
+            <a:ext cx="643125" cy="369332"/>
+          </a:xfrm>
+          <a:prstGeom prst="rect">
+            <a:avLst/>
+          </a:prstGeom>
+          <a:noFill/>
+        </p:spPr>
+        <p:txBody>
+          <a:bodyPr wrap="none" rtlCol="0">
+            <a:spAutoFit/>
+          </a:bodyPr>
+          <a:lstStyle/>
+          <a:p>
+            <a:r>
+              <a:rPr lang="en-IE" b="1" i="1" dirty="0"/>
+              <a:t>User</a:t>
+            </a:r>
+            <a:endParaRPr lang="pl-PL" b="1" i="1" dirty="0"/>
+          </a:p>
+        </p:txBody>
+      </p:sp>
+      <p:sp>
+        <p:nvSpPr>
+          <p:cNvPr id="27" name="TextBox 26">
+            <a:extLst>
+              <a:ext uri="{FF2B5EF4-FFF2-40B4-BE49-F238E27FC236}">
+                <a16:creationId xmlns:a16="http://schemas.microsoft.com/office/drawing/2014/main" id="{387A52E6-72D8-4624-5E62-0B31435E9886}"/>
+              </a:ext>
+            </a:extLst>
+          </p:cNvPr>
+          <p:cNvSpPr txBox="1"/>
+          <p:nvPr/>
+        </p:nvSpPr>
+        <p:spPr>
+          <a:xfrm>
+            <a:off x="7604760" y="1187450"/>
+            <a:ext cx="1471621" cy="646331"/>
+          </a:xfrm>
+          <a:prstGeom prst="rect">
+            <a:avLst/>
+          </a:prstGeom>
+          <a:noFill/>
+        </p:spPr>
+        <p:txBody>
+          <a:bodyPr wrap="none" rtlCol="0">
+            <a:spAutoFit/>
+          </a:bodyPr>
+          <a:lstStyle/>
+          <a:p>
+            <a:r>
+              <a:rPr lang="en-IE" b="1" i="1" dirty="0"/>
+              <a:t>Text2Speech</a:t>
+            </a:r>
+            <a:br>
+              <a:rPr lang="en-IE" b="1" i="1" dirty="0"/>
+            </a:br>
+            <a:r>
+              <a:rPr lang="en-IE" b="1" i="1" dirty="0"/>
+              <a:t>API</a:t>
+            </a:r>
+            <a:endParaRPr lang="pl-PL" b="1" i="1" dirty="0"/>
+          </a:p>
+        </p:txBody>
+      </p:sp>
+      <p:sp>
+        <p:nvSpPr>
+          <p:cNvPr id="28" name="TextBox 27">
+            <a:extLst>
+              <a:ext uri="{FF2B5EF4-FFF2-40B4-BE49-F238E27FC236}">
+                <a16:creationId xmlns:a16="http://schemas.microsoft.com/office/drawing/2014/main" id="{65BB2F85-60E2-2FB7-A90F-6844D577D817}"/>
+              </a:ext>
+            </a:extLst>
+          </p:cNvPr>
+          <p:cNvSpPr txBox="1"/>
+          <p:nvPr/>
+        </p:nvSpPr>
+        <p:spPr>
+          <a:xfrm>
+            <a:off x="7663548" y="3367192"/>
+            <a:ext cx="1208985" cy="646331"/>
+          </a:xfrm>
+          <a:prstGeom prst="rect">
+            <a:avLst/>
+          </a:prstGeom>
+          <a:noFill/>
+        </p:spPr>
+        <p:txBody>
+          <a:bodyPr wrap="none" rtlCol="0">
+            <a:spAutoFit/>
+          </a:bodyPr>
+          <a:lstStyle/>
+          <a:p>
+            <a:r>
+              <a:rPr lang="en-IE" b="1" i="1" dirty="0"/>
+              <a:t>Thesaurus</a:t>
+            </a:r>
+            <a:br>
+              <a:rPr lang="en-IE" b="1" i="1" dirty="0"/>
+            </a:br>
+            <a:r>
+              <a:rPr lang="en-IE" b="1" i="1" dirty="0"/>
+              <a:t>API</a:t>
+            </a:r>
+            <a:endParaRPr lang="pl-PL" b="1" i="1" dirty="0"/>
+          </a:p>
+        </p:txBody>
+      </p:sp>
+      <p:sp>
+        <p:nvSpPr>
+          <p:cNvPr id="29" name="TextBox 28">
+            <a:extLst>
+              <a:ext uri="{FF2B5EF4-FFF2-40B4-BE49-F238E27FC236}">
+                <a16:creationId xmlns:a16="http://schemas.microsoft.com/office/drawing/2014/main" id="{FF7E4367-3C4D-BA98-08F2-3D46199DB6E0}"/>
+              </a:ext>
+            </a:extLst>
+          </p:cNvPr>
+          <p:cNvSpPr txBox="1"/>
+          <p:nvPr/>
+        </p:nvSpPr>
+        <p:spPr>
+          <a:xfrm>
+            <a:off x="7665989" y="4082328"/>
+            <a:ext cx="1014508" cy="369332"/>
+          </a:xfrm>
+          <a:prstGeom prst="rect">
+            <a:avLst/>
+          </a:prstGeom>
+          <a:noFill/>
+        </p:spPr>
+        <p:txBody>
+          <a:bodyPr wrap="none" rtlCol="0">
+            <a:spAutoFit/>
+          </a:bodyPr>
+          <a:lstStyle/>
+          <a:p>
+            <a:r>
+              <a:rPr lang="en-IE" b="1" i="1" dirty="0"/>
+              <a:t>LLM API</a:t>
+            </a:r>
+            <a:endParaRPr lang="pl-PL" b="1" i="1" dirty="0"/>
+          </a:p>
+        </p:txBody>
+      </p:sp>
+      <p:cxnSp>
+        <p:nvCxnSpPr>
+          <p:cNvPr id="52" name="Straight Arrow Connector 51">
+            <a:extLst>
+              <a:ext uri="{FF2B5EF4-FFF2-40B4-BE49-F238E27FC236}">
+                <a16:creationId xmlns:a16="http://schemas.microsoft.com/office/drawing/2014/main" id="{A5B13293-71E5-1CAF-9C41-EEB7D7DC3D61}"/>
+              </a:ext>
+            </a:extLst>
+          </p:cNvPr>
+          <p:cNvCxnSpPr>
+            <a:cxnSpLocks/>
+            <a:endCxn id="29" idx="1"/>
+          </p:cNvCxnSpPr>
+          <p:nvPr/>
+        </p:nvCxnSpPr>
+        <p:spPr>
+          <a:xfrm>
+            <a:off x="7102260" y="3862408"/>
+            <a:ext cx="563729" cy="404586"/>
+          </a:xfrm>
+          <a:prstGeom prst="straightConnector1">
+            <a:avLst/>
+          </a:prstGeom>
+          <a:ln>
+            <a:headEnd type="arrow" w="med" len="med"/>
+            <a:tailEnd type="arrow" w="med" len="med"/>
+          </a:ln>
+        </p:spPr>
+        <p:style>
+          <a:lnRef idx="3">
+            <a:schemeClr val="accent6"/>
+          </a:lnRef>
+          <a:fillRef idx="0">
+            <a:schemeClr val="accent6"/>
+          </a:fillRef>
+          <a:effectRef idx="2">
+            <a:schemeClr val="accent6"/>
+          </a:effectRef>
+          <a:fontRef idx="minor">
+            <a:schemeClr val="tx1"/>
+          </a:fontRef>
+        </p:style>
+      </p:cxnSp>
+      <p:cxnSp>
+        <p:nvCxnSpPr>
+          <p:cNvPr id="54" name="Straight Arrow Connector 53">
+            <a:extLst>
+              <a:ext uri="{FF2B5EF4-FFF2-40B4-BE49-F238E27FC236}">
+                <a16:creationId xmlns:a16="http://schemas.microsoft.com/office/drawing/2014/main" id="{497D5977-93D6-C2CF-D783-368ECA7A40F8}"/>
+              </a:ext>
+            </a:extLst>
+          </p:cNvPr>
+          <p:cNvCxnSpPr>
+            <a:cxnSpLocks/>
+            <a:stCxn id="14" idx="3"/>
+            <a:endCxn id="28" idx="1"/>
+          </p:cNvCxnSpPr>
+          <p:nvPr/>
+        </p:nvCxnSpPr>
+        <p:spPr>
+          <a:xfrm flipV="1">
+            <a:off x="7082737" y="3690358"/>
+            <a:ext cx="580811" cy="100684"/>
+          </a:xfrm>
+          <a:prstGeom prst="straightConnector1">
+            <a:avLst/>
+          </a:prstGeom>
+          <a:ln>
+            <a:headEnd type="arrow" w="med" len="med"/>
+            <a:tailEnd type="arrow" w="med" len="med"/>
+          </a:ln>
+        </p:spPr>
+        <p:style>
+          <a:lnRef idx="3">
+            <a:schemeClr val="accent6"/>
+          </a:lnRef>
+          <a:fillRef idx="0">
+            <a:schemeClr val="accent6"/>
+          </a:fillRef>
+          <a:effectRef idx="2">
+            <a:schemeClr val="accent6"/>
+          </a:effectRef>
+          <a:fontRef idx="minor">
+            <a:schemeClr val="tx1"/>
+          </a:fontRef>
+        </p:style>
+      </p:cxnSp>
+      <p:sp>
+        <p:nvSpPr>
+          <p:cNvPr id="63" name="TextBox 62">
+            <a:extLst>
+              <a:ext uri="{FF2B5EF4-FFF2-40B4-BE49-F238E27FC236}">
+                <a16:creationId xmlns:a16="http://schemas.microsoft.com/office/drawing/2014/main" id="{96755D4B-7D8D-3E8A-76E7-3EF2003709A1}"/>
+              </a:ext>
+            </a:extLst>
+          </p:cNvPr>
+          <p:cNvSpPr txBox="1"/>
+          <p:nvPr/>
+        </p:nvSpPr>
+        <p:spPr>
+          <a:xfrm>
+            <a:off x="-11173" y="2612602"/>
+            <a:ext cx="1527982" cy="954107"/>
+          </a:xfrm>
+          <a:prstGeom prst="rect">
+            <a:avLst/>
+          </a:prstGeom>
+          <a:noFill/>
+        </p:spPr>
+        <p:txBody>
+          <a:bodyPr wrap="none" rtlCol="0">
+            <a:spAutoFit/>
+          </a:bodyPr>
+          <a:lstStyle/>
+          <a:p>
+            <a:pPr algn="ctr"/>
+            <a:r>
+              <a:rPr lang="en-IE" sz="1400" dirty="0"/>
+              <a:t>Can perform </a:t>
+            </a:r>
+          </a:p>
+          <a:p>
+            <a:pPr algn="ctr"/>
+            <a:r>
+              <a:rPr lang="en-IE" sz="1400" dirty="0"/>
+              <a:t>all use cases.</a:t>
+            </a:r>
+          </a:p>
+          <a:p>
+            <a:pPr algn="ctr"/>
+            <a:r>
+              <a:rPr lang="en-IE" sz="1400" dirty="0"/>
+              <a:t>Arrows not shown</a:t>
+            </a:r>
+          </a:p>
+          <a:p>
+            <a:pPr algn="ctr"/>
+            <a:r>
+              <a:rPr lang="en-IE" sz="1400" dirty="0"/>
+              <a:t>For readability</a:t>
+            </a:r>
+            <a:endParaRPr lang="pl-PL" sz="1400" dirty="0"/>
+          </a:p>
+        </p:txBody>
+      </p:sp>
+      <p:sp>
+        <p:nvSpPr>
+          <p:cNvPr id="68" name="TextBox 67">
+            <a:extLst>
+              <a:ext uri="{FF2B5EF4-FFF2-40B4-BE49-F238E27FC236}">
+                <a16:creationId xmlns:a16="http://schemas.microsoft.com/office/drawing/2014/main" id="{19384C75-D69C-FAD7-BCF8-1CC9FEBE87D6}"/>
+              </a:ext>
+            </a:extLst>
+          </p:cNvPr>
+          <p:cNvSpPr txBox="1"/>
+          <p:nvPr/>
+        </p:nvSpPr>
+        <p:spPr>
+          <a:xfrm>
+            <a:off x="7558961" y="1731395"/>
+            <a:ext cx="1563248" cy="1384995"/>
+          </a:xfrm>
+          <a:prstGeom prst="rect">
+            <a:avLst/>
+          </a:prstGeom>
+          <a:noFill/>
+        </p:spPr>
+        <p:txBody>
+          <a:bodyPr wrap="none" rtlCol="0">
+            <a:spAutoFit/>
+          </a:bodyPr>
+          <a:lstStyle/>
+          <a:p>
+            <a:pPr algn="ctr"/>
+            <a:r>
+              <a:rPr lang="en-IE" sz="1400" dirty="0"/>
+              <a:t>Will be used as an </a:t>
+            </a:r>
+          </a:p>
+          <a:p>
+            <a:pPr algn="ctr"/>
+            <a:r>
+              <a:rPr lang="en-IE" sz="1400" dirty="0"/>
+              <a:t>alternative to </a:t>
+            </a:r>
+          </a:p>
+          <a:p>
+            <a:pPr algn="ctr"/>
+            <a:r>
+              <a:rPr lang="en-IE" sz="1400" dirty="0"/>
+              <a:t>typing in the </a:t>
+            </a:r>
+          </a:p>
+          <a:p>
+            <a:pPr algn="ctr"/>
+            <a:r>
+              <a:rPr lang="en-IE" sz="1400" dirty="0"/>
+              <a:t>text fields. </a:t>
+            </a:r>
+          </a:p>
+          <a:p>
+            <a:pPr algn="ctr"/>
+            <a:r>
+              <a:rPr lang="en-IE" sz="1400" dirty="0"/>
+              <a:t>Arrows not shown </a:t>
+            </a:r>
+          </a:p>
+          <a:p>
+            <a:pPr algn="ctr"/>
+            <a:r>
+              <a:rPr lang="en-IE" sz="1400" dirty="0"/>
+              <a:t>for readability</a:t>
+            </a:r>
+            <a:endParaRPr lang="pl-PL" sz="1400" dirty="0"/>
           </a:p>
         </p:txBody>
       </p:sp>

--- a/ThingSpaceTsM2.pptx
+++ b/ThingSpaceTsM2.pptx
@@ -5874,13 +5874,13 @@
         </p:nvSpPr>
         <p:spPr>
           <a:xfrm>
-            <a:off x="1320465" y="3202001"/>
-            <a:ext cx="6858000" cy="628529"/>
+            <a:off x="1251640" y="2858294"/>
+            <a:ext cx="6858000" cy="1368287"/>
           </a:xfrm>
         </p:spPr>
         <p:txBody>
           <a:bodyPr>
-            <a:normAutofit fontScale="92500" lnSpcReduction="10000"/>
+            <a:normAutofit lnSpcReduction="10000"/>
           </a:bodyPr>
           <a:lstStyle/>
           <a:p>
@@ -5896,9 +5896,24 @@
               <a:rPr lang="en-IE" i="1" dirty="0"/>
               <a:t>Andrew Wang</a:t>
             </a:r>
-          </a:p>
-          <a:p>
-            <a:pPr algn="ctr"/>
+            <a:br>
+              <a:rPr lang="en-IE" i="1" dirty="0"/>
+            </a:br>
+            <a:r>
+              <a:rPr lang="en-IE" i="1" dirty="0"/>
+              <a:t>Jeffery Yu</a:t>
+            </a:r>
+            <a:br>
+              <a:rPr lang="en-IE" i="1" dirty="0"/>
+            </a:br>
+            <a:r>
+              <a:rPr lang="en-IE" i="1" dirty="0"/>
+              <a:t>Minori </a:t>
+            </a:r>
+            <a:r>
+              <a:rPr lang="en-IE" i="1" dirty="0" err="1"/>
+              <a:t>Poedjokerto</a:t>
+            </a:r>
             <a:endParaRPr lang="pl-PL" i="1" dirty="0"/>
           </a:p>
         </p:txBody>

--- a/ThingSpaceTsM2.pptx
+++ b/ThingSpaceTsM2.pptx
@@ -313,7 +313,7 @@
           <a:p>
             <a:fld id="{D17C0673-4D49-4E82-8C72-D8AA60F272CB}" type="datetimeFigureOut">
               <a:rPr lang="pl-PL" smtClean="0"/>
-              <a:t>19.09.2025</a:t>
+              <a:t>20.09.2025</a:t>
             </a:fld>
             <a:endParaRPr lang="pl-PL"/>
           </a:p>
@@ -594,7 +594,7 @@
           <a:p>
             <a:fld id="{D17C0673-4D49-4E82-8C72-D8AA60F272CB}" type="datetimeFigureOut">
               <a:rPr lang="pl-PL" smtClean="0"/>
-              <a:t>19.09.2025</a:t>
+              <a:t>20.09.2025</a:t>
             </a:fld>
             <a:endParaRPr lang="pl-PL"/>
           </a:p>
@@ -786,7 +786,7 @@
           <a:p>
             <a:fld id="{D17C0673-4D49-4E82-8C72-D8AA60F272CB}" type="datetimeFigureOut">
               <a:rPr lang="pl-PL" smtClean="0"/>
-              <a:t>19.09.2025</a:t>
+              <a:t>20.09.2025</a:t>
             </a:fld>
             <a:endParaRPr lang="pl-PL"/>
           </a:p>
@@ -1047,7 +1047,7 @@
           <a:p>
             <a:fld id="{D17C0673-4D49-4E82-8C72-D8AA60F272CB}" type="datetimeFigureOut">
               <a:rPr lang="pl-PL" smtClean="0"/>
-              <a:t>19.09.2025</a:t>
+              <a:t>20.09.2025</a:t>
             </a:fld>
             <a:endParaRPr lang="pl-PL"/>
           </a:p>
@@ -1473,7 +1473,7 @@
           <a:p>
             <a:fld id="{D17C0673-4D49-4E82-8C72-D8AA60F272CB}" type="datetimeFigureOut">
               <a:rPr lang="pl-PL" smtClean="0"/>
-              <a:t>19.09.2025</a:t>
+              <a:t>20.09.2025</a:t>
             </a:fld>
             <a:endParaRPr lang="pl-PL"/>
           </a:p>
@@ -2019,7 +2019,7 @@
           <a:p>
             <a:fld id="{D17C0673-4D49-4E82-8C72-D8AA60F272CB}" type="datetimeFigureOut">
               <a:rPr lang="pl-PL" smtClean="0"/>
-              <a:t>19.09.2025</a:t>
+              <a:t>20.09.2025</a:t>
             </a:fld>
             <a:endParaRPr lang="pl-PL"/>
           </a:p>
@@ -2850,7 +2850,7 @@
           <a:p>
             <a:fld id="{D17C0673-4D49-4E82-8C72-D8AA60F272CB}" type="datetimeFigureOut">
               <a:rPr lang="pl-PL" smtClean="0"/>
-              <a:t>19.09.2025</a:t>
+              <a:t>20.09.2025</a:t>
             </a:fld>
             <a:endParaRPr lang="pl-PL"/>
           </a:p>
@@ -3020,7 +3020,7 @@
           <a:p>
             <a:fld id="{D17C0673-4D49-4E82-8C72-D8AA60F272CB}" type="datetimeFigureOut">
               <a:rPr lang="pl-PL" smtClean="0"/>
-              <a:t>19.09.2025</a:t>
+              <a:t>20.09.2025</a:t>
             </a:fld>
             <a:endParaRPr lang="pl-PL"/>
           </a:p>
@@ -3200,7 +3200,7 @@
           <a:p>
             <a:fld id="{D17C0673-4D49-4E82-8C72-D8AA60F272CB}" type="datetimeFigureOut">
               <a:rPr lang="pl-PL" smtClean="0"/>
-              <a:t>19.09.2025</a:t>
+              <a:t>20.09.2025</a:t>
             </a:fld>
             <a:endParaRPr lang="pl-PL"/>
           </a:p>
@@ -3370,7 +3370,7 @@
           <a:p>
             <a:fld id="{D17C0673-4D49-4E82-8C72-D8AA60F272CB}" type="datetimeFigureOut">
               <a:rPr lang="pl-PL" smtClean="0"/>
-              <a:t>19.09.2025</a:t>
+              <a:t>20.09.2025</a:t>
             </a:fld>
             <a:endParaRPr lang="pl-PL"/>
           </a:p>
@@ -3627,7 +3627,7 @@
           <a:p>
             <a:fld id="{D17C0673-4D49-4E82-8C72-D8AA60F272CB}" type="datetimeFigureOut">
               <a:rPr lang="pl-PL" smtClean="0"/>
-              <a:t>19.09.2025</a:t>
+              <a:t>20.09.2025</a:t>
             </a:fld>
             <a:endParaRPr lang="pl-PL"/>
           </a:p>
@@ -3859,7 +3859,7 @@
           <a:p>
             <a:fld id="{D17C0673-4D49-4E82-8C72-D8AA60F272CB}" type="datetimeFigureOut">
               <a:rPr lang="pl-PL" smtClean="0"/>
-              <a:t>19.09.2025</a:t>
+              <a:t>20.09.2025</a:t>
             </a:fld>
             <a:endParaRPr lang="pl-PL"/>
           </a:p>
@@ -4252,7 +4252,7 @@
           <a:p>
             <a:fld id="{D17C0673-4D49-4E82-8C72-D8AA60F272CB}" type="datetimeFigureOut">
               <a:rPr lang="pl-PL" smtClean="0"/>
-              <a:t>19.09.2025</a:t>
+              <a:t>20.09.2025</a:t>
             </a:fld>
             <a:endParaRPr lang="pl-PL"/>
           </a:p>
@@ -4370,7 +4370,7 @@
           <a:p>
             <a:fld id="{D17C0673-4D49-4E82-8C72-D8AA60F272CB}" type="datetimeFigureOut">
               <a:rPr lang="pl-PL" smtClean="0"/>
-              <a:t>19.09.2025</a:t>
+              <a:t>20.09.2025</a:t>
             </a:fld>
             <a:endParaRPr lang="pl-PL"/>
           </a:p>
@@ -4465,7 +4465,7 @@
           <a:p>
             <a:fld id="{D17C0673-4D49-4E82-8C72-D8AA60F272CB}" type="datetimeFigureOut">
               <a:rPr lang="pl-PL" smtClean="0"/>
-              <a:t>19.09.2025</a:t>
+              <a:t>20.09.2025</a:t>
             </a:fld>
             <a:endParaRPr lang="pl-PL"/>
           </a:p>
@@ -4738,7 +4738,7 @@
           <a:p>
             <a:fld id="{D17C0673-4D49-4E82-8C72-D8AA60F272CB}" type="datetimeFigureOut">
               <a:rPr lang="pl-PL" smtClean="0"/>
-              <a:t>19.09.2025</a:t>
+              <a:t>20.09.2025</a:t>
             </a:fld>
             <a:endParaRPr lang="pl-PL"/>
           </a:p>
@@ -5019,7 +5019,7 @@
           <a:p>
             <a:fld id="{D17C0673-4D49-4E82-8C72-D8AA60F272CB}" type="datetimeFigureOut">
               <a:rPr lang="pl-PL" smtClean="0"/>
-              <a:t>19.09.2025</a:t>
+              <a:t>20.09.2025</a:t>
             </a:fld>
             <a:endParaRPr lang="pl-PL"/>
           </a:p>
@@ -5259,7 +5259,7 @@
           <a:p>
             <a:fld id="{D17C0673-4D49-4E82-8C72-D8AA60F272CB}" type="datetimeFigureOut">
               <a:rPr lang="pl-PL" smtClean="0"/>
-              <a:t>19.09.2025</a:t>
+              <a:t>20.09.2025</a:t>
             </a:fld>
             <a:endParaRPr lang="pl-PL"/>
           </a:p>
@@ -6178,8 +6178,8 @@
         </p:nvSpPr>
         <p:spPr>
           <a:xfrm>
-            <a:off x="4664921" y="2730987"/>
-            <a:ext cx="2551219" cy="576599"/>
+            <a:off x="4642002" y="2641831"/>
+            <a:ext cx="2551219" cy="879249"/>
           </a:xfrm>
           <a:prstGeom prst="rect">
             <a:avLst/>
@@ -6278,8 +6278,8 @@
         </p:nvSpPr>
         <p:spPr>
           <a:xfrm>
-            <a:off x="5259803" y="3535680"/>
-            <a:ext cx="2031054" cy="752939"/>
+            <a:off x="5259803" y="3573595"/>
+            <a:ext cx="2031054" cy="656595"/>
           </a:xfrm>
           <a:prstGeom prst="rect">
             <a:avLst/>
@@ -6742,7 +6742,7 @@
         </p:nvSpPr>
         <p:spPr>
           <a:xfrm>
-            <a:off x="4986329" y="2730987"/>
+            <a:off x="4986329" y="2659058"/>
             <a:ext cx="2049151" cy="338554"/>
           </a:xfrm>
           <a:prstGeom prst="rect">
@@ -6938,7 +6938,7 @@
           <a:p>
             <a:r>
               <a:rPr lang="en-IE" sz="1600" dirty="0"/>
-              <a:t>Browse Workspaces</a:t>
+              <a:t>Update Workspaces</a:t>
             </a:r>
             <a:endParaRPr lang="pl-PL" sz="1600" dirty="0"/>
           </a:p>
@@ -6994,8 +6994,8 @@
         </p:nvSpPr>
         <p:spPr>
           <a:xfrm>
-            <a:off x="4635615" y="3023360"/>
-            <a:ext cx="2642005" cy="338554"/>
+            <a:off x="5169066" y="2906981"/>
+            <a:ext cx="1648400" cy="338554"/>
           </a:xfrm>
           <a:prstGeom prst="rect">
             <a:avLst/>
@@ -7010,7 +7010,7 @@
           <a:p>
             <a:r>
               <a:rPr lang="en-IE" sz="1600" dirty="0"/>
-              <a:t>Receive Datetime Reminders</a:t>
+              <a:t>Update Template</a:t>
             </a:r>
             <a:endParaRPr lang="pl-PL" sz="1600" dirty="0"/>
           </a:p>
@@ -7030,8 +7030,8 @@
         </p:nvSpPr>
         <p:spPr>
           <a:xfrm>
-            <a:off x="1637422" y="4006591"/>
-            <a:ext cx="2887009" cy="338554"/>
+            <a:off x="2237829" y="3999747"/>
+            <a:ext cx="1716239" cy="338554"/>
           </a:xfrm>
           <a:prstGeom prst="rect">
             <a:avLst/>
@@ -7046,7 +7046,7 @@
           <a:p>
             <a:r>
               <a:rPr lang="en-IE" sz="1600" dirty="0"/>
-              <a:t>Directly Add Note to Workspace</a:t>
+              <a:t>Delete Workspace</a:t>
             </a:r>
             <a:endParaRPr lang="pl-PL" sz="1600" dirty="0"/>
           </a:p>
@@ -7424,6 +7424,42 @@
               <a:t>for readability</a:t>
             </a:r>
             <a:endParaRPr lang="pl-PL" sz="1400" dirty="0"/>
+          </a:p>
+        </p:txBody>
+      </p:sp>
+      <p:sp>
+        <p:nvSpPr>
+          <p:cNvPr id="3" name="TextBox 2">
+            <a:extLst>
+              <a:ext uri="{FF2B5EF4-FFF2-40B4-BE49-F238E27FC236}">
+                <a16:creationId xmlns:a16="http://schemas.microsoft.com/office/drawing/2014/main" id="{5A40573B-BA06-5264-C486-869A5BB55B34}"/>
+              </a:ext>
+            </a:extLst>
+          </p:cNvPr>
+          <p:cNvSpPr txBox="1"/>
+          <p:nvPr/>
+        </p:nvSpPr>
+        <p:spPr>
+          <a:xfrm>
+            <a:off x="5204580" y="3154904"/>
+            <a:ext cx="1581074" cy="338554"/>
+          </a:xfrm>
+          <a:prstGeom prst="rect">
+            <a:avLst/>
+          </a:prstGeom>
+          <a:noFill/>
+        </p:spPr>
+        <p:txBody>
+          <a:bodyPr wrap="none" rtlCol="0">
+            <a:spAutoFit/>
+          </a:bodyPr>
+          <a:lstStyle/>
+          <a:p>
+            <a:r>
+              <a:rPr lang="en-IE" sz="1600" dirty="0"/>
+              <a:t>Delete Template</a:t>
+            </a:r>
+            <a:endParaRPr lang="pl-PL" sz="1600" dirty="0"/>
           </a:p>
         </p:txBody>
       </p:sp>

--- a/ThingSpaceTsM2.pptx
+++ b/ThingSpaceTsM2.pptx
@@ -6132,7 +6132,7 @@
         </p:nvSpPr>
         <p:spPr>
           <a:xfrm>
-            <a:off x="1539240" y="1147604"/>
+            <a:off x="1493441" y="1378965"/>
             <a:ext cx="6065520" cy="3421380"/>
           </a:xfrm>
           <a:prstGeom prst="rect">
@@ -6178,7 +6178,7 @@
         </p:nvSpPr>
         <p:spPr>
           <a:xfrm>
-            <a:off x="4642002" y="2641831"/>
+            <a:off x="4618634" y="2873192"/>
             <a:ext cx="2551219" cy="879249"/>
           </a:xfrm>
           <a:prstGeom prst="rect">
@@ -6229,7 +6229,7 @@
         </p:nvSpPr>
         <p:spPr>
           <a:xfrm>
-            <a:off x="1712139" y="2798421"/>
+            <a:off x="1688771" y="3029782"/>
             <a:ext cx="2789861" cy="1618656"/>
           </a:xfrm>
           <a:prstGeom prst="rect">
@@ -6278,7 +6278,7 @@
         </p:nvSpPr>
         <p:spPr>
           <a:xfrm>
-            <a:off x="5259803" y="3573595"/>
+            <a:off x="5236435" y="3804956"/>
             <a:ext cx="2031054" cy="656595"/>
           </a:xfrm>
           <a:prstGeom prst="rect">
@@ -6330,7 +6330,7 @@
         </p:nvSpPr>
         <p:spPr>
           <a:xfrm>
-            <a:off x="5120640" y="1299511"/>
+            <a:off x="5097272" y="1530872"/>
             <a:ext cx="1463040" cy="1298471"/>
           </a:xfrm>
           <a:prstGeom prst="rect">
@@ -6358,7 +6358,7 @@
           <a:lstStyle/>
           <a:p>
             <a:pPr algn="ctr"/>
-            <a:endParaRPr lang="pl-PL"/>
+            <a:endParaRPr lang="pl-PL" dirty="0"/>
           </a:p>
         </p:txBody>
       </p:sp>
@@ -6376,7 +6376,7 @@
         </p:nvSpPr>
         <p:spPr>
           <a:xfrm>
-            <a:off x="2651760" y="1299511"/>
+            <a:off x="2628392" y="1530872"/>
             <a:ext cx="1669753" cy="1385991"/>
           </a:xfrm>
           <a:prstGeom prst="rect">
@@ -6455,7 +6455,7 @@
         </p:nvSpPr>
         <p:spPr>
           <a:xfrm>
-            <a:off x="3139440" y="1299511"/>
+            <a:off x="3116072" y="1530872"/>
             <a:ext cx="764953" cy="338554"/>
           </a:xfrm>
           <a:prstGeom prst="rect">
@@ -6490,7 +6490,7 @@
         </p:nvSpPr>
         <p:spPr>
           <a:xfrm>
-            <a:off x="3048581" y="1668843"/>
+            <a:off x="3025213" y="1900204"/>
             <a:ext cx="925253" cy="338554"/>
           </a:xfrm>
           <a:prstGeom prst="rect">
@@ -6526,7 +6526,7 @@
         </p:nvSpPr>
         <p:spPr>
           <a:xfrm>
-            <a:off x="3087661" y="2009794"/>
+            <a:off x="3064293" y="2241155"/>
             <a:ext cx="847091" cy="338554"/>
           </a:xfrm>
           <a:prstGeom prst="rect">
@@ -6562,7 +6562,7 @@
         </p:nvSpPr>
         <p:spPr>
           <a:xfrm>
-            <a:off x="2811780" y="2346948"/>
+            <a:off x="2788412" y="2578309"/>
             <a:ext cx="1482265" cy="338554"/>
           </a:xfrm>
           <a:prstGeom prst="rect">
@@ -6598,7 +6598,7 @@
         </p:nvSpPr>
         <p:spPr>
           <a:xfrm>
-            <a:off x="5227320" y="1299511"/>
+            <a:off x="5201169" y="1492214"/>
             <a:ext cx="1217000" cy="338554"/>
           </a:xfrm>
           <a:prstGeom prst="rect">
@@ -6634,7 +6634,7 @@
         </p:nvSpPr>
         <p:spPr>
           <a:xfrm>
-            <a:off x="5182859" y="1611931"/>
+            <a:off x="5139940" y="1728984"/>
             <a:ext cx="1282723" cy="338554"/>
           </a:xfrm>
           <a:prstGeom prst="rect">
@@ -6670,7 +6670,7 @@
         </p:nvSpPr>
         <p:spPr>
           <a:xfrm>
-            <a:off x="5259803" y="1920704"/>
+            <a:off x="5255558" y="1977660"/>
             <a:ext cx="1146468" cy="338554"/>
           </a:xfrm>
           <a:prstGeom prst="rect">
@@ -6706,7 +6706,7 @@
         </p:nvSpPr>
         <p:spPr>
           <a:xfrm>
-            <a:off x="5190953" y="2219788"/>
+            <a:off x="5171898" y="2210805"/>
             <a:ext cx="1215397" cy="338554"/>
           </a:xfrm>
           <a:prstGeom prst="rect">
@@ -6742,7 +6742,7 @@
         </p:nvSpPr>
         <p:spPr>
           <a:xfrm>
-            <a:off x="4986329" y="2659058"/>
+            <a:off x="4962961" y="2890419"/>
             <a:ext cx="2049151" cy="338554"/>
           </a:xfrm>
           <a:prstGeom prst="rect">
@@ -6778,7 +6778,7 @@
         </p:nvSpPr>
         <p:spPr>
           <a:xfrm>
-            <a:off x="5332130" y="3621765"/>
+            <a:off x="5308762" y="3853126"/>
             <a:ext cx="1750607" cy="338554"/>
           </a:xfrm>
           <a:prstGeom prst="rect">
@@ -6814,7 +6814,7 @@
         </p:nvSpPr>
         <p:spPr>
           <a:xfrm>
-            <a:off x="5733416" y="3891636"/>
+            <a:off x="5710048" y="4122997"/>
             <a:ext cx="1143262" cy="338554"/>
           </a:xfrm>
           <a:prstGeom prst="rect">
@@ -6850,7 +6850,7 @@
         </p:nvSpPr>
         <p:spPr>
           <a:xfrm>
-            <a:off x="2156827" y="2798421"/>
+            <a:off x="2133459" y="3029782"/>
             <a:ext cx="1847685" cy="338554"/>
           </a:xfrm>
           <a:prstGeom prst="rect">
@@ -6886,7 +6886,7 @@
         </p:nvSpPr>
         <p:spPr>
           <a:xfrm>
-            <a:off x="2088677" y="3081366"/>
+            <a:off x="2065309" y="3312727"/>
             <a:ext cx="1989647" cy="338554"/>
           </a:xfrm>
           <a:prstGeom prst="rect">
@@ -6922,7 +6922,7 @@
         </p:nvSpPr>
         <p:spPr>
           <a:xfrm>
-            <a:off x="2147465" y="3402506"/>
+            <a:off x="2124097" y="3633867"/>
             <a:ext cx="1866921" cy="338554"/>
           </a:xfrm>
           <a:prstGeom prst="rect">
@@ -6958,7 +6958,7 @@
         </p:nvSpPr>
         <p:spPr>
           <a:xfrm>
-            <a:off x="2250604" y="3709191"/>
+            <a:off x="2227236" y="3940552"/>
             <a:ext cx="1660134" cy="338554"/>
           </a:xfrm>
           <a:prstGeom prst="rect">
@@ -6994,7 +6994,7 @@
         </p:nvSpPr>
         <p:spPr>
           <a:xfrm>
-            <a:off x="5169066" y="2906981"/>
+            <a:off x="5145698" y="3138342"/>
             <a:ext cx="1648400" cy="338554"/>
           </a:xfrm>
           <a:prstGeom prst="rect">
@@ -7030,7 +7030,7 @@
         </p:nvSpPr>
         <p:spPr>
           <a:xfrm>
-            <a:off x="2237829" y="3999747"/>
+            <a:off x="2214461" y="4231108"/>
             <a:ext cx="1716239" cy="338554"/>
           </a:xfrm>
           <a:prstGeom prst="rect">
@@ -7066,7 +7066,7 @@
         </p:nvSpPr>
         <p:spPr>
           <a:xfrm>
-            <a:off x="418550" y="2289726"/>
+            <a:off x="395182" y="2521087"/>
             <a:ext cx="643125" cy="369332"/>
           </a:xfrm>
           <a:prstGeom prst="rect">
@@ -7102,7 +7102,7 @@
         </p:nvSpPr>
         <p:spPr>
           <a:xfrm>
-            <a:off x="7604760" y="1187450"/>
+            <a:off x="7581392" y="1418811"/>
             <a:ext cx="1471621" cy="646331"/>
           </a:xfrm>
           <a:prstGeom prst="rect">
@@ -7116,6 +7116,7 @@
           </a:bodyPr>
           <a:lstStyle/>
           <a:p>
+            <a:pPr algn="ctr"/>
             <a:r>
               <a:rPr lang="en-IE" b="1" i="1" dirty="0"/>
               <a:t>Text2Speech</a:t>
@@ -7145,7 +7146,7 @@
         </p:nvSpPr>
         <p:spPr>
           <a:xfrm>
-            <a:off x="7663548" y="3367192"/>
+            <a:off x="7662100" y="4051237"/>
             <a:ext cx="1208985" cy="646331"/>
           </a:xfrm>
           <a:prstGeom prst="rect">
@@ -7159,6 +7160,7 @@
           </a:bodyPr>
           <a:lstStyle/>
           <a:p>
+            <a:pPr algn="ctr"/>
             <a:r>
               <a:rPr lang="en-IE" b="1" i="1" dirty="0"/>
               <a:t>Thesaurus</a:t>
@@ -7188,7 +7190,7 @@
         </p:nvSpPr>
         <p:spPr>
           <a:xfrm>
-            <a:off x="7665989" y="4082328"/>
+            <a:off x="7718981" y="3411795"/>
             <a:ext cx="1014508" cy="369332"/>
           </a:xfrm>
           <a:prstGeom prst="rect">
@@ -7221,14 +7223,13 @@
           </p:cNvPr>
           <p:cNvCxnSpPr>
             <a:cxnSpLocks/>
-            <a:endCxn id="29" idx="1"/>
           </p:cNvCxnSpPr>
           <p:nvPr/>
         </p:nvCxnSpPr>
         <p:spPr>
-          <a:xfrm>
-            <a:off x="7102260" y="3862408"/>
-            <a:ext cx="563729" cy="404586"/>
+          <a:xfrm flipV="1">
+            <a:off x="7080148" y="3699238"/>
+            <a:ext cx="618815" cy="266824"/>
           </a:xfrm>
           <a:prstGeom prst="straightConnector1">
             <a:avLst/>
@@ -7270,9 +7271,9 @@
           <p:nvPr/>
         </p:nvCxnSpPr>
         <p:spPr>
-          <a:xfrm flipV="1">
-            <a:off x="7082737" y="3690358"/>
-            <a:ext cx="580811" cy="100684"/>
+          <a:xfrm>
+            <a:off x="7059369" y="4022403"/>
+            <a:ext cx="602731" cy="352000"/>
           </a:xfrm>
           <a:prstGeom prst="straightConnector1">
             <a:avLst/>
@@ -7311,7 +7312,7 @@
         </p:nvSpPr>
         <p:spPr>
           <a:xfrm>
-            <a:off x="-11173" y="2612602"/>
+            <a:off x="14664" y="2795009"/>
             <a:ext cx="1527982" cy="954107"/>
           </a:xfrm>
           <a:prstGeom prst="rect">
@@ -7369,7 +7370,7 @@
         </p:nvSpPr>
         <p:spPr>
           <a:xfrm>
-            <a:off x="7558961" y="1731395"/>
+            <a:off x="7539176" y="1898398"/>
             <a:ext cx="1563248" cy="1384995"/>
           </a:xfrm>
           <a:prstGeom prst="rect">
@@ -7441,7 +7442,7 @@
         </p:nvSpPr>
         <p:spPr>
           <a:xfrm>
-            <a:off x="5204580" y="3154904"/>
+            <a:off x="5181212" y="3386265"/>
             <a:ext cx="1581074" cy="338554"/>
           </a:xfrm>
           <a:prstGeom prst="rect">
@@ -7463,6 +7464,87 @@
           </a:p>
         </p:txBody>
       </p:sp>
+      <p:sp>
+        <p:nvSpPr>
+          <p:cNvPr id="24" name="TextBox 23">
+            <a:extLst>
+              <a:ext uri="{FF2B5EF4-FFF2-40B4-BE49-F238E27FC236}">
+                <a16:creationId xmlns:a16="http://schemas.microsoft.com/office/drawing/2014/main" id="{BF9B75BB-ED44-5A7F-A8C5-57B0CD71484F}"/>
+              </a:ext>
+            </a:extLst>
+          </p:cNvPr>
+          <p:cNvSpPr txBox="1"/>
+          <p:nvPr/>
+        </p:nvSpPr>
+        <p:spPr>
+          <a:xfrm>
+            <a:off x="5374228" y="2483908"/>
+            <a:ext cx="809837" cy="338554"/>
+          </a:xfrm>
+          <a:prstGeom prst="rect">
+            <a:avLst/>
+          </a:prstGeom>
+          <a:noFill/>
+        </p:spPr>
+        <p:txBody>
+          <a:bodyPr wrap="none" rtlCol="0">
+            <a:spAutoFit/>
+          </a:bodyPr>
+          <a:lstStyle/>
+          <a:p>
+            <a:r>
+              <a:rPr lang="en-IE" sz="1600" dirty="0"/>
+              <a:t>Autofill</a:t>
+            </a:r>
+            <a:endParaRPr lang="pl-PL" sz="1600" dirty="0"/>
+          </a:p>
+        </p:txBody>
+      </p:sp>
+      <p:cxnSp>
+        <p:nvCxnSpPr>
+          <p:cNvPr id="40" name="Connector: Elbow 39">
+            <a:extLst>
+              <a:ext uri="{FF2B5EF4-FFF2-40B4-BE49-F238E27FC236}">
+                <a16:creationId xmlns:a16="http://schemas.microsoft.com/office/drawing/2014/main" id="{F2C865DF-1689-6D43-E7F9-64684A4A733A}"/>
+              </a:ext>
+            </a:extLst>
+          </p:cNvPr>
+          <p:cNvCxnSpPr>
+            <a:cxnSpLocks/>
+            <a:stCxn id="29" idx="1"/>
+          </p:cNvCxnSpPr>
+          <p:nvPr/>
+        </p:nvCxnSpPr>
+        <p:spPr>
+          <a:xfrm rot="10800000">
+            <a:off x="6256325" y="2649327"/>
+            <a:ext cx="1462656" cy="947135"/>
+          </a:xfrm>
+          <a:prstGeom prst="bentConnector3">
+            <a:avLst>
+              <a:gd name="adj1" fmla="val 26081"/>
+            </a:avLst>
+          </a:prstGeom>
+          <a:ln>
+            <a:headEnd type="arrow" w="med" len="med"/>
+            <a:tailEnd type="arrow" w="med" len="med"/>
+          </a:ln>
+        </p:spPr>
+        <p:style>
+          <a:lnRef idx="3">
+            <a:schemeClr val="accent6"/>
+          </a:lnRef>
+          <a:fillRef idx="0">
+            <a:schemeClr val="accent6"/>
+          </a:fillRef>
+          <a:effectRef idx="2">
+            <a:schemeClr val="accent6"/>
+          </a:effectRef>
+          <a:fontRef idx="minor">
+            <a:schemeClr val="tx1"/>
+          </a:fontRef>
+        </p:style>
+      </p:cxnSp>
     </p:spTree>
     <p:extLst>
       <p:ext uri="{BB962C8B-B14F-4D97-AF65-F5344CB8AC3E}">

--- a/ThingSpaceTsM2.pptx
+++ b/ThingSpaceTsM2.pptx
@@ -6084,7 +6084,48 @@
           <a:bodyPr/>
           <a:lstStyle/>
           <a:p>
-            <a:endParaRPr lang="pl-PL"/>
+            <a:r>
+              <a:rPr lang="en-IE" b="1" dirty="0"/>
+              <a:t>Actors:</a:t>
+            </a:r>
+            <a:r>
+              <a:rPr lang="en-IE" dirty="0"/>
+              <a:t> We have a User who can perform operation on his own notes as well as share the notes with other users and workspaces they are in. Another actor would be workspace owner who can perform editorial tasks inside a workspace.</a:t>
+            </a:r>
+          </a:p>
+          <a:p>
+            <a:r>
+              <a:rPr lang="en-IE" b="1" dirty="0"/>
+              <a:t>Central Features:</a:t>
+            </a:r>
+            <a:br>
+              <a:rPr lang="en-IE" b="1" dirty="0"/>
+            </a:br>
+            <a:r>
+              <a:rPr lang="en-IE" dirty="0"/>
+              <a:t>- Note Management (CRUD + sharing)</a:t>
+            </a:r>
+            <a:br>
+              <a:rPr lang="en-IE" dirty="0"/>
+            </a:br>
+            <a:r>
+              <a:rPr lang="en-IE" dirty="0"/>
+              <a:t>- Note Retrieval (Filtering + Synonymic Search)</a:t>
+            </a:r>
+            <a:br>
+              <a:rPr lang="en-IE" dirty="0"/>
+            </a:br>
+            <a:r>
+              <a:rPr lang="en-IE" dirty="0"/>
+              <a:t>- Workspace Participation (Joining and Managing)</a:t>
+            </a:r>
+            <a:br>
+              <a:rPr lang="en-IE" dirty="0"/>
+            </a:br>
+            <a:r>
+              <a:rPr lang="en-IE" dirty="0"/>
+              <a:t>- The selling point: Format customization with Templates</a:t>
+            </a:r>
           </a:p>
         </p:txBody>
       </p:sp>
@@ -6229,8 +6270,8 @@
         </p:nvSpPr>
         <p:spPr>
           <a:xfrm>
-            <a:off x="1688771" y="3029782"/>
-            <a:ext cx="2789861" cy="1618656"/>
+            <a:off x="1673255" y="2741026"/>
+            <a:ext cx="2789861" cy="1884095"/>
           </a:xfrm>
           <a:prstGeom prst="rect">
             <a:avLst/>
@@ -6260,7 +6301,7 @@
           <a:lstStyle/>
           <a:p>
             <a:pPr algn="ctr"/>
-            <a:endParaRPr lang="pl-PL"/>
+            <a:endParaRPr lang="pl-PL" dirty="0"/>
           </a:p>
         </p:txBody>
       </p:sp>
@@ -6376,8 +6417,8 @@
         </p:nvSpPr>
         <p:spPr>
           <a:xfrm>
-            <a:off x="2628392" y="1530872"/>
-            <a:ext cx="1669753" cy="1385991"/>
+            <a:off x="2756946" y="1530872"/>
+            <a:ext cx="1541199" cy="1104943"/>
           </a:xfrm>
           <a:prstGeom prst="rect">
             <a:avLst/>
@@ -6490,7 +6531,7 @@
         </p:nvSpPr>
         <p:spPr>
           <a:xfrm>
-            <a:off x="3025213" y="1900204"/>
+            <a:off x="3035921" y="1757287"/>
             <a:ext cx="925253" cy="338554"/>
           </a:xfrm>
           <a:prstGeom prst="rect">
@@ -6526,7 +6567,7 @@
         </p:nvSpPr>
         <p:spPr>
           <a:xfrm>
-            <a:off x="3064293" y="2241155"/>
+            <a:off x="3106652" y="2021289"/>
             <a:ext cx="847091" cy="338554"/>
           </a:xfrm>
           <a:prstGeom prst="rect">
@@ -6562,7 +6603,7 @@
         </p:nvSpPr>
         <p:spPr>
           <a:xfrm>
-            <a:off x="2788412" y="2578309"/>
+            <a:off x="2794732" y="2299799"/>
             <a:ext cx="1482265" cy="338554"/>
           </a:xfrm>
           <a:prstGeom prst="rect">
@@ -6850,7 +6891,7 @@
         </p:nvSpPr>
         <p:spPr>
           <a:xfrm>
-            <a:off x="2133459" y="3029782"/>
+            <a:off x="2141513" y="2743564"/>
             <a:ext cx="1847685" cy="338554"/>
           </a:xfrm>
           <a:prstGeom prst="rect">
@@ -6886,7 +6927,7 @@
         </p:nvSpPr>
         <p:spPr>
           <a:xfrm>
-            <a:off x="2065309" y="3312727"/>
+            <a:off x="2073363" y="3026509"/>
             <a:ext cx="1989647" cy="338554"/>
           </a:xfrm>
           <a:prstGeom prst="rect">
@@ -6922,7 +6963,7 @@
         </p:nvSpPr>
         <p:spPr>
           <a:xfrm>
-            <a:off x="2124097" y="3633867"/>
+            <a:off x="2132151" y="3347649"/>
             <a:ext cx="1866921" cy="338554"/>
           </a:xfrm>
           <a:prstGeom prst="rect">
@@ -6958,7 +6999,7 @@
         </p:nvSpPr>
         <p:spPr>
           <a:xfrm>
-            <a:off x="2227236" y="3940552"/>
+            <a:off x="2235290" y="3654334"/>
             <a:ext cx="1660134" cy="338554"/>
           </a:xfrm>
           <a:prstGeom prst="rect">
@@ -7030,7 +7071,7 @@
         </p:nvSpPr>
         <p:spPr>
           <a:xfrm>
-            <a:off x="2214461" y="4231108"/>
+            <a:off x="2222515" y="3944890"/>
             <a:ext cx="1716239" cy="338554"/>
           </a:xfrm>
           <a:prstGeom prst="rect">
@@ -7066,7 +7107,7 @@
         </p:nvSpPr>
         <p:spPr>
           <a:xfrm>
-            <a:off x="395182" y="2521087"/>
+            <a:off x="348649" y="1357382"/>
             <a:ext cx="643125" cy="369332"/>
           </a:xfrm>
           <a:prstGeom prst="rect">
@@ -7118,17 +7159,38 @@
           <a:p>
             <a:pPr algn="ctr"/>
             <a:r>
-              <a:rPr lang="en-IE" b="1" i="1" dirty="0"/>
+              <a:rPr lang="en-IE" b="1" i="1" dirty="0">
+                <a:solidFill>
+                  <a:schemeClr val="accent5">
+                    <a:lumMod val="60000"/>
+                    <a:lumOff val="40000"/>
+                  </a:schemeClr>
+                </a:solidFill>
+              </a:rPr>
               <a:t>Text2Speech</a:t>
             </a:r>
             <a:br>
               <a:rPr lang="en-IE" b="1" i="1" dirty="0"/>
             </a:br>
             <a:r>
-              <a:rPr lang="en-IE" b="1" i="1" dirty="0"/>
+              <a:rPr lang="en-IE" b="1" i="1" dirty="0">
+                <a:solidFill>
+                  <a:schemeClr val="accent5">
+                    <a:lumMod val="60000"/>
+                    <a:lumOff val="40000"/>
+                  </a:schemeClr>
+                </a:solidFill>
+              </a:rPr>
               <a:t>API</a:t>
             </a:r>
-            <a:endParaRPr lang="pl-PL" b="1" i="1" dirty="0"/>
+            <a:endParaRPr lang="pl-PL" b="1" i="1" dirty="0">
+              <a:solidFill>
+                <a:schemeClr val="accent5">
+                  <a:lumMod val="60000"/>
+                  <a:lumOff val="40000"/>
+                </a:schemeClr>
+              </a:solidFill>
+            </a:endParaRPr>
           </a:p>
         </p:txBody>
       </p:sp>
@@ -7205,10 +7267,24 @@
           <a:lstStyle/>
           <a:p>
             <a:r>
-              <a:rPr lang="en-IE" b="1" i="1" dirty="0"/>
+              <a:rPr lang="en-IE" b="1" i="1" dirty="0">
+                <a:solidFill>
+                  <a:schemeClr val="accent5">
+                    <a:lumMod val="60000"/>
+                    <a:lumOff val="40000"/>
+                  </a:schemeClr>
+                </a:solidFill>
+              </a:rPr>
               <a:t>LLM API</a:t>
             </a:r>
-            <a:endParaRPr lang="pl-PL" b="1" i="1" dirty="0"/>
+            <a:endParaRPr lang="pl-PL" b="1" i="1" dirty="0">
+              <a:solidFill>
+                <a:schemeClr val="accent5">
+                  <a:lumMod val="60000"/>
+                  <a:lumOff val="40000"/>
+                </a:schemeClr>
+              </a:solidFill>
+            </a:endParaRPr>
           </a:p>
         </p:txBody>
       </p:sp>
@@ -7312,8 +7388,8 @@
         </p:nvSpPr>
         <p:spPr>
           <a:xfrm>
-            <a:off x="14664" y="2795009"/>
-            <a:ext cx="1527982" cy="954107"/>
+            <a:off x="-18042" y="1683689"/>
+            <a:ext cx="1481624" cy="1600438"/>
           </a:xfrm>
           <a:prstGeom prst="rect">
             <a:avLst/>
@@ -7336,21 +7412,42 @@
             <a:pPr algn="ctr"/>
             <a:r>
               <a:rPr lang="en-IE" sz="1400" dirty="0"/>
-              <a:t>all use cases.</a:t>
+              <a:t>all use cases</a:t>
             </a:r>
           </a:p>
           <a:p>
             <a:pPr algn="ctr"/>
             <a:r>
               <a:rPr lang="en-IE" sz="1400" dirty="0"/>
-              <a:t>Arrows not shown</a:t>
+              <a:t> other than</a:t>
             </a:r>
           </a:p>
           <a:p>
             <a:pPr algn="ctr"/>
             <a:r>
               <a:rPr lang="en-IE" sz="1400" dirty="0"/>
-              <a:t>For readability</a:t>
+              <a:t> Workspace </a:t>
+            </a:r>
+          </a:p>
+          <a:p>
+            <a:pPr algn="ctr"/>
+            <a:r>
+              <a:rPr lang="en-IE" sz="1400" dirty="0"/>
+              <a:t>Manager. Arrows </a:t>
+            </a:r>
+          </a:p>
+          <a:p>
+            <a:pPr algn="ctr"/>
+            <a:r>
+              <a:rPr lang="en-IE" sz="1400" dirty="0"/>
+              <a:t>not shown for </a:t>
+            </a:r>
+          </a:p>
+          <a:p>
+            <a:pPr algn="ctr"/>
+            <a:r>
+              <a:rPr lang="en-IE" sz="1400" dirty="0"/>
+              <a:t>Readability.</a:t>
             </a:r>
             <a:endParaRPr lang="pl-PL" sz="1400" dirty="0"/>
           </a:p>
@@ -7386,45 +7483,94 @@
           <a:p>
             <a:pPr algn="ctr"/>
             <a:r>
-              <a:rPr lang="en-IE" sz="1400" dirty="0"/>
+              <a:rPr lang="en-IE" sz="1400" dirty="0">
+                <a:solidFill>
+                  <a:schemeClr val="accent5">
+                    <a:lumMod val="60000"/>
+                    <a:lumOff val="40000"/>
+                  </a:schemeClr>
+                </a:solidFill>
+              </a:rPr>
               <a:t>Will be used as an </a:t>
             </a:r>
           </a:p>
           <a:p>
             <a:pPr algn="ctr"/>
             <a:r>
-              <a:rPr lang="en-IE" sz="1400" dirty="0"/>
+              <a:rPr lang="en-IE" sz="1400" dirty="0">
+                <a:solidFill>
+                  <a:schemeClr val="accent5">
+                    <a:lumMod val="60000"/>
+                    <a:lumOff val="40000"/>
+                  </a:schemeClr>
+                </a:solidFill>
+              </a:rPr>
               <a:t>alternative to </a:t>
             </a:r>
           </a:p>
           <a:p>
             <a:pPr algn="ctr"/>
             <a:r>
-              <a:rPr lang="en-IE" sz="1400" dirty="0"/>
+              <a:rPr lang="en-IE" sz="1400" dirty="0">
+                <a:solidFill>
+                  <a:schemeClr val="accent5">
+                    <a:lumMod val="60000"/>
+                    <a:lumOff val="40000"/>
+                  </a:schemeClr>
+                </a:solidFill>
+              </a:rPr>
               <a:t>typing in the </a:t>
             </a:r>
           </a:p>
           <a:p>
             <a:pPr algn="ctr"/>
             <a:r>
-              <a:rPr lang="en-IE" sz="1400" dirty="0"/>
+              <a:rPr lang="en-IE" sz="1400" dirty="0">
+                <a:solidFill>
+                  <a:schemeClr val="accent5">
+                    <a:lumMod val="60000"/>
+                    <a:lumOff val="40000"/>
+                  </a:schemeClr>
+                </a:solidFill>
+              </a:rPr>
               <a:t>text fields. </a:t>
             </a:r>
           </a:p>
           <a:p>
             <a:pPr algn="ctr"/>
             <a:r>
-              <a:rPr lang="en-IE" sz="1400" dirty="0"/>
+              <a:rPr lang="en-IE" sz="1400" dirty="0">
+                <a:solidFill>
+                  <a:schemeClr val="accent5">
+                    <a:lumMod val="60000"/>
+                    <a:lumOff val="40000"/>
+                  </a:schemeClr>
+                </a:solidFill>
+              </a:rPr>
               <a:t>Arrows not shown </a:t>
             </a:r>
           </a:p>
           <a:p>
             <a:pPr algn="ctr"/>
             <a:r>
-              <a:rPr lang="en-IE" sz="1400" dirty="0"/>
+              <a:rPr lang="en-IE" sz="1400" dirty="0">
+                <a:solidFill>
+                  <a:schemeClr val="accent5">
+                    <a:lumMod val="60000"/>
+                    <a:lumOff val="40000"/>
+                  </a:schemeClr>
+                </a:solidFill>
+              </a:rPr>
               <a:t>for readability</a:t>
             </a:r>
-            <a:endParaRPr lang="pl-PL" sz="1400" dirty="0"/>
+            <a:endParaRPr lang="pl-PL" sz="1400" dirty="0">
+              <a:solidFill>
+                <a:schemeClr val="accent5">
+                  <a:lumMod val="60000"/>
+                  <a:lumOff val="40000"/>
+                </a:schemeClr>
+              </a:solidFill>
+            </a:endParaRPr>
           </a:p>
         </p:txBody>
       </p:sp>
@@ -7493,10 +7639,24 @@
           <a:lstStyle/>
           <a:p>
             <a:r>
-              <a:rPr lang="en-IE" sz="1600" dirty="0"/>
+              <a:rPr lang="en-IE" sz="1600" dirty="0">
+                <a:solidFill>
+                  <a:schemeClr val="accent5">
+                    <a:lumMod val="60000"/>
+                    <a:lumOff val="40000"/>
+                  </a:schemeClr>
+                </a:solidFill>
+              </a:rPr>
               <a:t>Autofill</a:t>
             </a:r>
-            <a:endParaRPr lang="pl-PL" sz="1600" dirty="0"/>
+            <a:endParaRPr lang="pl-PL" sz="1600" dirty="0">
+              <a:solidFill>
+                <a:schemeClr val="accent5">
+                  <a:lumMod val="60000"/>
+                  <a:lumOff val="40000"/>
+                </a:schemeClr>
+              </a:solidFill>
+            </a:endParaRPr>
           </a:p>
         </p:txBody>
       </p:sp>
@@ -7545,6 +7705,304 @@
           </a:fontRef>
         </p:style>
       </p:cxnSp>
+      <p:sp>
+        <p:nvSpPr>
+          <p:cNvPr id="32" name="TextBox 31">
+            <a:extLst>
+              <a:ext uri="{FF2B5EF4-FFF2-40B4-BE49-F238E27FC236}">
+                <a16:creationId xmlns:a16="http://schemas.microsoft.com/office/drawing/2014/main" id="{BB4F0DE5-DBD7-7E9F-63FA-4F8AAC2DE93B}"/>
+              </a:ext>
+            </a:extLst>
+          </p:cNvPr>
+          <p:cNvSpPr txBox="1"/>
+          <p:nvPr/>
+        </p:nvSpPr>
+        <p:spPr>
+          <a:xfrm>
+            <a:off x="100404" y="4051237"/>
+            <a:ext cx="1253035" cy="646331"/>
+          </a:xfrm>
+          <a:prstGeom prst="rect">
+            <a:avLst/>
+          </a:prstGeom>
+          <a:noFill/>
+        </p:spPr>
+        <p:txBody>
+          <a:bodyPr wrap="none" rtlCol="0">
+            <a:spAutoFit/>
+          </a:bodyPr>
+          <a:lstStyle/>
+          <a:p>
+            <a:r>
+              <a:rPr lang="en-IE" b="1" i="1" dirty="0"/>
+              <a:t>Workspace</a:t>
+            </a:r>
+          </a:p>
+          <a:p>
+            <a:pPr algn="ctr"/>
+            <a:r>
+              <a:rPr lang="en-IE" b="1" i="1" dirty="0"/>
+              <a:t>Manager</a:t>
+            </a:r>
+            <a:endParaRPr lang="pl-PL" b="1" i="1" dirty="0"/>
+          </a:p>
+        </p:txBody>
+      </p:sp>
+      <p:cxnSp>
+        <p:nvCxnSpPr>
+          <p:cNvPr id="34" name="Straight Arrow Connector 33">
+            <a:extLst>
+              <a:ext uri="{FF2B5EF4-FFF2-40B4-BE49-F238E27FC236}">
+                <a16:creationId xmlns:a16="http://schemas.microsoft.com/office/drawing/2014/main" id="{4D3E5215-EBA7-15A3-012D-861BA3C51F85}"/>
+              </a:ext>
+            </a:extLst>
+          </p:cNvPr>
+          <p:cNvCxnSpPr>
+            <a:cxnSpLocks/>
+            <a:stCxn id="32" idx="3"/>
+            <a:endCxn id="18" idx="1"/>
+          </p:cNvCxnSpPr>
+          <p:nvPr/>
+        </p:nvCxnSpPr>
+        <p:spPr>
+          <a:xfrm flipV="1">
+            <a:off x="1353439" y="3516926"/>
+            <a:ext cx="778712" cy="857477"/>
+          </a:xfrm>
+          <a:prstGeom prst="straightConnector1">
+            <a:avLst/>
+          </a:prstGeom>
+          <a:ln>
+            <a:tailEnd type="triangle"/>
+          </a:ln>
+        </p:spPr>
+        <p:style>
+          <a:lnRef idx="3">
+            <a:schemeClr val="accent6"/>
+          </a:lnRef>
+          <a:fillRef idx="0">
+            <a:schemeClr val="accent6"/>
+          </a:fillRef>
+          <a:effectRef idx="2">
+            <a:schemeClr val="accent6"/>
+          </a:effectRef>
+          <a:fontRef idx="minor">
+            <a:schemeClr val="tx1"/>
+          </a:fontRef>
+        </p:style>
+      </p:cxnSp>
+      <p:sp>
+        <p:nvSpPr>
+          <p:cNvPr id="35" name="TextBox 34">
+            <a:extLst>
+              <a:ext uri="{FF2B5EF4-FFF2-40B4-BE49-F238E27FC236}">
+                <a16:creationId xmlns:a16="http://schemas.microsoft.com/office/drawing/2014/main" id="{316B09CE-ED15-F81B-92C3-3075B3C74EBA}"/>
+              </a:ext>
+            </a:extLst>
+          </p:cNvPr>
+          <p:cNvSpPr txBox="1"/>
+          <p:nvPr/>
+        </p:nvSpPr>
+        <p:spPr>
+          <a:xfrm>
+            <a:off x="2551240" y="4216840"/>
+            <a:ext cx="1028230" cy="338554"/>
+          </a:xfrm>
+          <a:prstGeom prst="rect">
+            <a:avLst/>
+          </a:prstGeom>
+          <a:noFill/>
+        </p:spPr>
+        <p:txBody>
+          <a:bodyPr wrap="none" rtlCol="0">
+            <a:spAutoFit/>
+          </a:bodyPr>
+          <a:lstStyle/>
+          <a:p>
+            <a:r>
+              <a:rPr lang="en-IE" sz="1600" dirty="0"/>
+              <a:t>Ban Users</a:t>
+            </a:r>
+            <a:endParaRPr lang="pl-PL" sz="1600" dirty="0"/>
+          </a:p>
+        </p:txBody>
+      </p:sp>
+      <p:cxnSp>
+        <p:nvCxnSpPr>
+          <p:cNvPr id="41" name="Straight Arrow Connector 40">
+            <a:extLst>
+              <a:ext uri="{FF2B5EF4-FFF2-40B4-BE49-F238E27FC236}">
+                <a16:creationId xmlns:a16="http://schemas.microsoft.com/office/drawing/2014/main" id="{EA223209-BF8A-2DB0-D54C-B09EA3CD2AAD}"/>
+              </a:ext>
+            </a:extLst>
+          </p:cNvPr>
+          <p:cNvCxnSpPr>
+            <a:stCxn id="32" idx="3"/>
+            <a:endCxn id="21" idx="1"/>
+          </p:cNvCxnSpPr>
+          <p:nvPr/>
+        </p:nvCxnSpPr>
+        <p:spPr>
+          <a:xfrm flipV="1">
+            <a:off x="1353439" y="4114167"/>
+            <a:ext cx="869076" cy="260236"/>
+          </a:xfrm>
+          <a:prstGeom prst="straightConnector1">
+            <a:avLst/>
+          </a:prstGeom>
+          <a:ln>
+            <a:tailEnd type="triangle"/>
+          </a:ln>
+        </p:spPr>
+        <p:style>
+          <a:lnRef idx="3">
+            <a:schemeClr val="accent6"/>
+          </a:lnRef>
+          <a:fillRef idx="0">
+            <a:schemeClr val="accent6"/>
+          </a:fillRef>
+          <a:effectRef idx="2">
+            <a:schemeClr val="accent6"/>
+          </a:effectRef>
+          <a:fontRef idx="minor">
+            <a:schemeClr val="tx1"/>
+          </a:fontRef>
+        </p:style>
+      </p:cxnSp>
+      <p:cxnSp>
+        <p:nvCxnSpPr>
+          <p:cNvPr id="43" name="Straight Arrow Connector 42">
+            <a:extLst>
+              <a:ext uri="{FF2B5EF4-FFF2-40B4-BE49-F238E27FC236}">
+                <a16:creationId xmlns:a16="http://schemas.microsoft.com/office/drawing/2014/main" id="{8D4039CE-B76A-9077-6490-957F50721052}"/>
+              </a:ext>
+            </a:extLst>
+          </p:cNvPr>
+          <p:cNvCxnSpPr>
+            <a:stCxn id="32" idx="3"/>
+            <a:endCxn id="35" idx="1"/>
+          </p:cNvCxnSpPr>
+          <p:nvPr/>
+        </p:nvCxnSpPr>
+        <p:spPr>
+          <a:xfrm>
+            <a:off x="1353439" y="4374403"/>
+            <a:ext cx="1197801" cy="11714"/>
+          </a:xfrm>
+          <a:prstGeom prst="straightConnector1">
+            <a:avLst/>
+          </a:prstGeom>
+          <a:ln>
+            <a:tailEnd type="triangle"/>
+          </a:ln>
+        </p:spPr>
+        <p:style>
+          <a:lnRef idx="3">
+            <a:schemeClr val="accent6"/>
+          </a:lnRef>
+          <a:fillRef idx="0">
+            <a:schemeClr val="accent6"/>
+          </a:fillRef>
+          <a:effectRef idx="2">
+            <a:schemeClr val="accent6"/>
+          </a:effectRef>
+          <a:fontRef idx="minor">
+            <a:schemeClr val="tx1"/>
+          </a:fontRef>
+        </p:style>
+      </p:cxnSp>
+      <p:cxnSp>
+        <p:nvCxnSpPr>
+          <p:cNvPr id="69" name="Straight Arrow Connector 68">
+            <a:extLst>
+              <a:ext uri="{FF2B5EF4-FFF2-40B4-BE49-F238E27FC236}">
+                <a16:creationId xmlns:a16="http://schemas.microsoft.com/office/drawing/2014/main" id="{41B4DE46-B178-297A-FDDB-F451C721C9A9}"/>
+              </a:ext>
+            </a:extLst>
+          </p:cNvPr>
+          <p:cNvCxnSpPr>
+            <a:stCxn id="32" idx="0"/>
+            <a:endCxn id="63" idx="2"/>
+          </p:cNvCxnSpPr>
+          <p:nvPr/>
+        </p:nvCxnSpPr>
+        <p:spPr>
+          <a:xfrm flipH="1" flipV="1">
+            <a:off x="722770" y="3284127"/>
+            <a:ext cx="4152" cy="767110"/>
+          </a:xfrm>
+          <a:prstGeom prst="straightConnector1">
+            <a:avLst/>
+          </a:prstGeom>
+          <a:ln>
+            <a:tailEnd type="triangle"/>
+          </a:ln>
+        </p:spPr>
+        <p:style>
+          <a:lnRef idx="1">
+            <a:schemeClr val="accent1"/>
+          </a:lnRef>
+          <a:fillRef idx="0">
+            <a:schemeClr val="accent1"/>
+          </a:fillRef>
+          <a:effectRef idx="0">
+            <a:schemeClr val="accent1"/>
+          </a:effectRef>
+          <a:fontRef idx="minor">
+            <a:schemeClr val="tx1"/>
+          </a:fontRef>
+        </p:style>
+      </p:cxnSp>
+      <p:sp>
+        <p:nvSpPr>
+          <p:cNvPr id="70" name="TextBox 69">
+            <a:extLst>
+              <a:ext uri="{FF2B5EF4-FFF2-40B4-BE49-F238E27FC236}">
+                <a16:creationId xmlns:a16="http://schemas.microsoft.com/office/drawing/2014/main" id="{FC8EE690-75B8-8A4B-A1FD-99D49CA54F07}"/>
+              </a:ext>
+            </a:extLst>
+          </p:cNvPr>
+          <p:cNvSpPr txBox="1"/>
+          <p:nvPr/>
+        </p:nvSpPr>
+        <p:spPr>
+          <a:xfrm>
+            <a:off x="3498547" y="5024210"/>
+            <a:ext cx="2770182" cy="369332"/>
+          </a:xfrm>
+          <a:prstGeom prst="rect">
+            <a:avLst/>
+          </a:prstGeom>
+          <a:noFill/>
+        </p:spPr>
+        <p:txBody>
+          <a:bodyPr wrap="none" rtlCol="0">
+            <a:spAutoFit/>
+          </a:bodyPr>
+          <a:lstStyle/>
+          <a:p>
+            <a:r>
+              <a:rPr lang="en-IE" i="1" dirty="0">
+                <a:solidFill>
+                  <a:schemeClr val="accent5">
+                    <a:lumMod val="60000"/>
+                    <a:lumOff val="40000"/>
+                  </a:schemeClr>
+                </a:solidFill>
+              </a:rPr>
+              <a:t>Optional Features in Yellow</a:t>
+            </a:r>
+            <a:endParaRPr lang="pl-PL" i="1" dirty="0">
+              <a:solidFill>
+                <a:schemeClr val="accent5">
+                  <a:lumMod val="60000"/>
+                  <a:lumOff val="40000"/>
+                </a:schemeClr>
+              </a:solidFill>
+            </a:endParaRPr>
+          </a:p>
+        </p:txBody>
+      </p:sp>
     </p:spTree>
     <p:extLst>
       <p:ext uri="{BB962C8B-B14F-4D97-AF65-F5344CB8AC3E}">

--- a/ThingSpaceTsM2.pptx
+++ b/ThingSpaceTsM2.pptx
@@ -6512,7 +6512,7 @@
           <a:p>
             <a:r>
               <a:rPr lang="en-IE" sz="1600" dirty="0"/>
-              <a:t>Sing In</a:t>
+              <a:t>Sign In</a:t>
             </a:r>
           </a:p>
         </p:txBody>
@@ -6531,7 +6531,7 @@
         </p:nvSpPr>
         <p:spPr>
           <a:xfrm>
-            <a:off x="3035921" y="1757287"/>
+            <a:off x="3035920" y="1781600"/>
             <a:ext cx="925253" cy="338554"/>
           </a:xfrm>
           <a:prstGeom prst="rect">
@@ -6567,7 +6567,7 @@
         </p:nvSpPr>
         <p:spPr>
           <a:xfrm>
-            <a:off x="3106652" y="2021289"/>
+            <a:off x="3092869" y="2048137"/>
             <a:ext cx="847091" cy="338554"/>
           </a:xfrm>
           <a:prstGeom prst="rect">
@@ -6583,7 +6583,7 @@
           <a:p>
             <a:r>
               <a:rPr lang="en-IE" sz="1600" dirty="0"/>
-              <a:t>Sing Up</a:t>
+              <a:t>Sign Up</a:t>
             </a:r>
             <a:endParaRPr lang="pl-PL" sz="1600" dirty="0"/>
           </a:p>

--- a/ThingSpaceTsM2.pptx
+++ b/ThingSpaceTsM2.pptx
@@ -6124,7 +6124,7 @@
             </a:br>
             <a:r>
               <a:rPr lang="en-IE" dirty="0"/>
-              <a:t>- The selling point: Format customization with Templates</a:t>
+              <a:t>- The selling point: Format Customization with Templates</a:t>
             </a:r>
           </a:p>
         </p:txBody>
@@ -6270,8 +6270,8 @@
         </p:nvSpPr>
         <p:spPr>
           <a:xfrm>
-            <a:off x="1673255" y="2741026"/>
-            <a:ext cx="2789861" cy="1884095"/>
+            <a:off x="1673255" y="2388420"/>
+            <a:ext cx="2789861" cy="2236702"/>
           </a:xfrm>
           <a:prstGeom prst="rect">
             <a:avLst/>
@@ -6417,8 +6417,8 @@
         </p:nvSpPr>
         <p:spPr>
           <a:xfrm>
-            <a:off x="2756946" y="1530872"/>
-            <a:ext cx="1541199" cy="1104943"/>
+            <a:off x="1908314" y="1530873"/>
+            <a:ext cx="2389832" cy="735972"/>
           </a:xfrm>
           <a:prstGeom prst="rect">
             <a:avLst/>
@@ -6496,7 +6496,7 @@
         </p:nvSpPr>
         <p:spPr>
           <a:xfrm>
-            <a:off x="3116072" y="1530872"/>
+            <a:off x="1942778" y="1540075"/>
             <a:ext cx="764953" cy="338554"/>
           </a:xfrm>
           <a:prstGeom prst="rect">
@@ -6531,7 +6531,7 @@
         </p:nvSpPr>
         <p:spPr>
           <a:xfrm>
-            <a:off x="3035920" y="1781600"/>
+            <a:off x="2723299" y="1521482"/>
             <a:ext cx="925253" cy="338554"/>
           </a:xfrm>
           <a:prstGeom prst="rect">
@@ -6567,7 +6567,7 @@
         </p:nvSpPr>
         <p:spPr>
           <a:xfrm>
-            <a:off x="3092869" y="2048137"/>
+            <a:off x="1908314" y="1897873"/>
             <a:ext cx="847091" cy="338554"/>
           </a:xfrm>
           <a:prstGeom prst="rect">
@@ -6603,7 +6603,7 @@
         </p:nvSpPr>
         <p:spPr>
           <a:xfrm>
-            <a:off x="2794732" y="2299799"/>
+            <a:off x="2735008" y="1928290"/>
             <a:ext cx="1482265" cy="338554"/>
           </a:xfrm>
           <a:prstGeom prst="rect">
@@ -8000,6 +8000,42 @@
                 </a:schemeClr>
               </a:solidFill>
             </a:endParaRPr>
+          </a:p>
+        </p:txBody>
+      </p:sp>
+      <p:sp>
+        <p:nvSpPr>
+          <p:cNvPr id="4" name="TextBox 3">
+            <a:extLst>
+              <a:ext uri="{FF2B5EF4-FFF2-40B4-BE49-F238E27FC236}">
+                <a16:creationId xmlns:a16="http://schemas.microsoft.com/office/drawing/2014/main" id="{C724BB2E-2792-9FEA-7546-926FA512B720}"/>
+              </a:ext>
+            </a:extLst>
+          </p:cNvPr>
+          <p:cNvSpPr txBox="1"/>
+          <p:nvPr/>
+        </p:nvSpPr>
+        <p:spPr>
+          <a:xfrm>
+            <a:off x="2203430" y="2450304"/>
+            <a:ext cx="1717843" cy="338554"/>
+          </a:xfrm>
+          <a:prstGeom prst="rect">
+            <a:avLst/>
+          </a:prstGeom>
+          <a:noFill/>
+        </p:spPr>
+        <p:txBody>
+          <a:bodyPr wrap="none" rtlCol="0">
+            <a:spAutoFit/>
+          </a:bodyPr>
+          <a:lstStyle/>
+          <a:p>
+            <a:r>
+              <a:rPr lang="en-IE" sz="1600" dirty="0"/>
+              <a:t>Create Workspace</a:t>
+            </a:r>
+            <a:endParaRPr lang="pl-PL" sz="1600" dirty="0"/>
           </a:p>
         </p:txBody>
       </p:sp>

--- a/ThingSpaceTsM2.pptx
+++ b/ThingSpaceTsM2.pptx
@@ -6201,7 +6201,7 @@
           <a:lstStyle/>
           <a:p>
             <a:pPr algn="ctr"/>
-            <a:endParaRPr lang="pl-PL"/>
+            <a:endParaRPr lang="pl-PL" dirty="0"/>
           </a:p>
         </p:txBody>
       </p:sp>
@@ -8036,6 +8036,84 @@
               <a:t>Create Workspace</a:t>
             </a:r>
             <a:endParaRPr lang="pl-PL" sz="1600" dirty="0"/>
+          </a:p>
+        </p:txBody>
+      </p:sp>
+      <p:cxnSp>
+        <p:nvCxnSpPr>
+          <p:cNvPr id="51" name="Straight Arrow Connector 50">
+            <a:extLst>
+              <a:ext uri="{FF2B5EF4-FFF2-40B4-BE49-F238E27FC236}">
+                <a16:creationId xmlns:a16="http://schemas.microsoft.com/office/drawing/2014/main" id="{461FE8CA-1533-77A0-536D-5F6EE148C0E5}"/>
+              </a:ext>
+            </a:extLst>
+          </p:cNvPr>
+          <p:cNvCxnSpPr>
+            <a:stCxn id="17" idx="3"/>
+            <a:endCxn id="9" idx="1"/>
+          </p:cNvCxnSpPr>
+          <p:nvPr/>
+        </p:nvCxnSpPr>
+        <p:spPr>
+          <a:xfrm flipV="1">
+            <a:off x="4063010" y="1661491"/>
+            <a:ext cx="1138159" cy="1534295"/>
+          </a:xfrm>
+          <a:prstGeom prst="straightConnector1">
+            <a:avLst/>
+          </a:prstGeom>
+          <a:ln>
+            <a:tailEnd type="triangle"/>
+          </a:ln>
+        </p:spPr>
+        <p:style>
+          <a:lnRef idx="3">
+            <a:schemeClr val="accent6"/>
+          </a:lnRef>
+          <a:fillRef idx="0">
+            <a:schemeClr val="accent6"/>
+          </a:fillRef>
+          <a:effectRef idx="2">
+            <a:schemeClr val="accent6"/>
+          </a:effectRef>
+          <a:fontRef idx="minor">
+            <a:schemeClr val="tx1"/>
+          </a:fontRef>
+        </p:style>
+      </p:cxnSp>
+      <p:sp>
+        <p:nvSpPr>
+          <p:cNvPr id="53" name="TextBox 52">
+            <a:extLst>
+              <a:ext uri="{FF2B5EF4-FFF2-40B4-BE49-F238E27FC236}">
+                <a16:creationId xmlns:a16="http://schemas.microsoft.com/office/drawing/2014/main" id="{B2E2D1EE-A95E-1519-BD76-F9F5D5C40F6F}"/>
+              </a:ext>
+            </a:extLst>
+          </p:cNvPr>
+          <p:cNvSpPr txBox="1"/>
+          <p:nvPr/>
+        </p:nvSpPr>
+        <p:spPr>
+          <a:xfrm rot="18496042">
+            <a:off x="4271366" y="1879773"/>
+            <a:ext cx="792205" cy="307777"/>
+          </a:xfrm>
+          <a:prstGeom prst="rect">
+            <a:avLst/>
+          </a:prstGeom>
+          <a:noFill/>
+        </p:spPr>
+        <p:txBody>
+          <a:bodyPr wrap="none" rtlCol="0">
+            <a:spAutoFit/>
+          </a:bodyPr>
+          <a:lstStyle/>
+          <a:p>
+            <a:r>
+              <a:rPr lang="en-IE" sz="1400" i="1" dirty="0"/>
+              <a:t>includes</a:t>
+            </a:r>
+            <a:endParaRPr lang="pl-PL" sz="1400" i="1" dirty="0"/>
           </a:p>
         </p:txBody>
       </p:sp>

--- a/ThingSpaceTsM2.pptx
+++ b/ThingSpaceTsM2.pptx
@@ -313,7 +313,7 @@
           <a:p>
             <a:fld id="{D17C0673-4D49-4E82-8C72-D8AA60F272CB}" type="datetimeFigureOut">
               <a:rPr lang="pl-PL" smtClean="0"/>
-              <a:t>20.09.2025</a:t>
+              <a:t>21.09.2025</a:t>
             </a:fld>
             <a:endParaRPr lang="pl-PL"/>
           </a:p>
@@ -594,7 +594,7 @@
           <a:p>
             <a:fld id="{D17C0673-4D49-4E82-8C72-D8AA60F272CB}" type="datetimeFigureOut">
               <a:rPr lang="pl-PL" smtClean="0"/>
-              <a:t>20.09.2025</a:t>
+              <a:t>21.09.2025</a:t>
             </a:fld>
             <a:endParaRPr lang="pl-PL"/>
           </a:p>
@@ -786,7 +786,7 @@
           <a:p>
             <a:fld id="{D17C0673-4D49-4E82-8C72-D8AA60F272CB}" type="datetimeFigureOut">
               <a:rPr lang="pl-PL" smtClean="0"/>
-              <a:t>20.09.2025</a:t>
+              <a:t>21.09.2025</a:t>
             </a:fld>
             <a:endParaRPr lang="pl-PL"/>
           </a:p>
@@ -1047,7 +1047,7 @@
           <a:p>
             <a:fld id="{D17C0673-4D49-4E82-8C72-D8AA60F272CB}" type="datetimeFigureOut">
               <a:rPr lang="pl-PL" smtClean="0"/>
-              <a:t>20.09.2025</a:t>
+              <a:t>21.09.2025</a:t>
             </a:fld>
             <a:endParaRPr lang="pl-PL"/>
           </a:p>
@@ -1473,7 +1473,7 @@
           <a:p>
             <a:fld id="{D17C0673-4D49-4E82-8C72-D8AA60F272CB}" type="datetimeFigureOut">
               <a:rPr lang="pl-PL" smtClean="0"/>
-              <a:t>20.09.2025</a:t>
+              <a:t>21.09.2025</a:t>
             </a:fld>
             <a:endParaRPr lang="pl-PL"/>
           </a:p>
@@ -2019,7 +2019,7 @@
           <a:p>
             <a:fld id="{D17C0673-4D49-4E82-8C72-D8AA60F272CB}" type="datetimeFigureOut">
               <a:rPr lang="pl-PL" smtClean="0"/>
-              <a:t>20.09.2025</a:t>
+              <a:t>21.09.2025</a:t>
             </a:fld>
             <a:endParaRPr lang="pl-PL"/>
           </a:p>
@@ -2850,7 +2850,7 @@
           <a:p>
             <a:fld id="{D17C0673-4D49-4E82-8C72-D8AA60F272CB}" type="datetimeFigureOut">
               <a:rPr lang="pl-PL" smtClean="0"/>
-              <a:t>20.09.2025</a:t>
+              <a:t>21.09.2025</a:t>
             </a:fld>
             <a:endParaRPr lang="pl-PL"/>
           </a:p>
@@ -3020,7 +3020,7 @@
           <a:p>
             <a:fld id="{D17C0673-4D49-4E82-8C72-D8AA60F272CB}" type="datetimeFigureOut">
               <a:rPr lang="pl-PL" smtClean="0"/>
-              <a:t>20.09.2025</a:t>
+              <a:t>21.09.2025</a:t>
             </a:fld>
             <a:endParaRPr lang="pl-PL"/>
           </a:p>
@@ -3200,7 +3200,7 @@
           <a:p>
             <a:fld id="{D17C0673-4D49-4E82-8C72-D8AA60F272CB}" type="datetimeFigureOut">
               <a:rPr lang="pl-PL" smtClean="0"/>
-              <a:t>20.09.2025</a:t>
+              <a:t>21.09.2025</a:t>
             </a:fld>
             <a:endParaRPr lang="pl-PL"/>
           </a:p>
@@ -3370,7 +3370,7 @@
           <a:p>
             <a:fld id="{D17C0673-4D49-4E82-8C72-D8AA60F272CB}" type="datetimeFigureOut">
               <a:rPr lang="pl-PL" smtClean="0"/>
-              <a:t>20.09.2025</a:t>
+              <a:t>21.09.2025</a:t>
             </a:fld>
             <a:endParaRPr lang="pl-PL"/>
           </a:p>
@@ -3627,7 +3627,7 @@
           <a:p>
             <a:fld id="{D17C0673-4D49-4E82-8C72-D8AA60F272CB}" type="datetimeFigureOut">
               <a:rPr lang="pl-PL" smtClean="0"/>
-              <a:t>20.09.2025</a:t>
+              <a:t>21.09.2025</a:t>
             </a:fld>
             <a:endParaRPr lang="pl-PL"/>
           </a:p>
@@ -3859,7 +3859,7 @@
           <a:p>
             <a:fld id="{D17C0673-4D49-4E82-8C72-D8AA60F272CB}" type="datetimeFigureOut">
               <a:rPr lang="pl-PL" smtClean="0"/>
-              <a:t>20.09.2025</a:t>
+              <a:t>21.09.2025</a:t>
             </a:fld>
             <a:endParaRPr lang="pl-PL"/>
           </a:p>
@@ -4252,7 +4252,7 @@
           <a:p>
             <a:fld id="{D17C0673-4D49-4E82-8C72-D8AA60F272CB}" type="datetimeFigureOut">
               <a:rPr lang="pl-PL" smtClean="0"/>
-              <a:t>20.09.2025</a:t>
+              <a:t>21.09.2025</a:t>
             </a:fld>
             <a:endParaRPr lang="pl-PL"/>
           </a:p>
@@ -4370,7 +4370,7 @@
           <a:p>
             <a:fld id="{D17C0673-4D49-4E82-8C72-D8AA60F272CB}" type="datetimeFigureOut">
               <a:rPr lang="pl-PL" smtClean="0"/>
-              <a:t>20.09.2025</a:t>
+              <a:t>21.09.2025</a:t>
             </a:fld>
             <a:endParaRPr lang="pl-PL"/>
           </a:p>
@@ -4465,7 +4465,7 @@
           <a:p>
             <a:fld id="{D17C0673-4D49-4E82-8C72-D8AA60F272CB}" type="datetimeFigureOut">
               <a:rPr lang="pl-PL" smtClean="0"/>
-              <a:t>20.09.2025</a:t>
+              <a:t>21.09.2025</a:t>
             </a:fld>
             <a:endParaRPr lang="pl-PL"/>
           </a:p>
@@ -4738,7 +4738,7 @@
           <a:p>
             <a:fld id="{D17C0673-4D49-4E82-8C72-D8AA60F272CB}" type="datetimeFigureOut">
               <a:rPr lang="pl-PL" smtClean="0"/>
-              <a:t>20.09.2025</a:t>
+              <a:t>21.09.2025</a:t>
             </a:fld>
             <a:endParaRPr lang="pl-PL"/>
           </a:p>
@@ -5019,7 +5019,7 @@
           <a:p>
             <a:fld id="{D17C0673-4D49-4E82-8C72-D8AA60F272CB}" type="datetimeFigureOut">
               <a:rPr lang="pl-PL" smtClean="0"/>
-              <a:t>20.09.2025</a:t>
+              <a:t>21.09.2025</a:t>
             </a:fld>
             <a:endParaRPr lang="pl-PL"/>
           </a:p>
@@ -5259,7 +5259,7 @@
           <a:p>
             <a:fld id="{D17C0673-4D49-4E82-8C72-D8AA60F272CB}" type="datetimeFigureOut">
               <a:rPr lang="pl-PL" smtClean="0"/>
-              <a:t>20.09.2025</a:t>
+              <a:t>21.09.2025</a:t>
             </a:fld>
             <a:endParaRPr lang="pl-PL"/>
           </a:p>
@@ -5971,8 +5971,12 @@
           <a:p>
             <a:pPr algn="ctr"/>
             <a:r>
+              <a:rPr lang="en-IE"/>
+              <a:t>Overview </a:t>
+            </a:r>
+            <a:r>
               <a:rPr lang="en-IE" dirty="0"/>
-              <a:t>High-level and Target Audience</a:t>
+              <a:t>and Target Audience</a:t>
             </a:r>
             <a:endParaRPr lang="pl-PL" dirty="0"/>
           </a:p>

--- a/ThingSpaceTsM2.pptx
+++ b/ThingSpaceTsM2.pptx
@@ -313,7 +313,7 @@
           <a:p>
             <a:fld id="{D17C0673-4D49-4E82-8C72-D8AA60F272CB}" type="datetimeFigureOut">
               <a:rPr lang="pl-PL" smtClean="0"/>
-              <a:t>21.09.2025</a:t>
+              <a:t>23.09.2025</a:t>
             </a:fld>
             <a:endParaRPr lang="pl-PL"/>
           </a:p>
@@ -594,7 +594,7 @@
           <a:p>
             <a:fld id="{D17C0673-4D49-4E82-8C72-D8AA60F272CB}" type="datetimeFigureOut">
               <a:rPr lang="pl-PL" smtClean="0"/>
-              <a:t>21.09.2025</a:t>
+              <a:t>23.09.2025</a:t>
             </a:fld>
             <a:endParaRPr lang="pl-PL"/>
           </a:p>
@@ -786,7 +786,7 @@
           <a:p>
             <a:fld id="{D17C0673-4D49-4E82-8C72-D8AA60F272CB}" type="datetimeFigureOut">
               <a:rPr lang="pl-PL" smtClean="0"/>
-              <a:t>21.09.2025</a:t>
+              <a:t>23.09.2025</a:t>
             </a:fld>
             <a:endParaRPr lang="pl-PL"/>
           </a:p>
@@ -1047,7 +1047,7 @@
           <a:p>
             <a:fld id="{D17C0673-4D49-4E82-8C72-D8AA60F272CB}" type="datetimeFigureOut">
               <a:rPr lang="pl-PL" smtClean="0"/>
-              <a:t>21.09.2025</a:t>
+              <a:t>23.09.2025</a:t>
             </a:fld>
             <a:endParaRPr lang="pl-PL"/>
           </a:p>
@@ -1473,7 +1473,7 @@
           <a:p>
             <a:fld id="{D17C0673-4D49-4E82-8C72-D8AA60F272CB}" type="datetimeFigureOut">
               <a:rPr lang="pl-PL" smtClean="0"/>
-              <a:t>21.09.2025</a:t>
+              <a:t>23.09.2025</a:t>
             </a:fld>
             <a:endParaRPr lang="pl-PL"/>
           </a:p>
@@ -2019,7 +2019,7 @@
           <a:p>
             <a:fld id="{D17C0673-4D49-4E82-8C72-D8AA60F272CB}" type="datetimeFigureOut">
               <a:rPr lang="pl-PL" smtClean="0"/>
-              <a:t>21.09.2025</a:t>
+              <a:t>23.09.2025</a:t>
             </a:fld>
             <a:endParaRPr lang="pl-PL"/>
           </a:p>
@@ -2850,7 +2850,7 @@
           <a:p>
             <a:fld id="{D17C0673-4D49-4E82-8C72-D8AA60F272CB}" type="datetimeFigureOut">
               <a:rPr lang="pl-PL" smtClean="0"/>
-              <a:t>21.09.2025</a:t>
+              <a:t>23.09.2025</a:t>
             </a:fld>
             <a:endParaRPr lang="pl-PL"/>
           </a:p>
@@ -3020,7 +3020,7 @@
           <a:p>
             <a:fld id="{D17C0673-4D49-4E82-8C72-D8AA60F272CB}" type="datetimeFigureOut">
               <a:rPr lang="pl-PL" smtClean="0"/>
-              <a:t>21.09.2025</a:t>
+              <a:t>23.09.2025</a:t>
             </a:fld>
             <a:endParaRPr lang="pl-PL"/>
           </a:p>
@@ -3200,7 +3200,7 @@
           <a:p>
             <a:fld id="{D17C0673-4D49-4E82-8C72-D8AA60F272CB}" type="datetimeFigureOut">
               <a:rPr lang="pl-PL" smtClean="0"/>
-              <a:t>21.09.2025</a:t>
+              <a:t>23.09.2025</a:t>
             </a:fld>
             <a:endParaRPr lang="pl-PL"/>
           </a:p>
@@ -3370,7 +3370,7 @@
           <a:p>
             <a:fld id="{D17C0673-4D49-4E82-8C72-D8AA60F272CB}" type="datetimeFigureOut">
               <a:rPr lang="pl-PL" smtClean="0"/>
-              <a:t>21.09.2025</a:t>
+              <a:t>23.09.2025</a:t>
             </a:fld>
             <a:endParaRPr lang="pl-PL"/>
           </a:p>
@@ -3627,7 +3627,7 @@
           <a:p>
             <a:fld id="{D17C0673-4D49-4E82-8C72-D8AA60F272CB}" type="datetimeFigureOut">
               <a:rPr lang="pl-PL" smtClean="0"/>
-              <a:t>21.09.2025</a:t>
+              <a:t>23.09.2025</a:t>
             </a:fld>
             <a:endParaRPr lang="pl-PL"/>
           </a:p>
@@ -3859,7 +3859,7 @@
           <a:p>
             <a:fld id="{D17C0673-4D49-4E82-8C72-D8AA60F272CB}" type="datetimeFigureOut">
               <a:rPr lang="pl-PL" smtClean="0"/>
-              <a:t>21.09.2025</a:t>
+              <a:t>23.09.2025</a:t>
             </a:fld>
             <a:endParaRPr lang="pl-PL"/>
           </a:p>
@@ -4252,7 +4252,7 @@
           <a:p>
             <a:fld id="{D17C0673-4D49-4E82-8C72-D8AA60F272CB}" type="datetimeFigureOut">
               <a:rPr lang="pl-PL" smtClean="0"/>
-              <a:t>21.09.2025</a:t>
+              <a:t>23.09.2025</a:t>
             </a:fld>
             <a:endParaRPr lang="pl-PL"/>
           </a:p>
@@ -4370,7 +4370,7 @@
           <a:p>
             <a:fld id="{D17C0673-4D49-4E82-8C72-D8AA60F272CB}" type="datetimeFigureOut">
               <a:rPr lang="pl-PL" smtClean="0"/>
-              <a:t>21.09.2025</a:t>
+              <a:t>23.09.2025</a:t>
             </a:fld>
             <a:endParaRPr lang="pl-PL"/>
           </a:p>
@@ -4465,7 +4465,7 @@
           <a:p>
             <a:fld id="{D17C0673-4D49-4E82-8C72-D8AA60F272CB}" type="datetimeFigureOut">
               <a:rPr lang="pl-PL" smtClean="0"/>
-              <a:t>21.09.2025</a:t>
+              <a:t>23.09.2025</a:t>
             </a:fld>
             <a:endParaRPr lang="pl-PL"/>
           </a:p>
@@ -4738,7 +4738,7 @@
           <a:p>
             <a:fld id="{D17C0673-4D49-4E82-8C72-D8AA60F272CB}" type="datetimeFigureOut">
               <a:rPr lang="pl-PL" smtClean="0"/>
-              <a:t>21.09.2025</a:t>
+              <a:t>23.09.2025</a:t>
             </a:fld>
             <a:endParaRPr lang="pl-PL"/>
           </a:p>
@@ -5019,7 +5019,7 @@
           <a:p>
             <a:fld id="{D17C0673-4D49-4E82-8C72-D8AA60F272CB}" type="datetimeFigureOut">
               <a:rPr lang="pl-PL" smtClean="0"/>
-              <a:t>21.09.2025</a:t>
+              <a:t>23.09.2025</a:t>
             </a:fld>
             <a:endParaRPr lang="pl-PL"/>
           </a:p>
@@ -5259,7 +5259,7 @@
           <a:p>
             <a:fld id="{D17C0673-4D49-4E82-8C72-D8AA60F272CB}" type="datetimeFigureOut">
               <a:rPr lang="pl-PL" smtClean="0"/>
-              <a:t>21.09.2025</a:t>
+              <a:t>23.09.2025</a:t>
             </a:fld>
             <a:endParaRPr lang="pl-PL"/>
           </a:p>
@@ -8167,7 +8167,12 @@
             <p:ph type="title"/>
           </p:nvPr>
         </p:nvSpPr>
-        <p:spPr/>
+        <p:spPr>
+          <a:xfrm>
+            <a:off x="599771" y="106568"/>
+            <a:ext cx="7886700" cy="1104943"/>
+          </a:xfrm>
+        </p:spPr>
         <p:txBody>
           <a:bodyPr/>
           <a:lstStyle/>
@@ -8183,25 +8188,1564 @@
       </p:sp>
       <p:sp>
         <p:nvSpPr>
-          <p:cNvPr id="3" name="Content Placeholder 2">
+          <p:cNvPr id="4" name="Rectangle 3">
             <a:extLst>
               <a:ext uri="{FF2B5EF4-FFF2-40B4-BE49-F238E27FC236}">
-                <a16:creationId xmlns:a16="http://schemas.microsoft.com/office/drawing/2014/main" id="{6B839FCD-A730-71AD-9E14-ED1C251CB628}"/>
+                <a16:creationId xmlns:a16="http://schemas.microsoft.com/office/drawing/2014/main" id="{D9C34263-28B0-DD08-902D-2FDDA8A2A7B0}"/>
               </a:ext>
             </a:extLst>
           </p:cNvPr>
-          <p:cNvSpPr>
-            <a:spLocks noGrp="1"/>
-          </p:cNvSpPr>
-          <p:nvPr>
-            <p:ph idx="1"/>
-          </p:nvPr>
-        </p:nvSpPr>
-        <p:spPr/>
-        <p:txBody>
-          <a:bodyPr/>
-          <a:lstStyle/>
-          <a:p>
+          <p:cNvSpPr/>
+          <p:nvPr/>
+        </p:nvSpPr>
+        <p:spPr>
+          <a:xfrm>
+            <a:off x="589936" y="3146932"/>
+            <a:ext cx="1582993" cy="737420"/>
+          </a:xfrm>
+          <a:prstGeom prst="rect">
+            <a:avLst/>
+          </a:prstGeom>
+        </p:spPr>
+        <p:style>
+          <a:lnRef idx="2">
+            <a:schemeClr val="accent1">
+              <a:shade val="15000"/>
+            </a:schemeClr>
+          </a:lnRef>
+          <a:fillRef idx="1">
+            <a:schemeClr val="accent1"/>
+          </a:fillRef>
+          <a:effectRef idx="0">
+            <a:schemeClr val="accent1"/>
+          </a:effectRef>
+          <a:fontRef idx="minor">
+            <a:schemeClr val="lt1"/>
+          </a:fontRef>
+        </p:style>
+        <p:txBody>
+          <a:bodyPr rtlCol="0" anchor="ctr"/>
+          <a:lstStyle/>
+          <a:p>
+            <a:pPr algn="ctr"/>
+            <a:r>
+              <a:rPr lang="en-IE" dirty="0"/>
+              <a:t>Frontend</a:t>
+            </a:r>
+            <a:endParaRPr lang="pl-PL" dirty="0"/>
+          </a:p>
+        </p:txBody>
+      </p:sp>
+      <p:cxnSp>
+        <p:nvCxnSpPr>
+          <p:cNvPr id="6" name="Straight Connector 5">
+            <a:extLst>
+              <a:ext uri="{FF2B5EF4-FFF2-40B4-BE49-F238E27FC236}">
+                <a16:creationId xmlns:a16="http://schemas.microsoft.com/office/drawing/2014/main" id="{2CBD12DF-E7E2-E894-E37B-4F0247BDBB4E}"/>
+              </a:ext>
+            </a:extLst>
+          </p:cNvPr>
+          <p:cNvCxnSpPr>
+            <a:cxnSpLocks/>
+          </p:cNvCxnSpPr>
+          <p:nvPr/>
+        </p:nvCxnSpPr>
+        <p:spPr>
+          <a:xfrm>
+            <a:off x="2625213" y="953729"/>
+            <a:ext cx="0" cy="4660490"/>
+          </a:xfrm>
+          <a:prstGeom prst="line">
+            <a:avLst/>
+          </a:prstGeom>
+          <a:ln w="9525" cap="flat" cmpd="sng" algn="ctr">
+            <a:solidFill>
+              <a:schemeClr val="accent1"/>
+            </a:solidFill>
+            <a:prstDash val="dash"/>
+            <a:round/>
+            <a:headEnd type="none" w="med" len="med"/>
+            <a:tailEnd type="none" w="med" len="med"/>
+          </a:ln>
+        </p:spPr>
+        <p:style>
+          <a:lnRef idx="0">
+            <a:scrgbClr r="0" g="0" b="0"/>
+          </a:lnRef>
+          <a:fillRef idx="0">
+            <a:scrgbClr r="0" g="0" b="0"/>
+          </a:fillRef>
+          <a:effectRef idx="0">
+            <a:scrgbClr r="0" g="0" b="0"/>
+          </a:effectRef>
+          <a:fontRef idx="minor">
+            <a:schemeClr val="tx1"/>
+          </a:fontRef>
+        </p:style>
+      </p:cxnSp>
+      <p:cxnSp>
+        <p:nvCxnSpPr>
+          <p:cNvPr id="8" name="Straight Connector 7">
+            <a:extLst>
+              <a:ext uri="{FF2B5EF4-FFF2-40B4-BE49-F238E27FC236}">
+                <a16:creationId xmlns:a16="http://schemas.microsoft.com/office/drawing/2014/main" id="{A3DC454F-2EC6-68F9-10DD-9894F7C6C2F1}"/>
+              </a:ext>
+            </a:extLst>
+          </p:cNvPr>
+          <p:cNvCxnSpPr>
+            <a:cxnSpLocks/>
+          </p:cNvCxnSpPr>
+          <p:nvPr/>
+        </p:nvCxnSpPr>
+        <p:spPr>
+          <a:xfrm>
+            <a:off x="5702710" y="953729"/>
+            <a:ext cx="0" cy="4660490"/>
+          </a:xfrm>
+          <a:prstGeom prst="line">
+            <a:avLst/>
+          </a:prstGeom>
+          <a:ln w="9525" cap="flat" cmpd="sng" algn="ctr">
+            <a:solidFill>
+              <a:schemeClr val="accent1"/>
+            </a:solidFill>
+            <a:prstDash val="dash"/>
+            <a:round/>
+            <a:headEnd type="none" w="med" len="med"/>
+            <a:tailEnd type="none" w="med" len="med"/>
+          </a:ln>
+        </p:spPr>
+        <p:style>
+          <a:lnRef idx="0">
+            <a:scrgbClr r="0" g="0" b="0"/>
+          </a:lnRef>
+          <a:fillRef idx="0">
+            <a:scrgbClr r="0" g="0" b="0"/>
+          </a:fillRef>
+          <a:effectRef idx="0">
+            <a:scrgbClr r="0" g="0" b="0"/>
+          </a:effectRef>
+          <a:fontRef idx="minor">
+            <a:schemeClr val="tx1"/>
+          </a:fontRef>
+        </p:style>
+      </p:cxnSp>
+      <p:sp>
+        <p:nvSpPr>
+          <p:cNvPr id="9" name="Rectangle 8">
+            <a:extLst>
+              <a:ext uri="{FF2B5EF4-FFF2-40B4-BE49-F238E27FC236}">
+                <a16:creationId xmlns:a16="http://schemas.microsoft.com/office/drawing/2014/main" id="{9357DB73-474B-2596-5C64-38A4A7EAB8CF}"/>
+              </a:ext>
+            </a:extLst>
+          </p:cNvPr>
+          <p:cNvSpPr/>
+          <p:nvPr/>
+        </p:nvSpPr>
+        <p:spPr>
+          <a:xfrm>
+            <a:off x="589937" y="1875299"/>
+            <a:ext cx="1582993" cy="737420"/>
+          </a:xfrm>
+          <a:prstGeom prst="rect">
+            <a:avLst/>
+          </a:prstGeom>
+        </p:spPr>
+        <p:style>
+          <a:lnRef idx="2">
+            <a:schemeClr val="accent1">
+              <a:shade val="15000"/>
+            </a:schemeClr>
+          </a:lnRef>
+          <a:fillRef idx="1">
+            <a:schemeClr val="accent1"/>
+          </a:fillRef>
+          <a:effectRef idx="0">
+            <a:schemeClr val="accent1"/>
+          </a:effectRef>
+          <a:fontRef idx="minor">
+            <a:schemeClr val="lt1"/>
+          </a:fontRef>
+        </p:style>
+        <p:txBody>
+          <a:bodyPr rtlCol="0" anchor="ctr"/>
+          <a:lstStyle/>
+          <a:p>
+            <a:pPr algn="ctr"/>
+            <a:r>
+              <a:rPr lang="en-IE" dirty="0"/>
+              <a:t>Google OAuth</a:t>
+            </a:r>
+            <a:br>
+              <a:rPr lang="en-IE" dirty="0"/>
+            </a:br>
+            <a:r>
+              <a:rPr lang="en-IE" dirty="0"/>
+              <a:t>API</a:t>
+            </a:r>
+            <a:endParaRPr lang="pl-PL" dirty="0"/>
+          </a:p>
+        </p:txBody>
+      </p:sp>
+      <p:cxnSp>
+        <p:nvCxnSpPr>
+          <p:cNvPr id="11" name="Straight Arrow Connector 10">
+            <a:extLst>
+              <a:ext uri="{FF2B5EF4-FFF2-40B4-BE49-F238E27FC236}">
+                <a16:creationId xmlns:a16="http://schemas.microsoft.com/office/drawing/2014/main" id="{1DA8F252-32DE-18A6-696E-87E5C9C3504F}"/>
+              </a:ext>
+            </a:extLst>
+          </p:cNvPr>
+          <p:cNvCxnSpPr>
+            <a:stCxn id="4" idx="0"/>
+            <a:endCxn id="9" idx="2"/>
+          </p:cNvCxnSpPr>
+          <p:nvPr/>
+        </p:nvCxnSpPr>
+        <p:spPr>
+          <a:xfrm flipV="1">
+            <a:off x="1381433" y="2612719"/>
+            <a:ext cx="1" cy="534213"/>
+          </a:xfrm>
+          <a:prstGeom prst="straightConnector1">
+            <a:avLst/>
+          </a:prstGeom>
+          <a:ln>
+            <a:tailEnd type="triangle"/>
+          </a:ln>
+        </p:spPr>
+        <p:style>
+          <a:lnRef idx="1">
+            <a:schemeClr val="accent6"/>
+          </a:lnRef>
+          <a:fillRef idx="0">
+            <a:schemeClr val="accent6"/>
+          </a:fillRef>
+          <a:effectRef idx="0">
+            <a:schemeClr val="accent6"/>
+          </a:effectRef>
+          <a:fontRef idx="minor">
+            <a:schemeClr val="tx1"/>
+          </a:fontRef>
+        </p:style>
+      </p:cxnSp>
+      <p:sp>
+        <p:nvSpPr>
+          <p:cNvPr id="15" name="Rectangle 14">
+            <a:extLst>
+              <a:ext uri="{FF2B5EF4-FFF2-40B4-BE49-F238E27FC236}">
+                <a16:creationId xmlns:a16="http://schemas.microsoft.com/office/drawing/2014/main" id="{C7751D3B-4E79-FF8B-7591-A50C0FE3E71D}"/>
+              </a:ext>
+            </a:extLst>
+          </p:cNvPr>
+          <p:cNvSpPr/>
+          <p:nvPr/>
+        </p:nvSpPr>
+        <p:spPr>
+          <a:xfrm>
+            <a:off x="589935" y="4418565"/>
+            <a:ext cx="1582993" cy="737420"/>
+          </a:xfrm>
+          <a:prstGeom prst="rect">
+            <a:avLst/>
+          </a:prstGeom>
+        </p:spPr>
+        <p:style>
+          <a:lnRef idx="2">
+            <a:schemeClr val="accent1">
+              <a:shade val="15000"/>
+            </a:schemeClr>
+          </a:lnRef>
+          <a:fillRef idx="1">
+            <a:schemeClr val="accent1"/>
+          </a:fillRef>
+          <a:effectRef idx="0">
+            <a:schemeClr val="accent1"/>
+          </a:effectRef>
+          <a:fontRef idx="minor">
+            <a:schemeClr val="lt1"/>
+          </a:fontRef>
+        </p:style>
+        <p:txBody>
+          <a:bodyPr rtlCol="0" anchor="ctr"/>
+          <a:lstStyle/>
+          <a:p>
+            <a:pPr algn="ctr"/>
+            <a:r>
+              <a:rPr lang="en-IE" dirty="0"/>
+              <a:t>Text to Speech</a:t>
+            </a:r>
+            <a:br>
+              <a:rPr lang="en-IE" dirty="0"/>
+            </a:br>
+            <a:r>
+              <a:rPr lang="en-IE" dirty="0"/>
+              <a:t>API</a:t>
+            </a:r>
+            <a:endParaRPr lang="pl-PL" dirty="0"/>
+          </a:p>
+        </p:txBody>
+      </p:sp>
+      <p:cxnSp>
+        <p:nvCxnSpPr>
+          <p:cNvPr id="17" name="Straight Arrow Connector 16">
+            <a:extLst>
+              <a:ext uri="{FF2B5EF4-FFF2-40B4-BE49-F238E27FC236}">
+                <a16:creationId xmlns:a16="http://schemas.microsoft.com/office/drawing/2014/main" id="{16F1D58B-B65E-F122-DBD6-86C2F300F8BB}"/>
+              </a:ext>
+            </a:extLst>
+          </p:cNvPr>
+          <p:cNvCxnSpPr>
+            <a:stCxn id="4" idx="2"/>
+            <a:endCxn id="15" idx="0"/>
+          </p:cNvCxnSpPr>
+          <p:nvPr/>
+        </p:nvCxnSpPr>
+        <p:spPr>
+          <a:xfrm flipH="1">
+            <a:off x="1381432" y="3884352"/>
+            <a:ext cx="1" cy="534213"/>
+          </a:xfrm>
+          <a:prstGeom prst="straightConnector1">
+            <a:avLst/>
+          </a:prstGeom>
+          <a:ln>
+            <a:tailEnd type="triangle"/>
+          </a:ln>
+        </p:spPr>
+        <p:style>
+          <a:lnRef idx="1">
+            <a:schemeClr val="accent6"/>
+          </a:lnRef>
+          <a:fillRef idx="0">
+            <a:schemeClr val="accent6"/>
+          </a:fillRef>
+          <a:effectRef idx="0">
+            <a:schemeClr val="accent6"/>
+          </a:effectRef>
+          <a:fontRef idx="minor">
+            <a:schemeClr val="tx1"/>
+          </a:fontRef>
+        </p:style>
+      </p:cxnSp>
+      <p:sp>
+        <p:nvSpPr>
+          <p:cNvPr id="18" name="Rectangle 17">
+            <a:extLst>
+              <a:ext uri="{FF2B5EF4-FFF2-40B4-BE49-F238E27FC236}">
+                <a16:creationId xmlns:a16="http://schemas.microsoft.com/office/drawing/2014/main" id="{AB7D5E38-87C7-0F3C-D21D-1F7171246352}"/>
+              </a:ext>
+            </a:extLst>
+          </p:cNvPr>
+          <p:cNvSpPr/>
+          <p:nvPr/>
+        </p:nvSpPr>
+        <p:spPr>
+          <a:xfrm>
+            <a:off x="3441290" y="1665546"/>
+            <a:ext cx="1582993" cy="737420"/>
+          </a:xfrm>
+          <a:prstGeom prst="rect">
+            <a:avLst/>
+          </a:prstGeom>
+        </p:spPr>
+        <p:style>
+          <a:lnRef idx="2">
+            <a:schemeClr val="accent1">
+              <a:shade val="15000"/>
+            </a:schemeClr>
+          </a:lnRef>
+          <a:fillRef idx="1">
+            <a:schemeClr val="accent1"/>
+          </a:fillRef>
+          <a:effectRef idx="0">
+            <a:schemeClr val="accent1"/>
+          </a:effectRef>
+          <a:fontRef idx="minor">
+            <a:schemeClr val="lt1"/>
+          </a:fontRef>
+        </p:style>
+        <p:txBody>
+          <a:bodyPr rtlCol="0" anchor="ctr"/>
+          <a:lstStyle/>
+          <a:p>
+            <a:pPr algn="ctr"/>
+            <a:r>
+              <a:rPr lang="en-IE" dirty="0"/>
+              <a:t>Users</a:t>
+            </a:r>
+            <a:endParaRPr lang="pl-PL" dirty="0"/>
+          </a:p>
+        </p:txBody>
+      </p:sp>
+      <p:sp>
+        <p:nvSpPr>
+          <p:cNvPr id="19" name="Rectangle 18">
+            <a:extLst>
+              <a:ext uri="{FF2B5EF4-FFF2-40B4-BE49-F238E27FC236}">
+                <a16:creationId xmlns:a16="http://schemas.microsoft.com/office/drawing/2014/main" id="{73546E10-6A5D-7BEE-5019-8AA2AC71D40E}"/>
+              </a:ext>
+            </a:extLst>
+          </p:cNvPr>
+          <p:cNvSpPr/>
+          <p:nvPr/>
+        </p:nvSpPr>
+        <p:spPr>
+          <a:xfrm>
+            <a:off x="6234263" y="1409299"/>
+            <a:ext cx="1582993" cy="737420"/>
+          </a:xfrm>
+          <a:prstGeom prst="rect">
+            <a:avLst/>
+          </a:prstGeom>
+        </p:spPr>
+        <p:style>
+          <a:lnRef idx="2">
+            <a:schemeClr val="accent1">
+              <a:shade val="15000"/>
+            </a:schemeClr>
+          </a:lnRef>
+          <a:fillRef idx="1">
+            <a:schemeClr val="accent1"/>
+          </a:fillRef>
+          <a:effectRef idx="0">
+            <a:schemeClr val="accent1"/>
+          </a:effectRef>
+          <a:fontRef idx="minor">
+            <a:schemeClr val="lt1"/>
+          </a:fontRef>
+        </p:style>
+        <p:txBody>
+          <a:bodyPr rtlCol="0" anchor="ctr"/>
+          <a:lstStyle/>
+          <a:p>
+            <a:pPr algn="ctr"/>
+            <a:r>
+              <a:rPr lang="en-IE" dirty="0"/>
+              <a:t>Google OAuth</a:t>
+            </a:r>
+            <a:br>
+              <a:rPr lang="en-IE" dirty="0"/>
+            </a:br>
+            <a:r>
+              <a:rPr lang="en-IE" dirty="0"/>
+              <a:t>API</a:t>
+            </a:r>
+            <a:endParaRPr lang="pl-PL" dirty="0"/>
+          </a:p>
+        </p:txBody>
+      </p:sp>
+      <p:sp>
+        <p:nvSpPr>
+          <p:cNvPr id="20" name="Rectangle 19">
+            <a:extLst>
+              <a:ext uri="{FF2B5EF4-FFF2-40B4-BE49-F238E27FC236}">
+                <a16:creationId xmlns:a16="http://schemas.microsoft.com/office/drawing/2014/main" id="{47AB483B-8724-B694-D738-E830006CE9CC}"/>
+              </a:ext>
+            </a:extLst>
+          </p:cNvPr>
+          <p:cNvSpPr/>
+          <p:nvPr/>
+        </p:nvSpPr>
+        <p:spPr>
+          <a:xfrm>
+            <a:off x="6234262" y="4787275"/>
+            <a:ext cx="1582993" cy="737420"/>
+          </a:xfrm>
+          <a:prstGeom prst="rect">
+            <a:avLst/>
+          </a:prstGeom>
+        </p:spPr>
+        <p:style>
+          <a:lnRef idx="2">
+            <a:schemeClr val="accent1">
+              <a:shade val="15000"/>
+            </a:schemeClr>
+          </a:lnRef>
+          <a:fillRef idx="1">
+            <a:schemeClr val="accent1"/>
+          </a:fillRef>
+          <a:effectRef idx="0">
+            <a:schemeClr val="accent1"/>
+          </a:effectRef>
+          <a:fontRef idx="minor">
+            <a:schemeClr val="lt1"/>
+          </a:fontRef>
+        </p:style>
+        <p:txBody>
+          <a:bodyPr rtlCol="0" anchor="ctr"/>
+          <a:lstStyle/>
+          <a:p>
+            <a:pPr algn="ctr"/>
+            <a:r>
+              <a:rPr lang="en-IE" dirty="0"/>
+              <a:t>Firebase</a:t>
+            </a:r>
+            <a:endParaRPr lang="pl-PL" dirty="0"/>
+          </a:p>
+        </p:txBody>
+      </p:sp>
+      <p:sp>
+        <p:nvSpPr>
+          <p:cNvPr id="21" name="Rectangle 20">
+            <a:extLst>
+              <a:ext uri="{FF2B5EF4-FFF2-40B4-BE49-F238E27FC236}">
+                <a16:creationId xmlns:a16="http://schemas.microsoft.com/office/drawing/2014/main" id="{6AEC4D47-ECB4-C361-7FA0-9E5CCA1B72B3}"/>
+              </a:ext>
+            </a:extLst>
+          </p:cNvPr>
+          <p:cNvSpPr/>
+          <p:nvPr/>
+        </p:nvSpPr>
+        <p:spPr>
+          <a:xfrm>
+            <a:off x="6234262" y="3094637"/>
+            <a:ext cx="1582993" cy="737420"/>
+          </a:xfrm>
+          <a:prstGeom prst="rect">
+            <a:avLst/>
+          </a:prstGeom>
+        </p:spPr>
+        <p:style>
+          <a:lnRef idx="2">
+            <a:schemeClr val="accent1">
+              <a:shade val="15000"/>
+            </a:schemeClr>
+          </a:lnRef>
+          <a:fillRef idx="1">
+            <a:schemeClr val="accent1"/>
+          </a:fillRef>
+          <a:effectRef idx="0">
+            <a:schemeClr val="accent1"/>
+          </a:effectRef>
+          <a:fontRef idx="minor">
+            <a:schemeClr val="lt1"/>
+          </a:fontRef>
+        </p:style>
+        <p:txBody>
+          <a:bodyPr rtlCol="0" anchor="ctr"/>
+          <a:lstStyle/>
+          <a:p>
+            <a:pPr algn="ctr"/>
+            <a:r>
+              <a:rPr lang="en-IE" dirty="0"/>
+              <a:t>Open AI</a:t>
+            </a:r>
+            <a:br>
+              <a:rPr lang="en-IE" dirty="0"/>
+            </a:br>
+            <a:r>
+              <a:rPr lang="en-IE" dirty="0"/>
+              <a:t>API</a:t>
+            </a:r>
+            <a:endParaRPr lang="pl-PL" dirty="0"/>
+          </a:p>
+        </p:txBody>
+      </p:sp>
+      <p:sp>
+        <p:nvSpPr>
+          <p:cNvPr id="22" name="Rectangle 21">
+            <a:extLst>
+              <a:ext uri="{FF2B5EF4-FFF2-40B4-BE49-F238E27FC236}">
+                <a16:creationId xmlns:a16="http://schemas.microsoft.com/office/drawing/2014/main" id="{C034A743-019A-1BE5-5BAA-1E1BE9465BA0}"/>
+              </a:ext>
+            </a:extLst>
+          </p:cNvPr>
+          <p:cNvSpPr/>
+          <p:nvPr/>
+        </p:nvSpPr>
+        <p:spPr>
+          <a:xfrm>
+            <a:off x="6234262" y="3940956"/>
+            <a:ext cx="1582993" cy="737420"/>
+          </a:xfrm>
+          <a:prstGeom prst="rect">
+            <a:avLst/>
+          </a:prstGeom>
+        </p:spPr>
+        <p:style>
+          <a:lnRef idx="2">
+            <a:schemeClr val="accent1">
+              <a:shade val="15000"/>
+            </a:schemeClr>
+          </a:lnRef>
+          <a:fillRef idx="1">
+            <a:schemeClr val="accent1"/>
+          </a:fillRef>
+          <a:effectRef idx="0">
+            <a:schemeClr val="accent1"/>
+          </a:effectRef>
+          <a:fontRef idx="minor">
+            <a:schemeClr val="lt1"/>
+          </a:fontRef>
+        </p:style>
+        <p:txBody>
+          <a:bodyPr rtlCol="0" anchor="ctr"/>
+          <a:lstStyle/>
+          <a:p>
+            <a:pPr algn="ctr"/>
+            <a:r>
+              <a:rPr lang="en-IE" dirty="0"/>
+              <a:t>Main Database</a:t>
+            </a:r>
+            <a:endParaRPr lang="pl-PL" dirty="0"/>
+          </a:p>
+        </p:txBody>
+      </p:sp>
+      <p:sp>
+        <p:nvSpPr>
+          <p:cNvPr id="23" name="Rectangle 22">
+            <a:extLst>
+              <a:ext uri="{FF2B5EF4-FFF2-40B4-BE49-F238E27FC236}">
+                <a16:creationId xmlns:a16="http://schemas.microsoft.com/office/drawing/2014/main" id="{2C0D9B5E-CAB2-793D-BB4C-C7A04655804B}"/>
+              </a:ext>
+            </a:extLst>
+          </p:cNvPr>
+          <p:cNvSpPr/>
+          <p:nvPr/>
+        </p:nvSpPr>
+        <p:spPr>
+          <a:xfrm>
+            <a:off x="6234262" y="2253241"/>
+            <a:ext cx="1582993" cy="737420"/>
+          </a:xfrm>
+          <a:prstGeom prst="rect">
+            <a:avLst/>
+          </a:prstGeom>
+        </p:spPr>
+        <p:style>
+          <a:lnRef idx="2">
+            <a:schemeClr val="accent1">
+              <a:shade val="15000"/>
+            </a:schemeClr>
+          </a:lnRef>
+          <a:fillRef idx="1">
+            <a:schemeClr val="accent1"/>
+          </a:fillRef>
+          <a:effectRef idx="0">
+            <a:schemeClr val="accent1"/>
+          </a:effectRef>
+          <a:fontRef idx="minor">
+            <a:schemeClr val="lt1"/>
+          </a:fontRef>
+        </p:style>
+        <p:txBody>
+          <a:bodyPr rtlCol="0" anchor="ctr"/>
+          <a:lstStyle/>
+          <a:p>
+            <a:pPr algn="ctr"/>
+            <a:r>
+              <a:rPr lang="en-IE" dirty="0"/>
+              <a:t>Vector Database</a:t>
+            </a:r>
+            <a:endParaRPr lang="pl-PL" dirty="0"/>
+          </a:p>
+        </p:txBody>
+      </p:sp>
+      <p:sp>
+        <p:nvSpPr>
+          <p:cNvPr id="24" name="Rectangle 23">
+            <a:extLst>
+              <a:ext uri="{FF2B5EF4-FFF2-40B4-BE49-F238E27FC236}">
+                <a16:creationId xmlns:a16="http://schemas.microsoft.com/office/drawing/2014/main" id="{B038611A-25D8-7494-C032-65B4159DFA89}"/>
+              </a:ext>
+            </a:extLst>
+          </p:cNvPr>
+          <p:cNvSpPr/>
+          <p:nvPr/>
+        </p:nvSpPr>
+        <p:spPr>
+          <a:xfrm>
+            <a:off x="3441289" y="2670072"/>
+            <a:ext cx="1582993" cy="737420"/>
+          </a:xfrm>
+          <a:prstGeom prst="rect">
+            <a:avLst/>
+          </a:prstGeom>
+        </p:spPr>
+        <p:style>
+          <a:lnRef idx="2">
+            <a:schemeClr val="accent1">
+              <a:shade val="15000"/>
+            </a:schemeClr>
+          </a:lnRef>
+          <a:fillRef idx="1">
+            <a:schemeClr val="accent1"/>
+          </a:fillRef>
+          <a:effectRef idx="0">
+            <a:schemeClr val="accent1"/>
+          </a:effectRef>
+          <a:fontRef idx="minor">
+            <a:schemeClr val="lt1"/>
+          </a:fontRef>
+        </p:style>
+        <p:txBody>
+          <a:bodyPr rtlCol="0" anchor="ctr"/>
+          <a:lstStyle/>
+          <a:p>
+            <a:pPr algn="ctr"/>
+            <a:r>
+              <a:rPr lang="en-IE" dirty="0"/>
+              <a:t>Notes</a:t>
+            </a:r>
+            <a:endParaRPr lang="pl-PL" dirty="0"/>
+          </a:p>
+        </p:txBody>
+      </p:sp>
+      <p:sp>
+        <p:nvSpPr>
+          <p:cNvPr id="25" name="Rectangle 24">
+            <a:extLst>
+              <a:ext uri="{FF2B5EF4-FFF2-40B4-BE49-F238E27FC236}">
+                <a16:creationId xmlns:a16="http://schemas.microsoft.com/office/drawing/2014/main" id="{DDCFF8A7-7821-2989-C2FB-171C6B3AA149}"/>
+              </a:ext>
+            </a:extLst>
+          </p:cNvPr>
+          <p:cNvSpPr/>
+          <p:nvPr/>
+        </p:nvSpPr>
+        <p:spPr>
+          <a:xfrm>
+            <a:off x="3441288" y="3670286"/>
+            <a:ext cx="1582993" cy="737420"/>
+          </a:xfrm>
+          <a:prstGeom prst="rect">
+            <a:avLst/>
+          </a:prstGeom>
+        </p:spPr>
+        <p:style>
+          <a:lnRef idx="2">
+            <a:schemeClr val="accent1">
+              <a:shade val="15000"/>
+            </a:schemeClr>
+          </a:lnRef>
+          <a:fillRef idx="1">
+            <a:schemeClr val="accent1"/>
+          </a:fillRef>
+          <a:effectRef idx="0">
+            <a:schemeClr val="accent1"/>
+          </a:effectRef>
+          <a:fontRef idx="minor">
+            <a:schemeClr val="lt1"/>
+          </a:fontRef>
+        </p:style>
+        <p:txBody>
+          <a:bodyPr rtlCol="0" anchor="ctr"/>
+          <a:lstStyle/>
+          <a:p>
+            <a:pPr algn="ctr"/>
+            <a:r>
+              <a:rPr lang="en-IE" dirty="0"/>
+              <a:t>Templates</a:t>
+            </a:r>
+            <a:endParaRPr lang="pl-PL" dirty="0"/>
+          </a:p>
+        </p:txBody>
+      </p:sp>
+      <p:sp>
+        <p:nvSpPr>
+          <p:cNvPr id="26" name="Rectangle 25">
+            <a:extLst>
+              <a:ext uri="{FF2B5EF4-FFF2-40B4-BE49-F238E27FC236}">
+                <a16:creationId xmlns:a16="http://schemas.microsoft.com/office/drawing/2014/main" id="{A3ED75E3-F6DD-D326-A379-922CC7F18D71}"/>
+              </a:ext>
+            </a:extLst>
+          </p:cNvPr>
+          <p:cNvSpPr/>
+          <p:nvPr/>
+        </p:nvSpPr>
+        <p:spPr>
+          <a:xfrm>
+            <a:off x="3441288" y="4674812"/>
+            <a:ext cx="1582993" cy="737420"/>
+          </a:xfrm>
+          <a:prstGeom prst="rect">
+            <a:avLst/>
+          </a:prstGeom>
+        </p:spPr>
+        <p:style>
+          <a:lnRef idx="2">
+            <a:schemeClr val="accent1">
+              <a:shade val="15000"/>
+            </a:schemeClr>
+          </a:lnRef>
+          <a:fillRef idx="1">
+            <a:schemeClr val="accent1"/>
+          </a:fillRef>
+          <a:effectRef idx="0">
+            <a:schemeClr val="accent1"/>
+          </a:effectRef>
+          <a:fontRef idx="minor">
+            <a:schemeClr val="lt1"/>
+          </a:fontRef>
+        </p:style>
+        <p:txBody>
+          <a:bodyPr rtlCol="0" anchor="ctr"/>
+          <a:lstStyle/>
+          <a:p>
+            <a:pPr algn="ctr"/>
+            <a:r>
+              <a:rPr lang="en-IE" dirty="0"/>
+              <a:t>Workspaces</a:t>
+            </a:r>
+            <a:endParaRPr lang="pl-PL" dirty="0"/>
+          </a:p>
+        </p:txBody>
+      </p:sp>
+      <p:cxnSp>
+        <p:nvCxnSpPr>
+          <p:cNvPr id="28" name="Straight Arrow Connector 27">
+            <a:extLst>
+              <a:ext uri="{FF2B5EF4-FFF2-40B4-BE49-F238E27FC236}">
+                <a16:creationId xmlns:a16="http://schemas.microsoft.com/office/drawing/2014/main" id="{965FFA21-5E22-B151-6508-BB29B9D8A30E}"/>
+              </a:ext>
+            </a:extLst>
+          </p:cNvPr>
+          <p:cNvCxnSpPr>
+            <a:stCxn id="4" idx="3"/>
+            <a:endCxn id="18" idx="1"/>
+          </p:cNvCxnSpPr>
+          <p:nvPr/>
+        </p:nvCxnSpPr>
+        <p:spPr>
+          <a:xfrm flipV="1">
+            <a:off x="2172929" y="2034256"/>
+            <a:ext cx="1268361" cy="1481386"/>
+          </a:xfrm>
+          <a:prstGeom prst="straightConnector1">
+            <a:avLst/>
+          </a:prstGeom>
+          <a:ln>
+            <a:tailEnd type="triangle"/>
+          </a:ln>
+        </p:spPr>
+        <p:style>
+          <a:lnRef idx="1">
+            <a:schemeClr val="accent6"/>
+          </a:lnRef>
+          <a:fillRef idx="0">
+            <a:schemeClr val="accent6"/>
+          </a:fillRef>
+          <a:effectRef idx="0">
+            <a:schemeClr val="accent6"/>
+          </a:effectRef>
+          <a:fontRef idx="minor">
+            <a:schemeClr val="tx1"/>
+          </a:fontRef>
+        </p:style>
+      </p:cxnSp>
+      <p:cxnSp>
+        <p:nvCxnSpPr>
+          <p:cNvPr id="30" name="Straight Arrow Connector 29">
+            <a:extLst>
+              <a:ext uri="{FF2B5EF4-FFF2-40B4-BE49-F238E27FC236}">
+                <a16:creationId xmlns:a16="http://schemas.microsoft.com/office/drawing/2014/main" id="{D3E91A62-12F1-A3F8-2D20-33267FAC2D74}"/>
+              </a:ext>
+            </a:extLst>
+          </p:cNvPr>
+          <p:cNvCxnSpPr>
+            <a:stCxn id="4" idx="3"/>
+            <a:endCxn id="24" idx="1"/>
+          </p:cNvCxnSpPr>
+          <p:nvPr/>
+        </p:nvCxnSpPr>
+        <p:spPr>
+          <a:xfrm flipV="1">
+            <a:off x="2172929" y="3038782"/>
+            <a:ext cx="1268360" cy="476860"/>
+          </a:xfrm>
+          <a:prstGeom prst="straightConnector1">
+            <a:avLst/>
+          </a:prstGeom>
+          <a:ln>
+            <a:tailEnd type="triangle"/>
+          </a:ln>
+        </p:spPr>
+        <p:style>
+          <a:lnRef idx="1">
+            <a:schemeClr val="accent6"/>
+          </a:lnRef>
+          <a:fillRef idx="0">
+            <a:schemeClr val="accent6"/>
+          </a:fillRef>
+          <a:effectRef idx="0">
+            <a:schemeClr val="accent6"/>
+          </a:effectRef>
+          <a:fontRef idx="minor">
+            <a:schemeClr val="tx1"/>
+          </a:fontRef>
+        </p:style>
+      </p:cxnSp>
+      <p:cxnSp>
+        <p:nvCxnSpPr>
+          <p:cNvPr id="32" name="Straight Arrow Connector 31">
+            <a:extLst>
+              <a:ext uri="{FF2B5EF4-FFF2-40B4-BE49-F238E27FC236}">
+                <a16:creationId xmlns:a16="http://schemas.microsoft.com/office/drawing/2014/main" id="{48EEA1E2-A1ED-6B6A-397E-DEF8EC963AAF}"/>
+              </a:ext>
+            </a:extLst>
+          </p:cNvPr>
+          <p:cNvCxnSpPr>
+            <a:stCxn id="4" idx="3"/>
+            <a:endCxn id="25" idx="1"/>
+          </p:cNvCxnSpPr>
+          <p:nvPr/>
+        </p:nvCxnSpPr>
+        <p:spPr>
+          <a:xfrm>
+            <a:off x="2172929" y="3515642"/>
+            <a:ext cx="1268359" cy="523354"/>
+          </a:xfrm>
+          <a:prstGeom prst="straightConnector1">
+            <a:avLst/>
+          </a:prstGeom>
+          <a:ln>
+            <a:tailEnd type="triangle"/>
+          </a:ln>
+        </p:spPr>
+        <p:style>
+          <a:lnRef idx="1">
+            <a:schemeClr val="accent6"/>
+          </a:lnRef>
+          <a:fillRef idx="0">
+            <a:schemeClr val="accent6"/>
+          </a:fillRef>
+          <a:effectRef idx="0">
+            <a:schemeClr val="accent6"/>
+          </a:effectRef>
+          <a:fontRef idx="minor">
+            <a:schemeClr val="tx1"/>
+          </a:fontRef>
+        </p:style>
+      </p:cxnSp>
+      <p:cxnSp>
+        <p:nvCxnSpPr>
+          <p:cNvPr id="34" name="Straight Arrow Connector 33">
+            <a:extLst>
+              <a:ext uri="{FF2B5EF4-FFF2-40B4-BE49-F238E27FC236}">
+                <a16:creationId xmlns:a16="http://schemas.microsoft.com/office/drawing/2014/main" id="{AD57E261-0E0A-5680-D000-42F750B0845D}"/>
+              </a:ext>
+            </a:extLst>
+          </p:cNvPr>
+          <p:cNvCxnSpPr>
+            <a:stCxn id="4" idx="3"/>
+            <a:endCxn id="26" idx="1"/>
+          </p:cNvCxnSpPr>
+          <p:nvPr/>
+        </p:nvCxnSpPr>
+        <p:spPr>
+          <a:xfrm>
+            <a:off x="2172929" y="3515642"/>
+            <a:ext cx="1268359" cy="1527880"/>
+          </a:xfrm>
+          <a:prstGeom prst="straightConnector1">
+            <a:avLst/>
+          </a:prstGeom>
+          <a:ln>
+            <a:tailEnd type="triangle"/>
+          </a:ln>
+        </p:spPr>
+        <p:style>
+          <a:lnRef idx="1">
+            <a:schemeClr val="accent6"/>
+          </a:lnRef>
+          <a:fillRef idx="0">
+            <a:schemeClr val="accent6"/>
+          </a:fillRef>
+          <a:effectRef idx="0">
+            <a:schemeClr val="accent6"/>
+          </a:effectRef>
+          <a:fontRef idx="minor">
+            <a:schemeClr val="tx1"/>
+          </a:fontRef>
+        </p:style>
+      </p:cxnSp>
+      <p:cxnSp>
+        <p:nvCxnSpPr>
+          <p:cNvPr id="38" name="Straight Arrow Connector 37">
+            <a:extLst>
+              <a:ext uri="{FF2B5EF4-FFF2-40B4-BE49-F238E27FC236}">
+                <a16:creationId xmlns:a16="http://schemas.microsoft.com/office/drawing/2014/main" id="{EBECC58A-7F6A-A26A-1B41-6A7C37DD7526}"/>
+              </a:ext>
+            </a:extLst>
+          </p:cNvPr>
+          <p:cNvCxnSpPr>
+            <a:stCxn id="18" idx="3"/>
+            <a:endCxn id="19" idx="1"/>
+          </p:cNvCxnSpPr>
+          <p:nvPr/>
+        </p:nvCxnSpPr>
+        <p:spPr>
+          <a:xfrm flipV="1">
+            <a:off x="5024283" y="1778009"/>
+            <a:ext cx="1209980" cy="256247"/>
+          </a:xfrm>
+          <a:prstGeom prst="straightConnector1">
+            <a:avLst/>
+          </a:prstGeom>
+          <a:ln>
+            <a:tailEnd type="triangle"/>
+          </a:ln>
+        </p:spPr>
+        <p:style>
+          <a:lnRef idx="1">
+            <a:schemeClr val="accent6"/>
+          </a:lnRef>
+          <a:fillRef idx="0">
+            <a:schemeClr val="accent6"/>
+          </a:fillRef>
+          <a:effectRef idx="0">
+            <a:schemeClr val="accent6"/>
+          </a:effectRef>
+          <a:fontRef idx="minor">
+            <a:schemeClr val="tx1"/>
+          </a:fontRef>
+        </p:style>
+      </p:cxnSp>
+      <p:cxnSp>
+        <p:nvCxnSpPr>
+          <p:cNvPr id="40" name="Straight Arrow Connector 39">
+            <a:extLst>
+              <a:ext uri="{FF2B5EF4-FFF2-40B4-BE49-F238E27FC236}">
+                <a16:creationId xmlns:a16="http://schemas.microsoft.com/office/drawing/2014/main" id="{3CF6FA8D-4AE2-9DAB-52BA-0FEC93595EF1}"/>
+              </a:ext>
+            </a:extLst>
+          </p:cNvPr>
+          <p:cNvCxnSpPr>
+            <a:cxnSpLocks/>
+            <a:stCxn id="26" idx="3"/>
+            <a:endCxn id="20" idx="1"/>
+          </p:cNvCxnSpPr>
+          <p:nvPr/>
+        </p:nvCxnSpPr>
+        <p:spPr>
+          <a:xfrm>
+            <a:off x="5024281" y="5043522"/>
+            <a:ext cx="1209981" cy="112463"/>
+          </a:xfrm>
+          <a:prstGeom prst="straightConnector1">
+            <a:avLst/>
+          </a:prstGeom>
+          <a:ln>
+            <a:tailEnd type="triangle"/>
+          </a:ln>
+        </p:spPr>
+        <p:style>
+          <a:lnRef idx="1">
+            <a:schemeClr val="accent6"/>
+          </a:lnRef>
+          <a:fillRef idx="0">
+            <a:schemeClr val="accent6"/>
+          </a:fillRef>
+          <a:effectRef idx="0">
+            <a:schemeClr val="accent6"/>
+          </a:effectRef>
+          <a:fontRef idx="minor">
+            <a:schemeClr val="tx1"/>
+          </a:fontRef>
+        </p:style>
+      </p:cxnSp>
+      <p:cxnSp>
+        <p:nvCxnSpPr>
+          <p:cNvPr id="45" name="Straight Arrow Connector 44">
+            <a:extLst>
+              <a:ext uri="{FF2B5EF4-FFF2-40B4-BE49-F238E27FC236}">
+                <a16:creationId xmlns:a16="http://schemas.microsoft.com/office/drawing/2014/main" id="{F2F0443A-A853-30CE-9B55-10E8775B53F0}"/>
+              </a:ext>
+            </a:extLst>
+          </p:cNvPr>
+          <p:cNvCxnSpPr>
+            <a:stCxn id="24" idx="3"/>
+            <a:endCxn id="23" idx="1"/>
+          </p:cNvCxnSpPr>
+          <p:nvPr/>
+        </p:nvCxnSpPr>
+        <p:spPr>
+          <a:xfrm flipV="1">
+            <a:off x="5024282" y="2621951"/>
+            <a:ext cx="1209980" cy="416831"/>
+          </a:xfrm>
+          <a:prstGeom prst="straightConnector1">
+            <a:avLst/>
+          </a:prstGeom>
+          <a:ln>
+            <a:tailEnd type="triangle"/>
+          </a:ln>
+        </p:spPr>
+        <p:style>
+          <a:lnRef idx="1">
+            <a:schemeClr val="accent6"/>
+          </a:lnRef>
+          <a:fillRef idx="0">
+            <a:schemeClr val="accent6"/>
+          </a:fillRef>
+          <a:effectRef idx="0">
+            <a:schemeClr val="accent6"/>
+          </a:effectRef>
+          <a:fontRef idx="minor">
+            <a:schemeClr val="tx1"/>
+          </a:fontRef>
+        </p:style>
+      </p:cxnSp>
+      <p:cxnSp>
+        <p:nvCxnSpPr>
+          <p:cNvPr id="47" name="Straight Arrow Connector 46">
+            <a:extLst>
+              <a:ext uri="{FF2B5EF4-FFF2-40B4-BE49-F238E27FC236}">
+                <a16:creationId xmlns:a16="http://schemas.microsoft.com/office/drawing/2014/main" id="{8ADCA536-04ED-DA79-A554-66449CF5A6F6}"/>
+              </a:ext>
+            </a:extLst>
+          </p:cNvPr>
+          <p:cNvCxnSpPr>
+            <a:stCxn id="24" idx="3"/>
+            <a:endCxn id="22" idx="1"/>
+          </p:cNvCxnSpPr>
+          <p:nvPr/>
+        </p:nvCxnSpPr>
+        <p:spPr>
+          <a:xfrm>
+            <a:off x="5024282" y="3038782"/>
+            <a:ext cx="1209980" cy="1270884"/>
+          </a:xfrm>
+          <a:prstGeom prst="straightConnector1">
+            <a:avLst/>
+          </a:prstGeom>
+          <a:ln>
+            <a:tailEnd type="triangle"/>
+          </a:ln>
+        </p:spPr>
+        <p:style>
+          <a:lnRef idx="1">
+            <a:schemeClr val="accent6"/>
+          </a:lnRef>
+          <a:fillRef idx="0">
+            <a:schemeClr val="accent6"/>
+          </a:fillRef>
+          <a:effectRef idx="0">
+            <a:schemeClr val="accent6"/>
+          </a:effectRef>
+          <a:fontRef idx="minor">
+            <a:schemeClr val="tx1"/>
+          </a:fontRef>
+        </p:style>
+      </p:cxnSp>
+      <p:cxnSp>
+        <p:nvCxnSpPr>
+          <p:cNvPr id="49" name="Straight Arrow Connector 48">
+            <a:extLst>
+              <a:ext uri="{FF2B5EF4-FFF2-40B4-BE49-F238E27FC236}">
+                <a16:creationId xmlns:a16="http://schemas.microsoft.com/office/drawing/2014/main" id="{6258BE50-82D8-8FD1-5739-D34278C03E60}"/>
+              </a:ext>
+            </a:extLst>
+          </p:cNvPr>
+          <p:cNvCxnSpPr>
+            <a:stCxn id="24" idx="3"/>
+            <a:endCxn id="21" idx="1"/>
+          </p:cNvCxnSpPr>
+          <p:nvPr/>
+        </p:nvCxnSpPr>
+        <p:spPr>
+          <a:xfrm>
+            <a:off x="5024282" y="3038782"/>
+            <a:ext cx="1209980" cy="424565"/>
+          </a:xfrm>
+          <a:prstGeom prst="straightConnector1">
+            <a:avLst/>
+          </a:prstGeom>
+          <a:ln>
+            <a:tailEnd type="triangle"/>
+          </a:ln>
+        </p:spPr>
+        <p:style>
+          <a:lnRef idx="1">
+            <a:schemeClr val="accent6"/>
+          </a:lnRef>
+          <a:fillRef idx="0">
+            <a:schemeClr val="accent6"/>
+          </a:fillRef>
+          <a:effectRef idx="0">
+            <a:schemeClr val="accent6"/>
+          </a:effectRef>
+          <a:fontRef idx="minor">
+            <a:schemeClr val="tx1"/>
+          </a:fontRef>
+        </p:style>
+      </p:cxnSp>
+      <p:cxnSp>
+        <p:nvCxnSpPr>
+          <p:cNvPr id="51" name="Straight Arrow Connector 50">
+            <a:extLst>
+              <a:ext uri="{FF2B5EF4-FFF2-40B4-BE49-F238E27FC236}">
+                <a16:creationId xmlns:a16="http://schemas.microsoft.com/office/drawing/2014/main" id="{1B28DAD3-8A6E-CA66-5A4D-AB70345B1C4B}"/>
+              </a:ext>
+            </a:extLst>
+          </p:cNvPr>
+          <p:cNvCxnSpPr>
+            <a:stCxn id="25" idx="3"/>
+            <a:endCxn id="22" idx="1"/>
+          </p:cNvCxnSpPr>
+          <p:nvPr/>
+        </p:nvCxnSpPr>
+        <p:spPr>
+          <a:xfrm>
+            <a:off x="5024281" y="4038996"/>
+            <a:ext cx="1209981" cy="270670"/>
+          </a:xfrm>
+          <a:prstGeom prst="straightConnector1">
+            <a:avLst/>
+          </a:prstGeom>
+          <a:ln>
+            <a:tailEnd type="triangle"/>
+          </a:ln>
+        </p:spPr>
+        <p:style>
+          <a:lnRef idx="1">
+            <a:schemeClr val="accent6"/>
+          </a:lnRef>
+          <a:fillRef idx="0">
+            <a:schemeClr val="accent6"/>
+          </a:fillRef>
+          <a:effectRef idx="0">
+            <a:schemeClr val="accent6"/>
+          </a:effectRef>
+          <a:fontRef idx="minor">
+            <a:schemeClr val="tx1"/>
+          </a:fontRef>
+        </p:style>
+      </p:cxnSp>
+      <p:cxnSp>
+        <p:nvCxnSpPr>
+          <p:cNvPr id="61" name="Straight Arrow Connector 60">
+            <a:extLst>
+              <a:ext uri="{FF2B5EF4-FFF2-40B4-BE49-F238E27FC236}">
+                <a16:creationId xmlns:a16="http://schemas.microsoft.com/office/drawing/2014/main" id="{68750D0A-984E-6720-0C7E-8276554EDD67}"/>
+              </a:ext>
+            </a:extLst>
+          </p:cNvPr>
+          <p:cNvCxnSpPr>
+            <a:cxnSpLocks/>
+            <a:endCxn id="22" idx="3"/>
+          </p:cNvCxnSpPr>
+          <p:nvPr/>
+        </p:nvCxnSpPr>
+        <p:spPr>
+          <a:xfrm flipH="1">
+            <a:off x="7817255" y="4309666"/>
+            <a:ext cx="274693" cy="0"/>
+          </a:xfrm>
+          <a:prstGeom prst="straightConnector1">
+            <a:avLst/>
+          </a:prstGeom>
+          <a:ln>
+            <a:tailEnd type="triangle"/>
+          </a:ln>
+        </p:spPr>
+        <p:style>
+          <a:lnRef idx="1">
+            <a:schemeClr val="accent6"/>
+          </a:lnRef>
+          <a:fillRef idx="0">
+            <a:schemeClr val="accent6"/>
+          </a:fillRef>
+          <a:effectRef idx="0">
+            <a:schemeClr val="accent6"/>
+          </a:effectRef>
+          <a:fontRef idx="minor">
+            <a:schemeClr val="tx1"/>
+          </a:fontRef>
+        </p:style>
+      </p:cxnSp>
+      <p:cxnSp>
+        <p:nvCxnSpPr>
+          <p:cNvPr id="66" name="Straight Arrow Connector 65">
+            <a:extLst>
+              <a:ext uri="{FF2B5EF4-FFF2-40B4-BE49-F238E27FC236}">
+                <a16:creationId xmlns:a16="http://schemas.microsoft.com/office/drawing/2014/main" id="{D5DDFECD-EC93-0107-77FC-0AADAC625837}"/>
+              </a:ext>
+            </a:extLst>
+          </p:cNvPr>
+          <p:cNvCxnSpPr>
+            <a:stCxn id="26" idx="3"/>
+            <a:endCxn id="22" idx="1"/>
+          </p:cNvCxnSpPr>
+          <p:nvPr/>
+        </p:nvCxnSpPr>
+        <p:spPr>
+          <a:xfrm flipV="1">
+            <a:off x="5024281" y="4309666"/>
+            <a:ext cx="1209981" cy="733856"/>
+          </a:xfrm>
+          <a:prstGeom prst="straightConnector1">
+            <a:avLst/>
+          </a:prstGeom>
+          <a:ln>
+            <a:tailEnd type="triangle"/>
+          </a:ln>
+        </p:spPr>
+        <p:style>
+          <a:lnRef idx="1">
+            <a:schemeClr val="accent6"/>
+          </a:lnRef>
+          <a:fillRef idx="0">
+            <a:schemeClr val="accent6"/>
+          </a:fillRef>
+          <a:effectRef idx="0">
+            <a:schemeClr val="accent6"/>
+          </a:effectRef>
+          <a:fontRef idx="minor">
+            <a:schemeClr val="tx1"/>
+          </a:fontRef>
+        </p:style>
+      </p:cxnSp>
+      <p:sp>
+        <p:nvSpPr>
+          <p:cNvPr id="67" name="Freeform: Shape 66">
+            <a:extLst>
+              <a:ext uri="{FF2B5EF4-FFF2-40B4-BE49-F238E27FC236}">
+                <a16:creationId xmlns:a16="http://schemas.microsoft.com/office/drawing/2014/main" id="{CCCC0973-6325-50BE-76F7-A8CE35D9AF2A}"/>
+              </a:ext>
+            </a:extLst>
+          </p:cNvPr>
+          <p:cNvSpPr/>
+          <p:nvPr/>
+        </p:nvSpPr>
+        <p:spPr>
+          <a:xfrm>
+            <a:off x="5054396" y="3188129"/>
+            <a:ext cx="501436" cy="1700231"/>
+          </a:xfrm>
+          <a:custGeom>
+            <a:avLst/>
+            <a:gdLst>
+              <a:gd name="connsiteX0" fmla="*/ 9833 w 462117"/>
+              <a:gd name="connsiteY0" fmla="*/ 0 h 1789471"/>
+              <a:gd name="connsiteX1" fmla="*/ 462117 w 462117"/>
+              <a:gd name="connsiteY1" fmla="*/ 973393 h 1789471"/>
+              <a:gd name="connsiteX2" fmla="*/ 0 w 462117"/>
+              <a:gd name="connsiteY2" fmla="*/ 1789471 h 1789471"/>
+            </a:gdLst>
+            <a:ahLst/>
+            <a:cxnLst>
+              <a:cxn ang="0">
+                <a:pos x="connsiteX0" y="connsiteY0"/>
+              </a:cxn>
+              <a:cxn ang="0">
+                <a:pos x="connsiteX1" y="connsiteY1"/>
+              </a:cxn>
+              <a:cxn ang="0">
+                <a:pos x="connsiteX2" y="connsiteY2"/>
+              </a:cxn>
+            </a:cxnLst>
+            <a:rect l="l" t="t" r="r" b="b"/>
+            <a:pathLst>
+              <a:path w="462117" h="1789471">
+                <a:moveTo>
+                  <a:pt x="9833" y="0"/>
+                </a:moveTo>
+                <a:lnTo>
+                  <a:pt x="462117" y="973393"/>
+                </a:lnTo>
+                <a:lnTo>
+                  <a:pt x="0" y="1789471"/>
+                </a:lnTo>
+              </a:path>
+            </a:pathLst>
+          </a:custGeom>
+          <a:ln w="9525" cap="flat" cmpd="sng" algn="ctr">
+            <a:solidFill>
+              <a:schemeClr val="accent3"/>
+            </a:solidFill>
+            <a:prstDash val="solid"/>
+            <a:round/>
+            <a:headEnd type="arrow" w="med" len="med"/>
+            <a:tailEnd type="arrow" w="med" len="med"/>
+          </a:ln>
+        </p:spPr>
+        <p:style>
+          <a:lnRef idx="0">
+            <a:scrgbClr r="0" g="0" b="0"/>
+          </a:lnRef>
+          <a:fillRef idx="0">
+            <a:scrgbClr r="0" g="0" b="0"/>
+          </a:fillRef>
+          <a:effectRef idx="0">
+            <a:scrgbClr r="0" g="0" b="0"/>
+          </a:effectRef>
+          <a:fontRef idx="minor">
+            <a:schemeClr val="tx1"/>
+          </a:fontRef>
+        </p:style>
+        <p:txBody>
+          <a:bodyPr rtlCol="0" anchor="ctr"/>
+          <a:lstStyle/>
+          <a:p>
+            <a:pPr algn="ctr"/>
+            <a:endParaRPr lang="pl-PL"/>
+          </a:p>
+        </p:txBody>
+      </p:sp>
+      <p:cxnSp>
+        <p:nvCxnSpPr>
+          <p:cNvPr id="72" name="Straight Arrow Connector 71">
+            <a:extLst>
+              <a:ext uri="{FF2B5EF4-FFF2-40B4-BE49-F238E27FC236}">
+                <a16:creationId xmlns:a16="http://schemas.microsoft.com/office/drawing/2014/main" id="{41DF3F3B-A0BF-4846-C052-793400107420}"/>
+              </a:ext>
+            </a:extLst>
+          </p:cNvPr>
+          <p:cNvCxnSpPr>
+            <a:stCxn id="18" idx="2"/>
+            <a:endCxn id="24" idx="0"/>
+          </p:cNvCxnSpPr>
+          <p:nvPr/>
+        </p:nvCxnSpPr>
+        <p:spPr>
+          <a:xfrm flipH="1">
+            <a:off x="4232786" y="2402966"/>
+            <a:ext cx="1" cy="267106"/>
+          </a:xfrm>
+          <a:prstGeom prst="straightConnector1">
+            <a:avLst/>
+          </a:prstGeom>
+          <a:ln>
+            <a:tailEnd type="triangle"/>
+          </a:ln>
+        </p:spPr>
+        <p:style>
+          <a:lnRef idx="1">
+            <a:schemeClr val="accent6"/>
+          </a:lnRef>
+          <a:fillRef idx="0">
+            <a:schemeClr val="accent6"/>
+          </a:fillRef>
+          <a:effectRef idx="0">
+            <a:schemeClr val="accent6"/>
+          </a:effectRef>
+          <a:fontRef idx="minor">
+            <a:schemeClr val="tx1"/>
+          </a:fontRef>
+        </p:style>
+      </p:cxnSp>
+      <p:sp>
+        <p:nvSpPr>
+          <p:cNvPr id="73" name="TextBox 72">
+            <a:extLst>
+              <a:ext uri="{FF2B5EF4-FFF2-40B4-BE49-F238E27FC236}">
+                <a16:creationId xmlns:a16="http://schemas.microsoft.com/office/drawing/2014/main" id="{89E3DD90-292B-C279-D50F-5DF6181BAA10}"/>
+              </a:ext>
+            </a:extLst>
+          </p:cNvPr>
+          <p:cNvSpPr txBox="1"/>
+          <p:nvPr/>
+        </p:nvSpPr>
+        <p:spPr>
+          <a:xfrm>
+            <a:off x="3684670" y="1136338"/>
+            <a:ext cx="1119217" cy="369332"/>
+          </a:xfrm>
+          <a:prstGeom prst="rect">
+            <a:avLst/>
+          </a:prstGeom>
+          <a:noFill/>
+        </p:spPr>
+        <p:txBody>
+          <a:bodyPr wrap="none" rtlCol="0">
+            <a:spAutoFit/>
+          </a:bodyPr>
+          <a:lstStyle/>
+          <a:p>
+            <a:r>
+              <a:rPr lang="en-IE" b="1" dirty="0"/>
+              <a:t>Back-end</a:t>
+            </a:r>
+            <a:endParaRPr lang="pl-PL" b="1" dirty="0"/>
+          </a:p>
+        </p:txBody>
+      </p:sp>
+      <p:sp>
+        <p:nvSpPr>
+          <p:cNvPr id="103" name="Freeform: Shape 102">
+            <a:extLst>
+              <a:ext uri="{FF2B5EF4-FFF2-40B4-BE49-F238E27FC236}">
+                <a16:creationId xmlns:a16="http://schemas.microsoft.com/office/drawing/2014/main" id="{4C974388-965C-6987-B624-0B271764F816}"/>
+              </a:ext>
+            </a:extLst>
+          </p:cNvPr>
+          <p:cNvSpPr/>
+          <p:nvPr/>
+        </p:nvSpPr>
+        <p:spPr>
+          <a:xfrm>
+            <a:off x="5004619" y="1297858"/>
+            <a:ext cx="3106994" cy="3018503"/>
+          </a:xfrm>
+          <a:custGeom>
+            <a:avLst/>
+            <a:gdLst>
+              <a:gd name="connsiteX0" fmla="*/ 0 w 3106994"/>
+              <a:gd name="connsiteY0" fmla="*/ 511277 h 3018503"/>
+              <a:gd name="connsiteX1" fmla="*/ 1219200 w 3106994"/>
+              <a:gd name="connsiteY1" fmla="*/ 0 h 3018503"/>
+              <a:gd name="connsiteX2" fmla="*/ 3097162 w 3106994"/>
+              <a:gd name="connsiteY2" fmla="*/ 9832 h 3018503"/>
+              <a:gd name="connsiteX3" fmla="*/ 3106994 w 3106994"/>
+              <a:gd name="connsiteY3" fmla="*/ 3018503 h 3018503"/>
+            </a:gdLst>
+            <a:ahLst/>
+            <a:cxnLst>
+              <a:cxn ang="0">
+                <a:pos x="connsiteX0" y="connsiteY0"/>
+              </a:cxn>
+              <a:cxn ang="0">
+                <a:pos x="connsiteX1" y="connsiteY1"/>
+              </a:cxn>
+              <a:cxn ang="0">
+                <a:pos x="connsiteX2" y="connsiteY2"/>
+              </a:cxn>
+              <a:cxn ang="0">
+                <a:pos x="connsiteX3" y="connsiteY3"/>
+              </a:cxn>
+            </a:cxnLst>
+            <a:rect l="l" t="t" r="r" b="b"/>
+            <a:pathLst>
+              <a:path w="3106994" h="3018503">
+                <a:moveTo>
+                  <a:pt x="0" y="511277"/>
+                </a:moveTo>
+                <a:lnTo>
+                  <a:pt x="1219200" y="0"/>
+                </a:lnTo>
+                <a:lnTo>
+                  <a:pt x="3097162" y="9832"/>
+                </a:lnTo>
+                <a:cubicBezTo>
+                  <a:pt x="3100439" y="1012722"/>
+                  <a:pt x="3103717" y="2015613"/>
+                  <a:pt x="3106994" y="3018503"/>
+                </a:cubicBezTo>
+              </a:path>
+            </a:pathLst>
+          </a:custGeom>
+        </p:spPr>
+        <p:style>
+          <a:lnRef idx="1">
+            <a:schemeClr val="accent6"/>
+          </a:lnRef>
+          <a:fillRef idx="0">
+            <a:schemeClr val="accent6"/>
+          </a:fillRef>
+          <a:effectRef idx="0">
+            <a:schemeClr val="accent6"/>
+          </a:effectRef>
+          <a:fontRef idx="minor">
+            <a:schemeClr val="tx1"/>
+          </a:fontRef>
+        </p:style>
+        <p:txBody>
+          <a:bodyPr rtlCol="0" anchor="ctr"/>
+          <a:lstStyle/>
+          <a:p>
+            <a:pPr algn="ctr"/>
             <a:endParaRPr lang="pl-PL"/>
           </a:p>
         </p:txBody>

--- a/ThingSpaceTsM2.pptx
+++ b/ThingSpaceTsM2.pptx
@@ -9750,6 +9750,54 @@
           </a:p>
         </p:txBody>
       </p:sp>
+      <p:cxnSp>
+        <p:nvCxnSpPr>
+          <p:cNvPr id="5" name="Straight Arrow Connector 4">
+            <a:extLst>
+              <a:ext uri="{FF2B5EF4-FFF2-40B4-BE49-F238E27FC236}">
+                <a16:creationId xmlns:a16="http://schemas.microsoft.com/office/drawing/2014/main" id="{45A9FA95-E33B-BB07-C598-D701E64E1B36}"/>
+              </a:ext>
+            </a:extLst>
+          </p:cNvPr>
+          <p:cNvCxnSpPr>
+            <a:stCxn id="25" idx="2"/>
+            <a:endCxn id="26" idx="0"/>
+          </p:cNvCxnSpPr>
+          <p:nvPr/>
+        </p:nvCxnSpPr>
+        <p:spPr>
+          <a:xfrm>
+            <a:off x="4232785" y="4407706"/>
+            <a:ext cx="0" cy="267106"/>
+          </a:xfrm>
+          <a:prstGeom prst="straightConnector1">
+            <a:avLst/>
+          </a:prstGeom>
+          <a:ln w="9525" cap="flat" cmpd="sng" algn="ctr">
+            <a:solidFill>
+              <a:schemeClr val="accent6"/>
+            </a:solidFill>
+            <a:prstDash val="solid"/>
+            <a:round/>
+            <a:headEnd type="arrow" w="med" len="med"/>
+            <a:tailEnd type="arrow" w="med" len="med"/>
+          </a:ln>
+        </p:spPr>
+        <p:style>
+          <a:lnRef idx="0">
+            <a:scrgbClr r="0" g="0" b="0"/>
+          </a:lnRef>
+          <a:fillRef idx="0">
+            <a:scrgbClr r="0" g="0" b="0"/>
+          </a:fillRef>
+          <a:effectRef idx="0">
+            <a:scrgbClr r="0" g="0" b="0"/>
+          </a:effectRef>
+          <a:fontRef idx="minor">
+            <a:schemeClr val="tx1"/>
+          </a:fontRef>
+        </p:style>
+      </p:cxnSp>
     </p:spTree>
     <p:extLst>
       <p:ext uri="{BB962C8B-B14F-4D97-AF65-F5344CB8AC3E}">

--- a/ThingSpaceTsM2.pptx
+++ b/ThingSpaceTsM2.pptx
@@ -9,8 +9,9 @@
     <p:sldId id="257" r:id="rId3"/>
     <p:sldId id="258" r:id="rId4"/>
     <p:sldId id="259" r:id="rId5"/>
-    <p:sldId id="260" r:id="rId6"/>
-    <p:sldId id="261" r:id="rId7"/>
+    <p:sldId id="262" r:id="rId6"/>
+    <p:sldId id="260" r:id="rId7"/>
+    <p:sldId id="261" r:id="rId8"/>
   </p:sldIdLst>
   <p:sldSz cx="9144000" cy="5716588"/>
   <p:notesSz cx="6858000" cy="9144000"/>
@@ -6147,6 +6148,1994 @@
 </file>
 
 <file path=ppt/slides/slide4.xml><?xml version="1.0" encoding="utf-8"?>
+<p:sld xmlns:a="http://schemas.openxmlformats.org/drawingml/2006/main" xmlns:r="http://schemas.openxmlformats.org/officeDocument/2006/relationships" xmlns:p="http://schemas.openxmlformats.org/presentationml/2006/main" show="0">
+  <p:cSld>
+    <p:spTree>
+      <p:nvGrpSpPr>
+        <p:cNvPr id="1" name=""/>
+        <p:cNvGrpSpPr/>
+        <p:nvPr/>
+      </p:nvGrpSpPr>
+      <p:grpSpPr>
+        <a:xfrm>
+          <a:off x="0" y="0"/>
+          <a:ext cx="0" cy="0"/>
+          <a:chOff x="0" y="0"/>
+          <a:chExt cx="0" cy="0"/>
+        </a:xfrm>
+      </p:grpSpPr>
+      <p:sp>
+        <p:nvSpPr>
+          <p:cNvPr id="23" name="Rectangle 22">
+            <a:extLst>
+              <a:ext uri="{FF2B5EF4-FFF2-40B4-BE49-F238E27FC236}">
+                <a16:creationId xmlns:a16="http://schemas.microsoft.com/office/drawing/2014/main" id="{9BB6BCC8-A996-1C8F-6312-A4AD4A24C0FE}"/>
+              </a:ext>
+            </a:extLst>
+          </p:cNvPr>
+          <p:cNvSpPr/>
+          <p:nvPr/>
+        </p:nvSpPr>
+        <p:spPr>
+          <a:xfrm>
+            <a:off x="1493441" y="1378965"/>
+            <a:ext cx="6065520" cy="3421380"/>
+          </a:xfrm>
+          <a:prstGeom prst="rect">
+            <a:avLst/>
+          </a:prstGeom>
+        </p:spPr>
+        <p:style>
+          <a:lnRef idx="2">
+            <a:schemeClr val="accent1">
+              <a:shade val="15000"/>
+            </a:schemeClr>
+          </a:lnRef>
+          <a:fillRef idx="1">
+            <a:schemeClr val="accent1"/>
+          </a:fillRef>
+          <a:effectRef idx="0">
+            <a:schemeClr val="accent1"/>
+          </a:effectRef>
+          <a:fontRef idx="minor">
+            <a:schemeClr val="lt1"/>
+          </a:fontRef>
+        </p:style>
+        <p:txBody>
+          <a:bodyPr rtlCol="0" anchor="ctr"/>
+          <a:lstStyle/>
+          <a:p>
+            <a:pPr algn="ctr"/>
+            <a:endParaRPr lang="pl-PL" dirty="0"/>
+          </a:p>
+        </p:txBody>
+      </p:sp>
+      <p:sp>
+        <p:nvSpPr>
+          <p:cNvPr id="48" name="Rectangle 47">
+            <a:extLst>
+              <a:ext uri="{FF2B5EF4-FFF2-40B4-BE49-F238E27FC236}">
+                <a16:creationId xmlns:a16="http://schemas.microsoft.com/office/drawing/2014/main" id="{45B64817-250F-FCE4-CFC3-1F8BD26D0207}"/>
+              </a:ext>
+            </a:extLst>
+          </p:cNvPr>
+          <p:cNvSpPr/>
+          <p:nvPr/>
+        </p:nvSpPr>
+        <p:spPr>
+          <a:xfrm>
+            <a:off x="4618634" y="2873192"/>
+            <a:ext cx="2551219" cy="879249"/>
+          </a:xfrm>
+          <a:prstGeom prst="rect">
+            <a:avLst/>
+          </a:prstGeom>
+          <a:solidFill>
+            <a:schemeClr val="accent5">
+              <a:lumMod val="50000"/>
+            </a:schemeClr>
+          </a:solidFill>
+        </p:spPr>
+        <p:style>
+          <a:lnRef idx="2">
+            <a:schemeClr val="accent1">
+              <a:shade val="15000"/>
+            </a:schemeClr>
+          </a:lnRef>
+          <a:fillRef idx="1">
+            <a:schemeClr val="accent1"/>
+          </a:fillRef>
+          <a:effectRef idx="0">
+            <a:schemeClr val="accent1"/>
+          </a:effectRef>
+          <a:fontRef idx="minor">
+            <a:schemeClr val="lt1"/>
+          </a:fontRef>
+        </p:style>
+        <p:txBody>
+          <a:bodyPr rtlCol="0" anchor="ctr"/>
+          <a:lstStyle/>
+          <a:p>
+            <a:pPr algn="ctr"/>
+            <a:endParaRPr lang="pl-PL"/>
+          </a:p>
+        </p:txBody>
+      </p:sp>
+      <p:sp>
+        <p:nvSpPr>
+          <p:cNvPr id="47" name="Rectangle 46">
+            <a:extLst>
+              <a:ext uri="{FF2B5EF4-FFF2-40B4-BE49-F238E27FC236}">
+                <a16:creationId xmlns:a16="http://schemas.microsoft.com/office/drawing/2014/main" id="{15243AED-9FC8-98B8-C6D7-CD75A1872574}"/>
+              </a:ext>
+            </a:extLst>
+          </p:cNvPr>
+          <p:cNvSpPr/>
+          <p:nvPr/>
+        </p:nvSpPr>
+        <p:spPr>
+          <a:xfrm>
+            <a:off x="1673255" y="2388420"/>
+            <a:ext cx="2789861" cy="2236702"/>
+          </a:xfrm>
+          <a:prstGeom prst="rect">
+            <a:avLst/>
+          </a:prstGeom>
+          <a:solidFill>
+            <a:srgbClr val="7030A0"/>
+          </a:solidFill>
+        </p:spPr>
+        <p:style>
+          <a:lnRef idx="2">
+            <a:schemeClr val="accent1">
+              <a:shade val="15000"/>
+            </a:schemeClr>
+          </a:lnRef>
+          <a:fillRef idx="1">
+            <a:schemeClr val="accent1"/>
+          </a:fillRef>
+          <a:effectRef idx="0">
+            <a:schemeClr val="accent1"/>
+          </a:effectRef>
+          <a:fontRef idx="minor">
+            <a:schemeClr val="lt1"/>
+          </a:fontRef>
+        </p:style>
+        <p:txBody>
+          <a:bodyPr rtlCol="0" anchor="ctr"/>
+          <a:lstStyle/>
+          <a:p>
+            <a:pPr algn="ctr"/>
+            <a:endParaRPr lang="pl-PL" dirty="0"/>
+          </a:p>
+        </p:txBody>
+      </p:sp>
+      <p:sp>
+        <p:nvSpPr>
+          <p:cNvPr id="37" name="Rectangle 36">
+            <a:extLst>
+              <a:ext uri="{FF2B5EF4-FFF2-40B4-BE49-F238E27FC236}">
+                <a16:creationId xmlns:a16="http://schemas.microsoft.com/office/drawing/2014/main" id="{8FAAF6E4-3880-0141-E33B-46C52CD321B7}"/>
+              </a:ext>
+            </a:extLst>
+          </p:cNvPr>
+          <p:cNvSpPr/>
+          <p:nvPr/>
+        </p:nvSpPr>
+        <p:spPr>
+          <a:xfrm>
+            <a:off x="5236435" y="3804956"/>
+            <a:ext cx="2031054" cy="656595"/>
+          </a:xfrm>
+          <a:prstGeom prst="rect">
+            <a:avLst/>
+          </a:prstGeom>
+          <a:solidFill>
+            <a:schemeClr val="bg1">
+              <a:lumMod val="65000"/>
+              <a:lumOff val="35000"/>
+            </a:schemeClr>
+          </a:solidFill>
+        </p:spPr>
+        <p:style>
+          <a:lnRef idx="2">
+            <a:schemeClr val="dk1">
+              <a:shade val="15000"/>
+            </a:schemeClr>
+          </a:lnRef>
+          <a:fillRef idx="1">
+            <a:schemeClr val="dk1"/>
+          </a:fillRef>
+          <a:effectRef idx="0">
+            <a:schemeClr val="dk1"/>
+          </a:effectRef>
+          <a:fontRef idx="minor">
+            <a:schemeClr val="lt1"/>
+          </a:fontRef>
+        </p:style>
+        <p:txBody>
+          <a:bodyPr rtlCol="0" anchor="ctr"/>
+          <a:lstStyle/>
+          <a:p>
+            <a:pPr algn="ctr"/>
+            <a:endParaRPr lang="pl-PL"/>
+          </a:p>
+        </p:txBody>
+      </p:sp>
+      <p:sp>
+        <p:nvSpPr>
+          <p:cNvPr id="26" name="Rectangle 25">
+            <a:extLst>
+              <a:ext uri="{FF2B5EF4-FFF2-40B4-BE49-F238E27FC236}">
+                <a16:creationId xmlns:a16="http://schemas.microsoft.com/office/drawing/2014/main" id="{A44DA0E5-771C-4ACD-8787-AAE804949F65}"/>
+              </a:ext>
+            </a:extLst>
+          </p:cNvPr>
+          <p:cNvSpPr/>
+          <p:nvPr/>
+        </p:nvSpPr>
+        <p:spPr>
+          <a:xfrm>
+            <a:off x="5097272" y="1530872"/>
+            <a:ext cx="1463040" cy="1298471"/>
+          </a:xfrm>
+          <a:prstGeom prst="rect">
+            <a:avLst/>
+          </a:prstGeom>
+        </p:spPr>
+        <p:style>
+          <a:lnRef idx="2">
+            <a:schemeClr val="accent4">
+              <a:shade val="15000"/>
+            </a:schemeClr>
+          </a:lnRef>
+          <a:fillRef idx="1">
+            <a:schemeClr val="accent4"/>
+          </a:fillRef>
+          <a:effectRef idx="0">
+            <a:schemeClr val="accent4"/>
+          </a:effectRef>
+          <a:fontRef idx="minor">
+            <a:schemeClr val="lt1"/>
+          </a:fontRef>
+        </p:style>
+        <p:txBody>
+          <a:bodyPr rtlCol="0" anchor="ctr"/>
+          <a:lstStyle/>
+          <a:p>
+            <a:pPr algn="ctr"/>
+            <a:endParaRPr lang="pl-PL" dirty="0"/>
+          </a:p>
+        </p:txBody>
+      </p:sp>
+      <p:sp>
+        <p:nvSpPr>
+          <p:cNvPr id="25" name="Rectangle 24">
+            <a:extLst>
+              <a:ext uri="{FF2B5EF4-FFF2-40B4-BE49-F238E27FC236}">
+                <a16:creationId xmlns:a16="http://schemas.microsoft.com/office/drawing/2014/main" id="{A076507E-F516-3CDE-D96B-907E17D11D1A}"/>
+              </a:ext>
+            </a:extLst>
+          </p:cNvPr>
+          <p:cNvSpPr/>
+          <p:nvPr/>
+        </p:nvSpPr>
+        <p:spPr>
+          <a:xfrm>
+            <a:off x="1908314" y="1530873"/>
+            <a:ext cx="2389832" cy="735972"/>
+          </a:xfrm>
+          <a:prstGeom prst="rect">
+            <a:avLst/>
+          </a:prstGeom>
+          <a:solidFill>
+            <a:srgbClr val="FF0000"/>
+          </a:solidFill>
+        </p:spPr>
+        <p:style>
+          <a:lnRef idx="2">
+            <a:schemeClr val="accent4">
+              <a:shade val="15000"/>
+            </a:schemeClr>
+          </a:lnRef>
+          <a:fillRef idx="1">
+            <a:schemeClr val="accent4"/>
+          </a:fillRef>
+          <a:effectRef idx="0">
+            <a:schemeClr val="accent4"/>
+          </a:effectRef>
+          <a:fontRef idx="minor">
+            <a:schemeClr val="lt1"/>
+          </a:fontRef>
+        </p:style>
+        <p:txBody>
+          <a:bodyPr rtlCol="0" anchor="ctr"/>
+          <a:lstStyle/>
+          <a:p>
+            <a:pPr algn="ctr"/>
+            <a:endParaRPr lang="pl-PL"/>
+          </a:p>
+        </p:txBody>
+      </p:sp>
+      <p:sp>
+        <p:nvSpPr>
+          <p:cNvPr id="2" name="Title 1">
+            <a:extLst>
+              <a:ext uri="{FF2B5EF4-FFF2-40B4-BE49-F238E27FC236}">
+                <a16:creationId xmlns:a16="http://schemas.microsoft.com/office/drawing/2014/main" id="{A6D9024F-5DC4-53ED-6D9D-86A2E68F304B}"/>
+              </a:ext>
+            </a:extLst>
+          </p:cNvPr>
+          <p:cNvSpPr>
+            <a:spLocks noGrp="1"/>
+          </p:cNvSpPr>
+          <p:nvPr>
+            <p:ph type="title"/>
+          </p:nvPr>
+        </p:nvSpPr>
+        <p:spPr/>
+        <p:txBody>
+          <a:bodyPr/>
+          <a:lstStyle/>
+          <a:p>
+            <a:pPr algn="ctr"/>
+            <a:r>
+              <a:rPr lang="en-IE" dirty="0"/>
+              <a:t>Use Case Diagram</a:t>
+            </a:r>
+            <a:endParaRPr lang="pl-PL" dirty="0"/>
+          </a:p>
+        </p:txBody>
+      </p:sp>
+      <p:sp>
+        <p:nvSpPr>
+          <p:cNvPr id="5" name="TextBox 4">
+            <a:extLst>
+              <a:ext uri="{FF2B5EF4-FFF2-40B4-BE49-F238E27FC236}">
+                <a16:creationId xmlns:a16="http://schemas.microsoft.com/office/drawing/2014/main" id="{E519C272-F848-9890-7BE5-A6F8F70084AA}"/>
+              </a:ext>
+            </a:extLst>
+          </p:cNvPr>
+          <p:cNvSpPr txBox="1"/>
+          <p:nvPr/>
+        </p:nvSpPr>
+        <p:spPr>
+          <a:xfrm>
+            <a:off x="1942778" y="1540075"/>
+            <a:ext cx="764953" cy="338554"/>
+          </a:xfrm>
+          <a:prstGeom prst="rect">
+            <a:avLst/>
+          </a:prstGeom>
+          <a:noFill/>
+        </p:spPr>
+        <p:txBody>
+          <a:bodyPr wrap="none" rtlCol="0">
+            <a:spAutoFit/>
+          </a:bodyPr>
+          <a:lstStyle/>
+          <a:p>
+            <a:r>
+              <a:rPr lang="en-IE" sz="1600" dirty="0"/>
+              <a:t>Sign In</a:t>
+            </a:r>
+          </a:p>
+        </p:txBody>
+      </p:sp>
+      <p:sp>
+        <p:nvSpPr>
+          <p:cNvPr id="6" name="TextBox 5">
+            <a:extLst>
+              <a:ext uri="{FF2B5EF4-FFF2-40B4-BE49-F238E27FC236}">
+                <a16:creationId xmlns:a16="http://schemas.microsoft.com/office/drawing/2014/main" id="{50102270-C95E-D9DE-FCF1-B1FA8B2DFC0C}"/>
+              </a:ext>
+            </a:extLst>
+          </p:cNvPr>
+          <p:cNvSpPr txBox="1"/>
+          <p:nvPr/>
+        </p:nvSpPr>
+        <p:spPr>
+          <a:xfrm>
+            <a:off x="2723299" y="1521482"/>
+            <a:ext cx="925253" cy="338554"/>
+          </a:xfrm>
+          <a:prstGeom prst="rect">
+            <a:avLst/>
+          </a:prstGeom>
+          <a:noFill/>
+        </p:spPr>
+        <p:txBody>
+          <a:bodyPr wrap="none" rtlCol="0">
+            <a:spAutoFit/>
+          </a:bodyPr>
+          <a:lstStyle/>
+          <a:p>
+            <a:r>
+              <a:rPr lang="en-IE" sz="1600" dirty="0"/>
+              <a:t>Sign Out</a:t>
+            </a:r>
+            <a:endParaRPr lang="pl-PL" sz="1600" dirty="0"/>
+          </a:p>
+        </p:txBody>
+      </p:sp>
+      <p:sp>
+        <p:nvSpPr>
+          <p:cNvPr id="7" name="TextBox 6">
+            <a:extLst>
+              <a:ext uri="{FF2B5EF4-FFF2-40B4-BE49-F238E27FC236}">
+                <a16:creationId xmlns:a16="http://schemas.microsoft.com/office/drawing/2014/main" id="{E767BC79-AA64-FE6E-6CB1-AB7580D9A9C9}"/>
+              </a:ext>
+            </a:extLst>
+          </p:cNvPr>
+          <p:cNvSpPr txBox="1"/>
+          <p:nvPr/>
+        </p:nvSpPr>
+        <p:spPr>
+          <a:xfrm>
+            <a:off x="1908314" y="1897873"/>
+            <a:ext cx="847091" cy="338554"/>
+          </a:xfrm>
+          <a:prstGeom prst="rect">
+            <a:avLst/>
+          </a:prstGeom>
+          <a:noFill/>
+        </p:spPr>
+        <p:txBody>
+          <a:bodyPr wrap="none" rtlCol="0">
+            <a:spAutoFit/>
+          </a:bodyPr>
+          <a:lstStyle/>
+          <a:p>
+            <a:r>
+              <a:rPr lang="en-IE" sz="1600" dirty="0"/>
+              <a:t>Sign Up</a:t>
+            </a:r>
+            <a:endParaRPr lang="pl-PL" sz="1600" dirty="0"/>
+          </a:p>
+        </p:txBody>
+      </p:sp>
+      <p:sp>
+        <p:nvSpPr>
+          <p:cNvPr id="8" name="TextBox 7">
+            <a:extLst>
+              <a:ext uri="{FF2B5EF4-FFF2-40B4-BE49-F238E27FC236}">
+                <a16:creationId xmlns:a16="http://schemas.microsoft.com/office/drawing/2014/main" id="{0227D585-A9D1-390B-E0E5-D1EFF005BC6D}"/>
+              </a:ext>
+            </a:extLst>
+          </p:cNvPr>
+          <p:cNvSpPr txBox="1"/>
+          <p:nvPr/>
+        </p:nvSpPr>
+        <p:spPr>
+          <a:xfrm>
+            <a:off x="2735008" y="1928290"/>
+            <a:ext cx="1482265" cy="338554"/>
+          </a:xfrm>
+          <a:prstGeom prst="rect">
+            <a:avLst/>
+          </a:prstGeom>
+          <a:noFill/>
+        </p:spPr>
+        <p:txBody>
+          <a:bodyPr wrap="none" rtlCol="0">
+            <a:spAutoFit/>
+          </a:bodyPr>
+          <a:lstStyle/>
+          <a:p>
+            <a:r>
+              <a:rPr lang="en-IE" sz="1600" dirty="0"/>
+              <a:t>Delete Account</a:t>
+            </a:r>
+            <a:endParaRPr lang="pl-PL" sz="1600" dirty="0"/>
+          </a:p>
+        </p:txBody>
+      </p:sp>
+      <p:sp>
+        <p:nvSpPr>
+          <p:cNvPr id="9" name="TextBox 8">
+            <a:extLst>
+              <a:ext uri="{FF2B5EF4-FFF2-40B4-BE49-F238E27FC236}">
+                <a16:creationId xmlns:a16="http://schemas.microsoft.com/office/drawing/2014/main" id="{6FA1341F-6E0B-7BB6-ABBA-BA26A39D0A4E}"/>
+              </a:ext>
+            </a:extLst>
+          </p:cNvPr>
+          <p:cNvSpPr txBox="1"/>
+          <p:nvPr/>
+        </p:nvSpPr>
+        <p:spPr>
+          <a:xfrm>
+            <a:off x="5201169" y="1492214"/>
+            <a:ext cx="1217000" cy="338554"/>
+          </a:xfrm>
+          <a:prstGeom prst="rect">
+            <a:avLst/>
+          </a:prstGeom>
+          <a:noFill/>
+        </p:spPr>
+        <p:txBody>
+          <a:bodyPr wrap="none" rtlCol="0">
+            <a:spAutoFit/>
+          </a:bodyPr>
+          <a:lstStyle/>
+          <a:p>
+            <a:r>
+              <a:rPr lang="en-IE" sz="1600" dirty="0"/>
+              <a:t>Create Note</a:t>
+            </a:r>
+            <a:endParaRPr lang="pl-PL" sz="1600" dirty="0"/>
+          </a:p>
+        </p:txBody>
+      </p:sp>
+      <p:sp>
+        <p:nvSpPr>
+          <p:cNvPr id="10" name="TextBox 9">
+            <a:extLst>
+              <a:ext uri="{FF2B5EF4-FFF2-40B4-BE49-F238E27FC236}">
+                <a16:creationId xmlns:a16="http://schemas.microsoft.com/office/drawing/2014/main" id="{AD9E5720-B15B-62F6-E4F5-EE70C119C308}"/>
+              </a:ext>
+            </a:extLst>
+          </p:cNvPr>
+          <p:cNvSpPr txBox="1"/>
+          <p:nvPr/>
+        </p:nvSpPr>
+        <p:spPr>
+          <a:xfrm>
+            <a:off x="5139940" y="1728984"/>
+            <a:ext cx="1282723" cy="338554"/>
+          </a:xfrm>
+          <a:prstGeom prst="rect">
+            <a:avLst/>
+          </a:prstGeom>
+          <a:noFill/>
+        </p:spPr>
+        <p:txBody>
+          <a:bodyPr wrap="none" rtlCol="0">
+            <a:spAutoFit/>
+          </a:bodyPr>
+          <a:lstStyle/>
+          <a:p>
+            <a:r>
+              <a:rPr lang="en-IE" sz="1600" dirty="0"/>
+              <a:t>Update Note</a:t>
+            </a:r>
+            <a:endParaRPr lang="pl-PL" sz="1600" dirty="0"/>
+          </a:p>
+        </p:txBody>
+      </p:sp>
+      <p:sp>
+        <p:nvSpPr>
+          <p:cNvPr id="11" name="TextBox 10">
+            <a:extLst>
+              <a:ext uri="{FF2B5EF4-FFF2-40B4-BE49-F238E27FC236}">
+                <a16:creationId xmlns:a16="http://schemas.microsoft.com/office/drawing/2014/main" id="{7BD1AD93-2FC6-BF3C-1585-DECEB3551AFA}"/>
+              </a:ext>
+            </a:extLst>
+          </p:cNvPr>
+          <p:cNvSpPr txBox="1"/>
+          <p:nvPr/>
+        </p:nvSpPr>
+        <p:spPr>
+          <a:xfrm>
+            <a:off x="5255558" y="1977660"/>
+            <a:ext cx="1146468" cy="338554"/>
+          </a:xfrm>
+          <a:prstGeom prst="rect">
+            <a:avLst/>
+          </a:prstGeom>
+          <a:noFill/>
+        </p:spPr>
+        <p:txBody>
+          <a:bodyPr wrap="none" rtlCol="0">
+            <a:spAutoFit/>
+          </a:bodyPr>
+          <a:lstStyle/>
+          <a:p>
+            <a:r>
+              <a:rPr lang="en-IE" sz="1600" dirty="0"/>
+              <a:t>Share Note</a:t>
+            </a:r>
+            <a:endParaRPr lang="pl-PL" sz="1600" dirty="0"/>
+          </a:p>
+        </p:txBody>
+      </p:sp>
+      <p:sp>
+        <p:nvSpPr>
+          <p:cNvPr id="12" name="TextBox 11">
+            <a:extLst>
+              <a:ext uri="{FF2B5EF4-FFF2-40B4-BE49-F238E27FC236}">
+                <a16:creationId xmlns:a16="http://schemas.microsoft.com/office/drawing/2014/main" id="{205C132D-D3FB-9C69-16D6-BEACA95A87E6}"/>
+              </a:ext>
+            </a:extLst>
+          </p:cNvPr>
+          <p:cNvSpPr txBox="1"/>
+          <p:nvPr/>
+        </p:nvSpPr>
+        <p:spPr>
+          <a:xfrm>
+            <a:off x="5171898" y="2210805"/>
+            <a:ext cx="1215397" cy="338554"/>
+          </a:xfrm>
+          <a:prstGeom prst="rect">
+            <a:avLst/>
+          </a:prstGeom>
+          <a:noFill/>
+        </p:spPr>
+        <p:txBody>
+          <a:bodyPr wrap="none" rtlCol="0">
+            <a:spAutoFit/>
+          </a:bodyPr>
+          <a:lstStyle/>
+          <a:p>
+            <a:r>
+              <a:rPr lang="en-IE" sz="1600" dirty="0"/>
+              <a:t>Delete Note</a:t>
+            </a:r>
+            <a:endParaRPr lang="pl-PL" sz="1600" dirty="0"/>
+          </a:p>
+        </p:txBody>
+      </p:sp>
+      <p:sp>
+        <p:nvSpPr>
+          <p:cNvPr id="13" name="TextBox 12">
+            <a:extLst>
+              <a:ext uri="{FF2B5EF4-FFF2-40B4-BE49-F238E27FC236}">
+                <a16:creationId xmlns:a16="http://schemas.microsoft.com/office/drawing/2014/main" id="{76430900-AE9D-3988-6ED0-AE39D4FA0E50}"/>
+              </a:ext>
+            </a:extLst>
+          </p:cNvPr>
+          <p:cNvSpPr txBox="1"/>
+          <p:nvPr/>
+        </p:nvSpPr>
+        <p:spPr>
+          <a:xfrm>
+            <a:off x="4962961" y="2890419"/>
+            <a:ext cx="2049151" cy="338554"/>
+          </a:xfrm>
+          <a:prstGeom prst="rect">
+            <a:avLst/>
+          </a:prstGeom>
+          <a:noFill/>
+        </p:spPr>
+        <p:txBody>
+          <a:bodyPr wrap="none" rtlCol="0">
+            <a:spAutoFit/>
+          </a:bodyPr>
+          <a:lstStyle/>
+          <a:p>
+            <a:r>
+              <a:rPr lang="en-IE" sz="1600" dirty="0"/>
+              <a:t>Create Note Template</a:t>
+            </a:r>
+            <a:endParaRPr lang="pl-PL" sz="1600" dirty="0"/>
+          </a:p>
+        </p:txBody>
+      </p:sp>
+      <p:sp>
+        <p:nvSpPr>
+          <p:cNvPr id="14" name="TextBox 13">
+            <a:extLst>
+              <a:ext uri="{FF2B5EF4-FFF2-40B4-BE49-F238E27FC236}">
+                <a16:creationId xmlns:a16="http://schemas.microsoft.com/office/drawing/2014/main" id="{E324BB1E-7203-83C9-7C79-B762D7F04EF1}"/>
+              </a:ext>
+            </a:extLst>
+          </p:cNvPr>
+          <p:cNvSpPr txBox="1"/>
+          <p:nvPr/>
+        </p:nvSpPr>
+        <p:spPr>
+          <a:xfrm>
+            <a:off x="5308762" y="3853126"/>
+            <a:ext cx="1750607" cy="338554"/>
+          </a:xfrm>
+          <a:prstGeom prst="rect">
+            <a:avLst/>
+          </a:prstGeom>
+          <a:noFill/>
+        </p:spPr>
+        <p:txBody>
+          <a:bodyPr wrap="none" rtlCol="0">
+            <a:spAutoFit/>
+          </a:bodyPr>
+          <a:lstStyle/>
+          <a:p>
+            <a:r>
+              <a:rPr lang="en-IE" sz="1600" dirty="0"/>
+              <a:t>Synonymic Search</a:t>
+            </a:r>
+            <a:endParaRPr lang="pl-PL" sz="1600" dirty="0"/>
+          </a:p>
+        </p:txBody>
+      </p:sp>
+      <p:sp>
+        <p:nvSpPr>
+          <p:cNvPr id="15" name="TextBox 14">
+            <a:extLst>
+              <a:ext uri="{FF2B5EF4-FFF2-40B4-BE49-F238E27FC236}">
+                <a16:creationId xmlns:a16="http://schemas.microsoft.com/office/drawing/2014/main" id="{209EF96E-1A99-E9C7-4323-825DAA7FEF44}"/>
+              </a:ext>
+            </a:extLst>
+          </p:cNvPr>
+          <p:cNvSpPr txBox="1"/>
+          <p:nvPr/>
+        </p:nvSpPr>
+        <p:spPr>
+          <a:xfrm>
+            <a:off x="5710048" y="4122997"/>
+            <a:ext cx="1143262" cy="338554"/>
+          </a:xfrm>
+          <a:prstGeom prst="rect">
+            <a:avLst/>
+          </a:prstGeom>
+          <a:noFill/>
+        </p:spPr>
+        <p:txBody>
+          <a:bodyPr wrap="none" rtlCol="0">
+            <a:spAutoFit/>
+          </a:bodyPr>
+          <a:lstStyle/>
+          <a:p>
+            <a:r>
+              <a:rPr lang="en-IE" sz="1600" dirty="0"/>
+              <a:t>Filter notes</a:t>
+            </a:r>
+            <a:endParaRPr lang="pl-PL" sz="1600" dirty="0"/>
+          </a:p>
+        </p:txBody>
+      </p:sp>
+      <p:sp>
+        <p:nvSpPr>
+          <p:cNvPr id="16" name="TextBox 15">
+            <a:extLst>
+              <a:ext uri="{FF2B5EF4-FFF2-40B4-BE49-F238E27FC236}">
+                <a16:creationId xmlns:a16="http://schemas.microsoft.com/office/drawing/2014/main" id="{E2EE8439-5EEA-CACE-4AB6-23B262E5094E}"/>
+              </a:ext>
+            </a:extLst>
+          </p:cNvPr>
+          <p:cNvSpPr txBox="1"/>
+          <p:nvPr/>
+        </p:nvSpPr>
+        <p:spPr>
+          <a:xfrm>
+            <a:off x="2141513" y="2743564"/>
+            <a:ext cx="1847685" cy="338554"/>
+          </a:xfrm>
+          <a:prstGeom prst="rect">
+            <a:avLst/>
+          </a:prstGeom>
+          <a:noFill/>
+        </p:spPr>
+        <p:txBody>
+          <a:bodyPr wrap="none" rtlCol="0">
+            <a:spAutoFit/>
+          </a:bodyPr>
+          <a:lstStyle/>
+          <a:p>
+            <a:r>
+              <a:rPr lang="en-IE" sz="1600" dirty="0"/>
+              <a:t>Invite to Workspace</a:t>
+            </a:r>
+            <a:endParaRPr lang="pl-PL" sz="1600" dirty="0"/>
+          </a:p>
+        </p:txBody>
+      </p:sp>
+      <p:sp>
+        <p:nvSpPr>
+          <p:cNvPr id="17" name="TextBox 16">
+            <a:extLst>
+              <a:ext uri="{FF2B5EF4-FFF2-40B4-BE49-F238E27FC236}">
+                <a16:creationId xmlns:a16="http://schemas.microsoft.com/office/drawing/2014/main" id="{A68AC190-8C9C-CAFA-52B8-097CD19FBEC5}"/>
+              </a:ext>
+            </a:extLst>
+          </p:cNvPr>
+          <p:cNvSpPr txBox="1"/>
+          <p:nvPr/>
+        </p:nvSpPr>
+        <p:spPr>
+          <a:xfrm>
+            <a:off x="2073363" y="3026509"/>
+            <a:ext cx="1989647" cy="338554"/>
+          </a:xfrm>
+          <a:prstGeom prst="rect">
+            <a:avLst/>
+          </a:prstGeom>
+          <a:noFill/>
+        </p:spPr>
+        <p:txBody>
+          <a:bodyPr wrap="none" rtlCol="0">
+            <a:spAutoFit/>
+          </a:bodyPr>
+          <a:lstStyle/>
+          <a:p>
+            <a:r>
+              <a:rPr lang="en-IE" sz="1600" dirty="0"/>
+              <a:t>Send a Chat Message</a:t>
+            </a:r>
+            <a:endParaRPr lang="pl-PL" sz="1600" dirty="0"/>
+          </a:p>
+        </p:txBody>
+      </p:sp>
+      <p:sp>
+        <p:nvSpPr>
+          <p:cNvPr id="18" name="TextBox 17">
+            <a:extLst>
+              <a:ext uri="{FF2B5EF4-FFF2-40B4-BE49-F238E27FC236}">
+                <a16:creationId xmlns:a16="http://schemas.microsoft.com/office/drawing/2014/main" id="{53B87EC5-E1BC-61E9-7F9E-AA062406065C}"/>
+              </a:ext>
+            </a:extLst>
+          </p:cNvPr>
+          <p:cNvSpPr txBox="1"/>
+          <p:nvPr/>
+        </p:nvSpPr>
+        <p:spPr>
+          <a:xfrm>
+            <a:off x="2132151" y="3347649"/>
+            <a:ext cx="1866921" cy="338554"/>
+          </a:xfrm>
+          <a:prstGeom prst="rect">
+            <a:avLst/>
+          </a:prstGeom>
+          <a:noFill/>
+        </p:spPr>
+        <p:txBody>
+          <a:bodyPr wrap="none" rtlCol="0">
+            <a:spAutoFit/>
+          </a:bodyPr>
+          <a:lstStyle/>
+          <a:p>
+            <a:r>
+              <a:rPr lang="en-IE" sz="1600" dirty="0"/>
+              <a:t>Update Workspaces</a:t>
+            </a:r>
+            <a:endParaRPr lang="pl-PL" sz="1600" dirty="0"/>
+          </a:p>
+        </p:txBody>
+      </p:sp>
+      <p:sp>
+        <p:nvSpPr>
+          <p:cNvPr id="19" name="TextBox 18">
+            <a:extLst>
+              <a:ext uri="{FF2B5EF4-FFF2-40B4-BE49-F238E27FC236}">
+                <a16:creationId xmlns:a16="http://schemas.microsoft.com/office/drawing/2014/main" id="{0282B073-DA9B-3E7B-221F-F052306E5472}"/>
+              </a:ext>
+            </a:extLst>
+          </p:cNvPr>
+          <p:cNvSpPr txBox="1"/>
+          <p:nvPr/>
+        </p:nvSpPr>
+        <p:spPr>
+          <a:xfrm>
+            <a:off x="2235290" y="3654334"/>
+            <a:ext cx="1660134" cy="338554"/>
+          </a:xfrm>
+          <a:prstGeom prst="rect">
+            <a:avLst/>
+          </a:prstGeom>
+          <a:noFill/>
+        </p:spPr>
+        <p:txBody>
+          <a:bodyPr wrap="none" rtlCol="0">
+            <a:spAutoFit/>
+          </a:bodyPr>
+          <a:lstStyle/>
+          <a:p>
+            <a:r>
+              <a:rPr lang="en-IE" sz="1600" dirty="0"/>
+              <a:t>Leave Workspace</a:t>
+            </a:r>
+            <a:endParaRPr lang="pl-PL" sz="1600" dirty="0"/>
+          </a:p>
+        </p:txBody>
+      </p:sp>
+      <p:sp>
+        <p:nvSpPr>
+          <p:cNvPr id="20" name="TextBox 19">
+            <a:extLst>
+              <a:ext uri="{FF2B5EF4-FFF2-40B4-BE49-F238E27FC236}">
+                <a16:creationId xmlns:a16="http://schemas.microsoft.com/office/drawing/2014/main" id="{7FD40246-C709-0F0F-AB81-D5E350D1185F}"/>
+              </a:ext>
+            </a:extLst>
+          </p:cNvPr>
+          <p:cNvSpPr txBox="1"/>
+          <p:nvPr/>
+        </p:nvSpPr>
+        <p:spPr>
+          <a:xfrm>
+            <a:off x="5145698" y="3138342"/>
+            <a:ext cx="1648400" cy="338554"/>
+          </a:xfrm>
+          <a:prstGeom prst="rect">
+            <a:avLst/>
+          </a:prstGeom>
+          <a:noFill/>
+        </p:spPr>
+        <p:txBody>
+          <a:bodyPr wrap="none" rtlCol="0">
+            <a:spAutoFit/>
+          </a:bodyPr>
+          <a:lstStyle/>
+          <a:p>
+            <a:r>
+              <a:rPr lang="en-IE" sz="1600" dirty="0"/>
+              <a:t>Update Template</a:t>
+            </a:r>
+            <a:endParaRPr lang="pl-PL" sz="1600" dirty="0"/>
+          </a:p>
+        </p:txBody>
+      </p:sp>
+      <p:sp>
+        <p:nvSpPr>
+          <p:cNvPr id="21" name="TextBox 20">
+            <a:extLst>
+              <a:ext uri="{FF2B5EF4-FFF2-40B4-BE49-F238E27FC236}">
+                <a16:creationId xmlns:a16="http://schemas.microsoft.com/office/drawing/2014/main" id="{1201BAE8-D5B8-BBB9-DC3F-2B989DA67FE3}"/>
+              </a:ext>
+            </a:extLst>
+          </p:cNvPr>
+          <p:cNvSpPr txBox="1"/>
+          <p:nvPr/>
+        </p:nvSpPr>
+        <p:spPr>
+          <a:xfrm>
+            <a:off x="2222515" y="3944890"/>
+            <a:ext cx="1716239" cy="338554"/>
+          </a:xfrm>
+          <a:prstGeom prst="rect">
+            <a:avLst/>
+          </a:prstGeom>
+          <a:noFill/>
+        </p:spPr>
+        <p:txBody>
+          <a:bodyPr wrap="none" rtlCol="0">
+            <a:spAutoFit/>
+          </a:bodyPr>
+          <a:lstStyle/>
+          <a:p>
+            <a:r>
+              <a:rPr lang="en-IE" sz="1600" dirty="0"/>
+              <a:t>Delete Workspace</a:t>
+            </a:r>
+            <a:endParaRPr lang="pl-PL" sz="1600" dirty="0"/>
+          </a:p>
+        </p:txBody>
+      </p:sp>
+      <p:sp>
+        <p:nvSpPr>
+          <p:cNvPr id="22" name="TextBox 21">
+            <a:extLst>
+              <a:ext uri="{FF2B5EF4-FFF2-40B4-BE49-F238E27FC236}">
+                <a16:creationId xmlns:a16="http://schemas.microsoft.com/office/drawing/2014/main" id="{2D1D3AE1-043B-9C0D-666B-876B03D24BDA}"/>
+              </a:ext>
+            </a:extLst>
+          </p:cNvPr>
+          <p:cNvSpPr txBox="1"/>
+          <p:nvPr/>
+        </p:nvSpPr>
+        <p:spPr>
+          <a:xfrm>
+            <a:off x="348649" y="1357382"/>
+            <a:ext cx="643125" cy="369332"/>
+          </a:xfrm>
+          <a:prstGeom prst="rect">
+            <a:avLst/>
+          </a:prstGeom>
+          <a:noFill/>
+        </p:spPr>
+        <p:txBody>
+          <a:bodyPr wrap="none" rtlCol="0">
+            <a:spAutoFit/>
+          </a:bodyPr>
+          <a:lstStyle/>
+          <a:p>
+            <a:r>
+              <a:rPr lang="en-IE" b="1" i="1" dirty="0"/>
+              <a:t>User</a:t>
+            </a:r>
+            <a:endParaRPr lang="pl-PL" b="1" i="1" dirty="0"/>
+          </a:p>
+        </p:txBody>
+      </p:sp>
+      <p:sp>
+        <p:nvSpPr>
+          <p:cNvPr id="27" name="TextBox 26">
+            <a:extLst>
+              <a:ext uri="{FF2B5EF4-FFF2-40B4-BE49-F238E27FC236}">
+                <a16:creationId xmlns:a16="http://schemas.microsoft.com/office/drawing/2014/main" id="{387A52E6-72D8-4624-5E62-0B31435E9886}"/>
+              </a:ext>
+            </a:extLst>
+          </p:cNvPr>
+          <p:cNvSpPr txBox="1"/>
+          <p:nvPr/>
+        </p:nvSpPr>
+        <p:spPr>
+          <a:xfrm>
+            <a:off x="7581392" y="1418811"/>
+            <a:ext cx="1471621" cy="646331"/>
+          </a:xfrm>
+          <a:prstGeom prst="rect">
+            <a:avLst/>
+          </a:prstGeom>
+          <a:noFill/>
+        </p:spPr>
+        <p:txBody>
+          <a:bodyPr wrap="none" rtlCol="0">
+            <a:spAutoFit/>
+          </a:bodyPr>
+          <a:lstStyle/>
+          <a:p>
+            <a:pPr algn="ctr"/>
+            <a:r>
+              <a:rPr lang="en-IE" b="1" i="1" dirty="0">
+                <a:solidFill>
+                  <a:schemeClr val="accent5">
+                    <a:lumMod val="60000"/>
+                    <a:lumOff val="40000"/>
+                  </a:schemeClr>
+                </a:solidFill>
+              </a:rPr>
+              <a:t>Text2Speech</a:t>
+            </a:r>
+            <a:br>
+              <a:rPr lang="en-IE" b="1" i="1" dirty="0"/>
+            </a:br>
+            <a:r>
+              <a:rPr lang="en-IE" b="1" i="1" dirty="0">
+                <a:solidFill>
+                  <a:schemeClr val="accent5">
+                    <a:lumMod val="60000"/>
+                    <a:lumOff val="40000"/>
+                  </a:schemeClr>
+                </a:solidFill>
+              </a:rPr>
+              <a:t>API</a:t>
+            </a:r>
+            <a:endParaRPr lang="pl-PL" b="1" i="1" dirty="0">
+              <a:solidFill>
+                <a:schemeClr val="accent5">
+                  <a:lumMod val="60000"/>
+                  <a:lumOff val="40000"/>
+                </a:schemeClr>
+              </a:solidFill>
+            </a:endParaRPr>
+          </a:p>
+        </p:txBody>
+      </p:sp>
+      <p:sp>
+        <p:nvSpPr>
+          <p:cNvPr id="28" name="TextBox 27">
+            <a:extLst>
+              <a:ext uri="{FF2B5EF4-FFF2-40B4-BE49-F238E27FC236}">
+                <a16:creationId xmlns:a16="http://schemas.microsoft.com/office/drawing/2014/main" id="{65BB2F85-60E2-2FB7-A90F-6844D577D817}"/>
+              </a:ext>
+            </a:extLst>
+          </p:cNvPr>
+          <p:cNvSpPr txBox="1"/>
+          <p:nvPr/>
+        </p:nvSpPr>
+        <p:spPr>
+          <a:xfrm>
+            <a:off x="7662100" y="4051237"/>
+            <a:ext cx="1208985" cy="646331"/>
+          </a:xfrm>
+          <a:prstGeom prst="rect">
+            <a:avLst/>
+          </a:prstGeom>
+          <a:noFill/>
+        </p:spPr>
+        <p:txBody>
+          <a:bodyPr wrap="none" rtlCol="0">
+            <a:spAutoFit/>
+          </a:bodyPr>
+          <a:lstStyle/>
+          <a:p>
+            <a:pPr algn="ctr"/>
+            <a:r>
+              <a:rPr lang="en-IE" b="1" i="1" dirty="0"/>
+              <a:t>Thesaurus</a:t>
+            </a:r>
+            <a:br>
+              <a:rPr lang="en-IE" b="1" i="1" dirty="0"/>
+            </a:br>
+            <a:r>
+              <a:rPr lang="en-IE" b="1" i="1" dirty="0"/>
+              <a:t>API</a:t>
+            </a:r>
+            <a:endParaRPr lang="pl-PL" b="1" i="1" dirty="0"/>
+          </a:p>
+        </p:txBody>
+      </p:sp>
+      <p:sp>
+        <p:nvSpPr>
+          <p:cNvPr id="29" name="TextBox 28">
+            <a:extLst>
+              <a:ext uri="{FF2B5EF4-FFF2-40B4-BE49-F238E27FC236}">
+                <a16:creationId xmlns:a16="http://schemas.microsoft.com/office/drawing/2014/main" id="{FF7E4367-3C4D-BA98-08F2-3D46199DB6E0}"/>
+              </a:ext>
+            </a:extLst>
+          </p:cNvPr>
+          <p:cNvSpPr txBox="1"/>
+          <p:nvPr/>
+        </p:nvSpPr>
+        <p:spPr>
+          <a:xfrm>
+            <a:off x="7718981" y="3411795"/>
+            <a:ext cx="1014508" cy="369332"/>
+          </a:xfrm>
+          <a:prstGeom prst="rect">
+            <a:avLst/>
+          </a:prstGeom>
+          <a:noFill/>
+        </p:spPr>
+        <p:txBody>
+          <a:bodyPr wrap="none" rtlCol="0">
+            <a:spAutoFit/>
+          </a:bodyPr>
+          <a:lstStyle/>
+          <a:p>
+            <a:r>
+              <a:rPr lang="en-IE" b="1" i="1" dirty="0">
+                <a:solidFill>
+                  <a:schemeClr val="accent5">
+                    <a:lumMod val="60000"/>
+                    <a:lumOff val="40000"/>
+                  </a:schemeClr>
+                </a:solidFill>
+              </a:rPr>
+              <a:t>LLM API</a:t>
+            </a:r>
+            <a:endParaRPr lang="pl-PL" b="1" i="1" dirty="0">
+              <a:solidFill>
+                <a:schemeClr val="accent5">
+                  <a:lumMod val="60000"/>
+                  <a:lumOff val="40000"/>
+                </a:schemeClr>
+              </a:solidFill>
+            </a:endParaRPr>
+          </a:p>
+        </p:txBody>
+      </p:sp>
+      <p:cxnSp>
+        <p:nvCxnSpPr>
+          <p:cNvPr id="52" name="Straight Arrow Connector 51">
+            <a:extLst>
+              <a:ext uri="{FF2B5EF4-FFF2-40B4-BE49-F238E27FC236}">
+                <a16:creationId xmlns:a16="http://schemas.microsoft.com/office/drawing/2014/main" id="{A5B13293-71E5-1CAF-9C41-EEB7D7DC3D61}"/>
+              </a:ext>
+            </a:extLst>
+          </p:cNvPr>
+          <p:cNvCxnSpPr>
+            <a:cxnSpLocks/>
+          </p:cNvCxnSpPr>
+          <p:nvPr/>
+        </p:nvCxnSpPr>
+        <p:spPr>
+          <a:xfrm flipV="1">
+            <a:off x="7080148" y="3699238"/>
+            <a:ext cx="618815" cy="266824"/>
+          </a:xfrm>
+          <a:prstGeom prst="straightConnector1">
+            <a:avLst/>
+          </a:prstGeom>
+          <a:ln>
+            <a:headEnd type="arrow" w="med" len="med"/>
+            <a:tailEnd type="arrow" w="med" len="med"/>
+          </a:ln>
+        </p:spPr>
+        <p:style>
+          <a:lnRef idx="3">
+            <a:schemeClr val="accent6"/>
+          </a:lnRef>
+          <a:fillRef idx="0">
+            <a:schemeClr val="accent6"/>
+          </a:fillRef>
+          <a:effectRef idx="2">
+            <a:schemeClr val="accent6"/>
+          </a:effectRef>
+          <a:fontRef idx="minor">
+            <a:schemeClr val="tx1"/>
+          </a:fontRef>
+        </p:style>
+      </p:cxnSp>
+      <p:cxnSp>
+        <p:nvCxnSpPr>
+          <p:cNvPr id="54" name="Straight Arrow Connector 53">
+            <a:extLst>
+              <a:ext uri="{FF2B5EF4-FFF2-40B4-BE49-F238E27FC236}">
+                <a16:creationId xmlns:a16="http://schemas.microsoft.com/office/drawing/2014/main" id="{497D5977-93D6-C2CF-D783-368ECA7A40F8}"/>
+              </a:ext>
+            </a:extLst>
+          </p:cNvPr>
+          <p:cNvCxnSpPr>
+            <a:cxnSpLocks/>
+            <a:stCxn id="14" idx="3"/>
+            <a:endCxn id="28" idx="1"/>
+          </p:cNvCxnSpPr>
+          <p:nvPr/>
+        </p:nvCxnSpPr>
+        <p:spPr>
+          <a:xfrm>
+            <a:off x="7059369" y="4022403"/>
+            <a:ext cx="602731" cy="352000"/>
+          </a:xfrm>
+          <a:prstGeom prst="straightConnector1">
+            <a:avLst/>
+          </a:prstGeom>
+          <a:ln>
+            <a:headEnd type="arrow" w="med" len="med"/>
+            <a:tailEnd type="arrow" w="med" len="med"/>
+          </a:ln>
+        </p:spPr>
+        <p:style>
+          <a:lnRef idx="3">
+            <a:schemeClr val="accent6"/>
+          </a:lnRef>
+          <a:fillRef idx="0">
+            <a:schemeClr val="accent6"/>
+          </a:fillRef>
+          <a:effectRef idx="2">
+            <a:schemeClr val="accent6"/>
+          </a:effectRef>
+          <a:fontRef idx="minor">
+            <a:schemeClr val="tx1"/>
+          </a:fontRef>
+        </p:style>
+      </p:cxnSp>
+      <p:sp>
+        <p:nvSpPr>
+          <p:cNvPr id="63" name="TextBox 62">
+            <a:extLst>
+              <a:ext uri="{FF2B5EF4-FFF2-40B4-BE49-F238E27FC236}">
+                <a16:creationId xmlns:a16="http://schemas.microsoft.com/office/drawing/2014/main" id="{96755D4B-7D8D-3E8A-76E7-3EF2003709A1}"/>
+              </a:ext>
+            </a:extLst>
+          </p:cNvPr>
+          <p:cNvSpPr txBox="1"/>
+          <p:nvPr/>
+        </p:nvSpPr>
+        <p:spPr>
+          <a:xfrm>
+            <a:off x="-18042" y="1683689"/>
+            <a:ext cx="1481624" cy="1600438"/>
+          </a:xfrm>
+          <a:prstGeom prst="rect">
+            <a:avLst/>
+          </a:prstGeom>
+          <a:noFill/>
+        </p:spPr>
+        <p:txBody>
+          <a:bodyPr wrap="none" rtlCol="0">
+            <a:spAutoFit/>
+          </a:bodyPr>
+          <a:lstStyle/>
+          <a:p>
+            <a:pPr algn="ctr"/>
+            <a:r>
+              <a:rPr lang="en-IE" sz="1400" dirty="0"/>
+              <a:t>Can perform </a:t>
+            </a:r>
+          </a:p>
+          <a:p>
+            <a:pPr algn="ctr"/>
+            <a:r>
+              <a:rPr lang="en-IE" sz="1400" dirty="0"/>
+              <a:t>all use cases</a:t>
+            </a:r>
+          </a:p>
+          <a:p>
+            <a:pPr algn="ctr"/>
+            <a:r>
+              <a:rPr lang="en-IE" sz="1400" dirty="0"/>
+              <a:t> other than</a:t>
+            </a:r>
+          </a:p>
+          <a:p>
+            <a:pPr algn="ctr"/>
+            <a:r>
+              <a:rPr lang="en-IE" sz="1400" dirty="0"/>
+              <a:t> Workspace </a:t>
+            </a:r>
+          </a:p>
+          <a:p>
+            <a:pPr algn="ctr"/>
+            <a:r>
+              <a:rPr lang="en-IE" sz="1400" dirty="0"/>
+              <a:t>Manager. Arrows </a:t>
+            </a:r>
+          </a:p>
+          <a:p>
+            <a:pPr algn="ctr"/>
+            <a:r>
+              <a:rPr lang="en-IE" sz="1400" dirty="0"/>
+              <a:t>not shown for </a:t>
+            </a:r>
+          </a:p>
+          <a:p>
+            <a:pPr algn="ctr"/>
+            <a:r>
+              <a:rPr lang="en-IE" sz="1400" dirty="0"/>
+              <a:t>Readability.</a:t>
+            </a:r>
+            <a:endParaRPr lang="pl-PL" sz="1400" dirty="0"/>
+          </a:p>
+        </p:txBody>
+      </p:sp>
+      <p:sp>
+        <p:nvSpPr>
+          <p:cNvPr id="68" name="TextBox 67">
+            <a:extLst>
+              <a:ext uri="{FF2B5EF4-FFF2-40B4-BE49-F238E27FC236}">
+                <a16:creationId xmlns:a16="http://schemas.microsoft.com/office/drawing/2014/main" id="{19384C75-D69C-FAD7-BCF8-1CC9FEBE87D6}"/>
+              </a:ext>
+            </a:extLst>
+          </p:cNvPr>
+          <p:cNvSpPr txBox="1"/>
+          <p:nvPr/>
+        </p:nvSpPr>
+        <p:spPr>
+          <a:xfrm>
+            <a:off x="7539176" y="1898398"/>
+            <a:ext cx="1563248" cy="1384995"/>
+          </a:xfrm>
+          <a:prstGeom prst="rect">
+            <a:avLst/>
+          </a:prstGeom>
+          <a:noFill/>
+        </p:spPr>
+        <p:txBody>
+          <a:bodyPr wrap="none" rtlCol="0">
+            <a:spAutoFit/>
+          </a:bodyPr>
+          <a:lstStyle/>
+          <a:p>
+            <a:pPr algn="ctr"/>
+            <a:r>
+              <a:rPr lang="en-IE" sz="1400" dirty="0">
+                <a:solidFill>
+                  <a:schemeClr val="accent5">
+                    <a:lumMod val="60000"/>
+                    <a:lumOff val="40000"/>
+                  </a:schemeClr>
+                </a:solidFill>
+              </a:rPr>
+              <a:t>Will be used as an </a:t>
+            </a:r>
+          </a:p>
+          <a:p>
+            <a:pPr algn="ctr"/>
+            <a:r>
+              <a:rPr lang="en-IE" sz="1400" dirty="0">
+                <a:solidFill>
+                  <a:schemeClr val="accent5">
+                    <a:lumMod val="60000"/>
+                    <a:lumOff val="40000"/>
+                  </a:schemeClr>
+                </a:solidFill>
+              </a:rPr>
+              <a:t>alternative to </a:t>
+            </a:r>
+          </a:p>
+          <a:p>
+            <a:pPr algn="ctr"/>
+            <a:r>
+              <a:rPr lang="en-IE" sz="1400" dirty="0">
+                <a:solidFill>
+                  <a:schemeClr val="accent5">
+                    <a:lumMod val="60000"/>
+                    <a:lumOff val="40000"/>
+                  </a:schemeClr>
+                </a:solidFill>
+              </a:rPr>
+              <a:t>typing in the </a:t>
+            </a:r>
+          </a:p>
+          <a:p>
+            <a:pPr algn="ctr"/>
+            <a:r>
+              <a:rPr lang="en-IE" sz="1400" dirty="0">
+                <a:solidFill>
+                  <a:schemeClr val="accent5">
+                    <a:lumMod val="60000"/>
+                    <a:lumOff val="40000"/>
+                  </a:schemeClr>
+                </a:solidFill>
+              </a:rPr>
+              <a:t>text fields. </a:t>
+            </a:r>
+          </a:p>
+          <a:p>
+            <a:pPr algn="ctr"/>
+            <a:r>
+              <a:rPr lang="en-IE" sz="1400" dirty="0">
+                <a:solidFill>
+                  <a:schemeClr val="accent5">
+                    <a:lumMod val="60000"/>
+                    <a:lumOff val="40000"/>
+                  </a:schemeClr>
+                </a:solidFill>
+              </a:rPr>
+              <a:t>Arrows not shown </a:t>
+            </a:r>
+          </a:p>
+          <a:p>
+            <a:pPr algn="ctr"/>
+            <a:r>
+              <a:rPr lang="en-IE" sz="1400" dirty="0">
+                <a:solidFill>
+                  <a:schemeClr val="accent5">
+                    <a:lumMod val="60000"/>
+                    <a:lumOff val="40000"/>
+                  </a:schemeClr>
+                </a:solidFill>
+              </a:rPr>
+              <a:t>for readability</a:t>
+            </a:r>
+            <a:endParaRPr lang="pl-PL" sz="1400" dirty="0">
+              <a:solidFill>
+                <a:schemeClr val="accent5">
+                  <a:lumMod val="60000"/>
+                  <a:lumOff val="40000"/>
+                </a:schemeClr>
+              </a:solidFill>
+            </a:endParaRPr>
+          </a:p>
+        </p:txBody>
+      </p:sp>
+      <p:sp>
+        <p:nvSpPr>
+          <p:cNvPr id="3" name="TextBox 2">
+            <a:extLst>
+              <a:ext uri="{FF2B5EF4-FFF2-40B4-BE49-F238E27FC236}">
+                <a16:creationId xmlns:a16="http://schemas.microsoft.com/office/drawing/2014/main" id="{5A40573B-BA06-5264-C486-869A5BB55B34}"/>
+              </a:ext>
+            </a:extLst>
+          </p:cNvPr>
+          <p:cNvSpPr txBox="1"/>
+          <p:nvPr/>
+        </p:nvSpPr>
+        <p:spPr>
+          <a:xfrm>
+            <a:off x="5181212" y="3386265"/>
+            <a:ext cx="1581074" cy="338554"/>
+          </a:xfrm>
+          <a:prstGeom prst="rect">
+            <a:avLst/>
+          </a:prstGeom>
+          <a:noFill/>
+        </p:spPr>
+        <p:txBody>
+          <a:bodyPr wrap="none" rtlCol="0">
+            <a:spAutoFit/>
+          </a:bodyPr>
+          <a:lstStyle/>
+          <a:p>
+            <a:r>
+              <a:rPr lang="en-IE" sz="1600" dirty="0"/>
+              <a:t>Delete Template</a:t>
+            </a:r>
+            <a:endParaRPr lang="pl-PL" sz="1600" dirty="0"/>
+          </a:p>
+        </p:txBody>
+      </p:sp>
+      <p:sp>
+        <p:nvSpPr>
+          <p:cNvPr id="24" name="TextBox 23">
+            <a:extLst>
+              <a:ext uri="{FF2B5EF4-FFF2-40B4-BE49-F238E27FC236}">
+                <a16:creationId xmlns:a16="http://schemas.microsoft.com/office/drawing/2014/main" id="{BF9B75BB-ED44-5A7F-A8C5-57B0CD71484F}"/>
+              </a:ext>
+            </a:extLst>
+          </p:cNvPr>
+          <p:cNvSpPr txBox="1"/>
+          <p:nvPr/>
+        </p:nvSpPr>
+        <p:spPr>
+          <a:xfrm>
+            <a:off x="5374228" y="2483908"/>
+            <a:ext cx="809837" cy="338554"/>
+          </a:xfrm>
+          <a:prstGeom prst="rect">
+            <a:avLst/>
+          </a:prstGeom>
+          <a:noFill/>
+        </p:spPr>
+        <p:txBody>
+          <a:bodyPr wrap="none" rtlCol="0">
+            <a:spAutoFit/>
+          </a:bodyPr>
+          <a:lstStyle/>
+          <a:p>
+            <a:r>
+              <a:rPr lang="en-IE" sz="1600" dirty="0">
+                <a:solidFill>
+                  <a:schemeClr val="accent5">
+                    <a:lumMod val="60000"/>
+                    <a:lumOff val="40000"/>
+                  </a:schemeClr>
+                </a:solidFill>
+              </a:rPr>
+              <a:t>Autofill</a:t>
+            </a:r>
+            <a:endParaRPr lang="pl-PL" sz="1600" dirty="0">
+              <a:solidFill>
+                <a:schemeClr val="accent5">
+                  <a:lumMod val="60000"/>
+                  <a:lumOff val="40000"/>
+                </a:schemeClr>
+              </a:solidFill>
+            </a:endParaRPr>
+          </a:p>
+        </p:txBody>
+      </p:sp>
+      <p:cxnSp>
+        <p:nvCxnSpPr>
+          <p:cNvPr id="40" name="Connector: Elbow 39">
+            <a:extLst>
+              <a:ext uri="{FF2B5EF4-FFF2-40B4-BE49-F238E27FC236}">
+                <a16:creationId xmlns:a16="http://schemas.microsoft.com/office/drawing/2014/main" id="{F2C865DF-1689-6D43-E7F9-64684A4A733A}"/>
+              </a:ext>
+            </a:extLst>
+          </p:cNvPr>
+          <p:cNvCxnSpPr>
+            <a:cxnSpLocks/>
+            <a:stCxn id="29" idx="1"/>
+          </p:cNvCxnSpPr>
+          <p:nvPr/>
+        </p:nvCxnSpPr>
+        <p:spPr>
+          <a:xfrm rot="10800000">
+            <a:off x="6256325" y="2649327"/>
+            <a:ext cx="1462656" cy="947135"/>
+          </a:xfrm>
+          <a:prstGeom prst="bentConnector3">
+            <a:avLst>
+              <a:gd name="adj1" fmla="val 26081"/>
+            </a:avLst>
+          </a:prstGeom>
+          <a:ln>
+            <a:headEnd type="arrow" w="med" len="med"/>
+            <a:tailEnd type="arrow" w="med" len="med"/>
+          </a:ln>
+        </p:spPr>
+        <p:style>
+          <a:lnRef idx="3">
+            <a:schemeClr val="accent6"/>
+          </a:lnRef>
+          <a:fillRef idx="0">
+            <a:schemeClr val="accent6"/>
+          </a:fillRef>
+          <a:effectRef idx="2">
+            <a:schemeClr val="accent6"/>
+          </a:effectRef>
+          <a:fontRef idx="minor">
+            <a:schemeClr val="tx1"/>
+          </a:fontRef>
+        </p:style>
+      </p:cxnSp>
+      <p:sp>
+        <p:nvSpPr>
+          <p:cNvPr id="32" name="TextBox 31">
+            <a:extLst>
+              <a:ext uri="{FF2B5EF4-FFF2-40B4-BE49-F238E27FC236}">
+                <a16:creationId xmlns:a16="http://schemas.microsoft.com/office/drawing/2014/main" id="{BB4F0DE5-DBD7-7E9F-63FA-4F8AAC2DE93B}"/>
+              </a:ext>
+            </a:extLst>
+          </p:cNvPr>
+          <p:cNvSpPr txBox="1"/>
+          <p:nvPr/>
+        </p:nvSpPr>
+        <p:spPr>
+          <a:xfrm>
+            <a:off x="100404" y="4051237"/>
+            <a:ext cx="1253035" cy="646331"/>
+          </a:xfrm>
+          <a:prstGeom prst="rect">
+            <a:avLst/>
+          </a:prstGeom>
+          <a:noFill/>
+        </p:spPr>
+        <p:txBody>
+          <a:bodyPr wrap="none" rtlCol="0">
+            <a:spAutoFit/>
+          </a:bodyPr>
+          <a:lstStyle/>
+          <a:p>
+            <a:r>
+              <a:rPr lang="en-IE" b="1" i="1" dirty="0"/>
+              <a:t>Workspace</a:t>
+            </a:r>
+          </a:p>
+          <a:p>
+            <a:pPr algn="ctr"/>
+            <a:r>
+              <a:rPr lang="en-IE" b="1" i="1" dirty="0"/>
+              <a:t>Manager</a:t>
+            </a:r>
+            <a:endParaRPr lang="pl-PL" b="1" i="1" dirty="0"/>
+          </a:p>
+        </p:txBody>
+      </p:sp>
+      <p:cxnSp>
+        <p:nvCxnSpPr>
+          <p:cNvPr id="34" name="Straight Arrow Connector 33">
+            <a:extLst>
+              <a:ext uri="{FF2B5EF4-FFF2-40B4-BE49-F238E27FC236}">
+                <a16:creationId xmlns:a16="http://schemas.microsoft.com/office/drawing/2014/main" id="{4D3E5215-EBA7-15A3-012D-861BA3C51F85}"/>
+              </a:ext>
+            </a:extLst>
+          </p:cNvPr>
+          <p:cNvCxnSpPr>
+            <a:cxnSpLocks/>
+            <a:stCxn id="32" idx="3"/>
+            <a:endCxn id="18" idx="1"/>
+          </p:cNvCxnSpPr>
+          <p:nvPr/>
+        </p:nvCxnSpPr>
+        <p:spPr>
+          <a:xfrm flipV="1">
+            <a:off x="1353439" y="3516926"/>
+            <a:ext cx="778712" cy="857477"/>
+          </a:xfrm>
+          <a:prstGeom prst="straightConnector1">
+            <a:avLst/>
+          </a:prstGeom>
+          <a:ln>
+            <a:tailEnd type="triangle"/>
+          </a:ln>
+        </p:spPr>
+        <p:style>
+          <a:lnRef idx="3">
+            <a:schemeClr val="accent6"/>
+          </a:lnRef>
+          <a:fillRef idx="0">
+            <a:schemeClr val="accent6"/>
+          </a:fillRef>
+          <a:effectRef idx="2">
+            <a:schemeClr val="accent6"/>
+          </a:effectRef>
+          <a:fontRef idx="minor">
+            <a:schemeClr val="tx1"/>
+          </a:fontRef>
+        </p:style>
+      </p:cxnSp>
+      <p:sp>
+        <p:nvSpPr>
+          <p:cNvPr id="35" name="TextBox 34">
+            <a:extLst>
+              <a:ext uri="{FF2B5EF4-FFF2-40B4-BE49-F238E27FC236}">
+                <a16:creationId xmlns:a16="http://schemas.microsoft.com/office/drawing/2014/main" id="{316B09CE-ED15-F81B-92C3-3075B3C74EBA}"/>
+              </a:ext>
+            </a:extLst>
+          </p:cNvPr>
+          <p:cNvSpPr txBox="1"/>
+          <p:nvPr/>
+        </p:nvSpPr>
+        <p:spPr>
+          <a:xfrm>
+            <a:off x="2551240" y="4216840"/>
+            <a:ext cx="1028230" cy="338554"/>
+          </a:xfrm>
+          <a:prstGeom prst="rect">
+            <a:avLst/>
+          </a:prstGeom>
+          <a:noFill/>
+        </p:spPr>
+        <p:txBody>
+          <a:bodyPr wrap="none" rtlCol="0">
+            <a:spAutoFit/>
+          </a:bodyPr>
+          <a:lstStyle/>
+          <a:p>
+            <a:r>
+              <a:rPr lang="en-IE" sz="1600" dirty="0"/>
+              <a:t>Ban Users</a:t>
+            </a:r>
+            <a:endParaRPr lang="pl-PL" sz="1600" dirty="0"/>
+          </a:p>
+        </p:txBody>
+      </p:sp>
+      <p:cxnSp>
+        <p:nvCxnSpPr>
+          <p:cNvPr id="41" name="Straight Arrow Connector 40">
+            <a:extLst>
+              <a:ext uri="{FF2B5EF4-FFF2-40B4-BE49-F238E27FC236}">
+                <a16:creationId xmlns:a16="http://schemas.microsoft.com/office/drawing/2014/main" id="{EA223209-BF8A-2DB0-D54C-B09EA3CD2AAD}"/>
+              </a:ext>
+            </a:extLst>
+          </p:cNvPr>
+          <p:cNvCxnSpPr>
+            <a:stCxn id="32" idx="3"/>
+            <a:endCxn id="21" idx="1"/>
+          </p:cNvCxnSpPr>
+          <p:nvPr/>
+        </p:nvCxnSpPr>
+        <p:spPr>
+          <a:xfrm flipV="1">
+            <a:off x="1353439" y="4114167"/>
+            <a:ext cx="869076" cy="260236"/>
+          </a:xfrm>
+          <a:prstGeom prst="straightConnector1">
+            <a:avLst/>
+          </a:prstGeom>
+          <a:ln>
+            <a:tailEnd type="triangle"/>
+          </a:ln>
+        </p:spPr>
+        <p:style>
+          <a:lnRef idx="3">
+            <a:schemeClr val="accent6"/>
+          </a:lnRef>
+          <a:fillRef idx="0">
+            <a:schemeClr val="accent6"/>
+          </a:fillRef>
+          <a:effectRef idx="2">
+            <a:schemeClr val="accent6"/>
+          </a:effectRef>
+          <a:fontRef idx="minor">
+            <a:schemeClr val="tx1"/>
+          </a:fontRef>
+        </p:style>
+      </p:cxnSp>
+      <p:cxnSp>
+        <p:nvCxnSpPr>
+          <p:cNvPr id="43" name="Straight Arrow Connector 42">
+            <a:extLst>
+              <a:ext uri="{FF2B5EF4-FFF2-40B4-BE49-F238E27FC236}">
+                <a16:creationId xmlns:a16="http://schemas.microsoft.com/office/drawing/2014/main" id="{8D4039CE-B76A-9077-6490-957F50721052}"/>
+              </a:ext>
+            </a:extLst>
+          </p:cNvPr>
+          <p:cNvCxnSpPr>
+            <a:stCxn id="32" idx="3"/>
+            <a:endCxn id="35" idx="1"/>
+          </p:cNvCxnSpPr>
+          <p:nvPr/>
+        </p:nvCxnSpPr>
+        <p:spPr>
+          <a:xfrm>
+            <a:off x="1353439" y="4374403"/>
+            <a:ext cx="1197801" cy="11714"/>
+          </a:xfrm>
+          <a:prstGeom prst="straightConnector1">
+            <a:avLst/>
+          </a:prstGeom>
+          <a:ln>
+            <a:tailEnd type="triangle"/>
+          </a:ln>
+        </p:spPr>
+        <p:style>
+          <a:lnRef idx="3">
+            <a:schemeClr val="accent6"/>
+          </a:lnRef>
+          <a:fillRef idx="0">
+            <a:schemeClr val="accent6"/>
+          </a:fillRef>
+          <a:effectRef idx="2">
+            <a:schemeClr val="accent6"/>
+          </a:effectRef>
+          <a:fontRef idx="minor">
+            <a:schemeClr val="tx1"/>
+          </a:fontRef>
+        </p:style>
+      </p:cxnSp>
+      <p:cxnSp>
+        <p:nvCxnSpPr>
+          <p:cNvPr id="69" name="Straight Arrow Connector 68">
+            <a:extLst>
+              <a:ext uri="{FF2B5EF4-FFF2-40B4-BE49-F238E27FC236}">
+                <a16:creationId xmlns:a16="http://schemas.microsoft.com/office/drawing/2014/main" id="{41B4DE46-B178-297A-FDDB-F451C721C9A9}"/>
+              </a:ext>
+            </a:extLst>
+          </p:cNvPr>
+          <p:cNvCxnSpPr>
+            <a:stCxn id="32" idx="0"/>
+            <a:endCxn id="63" idx="2"/>
+          </p:cNvCxnSpPr>
+          <p:nvPr/>
+        </p:nvCxnSpPr>
+        <p:spPr>
+          <a:xfrm flipH="1" flipV="1">
+            <a:off x="722770" y="3284127"/>
+            <a:ext cx="4152" cy="767110"/>
+          </a:xfrm>
+          <a:prstGeom prst="straightConnector1">
+            <a:avLst/>
+          </a:prstGeom>
+          <a:ln>
+            <a:tailEnd type="triangle"/>
+          </a:ln>
+        </p:spPr>
+        <p:style>
+          <a:lnRef idx="1">
+            <a:schemeClr val="accent1"/>
+          </a:lnRef>
+          <a:fillRef idx="0">
+            <a:schemeClr val="accent1"/>
+          </a:fillRef>
+          <a:effectRef idx="0">
+            <a:schemeClr val="accent1"/>
+          </a:effectRef>
+          <a:fontRef idx="minor">
+            <a:schemeClr val="tx1"/>
+          </a:fontRef>
+        </p:style>
+      </p:cxnSp>
+      <p:sp>
+        <p:nvSpPr>
+          <p:cNvPr id="70" name="TextBox 69">
+            <a:extLst>
+              <a:ext uri="{FF2B5EF4-FFF2-40B4-BE49-F238E27FC236}">
+                <a16:creationId xmlns:a16="http://schemas.microsoft.com/office/drawing/2014/main" id="{FC8EE690-75B8-8A4B-A1FD-99D49CA54F07}"/>
+              </a:ext>
+            </a:extLst>
+          </p:cNvPr>
+          <p:cNvSpPr txBox="1"/>
+          <p:nvPr/>
+        </p:nvSpPr>
+        <p:spPr>
+          <a:xfrm>
+            <a:off x="3498547" y="5024210"/>
+            <a:ext cx="2770182" cy="369332"/>
+          </a:xfrm>
+          <a:prstGeom prst="rect">
+            <a:avLst/>
+          </a:prstGeom>
+          <a:noFill/>
+        </p:spPr>
+        <p:txBody>
+          <a:bodyPr wrap="none" rtlCol="0">
+            <a:spAutoFit/>
+          </a:bodyPr>
+          <a:lstStyle/>
+          <a:p>
+            <a:r>
+              <a:rPr lang="en-IE" i="1" dirty="0">
+                <a:solidFill>
+                  <a:schemeClr val="accent5">
+                    <a:lumMod val="60000"/>
+                    <a:lumOff val="40000"/>
+                  </a:schemeClr>
+                </a:solidFill>
+              </a:rPr>
+              <a:t>Optional Features in Yellow</a:t>
+            </a:r>
+            <a:endParaRPr lang="pl-PL" i="1" dirty="0">
+              <a:solidFill>
+                <a:schemeClr val="accent5">
+                  <a:lumMod val="60000"/>
+                  <a:lumOff val="40000"/>
+                </a:schemeClr>
+              </a:solidFill>
+            </a:endParaRPr>
+          </a:p>
+        </p:txBody>
+      </p:sp>
+      <p:sp>
+        <p:nvSpPr>
+          <p:cNvPr id="4" name="TextBox 3">
+            <a:extLst>
+              <a:ext uri="{FF2B5EF4-FFF2-40B4-BE49-F238E27FC236}">
+                <a16:creationId xmlns:a16="http://schemas.microsoft.com/office/drawing/2014/main" id="{C724BB2E-2792-9FEA-7546-926FA512B720}"/>
+              </a:ext>
+            </a:extLst>
+          </p:cNvPr>
+          <p:cNvSpPr txBox="1"/>
+          <p:nvPr/>
+        </p:nvSpPr>
+        <p:spPr>
+          <a:xfrm>
+            <a:off x="2203430" y="2450304"/>
+            <a:ext cx="1717843" cy="338554"/>
+          </a:xfrm>
+          <a:prstGeom prst="rect">
+            <a:avLst/>
+          </a:prstGeom>
+          <a:noFill/>
+        </p:spPr>
+        <p:txBody>
+          <a:bodyPr wrap="none" rtlCol="0">
+            <a:spAutoFit/>
+          </a:bodyPr>
+          <a:lstStyle/>
+          <a:p>
+            <a:r>
+              <a:rPr lang="en-IE" sz="1600" dirty="0"/>
+              <a:t>Create Workspace</a:t>
+            </a:r>
+            <a:endParaRPr lang="pl-PL" sz="1600" dirty="0"/>
+          </a:p>
+        </p:txBody>
+      </p:sp>
+      <p:cxnSp>
+        <p:nvCxnSpPr>
+          <p:cNvPr id="51" name="Straight Arrow Connector 50">
+            <a:extLst>
+              <a:ext uri="{FF2B5EF4-FFF2-40B4-BE49-F238E27FC236}">
+                <a16:creationId xmlns:a16="http://schemas.microsoft.com/office/drawing/2014/main" id="{461FE8CA-1533-77A0-536D-5F6EE148C0E5}"/>
+              </a:ext>
+            </a:extLst>
+          </p:cNvPr>
+          <p:cNvCxnSpPr>
+            <a:stCxn id="17" idx="3"/>
+            <a:endCxn id="9" idx="1"/>
+          </p:cNvCxnSpPr>
+          <p:nvPr/>
+        </p:nvCxnSpPr>
+        <p:spPr>
+          <a:xfrm flipV="1">
+            <a:off x="4063010" y="1661491"/>
+            <a:ext cx="1138159" cy="1534295"/>
+          </a:xfrm>
+          <a:prstGeom prst="straightConnector1">
+            <a:avLst/>
+          </a:prstGeom>
+          <a:ln>
+            <a:tailEnd type="triangle"/>
+          </a:ln>
+        </p:spPr>
+        <p:style>
+          <a:lnRef idx="3">
+            <a:schemeClr val="accent6"/>
+          </a:lnRef>
+          <a:fillRef idx="0">
+            <a:schemeClr val="accent6"/>
+          </a:fillRef>
+          <a:effectRef idx="2">
+            <a:schemeClr val="accent6"/>
+          </a:effectRef>
+          <a:fontRef idx="minor">
+            <a:schemeClr val="tx1"/>
+          </a:fontRef>
+        </p:style>
+      </p:cxnSp>
+      <p:sp>
+        <p:nvSpPr>
+          <p:cNvPr id="53" name="TextBox 52">
+            <a:extLst>
+              <a:ext uri="{FF2B5EF4-FFF2-40B4-BE49-F238E27FC236}">
+                <a16:creationId xmlns:a16="http://schemas.microsoft.com/office/drawing/2014/main" id="{B2E2D1EE-A95E-1519-BD76-F9F5D5C40F6F}"/>
+              </a:ext>
+            </a:extLst>
+          </p:cNvPr>
+          <p:cNvSpPr txBox="1"/>
+          <p:nvPr/>
+        </p:nvSpPr>
+        <p:spPr>
+          <a:xfrm rot="18496042">
+            <a:off x="4271366" y="1879773"/>
+            <a:ext cx="792205" cy="307777"/>
+          </a:xfrm>
+          <a:prstGeom prst="rect">
+            <a:avLst/>
+          </a:prstGeom>
+          <a:noFill/>
+        </p:spPr>
+        <p:txBody>
+          <a:bodyPr wrap="none" rtlCol="0">
+            <a:spAutoFit/>
+          </a:bodyPr>
+          <a:lstStyle/>
+          <a:p>
+            <a:r>
+              <a:rPr lang="en-IE" sz="1400" i="1" dirty="0"/>
+              <a:t>includes</a:t>
+            </a:r>
+            <a:endParaRPr lang="pl-PL" sz="1400" i="1" dirty="0"/>
+          </a:p>
+        </p:txBody>
+      </p:sp>
+    </p:spTree>
+    <p:extLst>
+      <p:ext uri="{BB962C8B-B14F-4D97-AF65-F5344CB8AC3E}">
+        <p14:creationId xmlns:p14="http://schemas.microsoft.com/office/powerpoint/2010/main" val="2717208979"/>
+      </p:ext>
+    </p:extLst>
+  </p:cSld>
+  <p:clrMapOvr>
+    <a:masterClrMapping/>
+  </p:clrMapOvr>
+</p:sld>
+</file>
+
+<file path=ppt/slides/slide5.xml><?xml version="1.0" encoding="utf-8"?>
 <p:sld xmlns:a="http://schemas.openxmlformats.org/drawingml/2006/main" xmlns:r="http://schemas.openxmlformats.org/officeDocument/2006/relationships" xmlns:p="http://schemas.openxmlformats.org/presentationml/2006/main">
   <p:cSld>
     <p:spTree>
@@ -6165,10 +8154,45 @@
       </p:grpSpPr>
       <p:sp>
         <p:nvSpPr>
-          <p:cNvPr id="23" name="Rectangle 22">
-            <a:extLst>
-              <a:ext uri="{FF2B5EF4-FFF2-40B4-BE49-F238E27FC236}">
-                <a16:creationId xmlns:a16="http://schemas.microsoft.com/office/drawing/2014/main" id="{9BB6BCC8-A996-1C8F-6312-A4AD4A24C0FE}"/>
+          <p:cNvPr id="2" name="Title 1">
+            <a:extLst>
+              <a:ext uri="{FF2B5EF4-FFF2-40B4-BE49-F238E27FC236}">
+                <a16:creationId xmlns:a16="http://schemas.microsoft.com/office/drawing/2014/main" id="{301FD779-D5ED-5F66-8F80-5920A01D72A3}"/>
+              </a:ext>
+            </a:extLst>
+          </p:cNvPr>
+          <p:cNvSpPr>
+            <a:spLocks noGrp="1"/>
+          </p:cNvSpPr>
+          <p:nvPr>
+            <p:ph type="title"/>
+          </p:nvPr>
+        </p:nvSpPr>
+        <p:spPr>
+          <a:xfrm>
+            <a:off x="451669" y="-44561"/>
+            <a:ext cx="7886700" cy="1104943"/>
+          </a:xfrm>
+        </p:spPr>
+        <p:txBody>
+          <a:bodyPr/>
+          <a:lstStyle/>
+          <a:p>
+            <a:pPr algn="ctr"/>
+            <a:r>
+              <a:rPr lang="en-IE" dirty="0"/>
+              <a:t>Use Case Diagram</a:t>
+            </a:r>
+            <a:endParaRPr lang="pl-PL" dirty="0"/>
+          </a:p>
+        </p:txBody>
+      </p:sp>
+      <p:sp>
+        <p:nvSpPr>
+          <p:cNvPr id="3" name="Oval 2">
+            <a:extLst>
+              <a:ext uri="{FF2B5EF4-FFF2-40B4-BE49-F238E27FC236}">
+                <a16:creationId xmlns:a16="http://schemas.microsoft.com/office/drawing/2014/main" id="{C5DA5F45-ED64-2E69-39A1-217C06AC64ED}"/>
               </a:ext>
             </a:extLst>
           </p:cNvPr>
@@ -6177,10 +8201,10 @@
         </p:nvSpPr>
         <p:spPr>
           <a:xfrm>
-            <a:off x="1493441" y="1378965"/>
-            <a:ext cx="6065520" cy="3421380"/>
-          </a:xfrm>
-          <a:prstGeom prst="rect">
+            <a:off x="5386890" y="1075752"/>
+            <a:ext cx="1632166" cy="281848"/>
+          </a:xfrm>
+          <a:prstGeom prst="ellipse">
             <a:avLst/>
           </a:prstGeom>
         </p:spPr>
@@ -6205,16 +8229,20 @@
           <a:lstStyle/>
           <a:p>
             <a:pPr algn="ctr"/>
-            <a:endParaRPr lang="pl-PL" dirty="0"/>
-          </a:p>
-        </p:txBody>
-      </p:sp>
-      <p:sp>
-        <p:nvSpPr>
-          <p:cNvPr id="48" name="Rectangle 47">
-            <a:extLst>
-              <a:ext uri="{FF2B5EF4-FFF2-40B4-BE49-F238E27FC236}">
-                <a16:creationId xmlns:a16="http://schemas.microsoft.com/office/drawing/2014/main" id="{45B64817-250F-FCE4-CFC3-1F8BD26D0207}"/>
+            <a:r>
+              <a:rPr lang="en-IE" sz="1400" dirty="0"/>
+              <a:t>Sign in</a:t>
+            </a:r>
+            <a:endParaRPr lang="pl-PL" sz="1400" dirty="0"/>
+          </a:p>
+        </p:txBody>
+      </p:sp>
+      <p:sp>
+        <p:nvSpPr>
+          <p:cNvPr id="4" name="Oval 3">
+            <a:extLst>
+              <a:ext uri="{FF2B5EF4-FFF2-40B4-BE49-F238E27FC236}">
+                <a16:creationId xmlns:a16="http://schemas.microsoft.com/office/drawing/2014/main" id="{941DC878-0802-7022-7F7A-6EF8EA16417A}"/>
               </a:ext>
             </a:extLst>
           </p:cNvPr>
@@ -6223,17 +8251,12 @@
         </p:nvSpPr>
         <p:spPr>
           <a:xfrm>
-            <a:off x="4618634" y="2873192"/>
-            <a:ext cx="2551219" cy="879249"/>
-          </a:xfrm>
-          <a:prstGeom prst="rect">
-            <a:avLst/>
-          </a:prstGeom>
-          <a:solidFill>
-            <a:schemeClr val="accent5">
-              <a:lumMod val="50000"/>
-            </a:schemeClr>
-          </a:solidFill>
+            <a:off x="5386890" y="1529537"/>
+            <a:ext cx="1632166" cy="281848"/>
+          </a:xfrm>
+          <a:prstGeom prst="ellipse">
+            <a:avLst/>
+          </a:prstGeom>
         </p:spPr>
         <p:style>
           <a:lnRef idx="2">
@@ -6256,16 +8279,20 @@
           <a:lstStyle/>
           <a:p>
             <a:pPr algn="ctr"/>
-            <a:endParaRPr lang="pl-PL"/>
-          </a:p>
-        </p:txBody>
-      </p:sp>
-      <p:sp>
-        <p:nvSpPr>
-          <p:cNvPr id="47" name="Rectangle 46">
-            <a:extLst>
-              <a:ext uri="{FF2B5EF4-FFF2-40B4-BE49-F238E27FC236}">
-                <a16:creationId xmlns:a16="http://schemas.microsoft.com/office/drawing/2014/main" id="{15243AED-9FC8-98B8-C6D7-CD75A1872574}"/>
+            <a:r>
+              <a:rPr lang="en-IE" sz="1400" dirty="0"/>
+              <a:t>Sign out</a:t>
+            </a:r>
+            <a:endParaRPr lang="pl-PL" sz="1400" dirty="0"/>
+          </a:p>
+        </p:txBody>
+      </p:sp>
+      <p:sp>
+        <p:nvSpPr>
+          <p:cNvPr id="5" name="Oval 4">
+            <a:extLst>
+              <a:ext uri="{FF2B5EF4-FFF2-40B4-BE49-F238E27FC236}">
+                <a16:creationId xmlns:a16="http://schemas.microsoft.com/office/drawing/2014/main" id="{EE8FE268-9EC9-AF6F-6339-4EDCFBF78927}"/>
               </a:ext>
             </a:extLst>
           </p:cNvPr>
@@ -6274,15 +8301,12 @@
         </p:nvSpPr>
         <p:spPr>
           <a:xfrm>
-            <a:off x="1673255" y="2388420"/>
-            <a:ext cx="2789861" cy="2236702"/>
-          </a:xfrm>
-          <a:prstGeom prst="rect">
-            <a:avLst/>
-          </a:prstGeom>
-          <a:solidFill>
-            <a:srgbClr val="7030A0"/>
-          </a:solidFill>
+            <a:off x="5386890" y="1945873"/>
+            <a:ext cx="1632166" cy="281848"/>
+          </a:xfrm>
+          <a:prstGeom prst="ellipse">
+            <a:avLst/>
+          </a:prstGeom>
         </p:spPr>
         <p:style>
           <a:lnRef idx="2">
@@ -6305,16 +8329,20 @@
           <a:lstStyle/>
           <a:p>
             <a:pPr algn="ctr"/>
-            <a:endParaRPr lang="pl-PL" dirty="0"/>
-          </a:p>
-        </p:txBody>
-      </p:sp>
-      <p:sp>
-        <p:nvSpPr>
-          <p:cNvPr id="37" name="Rectangle 36">
-            <a:extLst>
-              <a:ext uri="{FF2B5EF4-FFF2-40B4-BE49-F238E27FC236}">
-                <a16:creationId xmlns:a16="http://schemas.microsoft.com/office/drawing/2014/main" id="{8FAAF6E4-3880-0141-E33B-46C52CD321B7}"/>
+            <a:r>
+              <a:rPr lang="en-IE" sz="1200" dirty="0"/>
+              <a:t>Delete account</a:t>
+            </a:r>
+            <a:endParaRPr lang="pl-PL" sz="1200" dirty="0"/>
+          </a:p>
+        </p:txBody>
+      </p:sp>
+      <p:sp>
+        <p:nvSpPr>
+          <p:cNvPr id="6" name="Oval 5">
+            <a:extLst>
+              <a:ext uri="{FF2B5EF4-FFF2-40B4-BE49-F238E27FC236}">
+                <a16:creationId xmlns:a16="http://schemas.microsoft.com/office/drawing/2014/main" id="{D8B6028B-59AA-30A6-B78F-5FA23C2642C1}"/>
               </a:ext>
             </a:extLst>
           </p:cNvPr>
@@ -6323,30 +8351,24 @@
         </p:nvSpPr>
         <p:spPr>
           <a:xfrm>
-            <a:off x="5236435" y="3804956"/>
-            <a:ext cx="2031054" cy="656595"/>
-          </a:xfrm>
-          <a:prstGeom prst="rect">
-            <a:avLst/>
-          </a:prstGeom>
-          <a:solidFill>
-            <a:schemeClr val="bg1">
-              <a:lumMod val="65000"/>
-              <a:lumOff val="35000"/>
-            </a:schemeClr>
-          </a:solidFill>
+            <a:off x="5386890" y="2403606"/>
+            <a:ext cx="1632166" cy="281848"/>
+          </a:xfrm>
+          <a:prstGeom prst="ellipse">
+            <a:avLst/>
+          </a:prstGeom>
         </p:spPr>
         <p:style>
           <a:lnRef idx="2">
-            <a:schemeClr val="dk1">
+            <a:schemeClr val="accent1">
               <a:shade val="15000"/>
             </a:schemeClr>
           </a:lnRef>
           <a:fillRef idx="1">
-            <a:schemeClr val="dk1"/>
+            <a:schemeClr val="accent1"/>
           </a:fillRef>
           <a:effectRef idx="0">
-            <a:schemeClr val="dk1"/>
+            <a:schemeClr val="accent1"/>
           </a:effectRef>
           <a:fontRef idx="minor">
             <a:schemeClr val="lt1"/>
@@ -6357,16 +8379,20 @@
           <a:lstStyle/>
           <a:p>
             <a:pPr algn="ctr"/>
-            <a:endParaRPr lang="pl-PL"/>
-          </a:p>
-        </p:txBody>
-      </p:sp>
-      <p:sp>
-        <p:nvSpPr>
-          <p:cNvPr id="26" name="Rectangle 25">
-            <a:extLst>
-              <a:ext uri="{FF2B5EF4-FFF2-40B4-BE49-F238E27FC236}">
-                <a16:creationId xmlns:a16="http://schemas.microsoft.com/office/drawing/2014/main" id="{A44DA0E5-771C-4ACD-8787-AAE804949F65}"/>
+            <a:r>
+              <a:rPr lang="en-IE" sz="1400" dirty="0"/>
+              <a:t>Sign in</a:t>
+            </a:r>
+            <a:endParaRPr lang="pl-PL" sz="1400" dirty="0"/>
+          </a:p>
+        </p:txBody>
+      </p:sp>
+      <p:sp>
+        <p:nvSpPr>
+          <p:cNvPr id="7" name="Oval 6">
+            <a:extLst>
+              <a:ext uri="{FF2B5EF4-FFF2-40B4-BE49-F238E27FC236}">
+                <a16:creationId xmlns:a16="http://schemas.microsoft.com/office/drawing/2014/main" id="{E50D94DD-F317-F194-3780-43028C4C9736}"/>
               </a:ext>
             </a:extLst>
           </p:cNvPr>
@@ -6375,10 +8401,210 @@
         </p:nvSpPr>
         <p:spPr>
           <a:xfrm>
-            <a:off x="5097272" y="1530872"/>
-            <a:ext cx="1463040" cy="1298471"/>
-          </a:xfrm>
-          <a:prstGeom prst="rect">
+            <a:off x="5386890" y="2857391"/>
+            <a:ext cx="1632166" cy="281848"/>
+          </a:xfrm>
+          <a:prstGeom prst="ellipse">
+            <a:avLst/>
+          </a:prstGeom>
+        </p:spPr>
+        <p:style>
+          <a:lnRef idx="2">
+            <a:schemeClr val="accent6">
+              <a:shade val="15000"/>
+            </a:schemeClr>
+          </a:lnRef>
+          <a:fillRef idx="1">
+            <a:schemeClr val="accent6"/>
+          </a:fillRef>
+          <a:effectRef idx="0">
+            <a:schemeClr val="accent6"/>
+          </a:effectRef>
+          <a:fontRef idx="minor">
+            <a:schemeClr val="lt1"/>
+          </a:fontRef>
+        </p:style>
+        <p:txBody>
+          <a:bodyPr rtlCol="0" anchor="ctr"/>
+          <a:lstStyle/>
+          <a:p>
+            <a:pPr algn="ctr"/>
+            <a:r>
+              <a:rPr lang="en-IE" sz="1200" dirty="0"/>
+              <a:t>Create Note</a:t>
+            </a:r>
+            <a:endParaRPr lang="pl-PL" sz="1200" dirty="0"/>
+          </a:p>
+        </p:txBody>
+      </p:sp>
+      <p:sp>
+        <p:nvSpPr>
+          <p:cNvPr id="8" name="Oval 7">
+            <a:extLst>
+              <a:ext uri="{FF2B5EF4-FFF2-40B4-BE49-F238E27FC236}">
+                <a16:creationId xmlns:a16="http://schemas.microsoft.com/office/drawing/2014/main" id="{0280C457-E9DB-7829-8A29-F3314283EFF5}"/>
+              </a:ext>
+            </a:extLst>
+          </p:cNvPr>
+          <p:cNvSpPr/>
+          <p:nvPr/>
+        </p:nvSpPr>
+        <p:spPr>
+          <a:xfrm>
+            <a:off x="5386890" y="3311176"/>
+            <a:ext cx="1632166" cy="281848"/>
+          </a:xfrm>
+          <a:prstGeom prst="ellipse">
+            <a:avLst/>
+          </a:prstGeom>
+        </p:spPr>
+        <p:style>
+          <a:lnRef idx="2">
+            <a:schemeClr val="accent6">
+              <a:shade val="15000"/>
+            </a:schemeClr>
+          </a:lnRef>
+          <a:fillRef idx="1">
+            <a:schemeClr val="accent6"/>
+          </a:fillRef>
+          <a:effectRef idx="0">
+            <a:schemeClr val="accent6"/>
+          </a:effectRef>
+          <a:fontRef idx="minor">
+            <a:schemeClr val="lt1"/>
+          </a:fontRef>
+        </p:style>
+        <p:txBody>
+          <a:bodyPr rtlCol="0" anchor="ctr"/>
+          <a:lstStyle/>
+          <a:p>
+            <a:pPr algn="ctr"/>
+            <a:r>
+              <a:rPr lang="en-IE" sz="1200" dirty="0"/>
+              <a:t>Update Note</a:t>
+            </a:r>
+            <a:endParaRPr lang="pl-PL" sz="1200" dirty="0"/>
+          </a:p>
+        </p:txBody>
+      </p:sp>
+      <p:sp>
+        <p:nvSpPr>
+          <p:cNvPr id="9" name="Oval 8">
+            <a:extLst>
+              <a:ext uri="{FF2B5EF4-FFF2-40B4-BE49-F238E27FC236}">
+                <a16:creationId xmlns:a16="http://schemas.microsoft.com/office/drawing/2014/main" id="{A6D6D13E-6401-34B9-7CA4-7A42B7E7D538}"/>
+              </a:ext>
+            </a:extLst>
+          </p:cNvPr>
+          <p:cNvSpPr/>
+          <p:nvPr/>
+        </p:nvSpPr>
+        <p:spPr>
+          <a:xfrm>
+            <a:off x="5386890" y="3764961"/>
+            <a:ext cx="1632166" cy="281848"/>
+          </a:xfrm>
+          <a:prstGeom prst="ellipse">
+            <a:avLst/>
+          </a:prstGeom>
+        </p:spPr>
+        <p:style>
+          <a:lnRef idx="2">
+            <a:schemeClr val="accent6">
+              <a:shade val="15000"/>
+            </a:schemeClr>
+          </a:lnRef>
+          <a:fillRef idx="1">
+            <a:schemeClr val="accent6"/>
+          </a:fillRef>
+          <a:effectRef idx="0">
+            <a:schemeClr val="accent6"/>
+          </a:effectRef>
+          <a:fontRef idx="minor">
+            <a:schemeClr val="lt1"/>
+          </a:fontRef>
+        </p:style>
+        <p:txBody>
+          <a:bodyPr rtlCol="0" anchor="ctr"/>
+          <a:lstStyle/>
+          <a:p>
+            <a:pPr algn="ctr"/>
+            <a:r>
+              <a:rPr lang="en-IE" sz="1200" dirty="0"/>
+              <a:t>Delete Note</a:t>
+            </a:r>
+            <a:endParaRPr lang="pl-PL" sz="1200" dirty="0"/>
+          </a:p>
+        </p:txBody>
+      </p:sp>
+      <p:sp>
+        <p:nvSpPr>
+          <p:cNvPr id="10" name="Oval 9">
+            <a:extLst>
+              <a:ext uri="{FF2B5EF4-FFF2-40B4-BE49-F238E27FC236}">
+                <a16:creationId xmlns:a16="http://schemas.microsoft.com/office/drawing/2014/main" id="{9FD404DE-E221-10BF-E435-36BF8758F8C0}"/>
+              </a:ext>
+            </a:extLst>
+          </p:cNvPr>
+          <p:cNvSpPr/>
+          <p:nvPr/>
+        </p:nvSpPr>
+        <p:spPr>
+          <a:xfrm>
+            <a:off x="5386890" y="4228486"/>
+            <a:ext cx="1632166" cy="281848"/>
+          </a:xfrm>
+          <a:prstGeom prst="ellipse">
+            <a:avLst/>
+          </a:prstGeom>
+        </p:spPr>
+        <p:style>
+          <a:lnRef idx="2">
+            <a:schemeClr val="accent6">
+              <a:shade val="15000"/>
+            </a:schemeClr>
+          </a:lnRef>
+          <a:fillRef idx="1">
+            <a:schemeClr val="accent6"/>
+          </a:fillRef>
+          <a:effectRef idx="0">
+            <a:schemeClr val="accent6"/>
+          </a:effectRef>
+          <a:fontRef idx="minor">
+            <a:schemeClr val="lt1"/>
+          </a:fontRef>
+        </p:style>
+        <p:txBody>
+          <a:bodyPr rtlCol="0" anchor="ctr"/>
+          <a:lstStyle/>
+          <a:p>
+            <a:pPr algn="ctr"/>
+            <a:r>
+              <a:rPr lang="en-IE" sz="1200" dirty="0"/>
+              <a:t>Share Note</a:t>
+            </a:r>
+            <a:endParaRPr lang="pl-PL" sz="1200" dirty="0"/>
+          </a:p>
+        </p:txBody>
+      </p:sp>
+      <p:sp>
+        <p:nvSpPr>
+          <p:cNvPr id="11" name="Oval 10">
+            <a:extLst>
+              <a:ext uri="{FF2B5EF4-FFF2-40B4-BE49-F238E27FC236}">
+                <a16:creationId xmlns:a16="http://schemas.microsoft.com/office/drawing/2014/main" id="{7E2567CF-112C-AE5F-C7F1-D197E6005CA4}"/>
+              </a:ext>
+            </a:extLst>
+          </p:cNvPr>
+          <p:cNvSpPr/>
+          <p:nvPr/>
+        </p:nvSpPr>
+        <p:spPr>
+          <a:xfrm>
+            <a:off x="5386890" y="4692011"/>
+            <a:ext cx="1632166" cy="281848"/>
+          </a:xfrm>
+          <a:prstGeom prst="ellipse">
             <a:avLst/>
           </a:prstGeom>
         </p:spPr>
@@ -6403,16 +8629,20 @@
           <a:lstStyle/>
           <a:p>
             <a:pPr algn="ctr"/>
-            <a:endParaRPr lang="pl-PL" dirty="0"/>
-          </a:p>
-        </p:txBody>
-      </p:sp>
-      <p:sp>
-        <p:nvSpPr>
-          <p:cNvPr id="25" name="Rectangle 24">
-            <a:extLst>
-              <a:ext uri="{FF2B5EF4-FFF2-40B4-BE49-F238E27FC236}">
-                <a16:creationId xmlns:a16="http://schemas.microsoft.com/office/drawing/2014/main" id="{A076507E-F516-3CDE-D96B-907E17D11D1A}"/>
+            <a:r>
+              <a:rPr lang="en-IE" sz="1200" dirty="0"/>
+              <a:t>Filter Notes</a:t>
+            </a:r>
+            <a:endParaRPr lang="pl-PL" sz="1200" dirty="0"/>
+          </a:p>
+        </p:txBody>
+      </p:sp>
+      <p:sp>
+        <p:nvSpPr>
+          <p:cNvPr id="12" name="Oval 11">
+            <a:extLst>
+              <a:ext uri="{FF2B5EF4-FFF2-40B4-BE49-F238E27FC236}">
+                <a16:creationId xmlns:a16="http://schemas.microsoft.com/office/drawing/2014/main" id="{3A76619B-4C75-CC37-9EDF-5AE7F9134F43}"/>
               </a:ext>
             </a:extLst>
           </p:cNvPr>
@@ -6421,15 +8651,12 @@
         </p:nvSpPr>
         <p:spPr>
           <a:xfrm>
-            <a:off x="1908314" y="1530873"/>
-            <a:ext cx="2389832" cy="735972"/>
-          </a:xfrm>
-          <a:prstGeom prst="rect">
-            <a:avLst/>
-          </a:prstGeom>
-          <a:solidFill>
-            <a:srgbClr val="FF0000"/>
-          </a:solidFill>
+            <a:off x="5386890" y="5155536"/>
+            <a:ext cx="1632166" cy="281848"/>
+          </a:xfrm>
+          <a:prstGeom prst="ellipse">
+            <a:avLst/>
+          </a:prstGeom>
         </p:spPr>
         <p:style>
           <a:lnRef idx="2">
@@ -6452,1495 +8679,667 @@
           <a:lstStyle/>
           <a:p>
             <a:pPr algn="ctr"/>
+            <a:r>
+              <a:rPr lang="en-IE" sz="1000" dirty="0"/>
+              <a:t>Synonymic Search</a:t>
+            </a:r>
+            <a:endParaRPr lang="pl-PL" sz="1000" dirty="0"/>
+          </a:p>
+        </p:txBody>
+      </p:sp>
+      <p:sp>
+        <p:nvSpPr>
+          <p:cNvPr id="14" name="Rectangle: Rounded Corners 13">
+            <a:extLst>
+              <a:ext uri="{FF2B5EF4-FFF2-40B4-BE49-F238E27FC236}">
+                <a16:creationId xmlns:a16="http://schemas.microsoft.com/office/drawing/2014/main" id="{20099506-A882-1BDD-4576-0A7D434F984C}"/>
+              </a:ext>
+            </a:extLst>
+          </p:cNvPr>
+          <p:cNvSpPr/>
+          <p:nvPr/>
+        </p:nvSpPr>
+        <p:spPr>
+          <a:xfrm>
+            <a:off x="1611315" y="934862"/>
+            <a:ext cx="5791200" cy="4589769"/>
+          </a:xfrm>
+          <a:prstGeom prst="roundRect">
+            <a:avLst/>
+          </a:prstGeom>
+          <a:noFill/>
+          <a:ln w="9525" cap="flat" cmpd="sng" algn="ctr">
+            <a:solidFill>
+              <a:schemeClr val="accent1"/>
+            </a:solidFill>
+            <a:prstDash val="solid"/>
+            <a:round/>
+            <a:headEnd type="none" w="med" len="med"/>
+            <a:tailEnd type="none" w="med" len="med"/>
+          </a:ln>
+        </p:spPr>
+        <p:style>
+          <a:lnRef idx="0">
+            <a:scrgbClr r="0" g="0" b="0"/>
+          </a:lnRef>
+          <a:fillRef idx="0">
+            <a:scrgbClr r="0" g="0" b="0"/>
+          </a:fillRef>
+          <a:effectRef idx="0">
+            <a:scrgbClr r="0" g="0" b="0"/>
+          </a:effectRef>
+          <a:fontRef idx="minor">
+            <a:schemeClr val="accent1"/>
+          </a:fontRef>
+        </p:style>
+        <p:txBody>
+          <a:bodyPr rtlCol="0" anchor="ctr"/>
+          <a:lstStyle/>
+          <a:p>
+            <a:pPr algn="ctr"/>
             <a:endParaRPr lang="pl-PL"/>
           </a:p>
         </p:txBody>
       </p:sp>
       <p:sp>
         <p:nvSpPr>
-          <p:cNvPr id="2" name="Title 1">
-            <a:extLst>
-              <a:ext uri="{FF2B5EF4-FFF2-40B4-BE49-F238E27FC236}">
-                <a16:creationId xmlns:a16="http://schemas.microsoft.com/office/drawing/2014/main" id="{A6D9024F-5DC4-53ED-6D9D-86A2E68F304B}"/>
-              </a:ext>
-            </a:extLst>
-          </p:cNvPr>
-          <p:cNvSpPr>
-            <a:spLocks noGrp="1"/>
-          </p:cNvSpPr>
-          <p:nvPr>
-            <p:ph type="title"/>
-          </p:nvPr>
-        </p:nvSpPr>
-        <p:spPr/>
-        <p:txBody>
-          <a:bodyPr/>
+          <p:cNvPr id="15" name="Oval 14">
+            <a:extLst>
+              <a:ext uri="{FF2B5EF4-FFF2-40B4-BE49-F238E27FC236}">
+                <a16:creationId xmlns:a16="http://schemas.microsoft.com/office/drawing/2014/main" id="{85F16FBF-76D6-45A0-B088-C50565F0A936}"/>
+              </a:ext>
+            </a:extLst>
+          </p:cNvPr>
+          <p:cNvSpPr/>
+          <p:nvPr/>
+        </p:nvSpPr>
+        <p:spPr>
+          <a:xfrm>
+            <a:off x="2125045" y="1075752"/>
+            <a:ext cx="2748116" cy="281848"/>
+          </a:xfrm>
+          <a:prstGeom prst="ellipse">
+            <a:avLst/>
+          </a:prstGeom>
+          <a:solidFill>
+            <a:srgbClr val="7030A0"/>
+          </a:solidFill>
+        </p:spPr>
+        <p:style>
+          <a:lnRef idx="2">
+            <a:schemeClr val="accent1">
+              <a:shade val="15000"/>
+            </a:schemeClr>
+          </a:lnRef>
+          <a:fillRef idx="1">
+            <a:schemeClr val="accent1"/>
+          </a:fillRef>
+          <a:effectRef idx="0">
+            <a:schemeClr val="accent1"/>
+          </a:effectRef>
+          <a:fontRef idx="minor">
+            <a:schemeClr val="lt1"/>
+          </a:fontRef>
+        </p:style>
+        <p:txBody>
+          <a:bodyPr rtlCol="0" anchor="ctr"/>
           <a:lstStyle/>
           <a:p>
             <a:pPr algn="ctr"/>
             <a:r>
-              <a:rPr lang="en-IE" dirty="0"/>
-              <a:t>Use Case Diagram</a:t>
-            </a:r>
-            <a:endParaRPr lang="pl-PL" dirty="0"/>
-          </a:p>
-        </p:txBody>
-      </p:sp>
-      <p:sp>
-        <p:nvSpPr>
-          <p:cNvPr id="5" name="TextBox 4">
-            <a:extLst>
-              <a:ext uri="{FF2B5EF4-FFF2-40B4-BE49-F238E27FC236}">
-                <a16:creationId xmlns:a16="http://schemas.microsoft.com/office/drawing/2014/main" id="{E519C272-F848-9890-7BE5-A6F8F70084AA}"/>
-              </a:ext>
-            </a:extLst>
-          </p:cNvPr>
-          <p:cNvSpPr txBox="1"/>
-          <p:nvPr/>
-        </p:nvSpPr>
-        <p:spPr>
-          <a:xfrm>
-            <a:off x="1942778" y="1540075"/>
-            <a:ext cx="764953" cy="338554"/>
-          </a:xfrm>
-          <a:prstGeom prst="rect">
-            <a:avLst/>
-          </a:prstGeom>
-          <a:noFill/>
-        </p:spPr>
-        <p:txBody>
-          <a:bodyPr wrap="none" rtlCol="0">
-            <a:spAutoFit/>
-          </a:bodyPr>
-          <a:lstStyle/>
-          <a:p>
-            <a:r>
-              <a:rPr lang="en-IE" sz="1600" dirty="0"/>
-              <a:t>Sign In</a:t>
-            </a:r>
-          </a:p>
-        </p:txBody>
-      </p:sp>
-      <p:sp>
-        <p:nvSpPr>
-          <p:cNvPr id="6" name="TextBox 5">
-            <a:extLst>
-              <a:ext uri="{FF2B5EF4-FFF2-40B4-BE49-F238E27FC236}">
-                <a16:creationId xmlns:a16="http://schemas.microsoft.com/office/drawing/2014/main" id="{50102270-C95E-D9DE-FCF1-B1FA8B2DFC0C}"/>
-              </a:ext>
-            </a:extLst>
-          </p:cNvPr>
-          <p:cNvSpPr txBox="1"/>
-          <p:nvPr/>
-        </p:nvSpPr>
-        <p:spPr>
-          <a:xfrm>
-            <a:off x="2723299" y="1521482"/>
-            <a:ext cx="925253" cy="338554"/>
-          </a:xfrm>
-          <a:prstGeom prst="rect">
-            <a:avLst/>
-          </a:prstGeom>
-          <a:noFill/>
-        </p:spPr>
-        <p:txBody>
-          <a:bodyPr wrap="none" rtlCol="0">
-            <a:spAutoFit/>
-          </a:bodyPr>
-          <a:lstStyle/>
-          <a:p>
-            <a:r>
-              <a:rPr lang="en-IE" sz="1600" dirty="0"/>
-              <a:t>Sign Out</a:t>
-            </a:r>
-            <a:endParaRPr lang="pl-PL" sz="1600" dirty="0"/>
-          </a:p>
-        </p:txBody>
-      </p:sp>
-      <p:sp>
-        <p:nvSpPr>
-          <p:cNvPr id="7" name="TextBox 6">
-            <a:extLst>
-              <a:ext uri="{FF2B5EF4-FFF2-40B4-BE49-F238E27FC236}">
-                <a16:creationId xmlns:a16="http://schemas.microsoft.com/office/drawing/2014/main" id="{E767BC79-AA64-FE6E-6CB1-AB7580D9A9C9}"/>
-              </a:ext>
-            </a:extLst>
-          </p:cNvPr>
-          <p:cNvSpPr txBox="1"/>
-          <p:nvPr/>
-        </p:nvSpPr>
-        <p:spPr>
-          <a:xfrm>
-            <a:off x="1908314" y="1897873"/>
-            <a:ext cx="847091" cy="338554"/>
-          </a:xfrm>
-          <a:prstGeom prst="rect">
-            <a:avLst/>
-          </a:prstGeom>
-          <a:noFill/>
-        </p:spPr>
-        <p:txBody>
-          <a:bodyPr wrap="none" rtlCol="0">
-            <a:spAutoFit/>
-          </a:bodyPr>
-          <a:lstStyle/>
-          <a:p>
-            <a:r>
-              <a:rPr lang="en-IE" sz="1600" dirty="0"/>
-              <a:t>Sign Up</a:t>
-            </a:r>
-            <a:endParaRPr lang="pl-PL" sz="1600" dirty="0"/>
-          </a:p>
-        </p:txBody>
-      </p:sp>
-      <p:sp>
-        <p:nvSpPr>
-          <p:cNvPr id="8" name="TextBox 7">
-            <a:extLst>
-              <a:ext uri="{FF2B5EF4-FFF2-40B4-BE49-F238E27FC236}">
-                <a16:creationId xmlns:a16="http://schemas.microsoft.com/office/drawing/2014/main" id="{0227D585-A9D1-390B-E0E5-D1EFF005BC6D}"/>
-              </a:ext>
-            </a:extLst>
-          </p:cNvPr>
-          <p:cNvSpPr txBox="1"/>
-          <p:nvPr/>
-        </p:nvSpPr>
-        <p:spPr>
-          <a:xfrm>
-            <a:off x="2735008" y="1928290"/>
-            <a:ext cx="1482265" cy="338554"/>
-          </a:xfrm>
-          <a:prstGeom prst="rect">
-            <a:avLst/>
-          </a:prstGeom>
-          <a:noFill/>
-        </p:spPr>
-        <p:txBody>
-          <a:bodyPr wrap="none" rtlCol="0">
-            <a:spAutoFit/>
-          </a:bodyPr>
-          <a:lstStyle/>
-          <a:p>
-            <a:r>
-              <a:rPr lang="en-IE" sz="1600" dirty="0"/>
-              <a:t>Delete Account</a:t>
-            </a:r>
-            <a:endParaRPr lang="pl-PL" sz="1600" dirty="0"/>
-          </a:p>
-        </p:txBody>
-      </p:sp>
-      <p:sp>
-        <p:nvSpPr>
-          <p:cNvPr id="9" name="TextBox 8">
-            <a:extLst>
-              <a:ext uri="{FF2B5EF4-FFF2-40B4-BE49-F238E27FC236}">
-                <a16:creationId xmlns:a16="http://schemas.microsoft.com/office/drawing/2014/main" id="{6FA1341F-6E0B-7BB6-ABBA-BA26A39D0A4E}"/>
-              </a:ext>
-            </a:extLst>
-          </p:cNvPr>
-          <p:cNvSpPr txBox="1"/>
-          <p:nvPr/>
-        </p:nvSpPr>
-        <p:spPr>
-          <a:xfrm>
-            <a:off x="5201169" y="1492214"/>
-            <a:ext cx="1217000" cy="338554"/>
-          </a:xfrm>
-          <a:prstGeom prst="rect">
-            <a:avLst/>
-          </a:prstGeom>
-          <a:noFill/>
-        </p:spPr>
-        <p:txBody>
-          <a:bodyPr wrap="none" rtlCol="0">
-            <a:spAutoFit/>
-          </a:bodyPr>
-          <a:lstStyle/>
-          <a:p>
-            <a:r>
-              <a:rPr lang="en-IE" sz="1600" dirty="0"/>
-              <a:t>Create Note</a:t>
-            </a:r>
-            <a:endParaRPr lang="pl-PL" sz="1600" dirty="0"/>
-          </a:p>
-        </p:txBody>
-      </p:sp>
-      <p:sp>
-        <p:nvSpPr>
-          <p:cNvPr id="10" name="TextBox 9">
-            <a:extLst>
-              <a:ext uri="{FF2B5EF4-FFF2-40B4-BE49-F238E27FC236}">
-                <a16:creationId xmlns:a16="http://schemas.microsoft.com/office/drawing/2014/main" id="{AD9E5720-B15B-62F6-E4F5-EE70C119C308}"/>
-              </a:ext>
-            </a:extLst>
-          </p:cNvPr>
-          <p:cNvSpPr txBox="1"/>
-          <p:nvPr/>
-        </p:nvSpPr>
-        <p:spPr>
-          <a:xfrm>
-            <a:off x="5139940" y="1728984"/>
-            <a:ext cx="1282723" cy="338554"/>
-          </a:xfrm>
-          <a:prstGeom prst="rect">
-            <a:avLst/>
-          </a:prstGeom>
-          <a:noFill/>
-        </p:spPr>
-        <p:txBody>
-          <a:bodyPr wrap="none" rtlCol="0">
-            <a:spAutoFit/>
-          </a:bodyPr>
-          <a:lstStyle/>
-          <a:p>
-            <a:r>
-              <a:rPr lang="en-IE" sz="1600" dirty="0"/>
-              <a:t>Update Note</a:t>
-            </a:r>
-            <a:endParaRPr lang="pl-PL" sz="1600" dirty="0"/>
-          </a:p>
-        </p:txBody>
-      </p:sp>
-      <p:sp>
-        <p:nvSpPr>
-          <p:cNvPr id="11" name="TextBox 10">
-            <a:extLst>
-              <a:ext uri="{FF2B5EF4-FFF2-40B4-BE49-F238E27FC236}">
-                <a16:creationId xmlns:a16="http://schemas.microsoft.com/office/drawing/2014/main" id="{7BD1AD93-2FC6-BF3C-1585-DECEB3551AFA}"/>
-              </a:ext>
-            </a:extLst>
-          </p:cNvPr>
-          <p:cNvSpPr txBox="1"/>
-          <p:nvPr/>
-        </p:nvSpPr>
-        <p:spPr>
-          <a:xfrm>
-            <a:off x="5255558" y="1977660"/>
-            <a:ext cx="1146468" cy="338554"/>
-          </a:xfrm>
-          <a:prstGeom prst="rect">
-            <a:avLst/>
-          </a:prstGeom>
-          <a:noFill/>
-        </p:spPr>
-        <p:txBody>
-          <a:bodyPr wrap="none" rtlCol="0">
-            <a:spAutoFit/>
-          </a:bodyPr>
-          <a:lstStyle/>
-          <a:p>
-            <a:r>
-              <a:rPr lang="en-IE" sz="1600" dirty="0"/>
-              <a:t>Share Note</a:t>
-            </a:r>
-            <a:endParaRPr lang="pl-PL" sz="1600" dirty="0"/>
-          </a:p>
-        </p:txBody>
-      </p:sp>
-      <p:sp>
-        <p:nvSpPr>
-          <p:cNvPr id="12" name="TextBox 11">
-            <a:extLst>
-              <a:ext uri="{FF2B5EF4-FFF2-40B4-BE49-F238E27FC236}">
-                <a16:creationId xmlns:a16="http://schemas.microsoft.com/office/drawing/2014/main" id="{205C132D-D3FB-9C69-16D6-BEACA95A87E6}"/>
-              </a:ext>
-            </a:extLst>
-          </p:cNvPr>
-          <p:cNvSpPr txBox="1"/>
-          <p:nvPr/>
-        </p:nvSpPr>
-        <p:spPr>
-          <a:xfrm>
-            <a:off x="5171898" y="2210805"/>
-            <a:ext cx="1215397" cy="338554"/>
-          </a:xfrm>
-          <a:prstGeom prst="rect">
-            <a:avLst/>
-          </a:prstGeom>
-          <a:noFill/>
-        </p:spPr>
-        <p:txBody>
-          <a:bodyPr wrap="none" rtlCol="0">
-            <a:spAutoFit/>
-          </a:bodyPr>
-          <a:lstStyle/>
-          <a:p>
-            <a:r>
-              <a:rPr lang="en-IE" sz="1600" dirty="0"/>
-              <a:t>Delete Note</a:t>
-            </a:r>
-            <a:endParaRPr lang="pl-PL" sz="1600" dirty="0"/>
-          </a:p>
-        </p:txBody>
-      </p:sp>
-      <p:sp>
-        <p:nvSpPr>
-          <p:cNvPr id="13" name="TextBox 12">
-            <a:extLst>
-              <a:ext uri="{FF2B5EF4-FFF2-40B4-BE49-F238E27FC236}">
-                <a16:creationId xmlns:a16="http://schemas.microsoft.com/office/drawing/2014/main" id="{76430900-AE9D-3988-6ED0-AE39D4FA0E50}"/>
-              </a:ext>
-            </a:extLst>
-          </p:cNvPr>
-          <p:cNvSpPr txBox="1"/>
-          <p:nvPr/>
-        </p:nvSpPr>
-        <p:spPr>
-          <a:xfrm>
-            <a:off x="4962961" y="2890419"/>
-            <a:ext cx="2049151" cy="338554"/>
-          </a:xfrm>
-          <a:prstGeom prst="rect">
-            <a:avLst/>
-          </a:prstGeom>
-          <a:noFill/>
-        </p:spPr>
-        <p:txBody>
-          <a:bodyPr wrap="none" rtlCol="0">
-            <a:spAutoFit/>
-          </a:bodyPr>
-          <a:lstStyle/>
-          <a:p>
-            <a:r>
-              <a:rPr lang="en-IE" sz="1600" dirty="0"/>
+              <a:rPr lang="en-IE" sz="1400" dirty="0"/>
               <a:t>Create Note Template</a:t>
             </a:r>
-            <a:endParaRPr lang="pl-PL" sz="1600" dirty="0"/>
-          </a:p>
-        </p:txBody>
-      </p:sp>
-      <p:sp>
-        <p:nvSpPr>
-          <p:cNvPr id="14" name="TextBox 13">
-            <a:extLst>
-              <a:ext uri="{FF2B5EF4-FFF2-40B4-BE49-F238E27FC236}">
-                <a16:creationId xmlns:a16="http://schemas.microsoft.com/office/drawing/2014/main" id="{E324BB1E-7203-83C9-7C79-B762D7F04EF1}"/>
-              </a:ext>
-            </a:extLst>
-          </p:cNvPr>
-          <p:cNvSpPr txBox="1"/>
-          <p:nvPr/>
-        </p:nvSpPr>
-        <p:spPr>
-          <a:xfrm>
-            <a:off x="5308762" y="3853126"/>
-            <a:ext cx="1750607" cy="338554"/>
-          </a:xfrm>
-          <a:prstGeom prst="rect">
-            <a:avLst/>
-          </a:prstGeom>
-          <a:noFill/>
-        </p:spPr>
-        <p:txBody>
-          <a:bodyPr wrap="none" rtlCol="0">
-            <a:spAutoFit/>
-          </a:bodyPr>
-          <a:lstStyle/>
-          <a:p>
-            <a:r>
-              <a:rPr lang="en-IE" sz="1600" dirty="0"/>
-              <a:t>Synonymic Search</a:t>
-            </a:r>
-            <a:endParaRPr lang="pl-PL" sz="1600" dirty="0"/>
-          </a:p>
-        </p:txBody>
-      </p:sp>
-      <p:sp>
-        <p:nvSpPr>
-          <p:cNvPr id="15" name="TextBox 14">
-            <a:extLst>
-              <a:ext uri="{FF2B5EF4-FFF2-40B4-BE49-F238E27FC236}">
-                <a16:creationId xmlns:a16="http://schemas.microsoft.com/office/drawing/2014/main" id="{209EF96E-1A99-E9C7-4323-825DAA7FEF44}"/>
-              </a:ext>
-            </a:extLst>
-          </p:cNvPr>
-          <p:cNvSpPr txBox="1"/>
-          <p:nvPr/>
-        </p:nvSpPr>
-        <p:spPr>
-          <a:xfrm>
-            <a:off x="5710048" y="4122997"/>
-            <a:ext cx="1143262" cy="338554"/>
-          </a:xfrm>
-          <a:prstGeom prst="rect">
-            <a:avLst/>
-          </a:prstGeom>
-          <a:noFill/>
-        </p:spPr>
-        <p:txBody>
-          <a:bodyPr wrap="none" rtlCol="0">
-            <a:spAutoFit/>
-          </a:bodyPr>
-          <a:lstStyle/>
-          <a:p>
-            <a:r>
-              <a:rPr lang="en-IE" sz="1600" dirty="0"/>
-              <a:t>Filter notes</a:t>
-            </a:r>
-            <a:endParaRPr lang="pl-PL" sz="1600" dirty="0"/>
-          </a:p>
-        </p:txBody>
-      </p:sp>
-      <p:sp>
-        <p:nvSpPr>
-          <p:cNvPr id="16" name="TextBox 15">
-            <a:extLst>
-              <a:ext uri="{FF2B5EF4-FFF2-40B4-BE49-F238E27FC236}">
-                <a16:creationId xmlns:a16="http://schemas.microsoft.com/office/drawing/2014/main" id="{E2EE8439-5EEA-CACE-4AB6-23B262E5094E}"/>
-              </a:ext>
-            </a:extLst>
-          </p:cNvPr>
-          <p:cNvSpPr txBox="1"/>
-          <p:nvPr/>
-        </p:nvSpPr>
-        <p:spPr>
-          <a:xfrm>
-            <a:off x="2141513" y="2743564"/>
-            <a:ext cx="1847685" cy="338554"/>
-          </a:xfrm>
-          <a:prstGeom prst="rect">
-            <a:avLst/>
-          </a:prstGeom>
-          <a:noFill/>
-        </p:spPr>
-        <p:txBody>
-          <a:bodyPr wrap="none" rtlCol="0">
-            <a:spAutoFit/>
-          </a:bodyPr>
-          <a:lstStyle/>
-          <a:p>
-            <a:r>
-              <a:rPr lang="en-IE" sz="1600" dirty="0"/>
-              <a:t>Invite to Workspace</a:t>
-            </a:r>
-            <a:endParaRPr lang="pl-PL" sz="1600" dirty="0"/>
-          </a:p>
-        </p:txBody>
-      </p:sp>
-      <p:sp>
-        <p:nvSpPr>
-          <p:cNvPr id="17" name="TextBox 16">
-            <a:extLst>
-              <a:ext uri="{FF2B5EF4-FFF2-40B4-BE49-F238E27FC236}">
-                <a16:creationId xmlns:a16="http://schemas.microsoft.com/office/drawing/2014/main" id="{A68AC190-8C9C-CAFA-52B8-097CD19FBEC5}"/>
-              </a:ext>
-            </a:extLst>
-          </p:cNvPr>
-          <p:cNvSpPr txBox="1"/>
-          <p:nvPr/>
-        </p:nvSpPr>
-        <p:spPr>
-          <a:xfrm>
-            <a:off x="2073363" y="3026509"/>
-            <a:ext cx="1989647" cy="338554"/>
-          </a:xfrm>
-          <a:prstGeom prst="rect">
-            <a:avLst/>
-          </a:prstGeom>
-          <a:noFill/>
-        </p:spPr>
-        <p:txBody>
-          <a:bodyPr wrap="none" rtlCol="0">
-            <a:spAutoFit/>
-          </a:bodyPr>
-          <a:lstStyle/>
-          <a:p>
-            <a:r>
-              <a:rPr lang="en-IE" sz="1600" dirty="0"/>
-              <a:t>Send a Chat Message</a:t>
-            </a:r>
-            <a:endParaRPr lang="pl-PL" sz="1600" dirty="0"/>
-          </a:p>
-        </p:txBody>
-      </p:sp>
-      <p:sp>
-        <p:nvSpPr>
-          <p:cNvPr id="18" name="TextBox 17">
-            <a:extLst>
-              <a:ext uri="{FF2B5EF4-FFF2-40B4-BE49-F238E27FC236}">
-                <a16:creationId xmlns:a16="http://schemas.microsoft.com/office/drawing/2014/main" id="{53B87EC5-E1BC-61E9-7F9E-AA062406065C}"/>
-              </a:ext>
-            </a:extLst>
-          </p:cNvPr>
-          <p:cNvSpPr txBox="1"/>
-          <p:nvPr/>
-        </p:nvSpPr>
-        <p:spPr>
-          <a:xfrm>
-            <a:off x="2132151" y="3347649"/>
-            <a:ext cx="1866921" cy="338554"/>
-          </a:xfrm>
-          <a:prstGeom prst="rect">
-            <a:avLst/>
-          </a:prstGeom>
-          <a:noFill/>
-        </p:spPr>
-        <p:txBody>
-          <a:bodyPr wrap="none" rtlCol="0">
-            <a:spAutoFit/>
-          </a:bodyPr>
-          <a:lstStyle/>
-          <a:p>
-            <a:r>
-              <a:rPr lang="en-IE" sz="1600" dirty="0"/>
-              <a:t>Update Workspaces</a:t>
-            </a:r>
-            <a:endParaRPr lang="pl-PL" sz="1600" dirty="0"/>
-          </a:p>
-        </p:txBody>
-      </p:sp>
-      <p:sp>
-        <p:nvSpPr>
-          <p:cNvPr id="19" name="TextBox 18">
-            <a:extLst>
-              <a:ext uri="{FF2B5EF4-FFF2-40B4-BE49-F238E27FC236}">
-                <a16:creationId xmlns:a16="http://schemas.microsoft.com/office/drawing/2014/main" id="{0282B073-DA9B-3E7B-221F-F052306E5472}"/>
-              </a:ext>
-            </a:extLst>
-          </p:cNvPr>
-          <p:cNvSpPr txBox="1"/>
-          <p:nvPr/>
-        </p:nvSpPr>
-        <p:spPr>
-          <a:xfrm>
-            <a:off x="2235290" y="3654334"/>
-            <a:ext cx="1660134" cy="338554"/>
-          </a:xfrm>
-          <a:prstGeom prst="rect">
-            <a:avLst/>
-          </a:prstGeom>
-          <a:noFill/>
-        </p:spPr>
-        <p:txBody>
-          <a:bodyPr wrap="none" rtlCol="0">
-            <a:spAutoFit/>
-          </a:bodyPr>
-          <a:lstStyle/>
-          <a:p>
-            <a:r>
-              <a:rPr lang="en-IE" sz="1600" dirty="0"/>
+            <a:endParaRPr lang="pl-PL" sz="1400" dirty="0"/>
+          </a:p>
+        </p:txBody>
+      </p:sp>
+      <p:sp>
+        <p:nvSpPr>
+          <p:cNvPr id="16" name="Oval 15">
+            <a:extLst>
+              <a:ext uri="{FF2B5EF4-FFF2-40B4-BE49-F238E27FC236}">
+                <a16:creationId xmlns:a16="http://schemas.microsoft.com/office/drawing/2014/main" id="{208066D9-D43B-908C-8C30-31EF4F0513B7}"/>
+              </a:ext>
+            </a:extLst>
+          </p:cNvPr>
+          <p:cNvSpPr/>
+          <p:nvPr/>
+        </p:nvSpPr>
+        <p:spPr>
+          <a:xfrm>
+            <a:off x="2125045" y="1529537"/>
+            <a:ext cx="2748116" cy="281848"/>
+          </a:xfrm>
+          <a:prstGeom prst="ellipse">
+            <a:avLst/>
+          </a:prstGeom>
+          <a:solidFill>
+            <a:srgbClr val="7030A0"/>
+          </a:solidFill>
+        </p:spPr>
+        <p:style>
+          <a:lnRef idx="2">
+            <a:schemeClr val="accent1">
+              <a:shade val="15000"/>
+            </a:schemeClr>
+          </a:lnRef>
+          <a:fillRef idx="1">
+            <a:schemeClr val="accent1"/>
+          </a:fillRef>
+          <a:effectRef idx="0">
+            <a:schemeClr val="accent1"/>
+          </a:effectRef>
+          <a:fontRef idx="minor">
+            <a:schemeClr val="lt1"/>
+          </a:fontRef>
+        </p:style>
+        <p:txBody>
+          <a:bodyPr rtlCol="0" anchor="ctr"/>
+          <a:lstStyle/>
+          <a:p>
+            <a:pPr algn="ctr"/>
+            <a:r>
+              <a:rPr lang="en-IE" sz="1400" dirty="0"/>
+              <a:t>Update Note Template</a:t>
+            </a:r>
+            <a:endParaRPr lang="pl-PL" sz="1400" dirty="0"/>
+          </a:p>
+        </p:txBody>
+      </p:sp>
+      <p:sp>
+        <p:nvSpPr>
+          <p:cNvPr id="17" name="Oval 16">
+            <a:extLst>
+              <a:ext uri="{FF2B5EF4-FFF2-40B4-BE49-F238E27FC236}">
+                <a16:creationId xmlns:a16="http://schemas.microsoft.com/office/drawing/2014/main" id="{93E25FB2-7E39-A07C-6C4E-13168121A2B3}"/>
+              </a:ext>
+            </a:extLst>
+          </p:cNvPr>
+          <p:cNvSpPr/>
+          <p:nvPr/>
+        </p:nvSpPr>
+        <p:spPr>
+          <a:xfrm>
+            <a:off x="2125045" y="1945873"/>
+            <a:ext cx="2748116" cy="281848"/>
+          </a:xfrm>
+          <a:prstGeom prst="ellipse">
+            <a:avLst/>
+          </a:prstGeom>
+          <a:solidFill>
+            <a:srgbClr val="7030A0"/>
+          </a:solidFill>
+        </p:spPr>
+        <p:style>
+          <a:lnRef idx="2">
+            <a:schemeClr val="accent1">
+              <a:shade val="15000"/>
+            </a:schemeClr>
+          </a:lnRef>
+          <a:fillRef idx="1">
+            <a:schemeClr val="accent1"/>
+          </a:fillRef>
+          <a:effectRef idx="0">
+            <a:schemeClr val="accent1"/>
+          </a:effectRef>
+          <a:fontRef idx="minor">
+            <a:schemeClr val="lt1"/>
+          </a:fontRef>
+        </p:style>
+        <p:txBody>
+          <a:bodyPr rtlCol="0" anchor="ctr"/>
+          <a:lstStyle/>
+          <a:p>
+            <a:pPr algn="ctr"/>
+            <a:r>
+              <a:rPr lang="en-IE" sz="1400" dirty="0"/>
+              <a:t>Delete Note Template</a:t>
+            </a:r>
+            <a:endParaRPr lang="pl-PL" sz="1400" dirty="0"/>
+          </a:p>
+        </p:txBody>
+      </p:sp>
+      <p:sp>
+        <p:nvSpPr>
+          <p:cNvPr id="18" name="Oval 17">
+            <a:extLst>
+              <a:ext uri="{FF2B5EF4-FFF2-40B4-BE49-F238E27FC236}">
+                <a16:creationId xmlns:a16="http://schemas.microsoft.com/office/drawing/2014/main" id="{34B46321-81A9-89C4-B0F0-0ED4325BEFEC}"/>
+              </a:ext>
+            </a:extLst>
+          </p:cNvPr>
+          <p:cNvSpPr/>
+          <p:nvPr/>
+        </p:nvSpPr>
+        <p:spPr>
+          <a:xfrm>
+            <a:off x="2125045" y="4244018"/>
+            <a:ext cx="2748116" cy="281848"/>
+          </a:xfrm>
+          <a:prstGeom prst="ellipse">
+            <a:avLst/>
+          </a:prstGeom>
+          <a:solidFill>
+            <a:srgbClr val="C00000"/>
+          </a:solidFill>
+        </p:spPr>
+        <p:style>
+          <a:lnRef idx="2">
+            <a:schemeClr val="accent1">
+              <a:shade val="15000"/>
+            </a:schemeClr>
+          </a:lnRef>
+          <a:fillRef idx="1">
+            <a:schemeClr val="accent1"/>
+          </a:fillRef>
+          <a:effectRef idx="0">
+            <a:schemeClr val="accent1"/>
+          </a:effectRef>
+          <a:fontRef idx="minor">
+            <a:schemeClr val="lt1"/>
+          </a:fontRef>
+        </p:style>
+        <p:txBody>
+          <a:bodyPr rtlCol="0" anchor="ctr"/>
+          <a:lstStyle/>
+          <a:p>
+            <a:pPr algn="ctr"/>
+            <a:r>
+              <a:rPr lang="en-IE" sz="1400" dirty="0"/>
+              <a:t>Ban Users</a:t>
+            </a:r>
+            <a:endParaRPr lang="pl-PL" sz="1400" dirty="0"/>
+          </a:p>
+        </p:txBody>
+      </p:sp>
+      <p:sp>
+        <p:nvSpPr>
+          <p:cNvPr id="19" name="Oval 18">
+            <a:extLst>
+              <a:ext uri="{FF2B5EF4-FFF2-40B4-BE49-F238E27FC236}">
+                <a16:creationId xmlns:a16="http://schemas.microsoft.com/office/drawing/2014/main" id="{8286CB59-1548-D6D5-CA92-0B08504FF81C}"/>
+              </a:ext>
+            </a:extLst>
+          </p:cNvPr>
+          <p:cNvSpPr/>
+          <p:nvPr/>
+        </p:nvSpPr>
+        <p:spPr>
+          <a:xfrm>
+            <a:off x="2125045" y="2409398"/>
+            <a:ext cx="2748116" cy="281848"/>
+          </a:xfrm>
+          <a:prstGeom prst="ellipse">
+            <a:avLst/>
+          </a:prstGeom>
+          <a:solidFill>
+            <a:srgbClr val="C00000"/>
+          </a:solidFill>
+        </p:spPr>
+        <p:style>
+          <a:lnRef idx="2">
+            <a:schemeClr val="accent6">
+              <a:shade val="15000"/>
+            </a:schemeClr>
+          </a:lnRef>
+          <a:fillRef idx="1">
+            <a:schemeClr val="accent6"/>
+          </a:fillRef>
+          <a:effectRef idx="0">
+            <a:schemeClr val="accent6"/>
+          </a:effectRef>
+          <a:fontRef idx="minor">
+            <a:schemeClr val="lt1"/>
+          </a:fontRef>
+        </p:style>
+        <p:txBody>
+          <a:bodyPr rtlCol="0" anchor="ctr"/>
+          <a:lstStyle/>
+          <a:p>
+            <a:pPr algn="ctr"/>
+            <a:r>
+              <a:rPr lang="en-IE" sz="1400" dirty="0"/>
+              <a:t>Create Workspace</a:t>
+            </a:r>
+            <a:endParaRPr lang="pl-PL" sz="1400" dirty="0"/>
+          </a:p>
+        </p:txBody>
+      </p:sp>
+      <p:sp>
+        <p:nvSpPr>
+          <p:cNvPr id="20" name="Oval 19">
+            <a:extLst>
+              <a:ext uri="{FF2B5EF4-FFF2-40B4-BE49-F238E27FC236}">
+                <a16:creationId xmlns:a16="http://schemas.microsoft.com/office/drawing/2014/main" id="{E32FF30D-D57C-F88B-0AE1-958AFF94CBDF}"/>
+              </a:ext>
+            </a:extLst>
+          </p:cNvPr>
+          <p:cNvSpPr/>
+          <p:nvPr/>
+        </p:nvSpPr>
+        <p:spPr>
+          <a:xfrm>
+            <a:off x="2125045" y="2853443"/>
+            <a:ext cx="2748116" cy="281848"/>
+          </a:xfrm>
+          <a:prstGeom prst="ellipse">
+            <a:avLst/>
+          </a:prstGeom>
+          <a:solidFill>
+            <a:srgbClr val="C00000"/>
+          </a:solidFill>
+        </p:spPr>
+        <p:style>
+          <a:lnRef idx="2">
+            <a:schemeClr val="accent6">
+              <a:shade val="15000"/>
+            </a:schemeClr>
+          </a:lnRef>
+          <a:fillRef idx="1">
+            <a:schemeClr val="accent6"/>
+          </a:fillRef>
+          <a:effectRef idx="0">
+            <a:schemeClr val="accent6"/>
+          </a:effectRef>
+          <a:fontRef idx="minor">
+            <a:schemeClr val="lt1"/>
+          </a:fontRef>
+        </p:style>
+        <p:txBody>
+          <a:bodyPr rtlCol="0" anchor="ctr"/>
+          <a:lstStyle/>
+          <a:p>
+            <a:pPr algn="ctr"/>
+            <a:r>
+              <a:rPr lang="en-IE" sz="1400" dirty="0"/>
+              <a:t>Invite to workspace</a:t>
+            </a:r>
+            <a:endParaRPr lang="pl-PL" sz="1400" dirty="0"/>
+          </a:p>
+        </p:txBody>
+      </p:sp>
+      <p:sp>
+        <p:nvSpPr>
+          <p:cNvPr id="21" name="Oval 20">
+            <a:extLst>
+              <a:ext uri="{FF2B5EF4-FFF2-40B4-BE49-F238E27FC236}">
+                <a16:creationId xmlns:a16="http://schemas.microsoft.com/office/drawing/2014/main" id="{52A44079-D817-510F-0992-52CDEC113E26}"/>
+              </a:ext>
+            </a:extLst>
+          </p:cNvPr>
+          <p:cNvSpPr/>
+          <p:nvPr/>
+        </p:nvSpPr>
+        <p:spPr>
+          <a:xfrm>
+            <a:off x="2125045" y="3316968"/>
+            <a:ext cx="2748116" cy="281848"/>
+          </a:xfrm>
+          <a:prstGeom prst="ellipse">
+            <a:avLst/>
+          </a:prstGeom>
+          <a:solidFill>
+            <a:srgbClr val="C00000"/>
+          </a:solidFill>
+        </p:spPr>
+        <p:style>
+          <a:lnRef idx="2">
+            <a:schemeClr val="accent6">
+              <a:shade val="15000"/>
+            </a:schemeClr>
+          </a:lnRef>
+          <a:fillRef idx="1">
+            <a:schemeClr val="accent6"/>
+          </a:fillRef>
+          <a:effectRef idx="0">
+            <a:schemeClr val="accent6"/>
+          </a:effectRef>
+          <a:fontRef idx="minor">
+            <a:schemeClr val="lt1"/>
+          </a:fontRef>
+        </p:style>
+        <p:txBody>
+          <a:bodyPr rtlCol="0" anchor="ctr"/>
+          <a:lstStyle/>
+          <a:p>
+            <a:pPr algn="ctr"/>
+            <a:r>
+              <a:rPr lang="en-IE" sz="1400" dirty="0"/>
+              <a:t>Send Chat Message</a:t>
+            </a:r>
+            <a:endParaRPr lang="pl-PL" sz="1400" dirty="0"/>
+          </a:p>
+        </p:txBody>
+      </p:sp>
+      <p:sp>
+        <p:nvSpPr>
+          <p:cNvPr id="22" name="Oval 21">
+            <a:extLst>
+              <a:ext uri="{FF2B5EF4-FFF2-40B4-BE49-F238E27FC236}">
+                <a16:creationId xmlns:a16="http://schemas.microsoft.com/office/drawing/2014/main" id="{60F30DF2-88DF-40F9-3EFF-A8B7CB97E481}"/>
+              </a:ext>
+            </a:extLst>
+          </p:cNvPr>
+          <p:cNvSpPr/>
+          <p:nvPr/>
+        </p:nvSpPr>
+        <p:spPr>
+          <a:xfrm>
+            <a:off x="2125045" y="3780493"/>
+            <a:ext cx="2748116" cy="281848"/>
+          </a:xfrm>
+          <a:prstGeom prst="ellipse">
+            <a:avLst/>
+          </a:prstGeom>
+          <a:solidFill>
+            <a:srgbClr val="C00000"/>
+          </a:solidFill>
+        </p:spPr>
+        <p:style>
+          <a:lnRef idx="2">
+            <a:schemeClr val="accent6">
+              <a:shade val="15000"/>
+            </a:schemeClr>
+          </a:lnRef>
+          <a:fillRef idx="1">
+            <a:schemeClr val="accent6"/>
+          </a:fillRef>
+          <a:effectRef idx="0">
+            <a:schemeClr val="accent6"/>
+          </a:effectRef>
+          <a:fontRef idx="minor">
+            <a:schemeClr val="lt1"/>
+          </a:fontRef>
+        </p:style>
+        <p:txBody>
+          <a:bodyPr rtlCol="0" anchor="ctr"/>
+          <a:lstStyle/>
+          <a:p>
+            <a:pPr algn="ctr"/>
+            <a:r>
+              <a:rPr lang="en-IE" sz="1400" dirty="0"/>
               <a:t>Leave Workspace</a:t>
             </a:r>
-            <a:endParaRPr lang="pl-PL" sz="1600" dirty="0"/>
-          </a:p>
-        </p:txBody>
-      </p:sp>
-      <p:sp>
-        <p:nvSpPr>
-          <p:cNvPr id="20" name="TextBox 19">
-            <a:extLst>
-              <a:ext uri="{FF2B5EF4-FFF2-40B4-BE49-F238E27FC236}">
-                <a16:creationId xmlns:a16="http://schemas.microsoft.com/office/drawing/2014/main" id="{7FD40246-C709-0F0F-AB81-D5E350D1185F}"/>
-              </a:ext>
-            </a:extLst>
-          </p:cNvPr>
-          <p:cNvSpPr txBox="1"/>
-          <p:nvPr/>
-        </p:nvSpPr>
-        <p:spPr>
-          <a:xfrm>
-            <a:off x="5145698" y="3138342"/>
-            <a:ext cx="1648400" cy="338554"/>
-          </a:xfrm>
-          <a:prstGeom prst="rect">
-            <a:avLst/>
-          </a:prstGeom>
-          <a:noFill/>
-        </p:spPr>
-        <p:txBody>
-          <a:bodyPr wrap="none" rtlCol="0">
-            <a:spAutoFit/>
-          </a:bodyPr>
-          <a:lstStyle/>
-          <a:p>
-            <a:r>
-              <a:rPr lang="en-IE" sz="1600" dirty="0"/>
-              <a:t>Update Template</a:t>
-            </a:r>
-            <a:endParaRPr lang="pl-PL" sz="1600" dirty="0"/>
-          </a:p>
-        </p:txBody>
-      </p:sp>
-      <p:sp>
-        <p:nvSpPr>
-          <p:cNvPr id="21" name="TextBox 20">
-            <a:extLst>
-              <a:ext uri="{FF2B5EF4-FFF2-40B4-BE49-F238E27FC236}">
-                <a16:creationId xmlns:a16="http://schemas.microsoft.com/office/drawing/2014/main" id="{1201BAE8-D5B8-BBB9-DC3F-2B989DA67FE3}"/>
-              </a:ext>
-            </a:extLst>
-          </p:cNvPr>
-          <p:cNvSpPr txBox="1"/>
-          <p:nvPr/>
-        </p:nvSpPr>
-        <p:spPr>
-          <a:xfrm>
-            <a:off x="2222515" y="3944890"/>
-            <a:ext cx="1716239" cy="338554"/>
-          </a:xfrm>
-          <a:prstGeom prst="rect">
-            <a:avLst/>
-          </a:prstGeom>
-          <a:noFill/>
-        </p:spPr>
-        <p:txBody>
-          <a:bodyPr wrap="none" rtlCol="0">
-            <a:spAutoFit/>
-          </a:bodyPr>
-          <a:lstStyle/>
-          <a:p>
-            <a:r>
-              <a:rPr lang="en-IE" sz="1600" dirty="0"/>
+            <a:endParaRPr lang="pl-PL" sz="1400" dirty="0"/>
+          </a:p>
+        </p:txBody>
+      </p:sp>
+      <p:sp>
+        <p:nvSpPr>
+          <p:cNvPr id="23" name="Oval 22">
+            <a:extLst>
+              <a:ext uri="{FF2B5EF4-FFF2-40B4-BE49-F238E27FC236}">
+                <a16:creationId xmlns:a16="http://schemas.microsoft.com/office/drawing/2014/main" id="{3807D4C9-9D6D-0EFE-186C-742DEDE684F6}"/>
+              </a:ext>
+            </a:extLst>
+          </p:cNvPr>
+          <p:cNvSpPr/>
+          <p:nvPr/>
+        </p:nvSpPr>
+        <p:spPr>
+          <a:xfrm>
+            <a:off x="2125045" y="4692011"/>
+            <a:ext cx="2748116" cy="281848"/>
+          </a:xfrm>
+          <a:prstGeom prst="ellipse">
+            <a:avLst/>
+          </a:prstGeom>
+          <a:solidFill>
+            <a:srgbClr val="C00000"/>
+          </a:solidFill>
+        </p:spPr>
+        <p:style>
+          <a:lnRef idx="2">
+            <a:schemeClr val="accent4">
+              <a:shade val="15000"/>
+            </a:schemeClr>
+          </a:lnRef>
+          <a:fillRef idx="1">
+            <a:schemeClr val="accent4"/>
+          </a:fillRef>
+          <a:effectRef idx="0">
+            <a:schemeClr val="accent4"/>
+          </a:effectRef>
+          <a:fontRef idx="minor">
+            <a:schemeClr val="lt1"/>
+          </a:fontRef>
+        </p:style>
+        <p:txBody>
+          <a:bodyPr rtlCol="0" anchor="ctr"/>
+          <a:lstStyle/>
+          <a:p>
+            <a:pPr algn="ctr"/>
+            <a:r>
+              <a:rPr lang="en-IE" sz="1400" dirty="0"/>
+              <a:t>Update Workspace</a:t>
+            </a:r>
+            <a:endParaRPr lang="pl-PL" sz="1400" dirty="0"/>
+          </a:p>
+        </p:txBody>
+      </p:sp>
+      <p:sp>
+        <p:nvSpPr>
+          <p:cNvPr id="24" name="Oval 23">
+            <a:extLst>
+              <a:ext uri="{FF2B5EF4-FFF2-40B4-BE49-F238E27FC236}">
+                <a16:creationId xmlns:a16="http://schemas.microsoft.com/office/drawing/2014/main" id="{FE3BF12B-80C9-6D89-1C84-DBE553D00826}"/>
+              </a:ext>
+            </a:extLst>
+          </p:cNvPr>
+          <p:cNvSpPr/>
+          <p:nvPr/>
+        </p:nvSpPr>
+        <p:spPr>
+          <a:xfrm>
+            <a:off x="2125045" y="5155536"/>
+            <a:ext cx="2748116" cy="281848"/>
+          </a:xfrm>
+          <a:prstGeom prst="ellipse">
+            <a:avLst/>
+          </a:prstGeom>
+          <a:solidFill>
+            <a:srgbClr val="C00000"/>
+          </a:solidFill>
+        </p:spPr>
+        <p:style>
+          <a:lnRef idx="2">
+            <a:schemeClr val="accent4">
+              <a:shade val="15000"/>
+            </a:schemeClr>
+          </a:lnRef>
+          <a:fillRef idx="1">
+            <a:schemeClr val="accent4"/>
+          </a:fillRef>
+          <a:effectRef idx="0">
+            <a:schemeClr val="accent4"/>
+          </a:effectRef>
+          <a:fontRef idx="minor">
+            <a:schemeClr val="lt1"/>
+          </a:fontRef>
+        </p:style>
+        <p:txBody>
+          <a:bodyPr rtlCol="0" anchor="ctr"/>
+          <a:lstStyle/>
+          <a:p>
+            <a:pPr algn="ctr"/>
+            <a:r>
+              <a:rPr lang="en-IE" sz="1400" dirty="0"/>
               <a:t>Delete Workspace</a:t>
             </a:r>
-            <a:endParaRPr lang="pl-PL" sz="1600" dirty="0"/>
-          </a:p>
-        </p:txBody>
-      </p:sp>
-      <p:sp>
-        <p:nvSpPr>
-          <p:cNvPr id="22" name="TextBox 21">
-            <a:extLst>
-              <a:ext uri="{FF2B5EF4-FFF2-40B4-BE49-F238E27FC236}">
-                <a16:creationId xmlns:a16="http://schemas.microsoft.com/office/drawing/2014/main" id="{2D1D3AE1-043B-9C0D-666B-876B03D24BDA}"/>
-              </a:ext>
-            </a:extLst>
-          </p:cNvPr>
-          <p:cNvSpPr txBox="1"/>
-          <p:nvPr/>
-        </p:nvSpPr>
-        <p:spPr>
-          <a:xfrm>
-            <a:off x="348649" y="1357382"/>
-            <a:ext cx="643125" cy="369332"/>
-          </a:xfrm>
-          <a:prstGeom prst="rect">
-            <a:avLst/>
-          </a:prstGeom>
-          <a:noFill/>
-        </p:spPr>
-        <p:txBody>
-          <a:bodyPr wrap="none" rtlCol="0">
-            <a:spAutoFit/>
-          </a:bodyPr>
-          <a:lstStyle/>
-          <a:p>
-            <a:r>
-              <a:rPr lang="en-IE" b="1" i="1" dirty="0"/>
-              <a:t>User</a:t>
-            </a:r>
-            <a:endParaRPr lang="pl-PL" b="1" i="1" dirty="0"/>
-          </a:p>
-        </p:txBody>
-      </p:sp>
-      <p:sp>
-        <p:nvSpPr>
-          <p:cNvPr id="27" name="TextBox 26">
-            <a:extLst>
-              <a:ext uri="{FF2B5EF4-FFF2-40B4-BE49-F238E27FC236}">
-                <a16:creationId xmlns:a16="http://schemas.microsoft.com/office/drawing/2014/main" id="{387A52E6-72D8-4624-5E62-0B31435E9886}"/>
-              </a:ext>
-            </a:extLst>
-          </p:cNvPr>
-          <p:cNvSpPr txBox="1"/>
-          <p:nvPr/>
-        </p:nvSpPr>
-        <p:spPr>
-          <a:xfrm>
-            <a:off x="7581392" y="1418811"/>
-            <a:ext cx="1471621" cy="646331"/>
-          </a:xfrm>
-          <a:prstGeom prst="rect">
-            <a:avLst/>
-          </a:prstGeom>
-          <a:noFill/>
-        </p:spPr>
-        <p:txBody>
-          <a:bodyPr wrap="none" rtlCol="0">
-            <a:spAutoFit/>
-          </a:bodyPr>
+            <a:endParaRPr lang="pl-PL" sz="1400" dirty="0"/>
+          </a:p>
+        </p:txBody>
+      </p:sp>
+      <p:sp>
+        <p:nvSpPr>
+          <p:cNvPr id="25" name="Oval 24">
+            <a:extLst>
+              <a:ext uri="{FF2B5EF4-FFF2-40B4-BE49-F238E27FC236}">
+                <a16:creationId xmlns:a16="http://schemas.microsoft.com/office/drawing/2014/main" id="{67E658A2-A3F5-B1E3-1428-A94C7043BA50}"/>
+              </a:ext>
+            </a:extLst>
+          </p:cNvPr>
+          <p:cNvSpPr/>
+          <p:nvPr/>
+        </p:nvSpPr>
+        <p:spPr>
+          <a:xfrm>
+            <a:off x="1113488" y="1547668"/>
+            <a:ext cx="235973" cy="171937"/>
+          </a:xfrm>
+          <a:prstGeom prst="ellipse">
+            <a:avLst/>
+          </a:prstGeom>
+        </p:spPr>
+        <p:style>
+          <a:lnRef idx="2">
+            <a:schemeClr val="accent1">
+              <a:shade val="15000"/>
+            </a:schemeClr>
+          </a:lnRef>
+          <a:fillRef idx="1">
+            <a:schemeClr val="accent1"/>
+          </a:fillRef>
+          <a:effectRef idx="0">
+            <a:schemeClr val="accent1"/>
+          </a:effectRef>
+          <a:fontRef idx="minor">
+            <a:schemeClr val="lt1"/>
+          </a:fontRef>
+        </p:style>
+        <p:txBody>
+          <a:bodyPr rtlCol="0" anchor="ctr"/>
           <a:lstStyle/>
           <a:p>
             <a:pPr algn="ctr"/>
-            <a:r>
-              <a:rPr lang="en-IE" b="1" i="1" dirty="0">
-                <a:solidFill>
-                  <a:schemeClr val="accent5">
-                    <a:lumMod val="60000"/>
-                    <a:lumOff val="40000"/>
-                  </a:schemeClr>
-                </a:solidFill>
-              </a:rPr>
-              <a:t>Text2Speech</a:t>
-            </a:r>
-            <a:br>
-              <a:rPr lang="en-IE" b="1" i="1" dirty="0"/>
-            </a:br>
-            <a:r>
-              <a:rPr lang="en-IE" b="1" i="1" dirty="0">
-                <a:solidFill>
-                  <a:schemeClr val="accent5">
-                    <a:lumMod val="60000"/>
-                    <a:lumOff val="40000"/>
-                  </a:schemeClr>
-                </a:solidFill>
-              </a:rPr>
-              <a:t>API</a:t>
-            </a:r>
-            <a:endParaRPr lang="pl-PL" b="1" i="1" dirty="0">
-              <a:solidFill>
-                <a:schemeClr val="accent5">
-                  <a:lumMod val="60000"/>
-                  <a:lumOff val="40000"/>
-                </a:schemeClr>
-              </a:solidFill>
-            </a:endParaRPr>
-          </a:p>
-        </p:txBody>
-      </p:sp>
-      <p:sp>
-        <p:nvSpPr>
-          <p:cNvPr id="28" name="TextBox 27">
-            <a:extLst>
-              <a:ext uri="{FF2B5EF4-FFF2-40B4-BE49-F238E27FC236}">
-                <a16:creationId xmlns:a16="http://schemas.microsoft.com/office/drawing/2014/main" id="{65BB2F85-60E2-2FB7-A90F-6844D577D817}"/>
-              </a:ext>
-            </a:extLst>
-          </p:cNvPr>
-          <p:cNvSpPr txBox="1"/>
-          <p:nvPr/>
-        </p:nvSpPr>
-        <p:spPr>
-          <a:xfrm>
-            <a:off x="7662100" y="4051237"/>
-            <a:ext cx="1208985" cy="646331"/>
-          </a:xfrm>
-          <a:prstGeom prst="rect">
-            <a:avLst/>
-          </a:prstGeom>
-          <a:noFill/>
-        </p:spPr>
-        <p:txBody>
-          <a:bodyPr wrap="none" rtlCol="0">
-            <a:spAutoFit/>
-          </a:bodyPr>
-          <a:lstStyle/>
-          <a:p>
-            <a:pPr algn="ctr"/>
-            <a:r>
-              <a:rPr lang="en-IE" b="1" i="1" dirty="0"/>
-              <a:t>Thesaurus</a:t>
-            </a:r>
-            <a:br>
-              <a:rPr lang="en-IE" b="1" i="1" dirty="0"/>
-            </a:br>
-            <a:r>
-              <a:rPr lang="en-IE" b="1" i="1" dirty="0"/>
-              <a:t>API</a:t>
-            </a:r>
-            <a:endParaRPr lang="pl-PL" b="1" i="1" dirty="0"/>
-          </a:p>
-        </p:txBody>
-      </p:sp>
-      <p:sp>
-        <p:nvSpPr>
-          <p:cNvPr id="29" name="TextBox 28">
-            <a:extLst>
-              <a:ext uri="{FF2B5EF4-FFF2-40B4-BE49-F238E27FC236}">
-                <a16:creationId xmlns:a16="http://schemas.microsoft.com/office/drawing/2014/main" id="{FF7E4367-3C4D-BA98-08F2-3D46199DB6E0}"/>
-              </a:ext>
-            </a:extLst>
-          </p:cNvPr>
-          <p:cNvSpPr txBox="1"/>
-          <p:nvPr/>
-        </p:nvSpPr>
-        <p:spPr>
-          <a:xfrm>
-            <a:off x="7718981" y="3411795"/>
-            <a:ext cx="1014508" cy="369332"/>
-          </a:xfrm>
-          <a:prstGeom prst="rect">
-            <a:avLst/>
-          </a:prstGeom>
-          <a:noFill/>
-        </p:spPr>
-        <p:txBody>
-          <a:bodyPr wrap="none" rtlCol="0">
-            <a:spAutoFit/>
-          </a:bodyPr>
-          <a:lstStyle/>
-          <a:p>
-            <a:r>
-              <a:rPr lang="en-IE" b="1" i="1" dirty="0">
-                <a:solidFill>
-                  <a:schemeClr val="accent5">
-                    <a:lumMod val="60000"/>
-                    <a:lumOff val="40000"/>
-                  </a:schemeClr>
-                </a:solidFill>
-              </a:rPr>
-              <a:t>LLM API</a:t>
-            </a:r>
-            <a:endParaRPr lang="pl-PL" b="1" i="1" dirty="0">
-              <a:solidFill>
-                <a:schemeClr val="accent5">
-                  <a:lumMod val="60000"/>
-                  <a:lumOff val="40000"/>
-                </a:schemeClr>
-              </a:solidFill>
-            </a:endParaRPr>
+            <a:endParaRPr lang="pl-PL"/>
           </a:p>
         </p:txBody>
       </p:sp>
       <p:cxnSp>
         <p:nvCxnSpPr>
-          <p:cNvPr id="52" name="Straight Arrow Connector 51">
-            <a:extLst>
-              <a:ext uri="{FF2B5EF4-FFF2-40B4-BE49-F238E27FC236}">
-                <a16:creationId xmlns:a16="http://schemas.microsoft.com/office/drawing/2014/main" id="{A5B13293-71E5-1CAF-9C41-EEB7D7DC3D61}"/>
+          <p:cNvPr id="27" name="Straight Connector 26">
+            <a:extLst>
+              <a:ext uri="{FF2B5EF4-FFF2-40B4-BE49-F238E27FC236}">
+                <a16:creationId xmlns:a16="http://schemas.microsoft.com/office/drawing/2014/main" id="{509CC7BA-778C-AB9F-A21C-38BEE69FC057}"/>
               </a:ext>
             </a:extLst>
           </p:cNvPr>
           <p:cNvCxnSpPr>
             <a:cxnSpLocks/>
+            <a:stCxn id="25" idx="4"/>
           </p:cNvCxnSpPr>
           <p:nvPr/>
         </p:nvCxnSpPr>
         <p:spPr>
-          <a:xfrm flipV="1">
-            <a:off x="7080148" y="3699238"/>
-            <a:ext cx="618815" cy="266824"/>
-          </a:xfrm>
-          <a:prstGeom prst="straightConnector1">
-            <a:avLst/>
-          </a:prstGeom>
-          <a:ln>
-            <a:headEnd type="arrow" w="med" len="med"/>
-            <a:tailEnd type="arrow" w="med" len="med"/>
-          </a:ln>
-        </p:spPr>
-        <p:style>
-          <a:lnRef idx="3">
-            <a:schemeClr val="accent6"/>
-          </a:lnRef>
-          <a:fillRef idx="0">
-            <a:schemeClr val="accent6"/>
-          </a:fillRef>
-          <a:effectRef idx="2">
-            <a:schemeClr val="accent6"/>
-          </a:effectRef>
-          <a:fontRef idx="minor">
-            <a:schemeClr val="tx1"/>
-          </a:fontRef>
-        </p:style>
-      </p:cxnSp>
-      <p:cxnSp>
-        <p:nvCxnSpPr>
-          <p:cNvPr id="54" name="Straight Arrow Connector 53">
-            <a:extLst>
-              <a:ext uri="{FF2B5EF4-FFF2-40B4-BE49-F238E27FC236}">
-                <a16:creationId xmlns:a16="http://schemas.microsoft.com/office/drawing/2014/main" id="{497D5977-93D6-C2CF-D783-368ECA7A40F8}"/>
-              </a:ext>
-            </a:extLst>
-          </p:cNvPr>
-          <p:cNvCxnSpPr>
-            <a:cxnSpLocks/>
-            <a:stCxn id="14" idx="3"/>
-            <a:endCxn id="28" idx="1"/>
-          </p:cNvCxnSpPr>
-          <p:nvPr/>
-        </p:nvCxnSpPr>
-        <p:spPr>
-          <a:xfrm>
-            <a:off x="7059369" y="4022403"/>
-            <a:ext cx="602731" cy="352000"/>
-          </a:xfrm>
-          <a:prstGeom prst="straightConnector1">
-            <a:avLst/>
-          </a:prstGeom>
-          <a:ln>
-            <a:headEnd type="arrow" w="med" len="med"/>
-            <a:tailEnd type="arrow" w="med" len="med"/>
-          </a:ln>
-        </p:spPr>
-        <p:style>
-          <a:lnRef idx="3">
-            <a:schemeClr val="accent6"/>
-          </a:lnRef>
-          <a:fillRef idx="0">
-            <a:schemeClr val="accent6"/>
-          </a:fillRef>
-          <a:effectRef idx="2">
-            <a:schemeClr val="accent6"/>
-          </a:effectRef>
-          <a:fontRef idx="minor">
-            <a:schemeClr val="tx1"/>
-          </a:fontRef>
-        </p:style>
-      </p:cxnSp>
-      <p:sp>
-        <p:nvSpPr>
-          <p:cNvPr id="63" name="TextBox 62">
-            <a:extLst>
-              <a:ext uri="{FF2B5EF4-FFF2-40B4-BE49-F238E27FC236}">
-                <a16:creationId xmlns:a16="http://schemas.microsoft.com/office/drawing/2014/main" id="{96755D4B-7D8D-3E8A-76E7-3EF2003709A1}"/>
-              </a:ext>
-            </a:extLst>
-          </p:cNvPr>
-          <p:cNvSpPr txBox="1"/>
-          <p:nvPr/>
-        </p:nvSpPr>
-        <p:spPr>
-          <a:xfrm>
-            <a:off x="-18042" y="1683689"/>
-            <a:ext cx="1481624" cy="1600438"/>
-          </a:xfrm>
-          <a:prstGeom prst="rect">
-            <a:avLst/>
-          </a:prstGeom>
-          <a:noFill/>
-        </p:spPr>
-        <p:txBody>
-          <a:bodyPr wrap="none" rtlCol="0">
-            <a:spAutoFit/>
-          </a:bodyPr>
-          <a:lstStyle/>
-          <a:p>
-            <a:pPr algn="ctr"/>
-            <a:r>
-              <a:rPr lang="en-IE" sz="1400" dirty="0"/>
-              <a:t>Can perform </a:t>
-            </a:r>
-          </a:p>
-          <a:p>
-            <a:pPr algn="ctr"/>
-            <a:r>
-              <a:rPr lang="en-IE" sz="1400" dirty="0"/>
-              <a:t>all use cases</a:t>
-            </a:r>
-          </a:p>
-          <a:p>
-            <a:pPr algn="ctr"/>
-            <a:r>
-              <a:rPr lang="en-IE" sz="1400" dirty="0"/>
-              <a:t> other than</a:t>
-            </a:r>
-          </a:p>
-          <a:p>
-            <a:pPr algn="ctr"/>
-            <a:r>
-              <a:rPr lang="en-IE" sz="1400" dirty="0"/>
-              <a:t> Workspace </a:t>
-            </a:r>
-          </a:p>
-          <a:p>
-            <a:pPr algn="ctr"/>
-            <a:r>
-              <a:rPr lang="en-IE" sz="1400" dirty="0"/>
-              <a:t>Manager. Arrows </a:t>
-            </a:r>
-          </a:p>
-          <a:p>
-            <a:pPr algn="ctr"/>
-            <a:r>
-              <a:rPr lang="en-IE" sz="1400" dirty="0"/>
-              <a:t>not shown for </a:t>
-            </a:r>
-          </a:p>
-          <a:p>
-            <a:pPr algn="ctr"/>
-            <a:r>
-              <a:rPr lang="en-IE" sz="1400" dirty="0"/>
-              <a:t>Readability.</a:t>
-            </a:r>
-            <a:endParaRPr lang="pl-PL" sz="1400" dirty="0"/>
-          </a:p>
-        </p:txBody>
-      </p:sp>
-      <p:sp>
-        <p:nvSpPr>
-          <p:cNvPr id="68" name="TextBox 67">
-            <a:extLst>
-              <a:ext uri="{FF2B5EF4-FFF2-40B4-BE49-F238E27FC236}">
-                <a16:creationId xmlns:a16="http://schemas.microsoft.com/office/drawing/2014/main" id="{19384C75-D69C-FAD7-BCF8-1CC9FEBE87D6}"/>
-              </a:ext>
-            </a:extLst>
-          </p:cNvPr>
-          <p:cNvSpPr txBox="1"/>
-          <p:nvPr/>
-        </p:nvSpPr>
-        <p:spPr>
-          <a:xfrm>
-            <a:off x="7539176" y="1898398"/>
-            <a:ext cx="1563248" cy="1384995"/>
-          </a:xfrm>
-          <a:prstGeom prst="rect">
-            <a:avLst/>
-          </a:prstGeom>
-          <a:noFill/>
-        </p:spPr>
-        <p:txBody>
-          <a:bodyPr wrap="none" rtlCol="0">
-            <a:spAutoFit/>
-          </a:bodyPr>
-          <a:lstStyle/>
-          <a:p>
-            <a:pPr algn="ctr"/>
-            <a:r>
-              <a:rPr lang="en-IE" sz="1400" dirty="0">
-                <a:solidFill>
-                  <a:schemeClr val="accent5">
-                    <a:lumMod val="60000"/>
-                    <a:lumOff val="40000"/>
-                  </a:schemeClr>
-                </a:solidFill>
-              </a:rPr>
-              <a:t>Will be used as an </a:t>
-            </a:r>
-          </a:p>
-          <a:p>
-            <a:pPr algn="ctr"/>
-            <a:r>
-              <a:rPr lang="en-IE" sz="1400" dirty="0">
-                <a:solidFill>
-                  <a:schemeClr val="accent5">
-                    <a:lumMod val="60000"/>
-                    <a:lumOff val="40000"/>
-                  </a:schemeClr>
-                </a:solidFill>
-              </a:rPr>
-              <a:t>alternative to </a:t>
-            </a:r>
-          </a:p>
-          <a:p>
-            <a:pPr algn="ctr"/>
-            <a:r>
-              <a:rPr lang="en-IE" sz="1400" dirty="0">
-                <a:solidFill>
-                  <a:schemeClr val="accent5">
-                    <a:lumMod val="60000"/>
-                    <a:lumOff val="40000"/>
-                  </a:schemeClr>
-                </a:solidFill>
-              </a:rPr>
-              <a:t>typing in the </a:t>
-            </a:r>
-          </a:p>
-          <a:p>
-            <a:pPr algn="ctr"/>
-            <a:r>
-              <a:rPr lang="en-IE" sz="1400" dirty="0">
-                <a:solidFill>
-                  <a:schemeClr val="accent5">
-                    <a:lumMod val="60000"/>
-                    <a:lumOff val="40000"/>
-                  </a:schemeClr>
-                </a:solidFill>
-              </a:rPr>
-              <a:t>text fields. </a:t>
-            </a:r>
-          </a:p>
-          <a:p>
-            <a:pPr algn="ctr"/>
-            <a:r>
-              <a:rPr lang="en-IE" sz="1400" dirty="0">
-                <a:solidFill>
-                  <a:schemeClr val="accent5">
-                    <a:lumMod val="60000"/>
-                    <a:lumOff val="40000"/>
-                  </a:schemeClr>
-                </a:solidFill>
-              </a:rPr>
-              <a:t>Arrows not shown </a:t>
-            </a:r>
-          </a:p>
-          <a:p>
-            <a:pPr algn="ctr"/>
-            <a:r>
-              <a:rPr lang="en-IE" sz="1400" dirty="0">
-                <a:solidFill>
-                  <a:schemeClr val="accent5">
-                    <a:lumMod val="60000"/>
-                    <a:lumOff val="40000"/>
-                  </a:schemeClr>
-                </a:solidFill>
-              </a:rPr>
-              <a:t>for readability</a:t>
-            </a:r>
-            <a:endParaRPr lang="pl-PL" sz="1400" dirty="0">
-              <a:solidFill>
-                <a:schemeClr val="accent5">
-                  <a:lumMod val="60000"/>
-                  <a:lumOff val="40000"/>
-                </a:schemeClr>
-              </a:solidFill>
-            </a:endParaRPr>
-          </a:p>
-        </p:txBody>
-      </p:sp>
-      <p:sp>
-        <p:nvSpPr>
-          <p:cNvPr id="3" name="TextBox 2">
-            <a:extLst>
-              <a:ext uri="{FF2B5EF4-FFF2-40B4-BE49-F238E27FC236}">
-                <a16:creationId xmlns:a16="http://schemas.microsoft.com/office/drawing/2014/main" id="{5A40573B-BA06-5264-C486-869A5BB55B34}"/>
-              </a:ext>
-            </a:extLst>
-          </p:cNvPr>
-          <p:cNvSpPr txBox="1"/>
-          <p:nvPr/>
-        </p:nvSpPr>
-        <p:spPr>
-          <a:xfrm>
-            <a:off x="5181212" y="3386265"/>
-            <a:ext cx="1581074" cy="338554"/>
-          </a:xfrm>
-          <a:prstGeom prst="rect">
-            <a:avLst/>
-          </a:prstGeom>
-          <a:noFill/>
-        </p:spPr>
-        <p:txBody>
-          <a:bodyPr wrap="none" rtlCol="0">
-            <a:spAutoFit/>
-          </a:bodyPr>
-          <a:lstStyle/>
-          <a:p>
-            <a:r>
-              <a:rPr lang="en-IE" sz="1600" dirty="0"/>
-              <a:t>Delete Template</a:t>
-            </a:r>
-            <a:endParaRPr lang="pl-PL" sz="1600" dirty="0"/>
-          </a:p>
-        </p:txBody>
-      </p:sp>
-      <p:sp>
-        <p:nvSpPr>
-          <p:cNvPr id="24" name="TextBox 23">
-            <a:extLst>
-              <a:ext uri="{FF2B5EF4-FFF2-40B4-BE49-F238E27FC236}">
-                <a16:creationId xmlns:a16="http://schemas.microsoft.com/office/drawing/2014/main" id="{BF9B75BB-ED44-5A7F-A8C5-57B0CD71484F}"/>
-              </a:ext>
-            </a:extLst>
-          </p:cNvPr>
-          <p:cNvSpPr txBox="1"/>
-          <p:nvPr/>
-        </p:nvSpPr>
-        <p:spPr>
-          <a:xfrm>
-            <a:off x="5374228" y="2483908"/>
-            <a:ext cx="809837" cy="338554"/>
-          </a:xfrm>
-          <a:prstGeom prst="rect">
-            <a:avLst/>
-          </a:prstGeom>
-          <a:noFill/>
-        </p:spPr>
-        <p:txBody>
-          <a:bodyPr wrap="none" rtlCol="0">
-            <a:spAutoFit/>
-          </a:bodyPr>
-          <a:lstStyle/>
-          <a:p>
-            <a:r>
-              <a:rPr lang="en-IE" sz="1600" dirty="0">
-                <a:solidFill>
-                  <a:schemeClr val="accent5">
-                    <a:lumMod val="60000"/>
-                    <a:lumOff val="40000"/>
-                  </a:schemeClr>
-                </a:solidFill>
-              </a:rPr>
-              <a:t>Autofill</a:t>
-            </a:r>
-            <a:endParaRPr lang="pl-PL" sz="1600" dirty="0">
-              <a:solidFill>
-                <a:schemeClr val="accent5">
-                  <a:lumMod val="60000"/>
-                  <a:lumOff val="40000"/>
-                </a:schemeClr>
-              </a:solidFill>
-            </a:endParaRPr>
-          </a:p>
-        </p:txBody>
-      </p:sp>
-      <p:cxnSp>
-        <p:nvCxnSpPr>
-          <p:cNvPr id="40" name="Connector: Elbow 39">
-            <a:extLst>
-              <a:ext uri="{FF2B5EF4-FFF2-40B4-BE49-F238E27FC236}">
-                <a16:creationId xmlns:a16="http://schemas.microsoft.com/office/drawing/2014/main" id="{F2C865DF-1689-6D43-E7F9-64684A4A733A}"/>
-              </a:ext>
-            </a:extLst>
-          </p:cNvPr>
-          <p:cNvCxnSpPr>
-            <a:cxnSpLocks/>
-            <a:stCxn id="29" idx="1"/>
-          </p:cNvCxnSpPr>
-          <p:nvPr/>
-        </p:nvCxnSpPr>
-        <p:spPr>
-          <a:xfrm rot="10800000">
-            <a:off x="6256325" y="2649327"/>
-            <a:ext cx="1462656" cy="947135"/>
-          </a:xfrm>
-          <a:prstGeom prst="bentConnector3">
-            <a:avLst>
-              <a:gd name="adj1" fmla="val 26081"/>
-            </a:avLst>
-          </a:prstGeom>
-          <a:ln>
-            <a:headEnd type="arrow" w="med" len="med"/>
-            <a:tailEnd type="arrow" w="med" len="med"/>
-          </a:ln>
-        </p:spPr>
-        <p:style>
-          <a:lnRef idx="3">
-            <a:schemeClr val="accent6"/>
-          </a:lnRef>
-          <a:fillRef idx="0">
-            <a:schemeClr val="accent6"/>
-          </a:fillRef>
-          <a:effectRef idx="2">
-            <a:schemeClr val="accent6"/>
-          </a:effectRef>
-          <a:fontRef idx="minor">
-            <a:schemeClr val="tx1"/>
-          </a:fontRef>
-        </p:style>
-      </p:cxnSp>
-      <p:sp>
-        <p:nvSpPr>
-          <p:cNvPr id="32" name="TextBox 31">
-            <a:extLst>
-              <a:ext uri="{FF2B5EF4-FFF2-40B4-BE49-F238E27FC236}">
-                <a16:creationId xmlns:a16="http://schemas.microsoft.com/office/drawing/2014/main" id="{BB4F0DE5-DBD7-7E9F-63FA-4F8AAC2DE93B}"/>
-              </a:ext>
-            </a:extLst>
-          </p:cNvPr>
-          <p:cNvSpPr txBox="1"/>
-          <p:nvPr/>
-        </p:nvSpPr>
-        <p:spPr>
-          <a:xfrm>
-            <a:off x="100404" y="4051237"/>
-            <a:ext cx="1253035" cy="646331"/>
-          </a:xfrm>
-          <a:prstGeom prst="rect">
-            <a:avLst/>
-          </a:prstGeom>
-          <a:noFill/>
-        </p:spPr>
-        <p:txBody>
-          <a:bodyPr wrap="none" rtlCol="0">
-            <a:spAutoFit/>
-          </a:bodyPr>
-          <a:lstStyle/>
-          <a:p>
-            <a:r>
-              <a:rPr lang="en-IE" b="1" i="1" dirty="0"/>
-              <a:t>Workspace</a:t>
-            </a:r>
-          </a:p>
-          <a:p>
-            <a:pPr algn="ctr"/>
-            <a:r>
-              <a:rPr lang="en-IE" b="1" i="1" dirty="0"/>
-              <a:t>Manager</a:t>
-            </a:r>
-            <a:endParaRPr lang="pl-PL" b="1" i="1" dirty="0"/>
-          </a:p>
-        </p:txBody>
-      </p:sp>
-      <p:cxnSp>
-        <p:nvCxnSpPr>
-          <p:cNvPr id="34" name="Straight Arrow Connector 33">
-            <a:extLst>
-              <a:ext uri="{FF2B5EF4-FFF2-40B4-BE49-F238E27FC236}">
-                <a16:creationId xmlns:a16="http://schemas.microsoft.com/office/drawing/2014/main" id="{4D3E5215-EBA7-15A3-012D-861BA3C51F85}"/>
-              </a:ext>
-            </a:extLst>
-          </p:cNvPr>
-          <p:cNvCxnSpPr>
-            <a:cxnSpLocks/>
-            <a:stCxn id="32" idx="3"/>
-            <a:endCxn id="18" idx="1"/>
-          </p:cNvCxnSpPr>
-          <p:nvPr/>
-        </p:nvCxnSpPr>
-        <p:spPr>
-          <a:xfrm flipV="1">
-            <a:off x="1353439" y="3516926"/>
-            <a:ext cx="778712" cy="857477"/>
-          </a:xfrm>
-          <a:prstGeom prst="straightConnector1">
-            <a:avLst/>
-          </a:prstGeom>
-          <a:ln>
-            <a:tailEnd type="triangle"/>
-          </a:ln>
-        </p:spPr>
-        <p:style>
-          <a:lnRef idx="3">
-            <a:schemeClr val="accent6"/>
-          </a:lnRef>
-          <a:fillRef idx="0">
-            <a:schemeClr val="accent6"/>
-          </a:fillRef>
-          <a:effectRef idx="2">
-            <a:schemeClr val="accent6"/>
-          </a:effectRef>
-          <a:fontRef idx="minor">
-            <a:schemeClr val="tx1"/>
-          </a:fontRef>
-        </p:style>
-      </p:cxnSp>
-      <p:sp>
-        <p:nvSpPr>
-          <p:cNvPr id="35" name="TextBox 34">
-            <a:extLst>
-              <a:ext uri="{FF2B5EF4-FFF2-40B4-BE49-F238E27FC236}">
-                <a16:creationId xmlns:a16="http://schemas.microsoft.com/office/drawing/2014/main" id="{316B09CE-ED15-F81B-92C3-3075B3C74EBA}"/>
-              </a:ext>
-            </a:extLst>
-          </p:cNvPr>
-          <p:cNvSpPr txBox="1"/>
-          <p:nvPr/>
-        </p:nvSpPr>
-        <p:spPr>
-          <a:xfrm>
-            <a:off x="2551240" y="4216840"/>
-            <a:ext cx="1028230" cy="338554"/>
-          </a:xfrm>
-          <a:prstGeom prst="rect">
-            <a:avLst/>
-          </a:prstGeom>
-          <a:noFill/>
-        </p:spPr>
-        <p:txBody>
-          <a:bodyPr wrap="none" rtlCol="0">
-            <a:spAutoFit/>
-          </a:bodyPr>
-          <a:lstStyle/>
-          <a:p>
-            <a:r>
-              <a:rPr lang="en-IE" sz="1600" dirty="0"/>
-              <a:t>Ban Users</a:t>
-            </a:r>
-            <a:endParaRPr lang="pl-PL" sz="1600" dirty="0"/>
-          </a:p>
-        </p:txBody>
-      </p:sp>
-      <p:cxnSp>
-        <p:nvCxnSpPr>
-          <p:cNvPr id="41" name="Straight Arrow Connector 40">
-            <a:extLst>
-              <a:ext uri="{FF2B5EF4-FFF2-40B4-BE49-F238E27FC236}">
-                <a16:creationId xmlns:a16="http://schemas.microsoft.com/office/drawing/2014/main" id="{EA223209-BF8A-2DB0-D54C-B09EA3CD2AAD}"/>
-              </a:ext>
-            </a:extLst>
-          </p:cNvPr>
-          <p:cNvCxnSpPr>
-            <a:stCxn id="32" idx="3"/>
-            <a:endCxn id="21" idx="1"/>
-          </p:cNvCxnSpPr>
-          <p:nvPr/>
-        </p:nvCxnSpPr>
-        <p:spPr>
-          <a:xfrm flipV="1">
-            <a:off x="1353439" y="4114167"/>
-            <a:ext cx="869076" cy="260236"/>
-          </a:xfrm>
-          <a:prstGeom prst="straightConnector1">
-            <a:avLst/>
-          </a:prstGeom>
-          <a:ln>
-            <a:tailEnd type="triangle"/>
-          </a:ln>
-        </p:spPr>
-        <p:style>
-          <a:lnRef idx="3">
-            <a:schemeClr val="accent6"/>
-          </a:lnRef>
-          <a:fillRef idx="0">
-            <a:schemeClr val="accent6"/>
-          </a:fillRef>
-          <a:effectRef idx="2">
-            <a:schemeClr val="accent6"/>
-          </a:effectRef>
-          <a:fontRef idx="minor">
-            <a:schemeClr val="tx1"/>
-          </a:fontRef>
-        </p:style>
-      </p:cxnSp>
-      <p:cxnSp>
-        <p:nvCxnSpPr>
-          <p:cNvPr id="43" name="Straight Arrow Connector 42">
-            <a:extLst>
-              <a:ext uri="{FF2B5EF4-FFF2-40B4-BE49-F238E27FC236}">
-                <a16:creationId xmlns:a16="http://schemas.microsoft.com/office/drawing/2014/main" id="{8D4039CE-B76A-9077-6490-957F50721052}"/>
-              </a:ext>
-            </a:extLst>
-          </p:cNvPr>
-          <p:cNvCxnSpPr>
-            <a:stCxn id="32" idx="3"/>
-            <a:endCxn id="35" idx="1"/>
-          </p:cNvCxnSpPr>
-          <p:nvPr/>
-        </p:nvCxnSpPr>
-        <p:spPr>
-          <a:xfrm>
-            <a:off x="1353439" y="4374403"/>
-            <a:ext cx="1197801" cy="11714"/>
-          </a:xfrm>
-          <a:prstGeom prst="straightConnector1">
-            <a:avLst/>
-          </a:prstGeom>
-          <a:ln>
-            <a:tailEnd type="triangle"/>
-          </a:ln>
-        </p:spPr>
-        <p:style>
-          <a:lnRef idx="3">
-            <a:schemeClr val="accent6"/>
-          </a:lnRef>
-          <a:fillRef idx="0">
-            <a:schemeClr val="accent6"/>
-          </a:fillRef>
-          <a:effectRef idx="2">
-            <a:schemeClr val="accent6"/>
-          </a:effectRef>
-          <a:fontRef idx="minor">
-            <a:schemeClr val="tx1"/>
-          </a:fontRef>
-        </p:style>
-      </p:cxnSp>
-      <p:cxnSp>
-        <p:nvCxnSpPr>
-          <p:cNvPr id="69" name="Straight Arrow Connector 68">
-            <a:extLst>
-              <a:ext uri="{FF2B5EF4-FFF2-40B4-BE49-F238E27FC236}">
-                <a16:creationId xmlns:a16="http://schemas.microsoft.com/office/drawing/2014/main" id="{41B4DE46-B178-297A-FDDB-F451C721C9A9}"/>
-              </a:ext>
-            </a:extLst>
-          </p:cNvPr>
-          <p:cNvCxnSpPr>
-            <a:stCxn id="32" idx="0"/>
-            <a:endCxn id="63" idx="2"/>
-          </p:cNvCxnSpPr>
-          <p:nvPr/>
-        </p:nvCxnSpPr>
-        <p:spPr>
-          <a:xfrm flipH="1" flipV="1">
-            <a:off x="722770" y="3284127"/>
-            <a:ext cx="4152" cy="767110"/>
-          </a:xfrm>
-          <a:prstGeom prst="straightConnector1">
-            <a:avLst/>
-          </a:prstGeom>
-          <a:ln>
-            <a:tailEnd type="triangle"/>
-          </a:ln>
+          <a:xfrm>
+            <a:off x="1231475" y="1719605"/>
+            <a:ext cx="0" cy="584398"/>
+          </a:xfrm>
+          <a:prstGeom prst="line">
+            <a:avLst/>
+          </a:prstGeom>
         </p:spPr>
         <p:style>
           <a:lnRef idx="1">
@@ -7957,140 +9356,204 @@
           </a:fontRef>
         </p:style>
       </p:cxnSp>
-      <p:sp>
-        <p:nvSpPr>
-          <p:cNvPr id="70" name="TextBox 69">
-            <a:extLst>
-              <a:ext uri="{FF2B5EF4-FFF2-40B4-BE49-F238E27FC236}">
-                <a16:creationId xmlns:a16="http://schemas.microsoft.com/office/drawing/2014/main" id="{FC8EE690-75B8-8A4B-A1FD-99D49CA54F07}"/>
-              </a:ext>
-            </a:extLst>
-          </p:cNvPr>
-          <p:cNvSpPr txBox="1"/>
-          <p:nvPr/>
-        </p:nvSpPr>
-        <p:spPr>
-          <a:xfrm>
-            <a:off x="3498547" y="5024210"/>
-            <a:ext cx="2770182" cy="369332"/>
-          </a:xfrm>
-          <a:prstGeom prst="rect">
-            <a:avLst/>
-          </a:prstGeom>
-          <a:noFill/>
-        </p:spPr>
-        <p:txBody>
-          <a:bodyPr wrap="none" rtlCol="0">
-            <a:spAutoFit/>
-          </a:bodyPr>
-          <a:lstStyle/>
-          <a:p>
-            <a:r>
-              <a:rPr lang="en-IE" i="1" dirty="0">
-                <a:solidFill>
-                  <a:schemeClr val="accent5">
-                    <a:lumMod val="60000"/>
-                    <a:lumOff val="40000"/>
-                  </a:schemeClr>
-                </a:solidFill>
-              </a:rPr>
-              <a:t>Optional Features in Yellow</a:t>
-            </a:r>
-            <a:endParaRPr lang="pl-PL" i="1" dirty="0">
-              <a:solidFill>
-                <a:schemeClr val="accent5">
-                  <a:lumMod val="60000"/>
-                  <a:lumOff val="40000"/>
-                </a:schemeClr>
-              </a:solidFill>
-            </a:endParaRPr>
-          </a:p>
-        </p:txBody>
-      </p:sp>
-      <p:sp>
-        <p:nvSpPr>
-          <p:cNvPr id="4" name="TextBox 3">
-            <a:extLst>
-              <a:ext uri="{FF2B5EF4-FFF2-40B4-BE49-F238E27FC236}">
-                <a16:creationId xmlns:a16="http://schemas.microsoft.com/office/drawing/2014/main" id="{C724BB2E-2792-9FEA-7546-926FA512B720}"/>
-              </a:ext>
-            </a:extLst>
-          </p:cNvPr>
-          <p:cNvSpPr txBox="1"/>
-          <p:nvPr/>
-        </p:nvSpPr>
-        <p:spPr>
-          <a:xfrm>
-            <a:off x="2203430" y="2450304"/>
-            <a:ext cx="1717843" cy="338554"/>
-          </a:xfrm>
-          <a:prstGeom prst="rect">
-            <a:avLst/>
-          </a:prstGeom>
-          <a:noFill/>
-        </p:spPr>
-        <p:txBody>
-          <a:bodyPr wrap="none" rtlCol="0">
-            <a:spAutoFit/>
-          </a:bodyPr>
-          <a:lstStyle/>
-          <a:p>
-            <a:r>
-              <a:rPr lang="en-IE" sz="1600" dirty="0"/>
-              <a:t>Create Workspace</a:t>
-            </a:r>
-            <a:endParaRPr lang="pl-PL" sz="1600" dirty="0"/>
-          </a:p>
-        </p:txBody>
-      </p:sp>
       <p:cxnSp>
         <p:nvCxnSpPr>
-          <p:cNvPr id="51" name="Straight Arrow Connector 50">
-            <a:extLst>
-              <a:ext uri="{FF2B5EF4-FFF2-40B4-BE49-F238E27FC236}">
-                <a16:creationId xmlns:a16="http://schemas.microsoft.com/office/drawing/2014/main" id="{461FE8CA-1533-77A0-536D-5F6EE148C0E5}"/>
-              </a:ext>
-            </a:extLst>
-          </p:cNvPr>
-          <p:cNvCxnSpPr>
-            <a:stCxn id="17" idx="3"/>
-            <a:endCxn id="9" idx="1"/>
-          </p:cNvCxnSpPr>
+          <p:cNvPr id="30" name="Straight Connector 29">
+            <a:extLst>
+              <a:ext uri="{FF2B5EF4-FFF2-40B4-BE49-F238E27FC236}">
+                <a16:creationId xmlns:a16="http://schemas.microsoft.com/office/drawing/2014/main" id="{85DB48F4-8C9E-1DA6-16C2-74D5ABB9C549}"/>
+              </a:ext>
+            </a:extLst>
+          </p:cNvPr>
+          <p:cNvCxnSpPr/>
           <p:nvPr/>
         </p:nvCxnSpPr>
         <p:spPr>
           <a:xfrm flipV="1">
-            <a:off x="4063010" y="1661491"/>
-            <a:ext cx="1138159" cy="1534295"/>
-          </a:xfrm>
-          <a:prstGeom prst="straightConnector1">
-            <a:avLst/>
-          </a:prstGeom>
-          <a:ln>
-            <a:tailEnd type="triangle"/>
-          </a:ln>
+            <a:off x="1113488" y="2304003"/>
+            <a:ext cx="117987" cy="113786"/>
+          </a:xfrm>
+          <a:prstGeom prst="line">
+            <a:avLst/>
+          </a:prstGeom>
         </p:spPr>
         <p:style>
-          <a:lnRef idx="3">
-            <a:schemeClr val="accent6"/>
+          <a:lnRef idx="1">
+            <a:schemeClr val="accent1"/>
           </a:lnRef>
           <a:fillRef idx="0">
-            <a:schemeClr val="accent6"/>
+            <a:schemeClr val="accent1"/>
           </a:fillRef>
-          <a:effectRef idx="2">
-            <a:schemeClr val="accent6"/>
+          <a:effectRef idx="0">
+            <a:schemeClr val="accent1"/>
           </a:effectRef>
           <a:fontRef idx="minor">
             <a:schemeClr val="tx1"/>
           </a:fontRef>
         </p:style>
       </p:cxnSp>
-      <p:sp>
-        <p:nvSpPr>
-          <p:cNvPr id="53" name="TextBox 52">
-            <a:extLst>
-              <a:ext uri="{FF2B5EF4-FFF2-40B4-BE49-F238E27FC236}">
-                <a16:creationId xmlns:a16="http://schemas.microsoft.com/office/drawing/2014/main" id="{B2E2D1EE-A95E-1519-BD76-F9F5D5C40F6F}"/>
+      <p:cxnSp>
+        <p:nvCxnSpPr>
+          <p:cNvPr id="32" name="Straight Connector 31">
+            <a:extLst>
+              <a:ext uri="{FF2B5EF4-FFF2-40B4-BE49-F238E27FC236}">
+                <a16:creationId xmlns:a16="http://schemas.microsoft.com/office/drawing/2014/main" id="{A082CF7D-FA19-E10A-D626-7C4FC2E318C9}"/>
+              </a:ext>
+            </a:extLst>
+          </p:cNvPr>
+          <p:cNvCxnSpPr/>
+          <p:nvPr/>
+        </p:nvCxnSpPr>
+        <p:spPr>
+          <a:xfrm>
+            <a:off x="1231475" y="2304003"/>
+            <a:ext cx="117986" cy="113786"/>
+          </a:xfrm>
+          <a:prstGeom prst="line">
+            <a:avLst/>
+          </a:prstGeom>
+        </p:spPr>
+        <p:style>
+          <a:lnRef idx="1">
+            <a:schemeClr val="accent1"/>
+          </a:lnRef>
+          <a:fillRef idx="0">
+            <a:schemeClr val="accent1"/>
+          </a:fillRef>
+          <a:effectRef idx="0">
+            <a:schemeClr val="accent1"/>
+          </a:effectRef>
+          <a:fontRef idx="minor">
+            <a:schemeClr val="tx1"/>
+          </a:fontRef>
+        </p:style>
+      </p:cxnSp>
+      <p:cxnSp>
+        <p:nvCxnSpPr>
+          <p:cNvPr id="34" name="Straight Connector 33">
+            <a:extLst>
+              <a:ext uri="{FF2B5EF4-FFF2-40B4-BE49-F238E27FC236}">
+                <a16:creationId xmlns:a16="http://schemas.microsoft.com/office/drawing/2014/main" id="{780A2F11-C1D0-16EF-F390-B5DD6ED1690B}"/>
+              </a:ext>
+            </a:extLst>
+          </p:cNvPr>
+          <p:cNvCxnSpPr/>
+          <p:nvPr/>
+        </p:nvCxnSpPr>
+        <p:spPr>
+          <a:xfrm flipV="1">
+            <a:off x="1113488" y="1900881"/>
+            <a:ext cx="117987" cy="100572"/>
+          </a:xfrm>
+          <a:prstGeom prst="line">
+            <a:avLst/>
+          </a:prstGeom>
+        </p:spPr>
+        <p:style>
+          <a:lnRef idx="1">
+            <a:schemeClr val="accent1"/>
+          </a:lnRef>
+          <a:fillRef idx="0">
+            <a:schemeClr val="accent1"/>
+          </a:fillRef>
+          <a:effectRef idx="0">
+            <a:schemeClr val="accent1"/>
+          </a:effectRef>
+          <a:fontRef idx="minor">
+            <a:schemeClr val="tx1"/>
+          </a:fontRef>
+        </p:style>
+      </p:cxnSp>
+      <p:cxnSp>
+        <p:nvCxnSpPr>
+          <p:cNvPr id="36" name="Straight Connector 35">
+            <a:extLst>
+              <a:ext uri="{FF2B5EF4-FFF2-40B4-BE49-F238E27FC236}">
+                <a16:creationId xmlns:a16="http://schemas.microsoft.com/office/drawing/2014/main" id="{FEC1D0B7-DF6A-9A85-794D-13A488D8B928}"/>
+              </a:ext>
+            </a:extLst>
+          </p:cNvPr>
+          <p:cNvCxnSpPr/>
+          <p:nvPr/>
+        </p:nvCxnSpPr>
+        <p:spPr>
+          <a:xfrm>
+            <a:off x="1231475" y="1900881"/>
+            <a:ext cx="117986" cy="100572"/>
+          </a:xfrm>
+          <a:prstGeom prst="line">
+            <a:avLst/>
+          </a:prstGeom>
+        </p:spPr>
+        <p:style>
+          <a:lnRef idx="1">
+            <a:schemeClr val="accent1"/>
+          </a:lnRef>
+          <a:fillRef idx="0">
+            <a:schemeClr val="accent1"/>
+          </a:fillRef>
+          <a:effectRef idx="0">
+            <a:schemeClr val="accent1"/>
+          </a:effectRef>
+          <a:fontRef idx="minor">
+            <a:schemeClr val="tx1"/>
+          </a:fontRef>
+        </p:style>
+      </p:cxnSp>
+      <p:cxnSp>
+        <p:nvCxnSpPr>
+          <p:cNvPr id="40" name="Straight Arrow Connector 39">
+            <a:extLst>
+              <a:ext uri="{FF2B5EF4-FFF2-40B4-BE49-F238E27FC236}">
+                <a16:creationId xmlns:a16="http://schemas.microsoft.com/office/drawing/2014/main" id="{5D42D085-9091-1210-81DE-AFD50E4670FE}"/>
+              </a:ext>
+            </a:extLst>
+          </p:cNvPr>
+          <p:cNvCxnSpPr>
+            <a:stCxn id="21" idx="6"/>
+            <a:endCxn id="7" idx="2"/>
+          </p:cNvCxnSpPr>
+          <p:nvPr/>
+        </p:nvCxnSpPr>
+        <p:spPr>
+          <a:xfrm flipV="1">
+            <a:off x="4873161" y="2998315"/>
+            <a:ext cx="513729" cy="459577"/>
+          </a:xfrm>
+          <a:prstGeom prst="straightConnector1">
+            <a:avLst/>
+          </a:prstGeom>
+          <a:ln w="9525" cap="flat" cmpd="sng" algn="ctr">
+            <a:solidFill>
+              <a:schemeClr val="accent6"/>
+            </a:solidFill>
+            <a:prstDash val="solid"/>
+            <a:round/>
+            <a:headEnd type="none" w="med" len="med"/>
+            <a:tailEnd type="arrow" w="med" len="med"/>
+          </a:ln>
+        </p:spPr>
+        <p:style>
+          <a:lnRef idx="0">
+            <a:scrgbClr r="0" g="0" b="0"/>
+          </a:lnRef>
+          <a:fillRef idx="0">
+            <a:scrgbClr r="0" g="0" b="0"/>
+          </a:fillRef>
+          <a:effectRef idx="0">
+            <a:scrgbClr r="0" g="0" b="0"/>
+          </a:effectRef>
+          <a:fontRef idx="minor">
+            <a:schemeClr val="tx1"/>
+          </a:fontRef>
+        </p:style>
+      </p:cxnSp>
+      <p:sp>
+        <p:nvSpPr>
+          <p:cNvPr id="41" name="TextBox 40">
+            <a:extLst>
+              <a:ext uri="{FF2B5EF4-FFF2-40B4-BE49-F238E27FC236}">
+                <a16:creationId xmlns:a16="http://schemas.microsoft.com/office/drawing/2014/main" id="{D8D426D8-554C-7FAF-2A90-AB62212D266E}"/>
               </a:ext>
             </a:extLst>
           </p:cNvPr>
@@ -8098,9 +9561,9 @@
           <p:nvPr/>
         </p:nvSpPr>
         <p:spPr>
-          <a:xfrm rot="18496042">
-            <a:off x="4271366" y="1879773"/>
-            <a:ext cx="792205" cy="307777"/>
+          <a:xfrm>
+            <a:off x="4693848" y="3051721"/>
+            <a:ext cx="960519" cy="276999"/>
           </a:xfrm>
           <a:prstGeom prst="rect">
             <a:avLst/>
@@ -8114,17 +9577,1532 @@
           <a:lstStyle/>
           <a:p>
             <a:r>
-              <a:rPr lang="en-IE" sz="1400" i="1" dirty="0"/>
-              <a:t>includes</a:t>
-            </a:r>
-            <a:endParaRPr lang="pl-PL" sz="1400" i="1" dirty="0"/>
-          </a:p>
-        </p:txBody>
-      </p:sp>
+              <a:rPr lang="en-IE" sz="1200" dirty="0"/>
+              <a:t>&lt;&lt;Include&gt;&gt;</a:t>
+            </a:r>
+            <a:endParaRPr lang="pl-PL" sz="1200" dirty="0"/>
+          </a:p>
+        </p:txBody>
+      </p:sp>
+      <p:sp>
+        <p:nvSpPr>
+          <p:cNvPr id="42" name="Oval 41">
+            <a:extLst>
+              <a:ext uri="{FF2B5EF4-FFF2-40B4-BE49-F238E27FC236}">
+                <a16:creationId xmlns:a16="http://schemas.microsoft.com/office/drawing/2014/main" id="{B07A26BE-A4AE-D345-C997-4468C0079F05}"/>
+              </a:ext>
+            </a:extLst>
+          </p:cNvPr>
+          <p:cNvSpPr/>
+          <p:nvPr/>
+        </p:nvSpPr>
+        <p:spPr>
+          <a:xfrm>
+            <a:off x="1117115" y="3303594"/>
+            <a:ext cx="235973" cy="171937"/>
+          </a:xfrm>
+          <a:prstGeom prst="ellipse">
+            <a:avLst/>
+          </a:prstGeom>
+        </p:spPr>
+        <p:style>
+          <a:lnRef idx="2">
+            <a:schemeClr val="accent1">
+              <a:shade val="15000"/>
+            </a:schemeClr>
+          </a:lnRef>
+          <a:fillRef idx="1">
+            <a:schemeClr val="accent1"/>
+          </a:fillRef>
+          <a:effectRef idx="0">
+            <a:schemeClr val="accent1"/>
+          </a:effectRef>
+          <a:fontRef idx="minor">
+            <a:schemeClr val="lt1"/>
+          </a:fontRef>
+        </p:style>
+        <p:txBody>
+          <a:bodyPr rtlCol="0" anchor="ctr"/>
+          <a:lstStyle/>
+          <a:p>
+            <a:pPr algn="ctr"/>
+            <a:endParaRPr lang="pl-PL"/>
+          </a:p>
+        </p:txBody>
+      </p:sp>
+      <p:cxnSp>
+        <p:nvCxnSpPr>
+          <p:cNvPr id="43" name="Straight Connector 42">
+            <a:extLst>
+              <a:ext uri="{FF2B5EF4-FFF2-40B4-BE49-F238E27FC236}">
+                <a16:creationId xmlns:a16="http://schemas.microsoft.com/office/drawing/2014/main" id="{FD779BD1-8B94-1E3D-CD59-6EBFE5B61AAC}"/>
+              </a:ext>
+            </a:extLst>
+          </p:cNvPr>
+          <p:cNvCxnSpPr>
+            <a:cxnSpLocks/>
+            <a:stCxn id="42" idx="4"/>
+          </p:cNvCxnSpPr>
+          <p:nvPr/>
+        </p:nvCxnSpPr>
+        <p:spPr>
+          <a:xfrm>
+            <a:off x="1235102" y="3475531"/>
+            <a:ext cx="0" cy="584398"/>
+          </a:xfrm>
+          <a:prstGeom prst="line">
+            <a:avLst/>
+          </a:prstGeom>
+        </p:spPr>
+        <p:style>
+          <a:lnRef idx="1">
+            <a:schemeClr val="accent1"/>
+          </a:lnRef>
+          <a:fillRef idx="0">
+            <a:schemeClr val="accent1"/>
+          </a:fillRef>
+          <a:effectRef idx="0">
+            <a:schemeClr val="accent1"/>
+          </a:effectRef>
+          <a:fontRef idx="minor">
+            <a:schemeClr val="tx1"/>
+          </a:fontRef>
+        </p:style>
+      </p:cxnSp>
+      <p:cxnSp>
+        <p:nvCxnSpPr>
+          <p:cNvPr id="44" name="Straight Connector 43">
+            <a:extLst>
+              <a:ext uri="{FF2B5EF4-FFF2-40B4-BE49-F238E27FC236}">
+                <a16:creationId xmlns:a16="http://schemas.microsoft.com/office/drawing/2014/main" id="{C035F5D2-FD9A-73C6-489D-CA0A6D2E3D2A}"/>
+              </a:ext>
+            </a:extLst>
+          </p:cNvPr>
+          <p:cNvCxnSpPr/>
+          <p:nvPr/>
+        </p:nvCxnSpPr>
+        <p:spPr>
+          <a:xfrm flipV="1">
+            <a:off x="1117115" y="4059929"/>
+            <a:ext cx="117987" cy="113786"/>
+          </a:xfrm>
+          <a:prstGeom prst="line">
+            <a:avLst/>
+          </a:prstGeom>
+        </p:spPr>
+        <p:style>
+          <a:lnRef idx="1">
+            <a:schemeClr val="accent1"/>
+          </a:lnRef>
+          <a:fillRef idx="0">
+            <a:schemeClr val="accent1"/>
+          </a:fillRef>
+          <a:effectRef idx="0">
+            <a:schemeClr val="accent1"/>
+          </a:effectRef>
+          <a:fontRef idx="minor">
+            <a:schemeClr val="tx1"/>
+          </a:fontRef>
+        </p:style>
+      </p:cxnSp>
+      <p:cxnSp>
+        <p:nvCxnSpPr>
+          <p:cNvPr id="45" name="Straight Connector 44">
+            <a:extLst>
+              <a:ext uri="{FF2B5EF4-FFF2-40B4-BE49-F238E27FC236}">
+                <a16:creationId xmlns:a16="http://schemas.microsoft.com/office/drawing/2014/main" id="{BC414CBD-03B8-742C-86A1-CD1CFE3EA78E}"/>
+              </a:ext>
+            </a:extLst>
+          </p:cNvPr>
+          <p:cNvCxnSpPr/>
+          <p:nvPr/>
+        </p:nvCxnSpPr>
+        <p:spPr>
+          <a:xfrm>
+            <a:off x="1235102" y="4059929"/>
+            <a:ext cx="117986" cy="113786"/>
+          </a:xfrm>
+          <a:prstGeom prst="line">
+            <a:avLst/>
+          </a:prstGeom>
+        </p:spPr>
+        <p:style>
+          <a:lnRef idx="1">
+            <a:schemeClr val="accent1"/>
+          </a:lnRef>
+          <a:fillRef idx="0">
+            <a:schemeClr val="accent1"/>
+          </a:fillRef>
+          <a:effectRef idx="0">
+            <a:schemeClr val="accent1"/>
+          </a:effectRef>
+          <a:fontRef idx="minor">
+            <a:schemeClr val="tx1"/>
+          </a:fontRef>
+        </p:style>
+      </p:cxnSp>
+      <p:cxnSp>
+        <p:nvCxnSpPr>
+          <p:cNvPr id="46" name="Straight Connector 45">
+            <a:extLst>
+              <a:ext uri="{FF2B5EF4-FFF2-40B4-BE49-F238E27FC236}">
+                <a16:creationId xmlns:a16="http://schemas.microsoft.com/office/drawing/2014/main" id="{11DC265B-26D3-EC14-E9EE-E06A97278D5B}"/>
+              </a:ext>
+            </a:extLst>
+          </p:cNvPr>
+          <p:cNvCxnSpPr/>
+          <p:nvPr/>
+        </p:nvCxnSpPr>
+        <p:spPr>
+          <a:xfrm flipV="1">
+            <a:off x="1117115" y="3656807"/>
+            <a:ext cx="117987" cy="100572"/>
+          </a:xfrm>
+          <a:prstGeom prst="line">
+            <a:avLst/>
+          </a:prstGeom>
+        </p:spPr>
+        <p:style>
+          <a:lnRef idx="1">
+            <a:schemeClr val="accent1"/>
+          </a:lnRef>
+          <a:fillRef idx="0">
+            <a:schemeClr val="accent1"/>
+          </a:fillRef>
+          <a:effectRef idx="0">
+            <a:schemeClr val="accent1"/>
+          </a:effectRef>
+          <a:fontRef idx="minor">
+            <a:schemeClr val="tx1"/>
+          </a:fontRef>
+        </p:style>
+      </p:cxnSp>
+      <p:cxnSp>
+        <p:nvCxnSpPr>
+          <p:cNvPr id="47" name="Straight Connector 46">
+            <a:extLst>
+              <a:ext uri="{FF2B5EF4-FFF2-40B4-BE49-F238E27FC236}">
+                <a16:creationId xmlns:a16="http://schemas.microsoft.com/office/drawing/2014/main" id="{1460CEA0-2FBF-C65F-A364-0B26E09FD191}"/>
+              </a:ext>
+            </a:extLst>
+          </p:cNvPr>
+          <p:cNvCxnSpPr/>
+          <p:nvPr/>
+        </p:nvCxnSpPr>
+        <p:spPr>
+          <a:xfrm>
+            <a:off x="1235102" y="3656807"/>
+            <a:ext cx="117986" cy="100572"/>
+          </a:xfrm>
+          <a:prstGeom prst="line">
+            <a:avLst/>
+          </a:prstGeom>
+        </p:spPr>
+        <p:style>
+          <a:lnRef idx="1">
+            <a:schemeClr val="accent1"/>
+          </a:lnRef>
+          <a:fillRef idx="0">
+            <a:schemeClr val="accent1"/>
+          </a:fillRef>
+          <a:effectRef idx="0">
+            <a:schemeClr val="accent1"/>
+          </a:effectRef>
+          <a:fontRef idx="minor">
+            <a:schemeClr val="tx1"/>
+          </a:fontRef>
+        </p:style>
+      </p:cxnSp>
+      <p:cxnSp>
+        <p:nvCxnSpPr>
+          <p:cNvPr id="49" name="Straight Arrow Connector 48">
+            <a:extLst>
+              <a:ext uri="{FF2B5EF4-FFF2-40B4-BE49-F238E27FC236}">
+                <a16:creationId xmlns:a16="http://schemas.microsoft.com/office/drawing/2014/main" id="{3A2D2D7D-B154-BE53-0921-6D300B27E44F}"/>
+              </a:ext>
+            </a:extLst>
+          </p:cNvPr>
+          <p:cNvCxnSpPr>
+            <a:stCxn id="42" idx="0"/>
+          </p:cNvCxnSpPr>
+          <p:nvPr/>
+        </p:nvCxnSpPr>
+        <p:spPr>
+          <a:xfrm flipH="1" flipV="1">
+            <a:off x="1231475" y="2490816"/>
+            <a:ext cx="3627" cy="812778"/>
+          </a:xfrm>
+          <a:prstGeom prst="straightConnector1">
+            <a:avLst/>
+          </a:prstGeom>
+          <a:ln>
+            <a:tailEnd type="triangle"/>
+          </a:ln>
+        </p:spPr>
+        <p:style>
+          <a:lnRef idx="1">
+            <a:schemeClr val="accent6"/>
+          </a:lnRef>
+          <a:fillRef idx="0">
+            <a:schemeClr val="accent6"/>
+          </a:fillRef>
+          <a:effectRef idx="0">
+            <a:schemeClr val="accent6"/>
+          </a:effectRef>
+          <a:fontRef idx="minor">
+            <a:schemeClr val="tx1"/>
+          </a:fontRef>
+        </p:style>
+      </p:cxnSp>
+      <p:sp>
+        <p:nvSpPr>
+          <p:cNvPr id="50" name="TextBox 49">
+            <a:extLst>
+              <a:ext uri="{FF2B5EF4-FFF2-40B4-BE49-F238E27FC236}">
+                <a16:creationId xmlns:a16="http://schemas.microsoft.com/office/drawing/2014/main" id="{DF843990-2AD8-4B82-F9DA-7FBB834911E8}"/>
+              </a:ext>
+            </a:extLst>
+          </p:cNvPr>
+          <p:cNvSpPr txBox="1"/>
+          <p:nvPr/>
+        </p:nvSpPr>
+        <p:spPr>
+          <a:xfrm>
+            <a:off x="344129" y="1900881"/>
+            <a:ext cx="625492" cy="369332"/>
+          </a:xfrm>
+          <a:prstGeom prst="rect">
+            <a:avLst/>
+          </a:prstGeom>
+          <a:noFill/>
+        </p:spPr>
+        <p:txBody>
+          <a:bodyPr wrap="none" rtlCol="0">
+            <a:spAutoFit/>
+          </a:bodyPr>
+          <a:lstStyle/>
+          <a:p>
+            <a:r>
+              <a:rPr lang="en-IE" dirty="0"/>
+              <a:t>User</a:t>
+            </a:r>
+            <a:endParaRPr lang="pl-PL" dirty="0"/>
+          </a:p>
+        </p:txBody>
+      </p:sp>
+      <p:sp>
+        <p:nvSpPr>
+          <p:cNvPr id="51" name="TextBox 50">
+            <a:extLst>
+              <a:ext uri="{FF2B5EF4-FFF2-40B4-BE49-F238E27FC236}">
+                <a16:creationId xmlns:a16="http://schemas.microsoft.com/office/drawing/2014/main" id="{92B1E03C-1592-897B-249D-24EF3466B146}"/>
+              </a:ext>
+            </a:extLst>
+          </p:cNvPr>
+          <p:cNvSpPr txBox="1"/>
+          <p:nvPr/>
+        </p:nvSpPr>
+        <p:spPr>
+          <a:xfrm>
+            <a:off x="-52404" y="3475531"/>
+            <a:ext cx="1283878" cy="646331"/>
+          </a:xfrm>
+          <a:prstGeom prst="rect">
+            <a:avLst/>
+          </a:prstGeom>
+          <a:noFill/>
+        </p:spPr>
+        <p:txBody>
+          <a:bodyPr wrap="none" rtlCol="0">
+            <a:spAutoFit/>
+          </a:bodyPr>
+          <a:lstStyle/>
+          <a:p>
+            <a:r>
+              <a:rPr lang="en-IE" dirty="0"/>
+              <a:t>Workspace </a:t>
+            </a:r>
+          </a:p>
+          <a:p>
+            <a:pPr algn="ctr"/>
+            <a:r>
+              <a:rPr lang="en-IE" dirty="0"/>
+              <a:t>Manager</a:t>
+            </a:r>
+            <a:endParaRPr lang="pl-PL" dirty="0"/>
+          </a:p>
+        </p:txBody>
+      </p:sp>
+      <p:sp>
+        <p:nvSpPr>
+          <p:cNvPr id="59" name="TextBox 58">
+            <a:extLst>
+              <a:ext uri="{FF2B5EF4-FFF2-40B4-BE49-F238E27FC236}">
+                <a16:creationId xmlns:a16="http://schemas.microsoft.com/office/drawing/2014/main" id="{9CC007FD-4FD8-D861-02D8-861FEC074D31}"/>
+              </a:ext>
+            </a:extLst>
+          </p:cNvPr>
+          <p:cNvSpPr txBox="1"/>
+          <p:nvPr/>
+        </p:nvSpPr>
+        <p:spPr>
+          <a:xfrm>
+            <a:off x="7746245" y="248069"/>
+            <a:ext cx="1397755" cy="584775"/>
+          </a:xfrm>
+          <a:prstGeom prst="rect">
+            <a:avLst/>
+          </a:prstGeom>
+          <a:noFill/>
+        </p:spPr>
+        <p:txBody>
+          <a:bodyPr wrap="none" rtlCol="0">
+            <a:spAutoFit/>
+          </a:bodyPr>
+          <a:lstStyle/>
+          <a:p>
+            <a:pPr algn="ctr"/>
+            <a:r>
+              <a:rPr lang="en-IE" sz="1600" dirty="0"/>
+              <a:t>&lt;&lt;service&gt;&gt;</a:t>
+            </a:r>
+            <a:br>
+              <a:rPr lang="en-IE" sz="1600" dirty="0"/>
+            </a:br>
+            <a:r>
+              <a:rPr lang="en-IE" sz="1600" dirty="0"/>
+              <a:t>Google OAuth</a:t>
+            </a:r>
+            <a:endParaRPr lang="pl-PL" sz="1600" dirty="0"/>
+          </a:p>
+        </p:txBody>
+      </p:sp>
+      <p:sp>
+        <p:nvSpPr>
+          <p:cNvPr id="60" name="TextBox 59">
+            <a:extLst>
+              <a:ext uri="{FF2B5EF4-FFF2-40B4-BE49-F238E27FC236}">
+                <a16:creationId xmlns:a16="http://schemas.microsoft.com/office/drawing/2014/main" id="{037DE87C-90EF-0278-9282-82D03059B0DD}"/>
+              </a:ext>
+            </a:extLst>
+          </p:cNvPr>
+          <p:cNvSpPr txBox="1"/>
+          <p:nvPr/>
+        </p:nvSpPr>
+        <p:spPr>
+          <a:xfrm>
+            <a:off x="4716984" y="888526"/>
+            <a:ext cx="744114" cy="307777"/>
+          </a:xfrm>
+          <a:prstGeom prst="rect">
+            <a:avLst/>
+          </a:prstGeom>
+          <a:noFill/>
+        </p:spPr>
+        <p:txBody>
+          <a:bodyPr wrap="none" rtlCol="0">
+            <a:spAutoFit/>
+          </a:bodyPr>
+          <a:lstStyle/>
+          <a:p>
+            <a:r>
+              <a:rPr lang="en-IE" sz="1400" dirty="0">
+                <a:solidFill>
+                  <a:schemeClr val="tx2"/>
+                </a:solidFill>
+              </a:rPr>
+              <a:t>System</a:t>
+            </a:r>
+            <a:endParaRPr lang="pl-PL" sz="1400" dirty="0">
+              <a:solidFill>
+                <a:schemeClr val="tx2"/>
+              </a:solidFill>
+            </a:endParaRPr>
+          </a:p>
+        </p:txBody>
+      </p:sp>
+      <p:cxnSp>
+        <p:nvCxnSpPr>
+          <p:cNvPr id="62" name="Straight Arrow Connector 61">
+            <a:extLst>
+              <a:ext uri="{FF2B5EF4-FFF2-40B4-BE49-F238E27FC236}">
+                <a16:creationId xmlns:a16="http://schemas.microsoft.com/office/drawing/2014/main" id="{94268575-C359-6001-1083-D7D994B1BCDC}"/>
+              </a:ext>
+            </a:extLst>
+          </p:cNvPr>
+          <p:cNvCxnSpPr>
+            <a:endCxn id="15" idx="2"/>
+          </p:cNvCxnSpPr>
+          <p:nvPr/>
+        </p:nvCxnSpPr>
+        <p:spPr>
+          <a:xfrm flipV="1">
+            <a:off x="1435510" y="1216676"/>
+            <a:ext cx="689535" cy="784777"/>
+          </a:xfrm>
+          <a:prstGeom prst="straightConnector1">
+            <a:avLst/>
+          </a:prstGeom>
+          <a:ln>
+            <a:tailEnd type="triangle"/>
+          </a:ln>
+        </p:spPr>
+        <p:style>
+          <a:lnRef idx="1">
+            <a:schemeClr val="accent6"/>
+          </a:lnRef>
+          <a:fillRef idx="0">
+            <a:schemeClr val="accent6"/>
+          </a:fillRef>
+          <a:effectRef idx="0">
+            <a:schemeClr val="accent6"/>
+          </a:effectRef>
+          <a:fontRef idx="minor">
+            <a:schemeClr val="tx1"/>
+          </a:fontRef>
+        </p:style>
+      </p:cxnSp>
+      <p:cxnSp>
+        <p:nvCxnSpPr>
+          <p:cNvPr id="66" name="Straight Arrow Connector 65">
+            <a:extLst>
+              <a:ext uri="{FF2B5EF4-FFF2-40B4-BE49-F238E27FC236}">
+                <a16:creationId xmlns:a16="http://schemas.microsoft.com/office/drawing/2014/main" id="{F06775BC-2F31-120B-FA6C-55C0E01CC125}"/>
+              </a:ext>
+            </a:extLst>
+          </p:cNvPr>
+          <p:cNvCxnSpPr>
+            <a:endCxn id="16" idx="2"/>
+          </p:cNvCxnSpPr>
+          <p:nvPr/>
+        </p:nvCxnSpPr>
+        <p:spPr>
+          <a:xfrm flipV="1">
+            <a:off x="1465006" y="1670461"/>
+            <a:ext cx="660039" cy="341343"/>
+          </a:xfrm>
+          <a:prstGeom prst="straightConnector1">
+            <a:avLst/>
+          </a:prstGeom>
+          <a:ln>
+            <a:tailEnd type="triangle"/>
+          </a:ln>
+        </p:spPr>
+        <p:style>
+          <a:lnRef idx="1">
+            <a:schemeClr val="accent6"/>
+          </a:lnRef>
+          <a:fillRef idx="0">
+            <a:schemeClr val="accent6"/>
+          </a:fillRef>
+          <a:effectRef idx="0">
+            <a:schemeClr val="accent6"/>
+          </a:effectRef>
+          <a:fontRef idx="minor">
+            <a:schemeClr val="tx1"/>
+          </a:fontRef>
+        </p:style>
+      </p:cxnSp>
+      <p:cxnSp>
+        <p:nvCxnSpPr>
+          <p:cNvPr id="68" name="Straight Arrow Connector 67">
+            <a:extLst>
+              <a:ext uri="{FF2B5EF4-FFF2-40B4-BE49-F238E27FC236}">
+                <a16:creationId xmlns:a16="http://schemas.microsoft.com/office/drawing/2014/main" id="{14F0EF8A-1144-91FC-C0A5-EFA3F85C990E}"/>
+              </a:ext>
+            </a:extLst>
+          </p:cNvPr>
+          <p:cNvCxnSpPr>
+            <a:endCxn id="17" idx="2"/>
+          </p:cNvCxnSpPr>
+          <p:nvPr/>
+        </p:nvCxnSpPr>
+        <p:spPr>
+          <a:xfrm>
+            <a:off x="1435510" y="2001453"/>
+            <a:ext cx="689535" cy="85344"/>
+          </a:xfrm>
+          <a:prstGeom prst="straightConnector1">
+            <a:avLst/>
+          </a:prstGeom>
+          <a:ln>
+            <a:tailEnd type="triangle"/>
+          </a:ln>
+        </p:spPr>
+        <p:style>
+          <a:lnRef idx="1">
+            <a:schemeClr val="accent6"/>
+          </a:lnRef>
+          <a:fillRef idx="0">
+            <a:schemeClr val="accent6"/>
+          </a:fillRef>
+          <a:effectRef idx="0">
+            <a:schemeClr val="accent6"/>
+          </a:effectRef>
+          <a:fontRef idx="minor">
+            <a:schemeClr val="tx1"/>
+          </a:fontRef>
+        </p:style>
+      </p:cxnSp>
+      <p:cxnSp>
+        <p:nvCxnSpPr>
+          <p:cNvPr id="70" name="Straight Arrow Connector 69">
+            <a:extLst>
+              <a:ext uri="{FF2B5EF4-FFF2-40B4-BE49-F238E27FC236}">
+                <a16:creationId xmlns:a16="http://schemas.microsoft.com/office/drawing/2014/main" id="{4A1A71D7-589A-8B86-0847-41FC5C8052C8}"/>
+              </a:ext>
+            </a:extLst>
+          </p:cNvPr>
+          <p:cNvCxnSpPr>
+            <a:endCxn id="19" idx="2"/>
+          </p:cNvCxnSpPr>
+          <p:nvPr/>
+        </p:nvCxnSpPr>
+        <p:spPr>
+          <a:xfrm>
+            <a:off x="1465006" y="2001453"/>
+            <a:ext cx="660039" cy="548869"/>
+          </a:xfrm>
+          <a:prstGeom prst="straightConnector1">
+            <a:avLst/>
+          </a:prstGeom>
+          <a:ln>
+            <a:tailEnd type="triangle"/>
+          </a:ln>
+        </p:spPr>
+        <p:style>
+          <a:lnRef idx="1">
+            <a:schemeClr val="accent6"/>
+          </a:lnRef>
+          <a:fillRef idx="0">
+            <a:schemeClr val="accent6"/>
+          </a:fillRef>
+          <a:effectRef idx="0">
+            <a:schemeClr val="accent6"/>
+          </a:effectRef>
+          <a:fontRef idx="minor">
+            <a:schemeClr val="tx1"/>
+          </a:fontRef>
+        </p:style>
+      </p:cxnSp>
+      <p:cxnSp>
+        <p:nvCxnSpPr>
+          <p:cNvPr id="72" name="Straight Arrow Connector 71">
+            <a:extLst>
+              <a:ext uri="{FF2B5EF4-FFF2-40B4-BE49-F238E27FC236}">
+                <a16:creationId xmlns:a16="http://schemas.microsoft.com/office/drawing/2014/main" id="{AFC20540-DC5E-3A71-2219-9A189F9E1732}"/>
+              </a:ext>
+            </a:extLst>
+          </p:cNvPr>
+          <p:cNvCxnSpPr>
+            <a:endCxn id="20" idx="2"/>
+          </p:cNvCxnSpPr>
+          <p:nvPr/>
+        </p:nvCxnSpPr>
+        <p:spPr>
+          <a:xfrm>
+            <a:off x="1465006" y="2001453"/>
+            <a:ext cx="660039" cy="992914"/>
+          </a:xfrm>
+          <a:prstGeom prst="straightConnector1">
+            <a:avLst/>
+          </a:prstGeom>
+          <a:ln>
+            <a:tailEnd type="triangle"/>
+          </a:ln>
+        </p:spPr>
+        <p:style>
+          <a:lnRef idx="1">
+            <a:schemeClr val="accent6"/>
+          </a:lnRef>
+          <a:fillRef idx="0">
+            <a:schemeClr val="accent6"/>
+          </a:fillRef>
+          <a:effectRef idx="0">
+            <a:schemeClr val="accent6"/>
+          </a:effectRef>
+          <a:fontRef idx="minor">
+            <a:schemeClr val="tx1"/>
+          </a:fontRef>
+        </p:style>
+      </p:cxnSp>
+      <p:cxnSp>
+        <p:nvCxnSpPr>
+          <p:cNvPr id="74" name="Straight Arrow Connector 73">
+            <a:extLst>
+              <a:ext uri="{FF2B5EF4-FFF2-40B4-BE49-F238E27FC236}">
+                <a16:creationId xmlns:a16="http://schemas.microsoft.com/office/drawing/2014/main" id="{1A004089-E8E0-88FF-5B52-24FC76AAEC03}"/>
+              </a:ext>
+            </a:extLst>
+          </p:cNvPr>
+          <p:cNvCxnSpPr>
+            <a:endCxn id="21" idx="2"/>
+          </p:cNvCxnSpPr>
+          <p:nvPr/>
+        </p:nvCxnSpPr>
+        <p:spPr>
+          <a:xfrm>
+            <a:off x="1465006" y="2011804"/>
+            <a:ext cx="660039" cy="1446088"/>
+          </a:xfrm>
+          <a:prstGeom prst="straightConnector1">
+            <a:avLst/>
+          </a:prstGeom>
+          <a:ln>
+            <a:tailEnd type="triangle"/>
+          </a:ln>
+        </p:spPr>
+        <p:style>
+          <a:lnRef idx="1">
+            <a:schemeClr val="accent6"/>
+          </a:lnRef>
+          <a:fillRef idx="0">
+            <a:schemeClr val="accent6"/>
+          </a:fillRef>
+          <a:effectRef idx="0">
+            <a:schemeClr val="accent6"/>
+          </a:effectRef>
+          <a:fontRef idx="minor">
+            <a:schemeClr val="tx1"/>
+          </a:fontRef>
+        </p:style>
+      </p:cxnSp>
+      <p:cxnSp>
+        <p:nvCxnSpPr>
+          <p:cNvPr id="76" name="Straight Arrow Connector 75">
+            <a:extLst>
+              <a:ext uri="{FF2B5EF4-FFF2-40B4-BE49-F238E27FC236}">
+                <a16:creationId xmlns:a16="http://schemas.microsoft.com/office/drawing/2014/main" id="{544F7A69-5423-0BA5-5EC4-3C96ECC817CA}"/>
+              </a:ext>
+            </a:extLst>
+          </p:cNvPr>
+          <p:cNvCxnSpPr>
+            <a:endCxn id="22" idx="2"/>
+          </p:cNvCxnSpPr>
+          <p:nvPr/>
+        </p:nvCxnSpPr>
+        <p:spPr>
+          <a:xfrm>
+            <a:off x="1465006" y="2011804"/>
+            <a:ext cx="660039" cy="1909613"/>
+          </a:xfrm>
+          <a:prstGeom prst="straightConnector1">
+            <a:avLst/>
+          </a:prstGeom>
+          <a:ln>
+            <a:tailEnd type="triangle"/>
+          </a:ln>
+        </p:spPr>
+        <p:style>
+          <a:lnRef idx="1">
+            <a:schemeClr val="accent6"/>
+          </a:lnRef>
+          <a:fillRef idx="0">
+            <a:schemeClr val="accent6"/>
+          </a:fillRef>
+          <a:effectRef idx="0">
+            <a:schemeClr val="accent6"/>
+          </a:effectRef>
+          <a:fontRef idx="minor">
+            <a:schemeClr val="tx1"/>
+          </a:fontRef>
+        </p:style>
+      </p:cxnSp>
+      <p:cxnSp>
+        <p:nvCxnSpPr>
+          <p:cNvPr id="78" name="Straight Arrow Connector 77">
+            <a:extLst>
+              <a:ext uri="{FF2B5EF4-FFF2-40B4-BE49-F238E27FC236}">
+                <a16:creationId xmlns:a16="http://schemas.microsoft.com/office/drawing/2014/main" id="{CAC906D3-E3AD-662F-268C-D7A3F098AF4C}"/>
+              </a:ext>
+            </a:extLst>
+          </p:cNvPr>
+          <p:cNvCxnSpPr>
+            <a:endCxn id="18" idx="2"/>
+          </p:cNvCxnSpPr>
+          <p:nvPr/>
+        </p:nvCxnSpPr>
+        <p:spPr>
+          <a:xfrm>
+            <a:off x="1435510" y="3780493"/>
+            <a:ext cx="689535" cy="604449"/>
+          </a:xfrm>
+          <a:prstGeom prst="straightConnector1">
+            <a:avLst/>
+          </a:prstGeom>
+          <a:ln>
+            <a:tailEnd type="triangle"/>
+          </a:ln>
+        </p:spPr>
+        <p:style>
+          <a:lnRef idx="1">
+            <a:schemeClr val="accent6"/>
+          </a:lnRef>
+          <a:fillRef idx="0">
+            <a:schemeClr val="accent6"/>
+          </a:fillRef>
+          <a:effectRef idx="0">
+            <a:schemeClr val="accent6"/>
+          </a:effectRef>
+          <a:fontRef idx="minor">
+            <a:schemeClr val="tx1"/>
+          </a:fontRef>
+        </p:style>
+      </p:cxnSp>
+      <p:cxnSp>
+        <p:nvCxnSpPr>
+          <p:cNvPr id="80" name="Straight Arrow Connector 79">
+            <a:extLst>
+              <a:ext uri="{FF2B5EF4-FFF2-40B4-BE49-F238E27FC236}">
+                <a16:creationId xmlns:a16="http://schemas.microsoft.com/office/drawing/2014/main" id="{6423445F-4F13-063E-4A50-6E36D35F9DFA}"/>
+              </a:ext>
+            </a:extLst>
+          </p:cNvPr>
+          <p:cNvCxnSpPr>
+            <a:endCxn id="23" idx="2"/>
+          </p:cNvCxnSpPr>
+          <p:nvPr/>
+        </p:nvCxnSpPr>
+        <p:spPr>
+          <a:xfrm>
+            <a:off x="1435510" y="3798696"/>
+            <a:ext cx="689535" cy="1034239"/>
+          </a:xfrm>
+          <a:prstGeom prst="straightConnector1">
+            <a:avLst/>
+          </a:prstGeom>
+          <a:ln>
+            <a:tailEnd type="triangle"/>
+          </a:ln>
+        </p:spPr>
+        <p:style>
+          <a:lnRef idx="1">
+            <a:schemeClr val="accent6"/>
+          </a:lnRef>
+          <a:fillRef idx="0">
+            <a:schemeClr val="accent6"/>
+          </a:fillRef>
+          <a:effectRef idx="0">
+            <a:schemeClr val="accent6"/>
+          </a:effectRef>
+          <a:fontRef idx="minor">
+            <a:schemeClr val="tx1"/>
+          </a:fontRef>
+        </p:style>
+      </p:cxnSp>
+      <p:cxnSp>
+        <p:nvCxnSpPr>
+          <p:cNvPr id="82" name="Straight Arrow Connector 81">
+            <a:extLst>
+              <a:ext uri="{FF2B5EF4-FFF2-40B4-BE49-F238E27FC236}">
+                <a16:creationId xmlns:a16="http://schemas.microsoft.com/office/drawing/2014/main" id="{6B26FD2D-537F-60D7-E325-A1D6C5BFCED2}"/>
+              </a:ext>
+            </a:extLst>
+          </p:cNvPr>
+          <p:cNvCxnSpPr>
+            <a:endCxn id="24" idx="2"/>
+          </p:cNvCxnSpPr>
+          <p:nvPr/>
+        </p:nvCxnSpPr>
+        <p:spPr>
+          <a:xfrm>
+            <a:off x="1435510" y="3798696"/>
+            <a:ext cx="689535" cy="1497764"/>
+          </a:xfrm>
+          <a:prstGeom prst="straightConnector1">
+            <a:avLst/>
+          </a:prstGeom>
+          <a:ln>
+            <a:tailEnd type="triangle"/>
+          </a:ln>
+        </p:spPr>
+        <p:style>
+          <a:lnRef idx="1">
+            <a:schemeClr val="accent6"/>
+          </a:lnRef>
+          <a:fillRef idx="0">
+            <a:schemeClr val="accent6"/>
+          </a:fillRef>
+          <a:effectRef idx="0">
+            <a:schemeClr val="accent6"/>
+          </a:effectRef>
+          <a:fontRef idx="minor">
+            <a:schemeClr val="tx1"/>
+          </a:fontRef>
+        </p:style>
+      </p:cxnSp>
+      <p:sp>
+        <p:nvSpPr>
+          <p:cNvPr id="89" name="Freeform: Shape 88">
+            <a:extLst>
+              <a:ext uri="{FF2B5EF4-FFF2-40B4-BE49-F238E27FC236}">
+                <a16:creationId xmlns:a16="http://schemas.microsoft.com/office/drawing/2014/main" id="{4E3952B7-0AE0-F263-1655-F58A32365967}"/>
+              </a:ext>
+            </a:extLst>
+          </p:cNvPr>
+          <p:cNvSpPr/>
+          <p:nvPr/>
+        </p:nvSpPr>
+        <p:spPr>
+          <a:xfrm>
+            <a:off x="1209368" y="845573"/>
+            <a:ext cx="6339456" cy="4457243"/>
+          </a:xfrm>
+          <a:custGeom>
+            <a:avLst/>
+            <a:gdLst>
+              <a:gd name="connsiteX0" fmla="*/ 29497 w 6341806"/>
+              <a:gd name="connsiteY0" fmla="*/ 698091 h 4503174"/>
+              <a:gd name="connsiteX1" fmla="*/ 0 w 6341806"/>
+              <a:gd name="connsiteY1" fmla="*/ 29497 h 4503174"/>
+              <a:gd name="connsiteX2" fmla="*/ 6341806 w 6341806"/>
+              <a:gd name="connsiteY2" fmla="*/ 0 h 4503174"/>
+              <a:gd name="connsiteX3" fmla="*/ 6312309 w 6341806"/>
+              <a:gd name="connsiteY3" fmla="*/ 4503174 h 4503174"/>
+            </a:gdLst>
+            <a:ahLst/>
+            <a:cxnLst>
+              <a:cxn ang="0">
+                <a:pos x="connsiteX0" y="connsiteY0"/>
+              </a:cxn>
+              <a:cxn ang="0">
+                <a:pos x="connsiteX1" y="connsiteY1"/>
+              </a:cxn>
+              <a:cxn ang="0">
+                <a:pos x="connsiteX2" y="connsiteY2"/>
+              </a:cxn>
+              <a:cxn ang="0">
+                <a:pos x="connsiteX3" y="connsiteY3"/>
+              </a:cxn>
+            </a:cxnLst>
+            <a:rect l="l" t="t" r="r" b="b"/>
+            <a:pathLst>
+              <a:path w="6341806" h="4503174">
+                <a:moveTo>
+                  <a:pt x="29497" y="698091"/>
+                </a:moveTo>
+                <a:lnTo>
+                  <a:pt x="0" y="29497"/>
+                </a:lnTo>
+                <a:lnTo>
+                  <a:pt x="6341806" y="0"/>
+                </a:lnTo>
+                <a:lnTo>
+                  <a:pt x="6312309" y="4503174"/>
+                </a:lnTo>
+              </a:path>
+            </a:pathLst>
+          </a:custGeom>
+        </p:spPr>
+        <p:style>
+          <a:lnRef idx="1">
+            <a:schemeClr val="accent6"/>
+          </a:lnRef>
+          <a:fillRef idx="0">
+            <a:schemeClr val="accent6"/>
+          </a:fillRef>
+          <a:effectRef idx="0">
+            <a:schemeClr val="accent6"/>
+          </a:effectRef>
+          <a:fontRef idx="minor">
+            <a:schemeClr val="tx1"/>
+          </a:fontRef>
+        </p:style>
+        <p:txBody>
+          <a:bodyPr rtlCol="0" anchor="ctr"/>
+          <a:lstStyle/>
+          <a:p>
+            <a:pPr algn="ctr"/>
+            <a:endParaRPr lang="pl-PL"/>
+          </a:p>
+        </p:txBody>
+      </p:sp>
+      <p:cxnSp>
+        <p:nvCxnSpPr>
+          <p:cNvPr id="91" name="Straight Arrow Connector 90">
+            <a:extLst>
+              <a:ext uri="{FF2B5EF4-FFF2-40B4-BE49-F238E27FC236}">
+                <a16:creationId xmlns:a16="http://schemas.microsoft.com/office/drawing/2014/main" id="{9CEB4F95-6CC2-379D-A822-0F35276ADC78}"/>
+              </a:ext>
+            </a:extLst>
+          </p:cNvPr>
+          <p:cNvCxnSpPr>
+            <a:cxnSpLocks/>
+            <a:stCxn id="89" idx="3"/>
+            <a:endCxn id="12" idx="6"/>
+          </p:cNvCxnSpPr>
+          <p:nvPr/>
+        </p:nvCxnSpPr>
+        <p:spPr>
+          <a:xfrm flipH="1" flipV="1">
+            <a:off x="7019056" y="5296460"/>
+            <a:ext cx="500282" cy="6356"/>
+          </a:xfrm>
+          <a:prstGeom prst="straightConnector1">
+            <a:avLst/>
+          </a:prstGeom>
+          <a:ln>
+            <a:tailEnd type="triangle"/>
+          </a:ln>
+        </p:spPr>
+        <p:style>
+          <a:lnRef idx="1">
+            <a:schemeClr val="accent6"/>
+          </a:lnRef>
+          <a:fillRef idx="0">
+            <a:schemeClr val="accent6"/>
+          </a:fillRef>
+          <a:effectRef idx="0">
+            <a:schemeClr val="accent6"/>
+          </a:effectRef>
+          <a:fontRef idx="minor">
+            <a:schemeClr val="tx1"/>
+          </a:fontRef>
+        </p:style>
+      </p:cxnSp>
+      <p:cxnSp>
+        <p:nvCxnSpPr>
+          <p:cNvPr id="93" name="Straight Arrow Connector 92">
+            <a:extLst>
+              <a:ext uri="{FF2B5EF4-FFF2-40B4-BE49-F238E27FC236}">
+                <a16:creationId xmlns:a16="http://schemas.microsoft.com/office/drawing/2014/main" id="{A0B1AA91-152D-5B42-1EE5-1A6CD0B3C0CC}"/>
+              </a:ext>
+            </a:extLst>
+          </p:cNvPr>
+          <p:cNvCxnSpPr>
+            <a:endCxn id="11" idx="6"/>
+          </p:cNvCxnSpPr>
+          <p:nvPr/>
+        </p:nvCxnSpPr>
+        <p:spPr>
+          <a:xfrm flipH="1">
+            <a:off x="7019056" y="4832935"/>
+            <a:ext cx="532118" cy="0"/>
+          </a:xfrm>
+          <a:prstGeom prst="straightConnector1">
+            <a:avLst/>
+          </a:prstGeom>
+          <a:ln>
+            <a:tailEnd type="triangle"/>
+          </a:ln>
+        </p:spPr>
+        <p:style>
+          <a:lnRef idx="1">
+            <a:schemeClr val="accent6"/>
+          </a:lnRef>
+          <a:fillRef idx="0">
+            <a:schemeClr val="accent6"/>
+          </a:fillRef>
+          <a:effectRef idx="0">
+            <a:schemeClr val="accent6"/>
+          </a:effectRef>
+          <a:fontRef idx="minor">
+            <a:schemeClr val="tx1"/>
+          </a:fontRef>
+        </p:style>
+      </p:cxnSp>
+      <p:cxnSp>
+        <p:nvCxnSpPr>
+          <p:cNvPr id="95" name="Straight Arrow Connector 94">
+            <a:extLst>
+              <a:ext uri="{FF2B5EF4-FFF2-40B4-BE49-F238E27FC236}">
+                <a16:creationId xmlns:a16="http://schemas.microsoft.com/office/drawing/2014/main" id="{46A948EB-F009-7F61-BEAB-85DE1863330D}"/>
+              </a:ext>
+            </a:extLst>
+          </p:cNvPr>
+          <p:cNvCxnSpPr>
+            <a:endCxn id="10" idx="6"/>
+          </p:cNvCxnSpPr>
+          <p:nvPr/>
+        </p:nvCxnSpPr>
+        <p:spPr>
+          <a:xfrm flipH="1">
+            <a:off x="7019056" y="4369410"/>
+            <a:ext cx="532118" cy="0"/>
+          </a:xfrm>
+          <a:prstGeom prst="straightConnector1">
+            <a:avLst/>
+          </a:prstGeom>
+          <a:ln>
+            <a:tailEnd type="triangle"/>
+          </a:ln>
+        </p:spPr>
+        <p:style>
+          <a:lnRef idx="1">
+            <a:schemeClr val="accent6"/>
+          </a:lnRef>
+          <a:fillRef idx="0">
+            <a:schemeClr val="accent6"/>
+          </a:fillRef>
+          <a:effectRef idx="0">
+            <a:schemeClr val="accent6"/>
+          </a:effectRef>
+          <a:fontRef idx="minor">
+            <a:schemeClr val="tx1"/>
+          </a:fontRef>
+        </p:style>
+      </p:cxnSp>
+      <p:cxnSp>
+        <p:nvCxnSpPr>
+          <p:cNvPr id="97" name="Straight Arrow Connector 96">
+            <a:extLst>
+              <a:ext uri="{FF2B5EF4-FFF2-40B4-BE49-F238E27FC236}">
+                <a16:creationId xmlns:a16="http://schemas.microsoft.com/office/drawing/2014/main" id="{29858A4A-E973-10EB-4B19-BD659A8A8E8B}"/>
+              </a:ext>
+            </a:extLst>
+          </p:cNvPr>
+          <p:cNvCxnSpPr>
+            <a:endCxn id="9" idx="6"/>
+          </p:cNvCxnSpPr>
+          <p:nvPr/>
+        </p:nvCxnSpPr>
+        <p:spPr>
+          <a:xfrm flipH="1" flipV="1">
+            <a:off x="7019056" y="3905885"/>
+            <a:ext cx="532118" cy="15532"/>
+          </a:xfrm>
+          <a:prstGeom prst="straightConnector1">
+            <a:avLst/>
+          </a:prstGeom>
+          <a:ln>
+            <a:tailEnd type="triangle"/>
+          </a:ln>
+        </p:spPr>
+        <p:style>
+          <a:lnRef idx="1">
+            <a:schemeClr val="accent6"/>
+          </a:lnRef>
+          <a:fillRef idx="0">
+            <a:schemeClr val="accent6"/>
+          </a:fillRef>
+          <a:effectRef idx="0">
+            <a:schemeClr val="accent6"/>
+          </a:effectRef>
+          <a:fontRef idx="minor">
+            <a:schemeClr val="tx1"/>
+          </a:fontRef>
+        </p:style>
+      </p:cxnSp>
+      <p:cxnSp>
+        <p:nvCxnSpPr>
+          <p:cNvPr id="99" name="Straight Arrow Connector 98">
+            <a:extLst>
+              <a:ext uri="{FF2B5EF4-FFF2-40B4-BE49-F238E27FC236}">
+                <a16:creationId xmlns:a16="http://schemas.microsoft.com/office/drawing/2014/main" id="{E65484C9-21BF-6C1B-D2FF-0B62E1F84CC6}"/>
+              </a:ext>
+            </a:extLst>
+          </p:cNvPr>
+          <p:cNvCxnSpPr>
+            <a:endCxn id="8" idx="6"/>
+          </p:cNvCxnSpPr>
+          <p:nvPr/>
+        </p:nvCxnSpPr>
+        <p:spPr>
+          <a:xfrm flipH="1">
+            <a:off x="7019056" y="3452100"/>
+            <a:ext cx="532118" cy="0"/>
+          </a:xfrm>
+          <a:prstGeom prst="straightConnector1">
+            <a:avLst/>
+          </a:prstGeom>
+          <a:ln>
+            <a:tailEnd type="triangle"/>
+          </a:ln>
+        </p:spPr>
+        <p:style>
+          <a:lnRef idx="1">
+            <a:schemeClr val="accent6"/>
+          </a:lnRef>
+          <a:fillRef idx="0">
+            <a:schemeClr val="accent6"/>
+          </a:fillRef>
+          <a:effectRef idx="0">
+            <a:schemeClr val="accent6"/>
+          </a:effectRef>
+          <a:fontRef idx="minor">
+            <a:schemeClr val="tx1"/>
+          </a:fontRef>
+        </p:style>
+      </p:cxnSp>
+      <p:cxnSp>
+        <p:nvCxnSpPr>
+          <p:cNvPr id="101" name="Straight Arrow Connector 100">
+            <a:extLst>
+              <a:ext uri="{FF2B5EF4-FFF2-40B4-BE49-F238E27FC236}">
+                <a16:creationId xmlns:a16="http://schemas.microsoft.com/office/drawing/2014/main" id="{794AE518-3F08-FB39-733F-9A588A9BADCE}"/>
+              </a:ext>
+            </a:extLst>
+          </p:cNvPr>
+          <p:cNvCxnSpPr>
+            <a:endCxn id="7" idx="6"/>
+          </p:cNvCxnSpPr>
+          <p:nvPr/>
+        </p:nvCxnSpPr>
+        <p:spPr>
+          <a:xfrm flipH="1">
+            <a:off x="7019056" y="2994367"/>
+            <a:ext cx="532118" cy="3948"/>
+          </a:xfrm>
+          <a:prstGeom prst="straightConnector1">
+            <a:avLst/>
+          </a:prstGeom>
+          <a:ln>
+            <a:tailEnd type="triangle"/>
+          </a:ln>
+        </p:spPr>
+        <p:style>
+          <a:lnRef idx="1">
+            <a:schemeClr val="accent6"/>
+          </a:lnRef>
+          <a:fillRef idx="0">
+            <a:schemeClr val="accent6"/>
+          </a:fillRef>
+          <a:effectRef idx="0">
+            <a:schemeClr val="accent6"/>
+          </a:effectRef>
+          <a:fontRef idx="minor">
+            <a:schemeClr val="tx1"/>
+          </a:fontRef>
+        </p:style>
+      </p:cxnSp>
+      <p:cxnSp>
+        <p:nvCxnSpPr>
+          <p:cNvPr id="103" name="Straight Arrow Connector 102">
+            <a:extLst>
+              <a:ext uri="{FF2B5EF4-FFF2-40B4-BE49-F238E27FC236}">
+                <a16:creationId xmlns:a16="http://schemas.microsoft.com/office/drawing/2014/main" id="{1BC39F9D-FDF3-F3CA-AF96-0D05D6F14725}"/>
+              </a:ext>
+            </a:extLst>
+          </p:cNvPr>
+          <p:cNvCxnSpPr>
+            <a:cxnSpLocks/>
+            <a:endCxn id="6" idx="6"/>
+          </p:cNvCxnSpPr>
+          <p:nvPr/>
+        </p:nvCxnSpPr>
+        <p:spPr>
+          <a:xfrm flipH="1">
+            <a:off x="7019056" y="2544530"/>
+            <a:ext cx="529768" cy="0"/>
+          </a:xfrm>
+          <a:prstGeom prst="straightConnector1">
+            <a:avLst/>
+          </a:prstGeom>
+          <a:ln>
+            <a:tailEnd type="triangle"/>
+          </a:ln>
+        </p:spPr>
+        <p:style>
+          <a:lnRef idx="1">
+            <a:schemeClr val="accent6"/>
+          </a:lnRef>
+          <a:fillRef idx="0">
+            <a:schemeClr val="accent6"/>
+          </a:fillRef>
+          <a:effectRef idx="0">
+            <a:schemeClr val="accent6"/>
+          </a:effectRef>
+          <a:fontRef idx="minor">
+            <a:schemeClr val="tx1"/>
+          </a:fontRef>
+        </p:style>
+      </p:cxnSp>
+      <p:cxnSp>
+        <p:nvCxnSpPr>
+          <p:cNvPr id="107" name="Straight Arrow Connector 106">
+            <a:extLst>
+              <a:ext uri="{FF2B5EF4-FFF2-40B4-BE49-F238E27FC236}">
+                <a16:creationId xmlns:a16="http://schemas.microsoft.com/office/drawing/2014/main" id="{010F8BD4-B50F-ABD4-7639-CDEC64B1A68F}"/>
+              </a:ext>
+            </a:extLst>
+          </p:cNvPr>
+          <p:cNvCxnSpPr>
+            <a:endCxn id="5" idx="6"/>
+          </p:cNvCxnSpPr>
+          <p:nvPr/>
+        </p:nvCxnSpPr>
+        <p:spPr>
+          <a:xfrm flipH="1">
+            <a:off x="7019056" y="2085547"/>
+            <a:ext cx="529768" cy="1250"/>
+          </a:xfrm>
+          <a:prstGeom prst="straightConnector1">
+            <a:avLst/>
+          </a:prstGeom>
+          <a:ln>
+            <a:tailEnd type="triangle"/>
+          </a:ln>
+        </p:spPr>
+        <p:style>
+          <a:lnRef idx="1">
+            <a:schemeClr val="accent6"/>
+          </a:lnRef>
+          <a:fillRef idx="0">
+            <a:schemeClr val="accent6"/>
+          </a:fillRef>
+          <a:effectRef idx="0">
+            <a:schemeClr val="accent6"/>
+          </a:effectRef>
+          <a:fontRef idx="minor">
+            <a:schemeClr val="tx1"/>
+          </a:fontRef>
+        </p:style>
+      </p:cxnSp>
+      <p:cxnSp>
+        <p:nvCxnSpPr>
+          <p:cNvPr id="109" name="Straight Arrow Connector 108">
+            <a:extLst>
+              <a:ext uri="{FF2B5EF4-FFF2-40B4-BE49-F238E27FC236}">
+                <a16:creationId xmlns:a16="http://schemas.microsoft.com/office/drawing/2014/main" id="{3696ED92-CEA6-1FC8-1046-9D7AFD95B9FB}"/>
+              </a:ext>
+            </a:extLst>
+          </p:cNvPr>
+          <p:cNvCxnSpPr>
+            <a:cxnSpLocks/>
+            <a:endCxn id="4" idx="6"/>
+          </p:cNvCxnSpPr>
+          <p:nvPr/>
+        </p:nvCxnSpPr>
+        <p:spPr>
+          <a:xfrm flipH="1">
+            <a:off x="7019056" y="1666513"/>
+            <a:ext cx="532118" cy="3948"/>
+          </a:xfrm>
+          <a:prstGeom prst="straightConnector1">
+            <a:avLst/>
+          </a:prstGeom>
+          <a:ln>
+            <a:tailEnd type="triangle"/>
+          </a:ln>
+        </p:spPr>
+        <p:style>
+          <a:lnRef idx="1">
+            <a:schemeClr val="accent6"/>
+          </a:lnRef>
+          <a:fillRef idx="0">
+            <a:schemeClr val="accent6"/>
+          </a:fillRef>
+          <a:effectRef idx="0">
+            <a:schemeClr val="accent6"/>
+          </a:effectRef>
+          <a:fontRef idx="minor">
+            <a:schemeClr val="tx1"/>
+          </a:fontRef>
+        </p:style>
+      </p:cxnSp>
+      <p:cxnSp>
+        <p:nvCxnSpPr>
+          <p:cNvPr id="112" name="Straight Arrow Connector 111">
+            <a:extLst>
+              <a:ext uri="{FF2B5EF4-FFF2-40B4-BE49-F238E27FC236}">
+                <a16:creationId xmlns:a16="http://schemas.microsoft.com/office/drawing/2014/main" id="{83B542AB-7B8D-F321-177C-0D32E8D9B5F8}"/>
+              </a:ext>
+            </a:extLst>
+          </p:cNvPr>
+          <p:cNvCxnSpPr>
+            <a:endCxn id="3" idx="6"/>
+          </p:cNvCxnSpPr>
+          <p:nvPr/>
+        </p:nvCxnSpPr>
+        <p:spPr>
+          <a:xfrm flipH="1">
+            <a:off x="7019056" y="1216676"/>
+            <a:ext cx="529768" cy="0"/>
+          </a:xfrm>
+          <a:prstGeom prst="straightConnector1">
+            <a:avLst/>
+          </a:prstGeom>
+          <a:ln>
+            <a:tailEnd type="triangle"/>
+          </a:ln>
+        </p:spPr>
+        <p:style>
+          <a:lnRef idx="1">
+            <a:schemeClr val="accent6"/>
+          </a:lnRef>
+          <a:fillRef idx="0">
+            <a:schemeClr val="accent6"/>
+          </a:fillRef>
+          <a:effectRef idx="0">
+            <a:schemeClr val="accent6"/>
+          </a:effectRef>
+          <a:fontRef idx="minor">
+            <a:schemeClr val="tx1"/>
+          </a:fontRef>
+        </p:style>
+      </p:cxnSp>
+      <p:cxnSp>
+        <p:nvCxnSpPr>
+          <p:cNvPr id="118" name="Straight Arrow Connector 117">
+            <a:extLst>
+              <a:ext uri="{FF2B5EF4-FFF2-40B4-BE49-F238E27FC236}">
+                <a16:creationId xmlns:a16="http://schemas.microsoft.com/office/drawing/2014/main" id="{88C36779-E973-34D3-CF5A-E87B2648E5B8}"/>
+              </a:ext>
+            </a:extLst>
+          </p:cNvPr>
+          <p:cNvCxnSpPr>
+            <a:stCxn id="3" idx="6"/>
+            <a:endCxn id="59" idx="1"/>
+          </p:cNvCxnSpPr>
+          <p:nvPr/>
+        </p:nvCxnSpPr>
+        <p:spPr>
+          <a:xfrm flipV="1">
+            <a:off x="7019056" y="540457"/>
+            <a:ext cx="727189" cy="676219"/>
+          </a:xfrm>
+          <a:prstGeom prst="straightConnector1">
+            <a:avLst/>
+          </a:prstGeom>
+          <a:ln>
+            <a:tailEnd type="triangle"/>
+          </a:ln>
+        </p:spPr>
+        <p:style>
+          <a:lnRef idx="1">
+            <a:schemeClr val="accent3"/>
+          </a:lnRef>
+          <a:fillRef idx="0">
+            <a:schemeClr val="accent3"/>
+          </a:fillRef>
+          <a:effectRef idx="0">
+            <a:schemeClr val="accent3"/>
+          </a:effectRef>
+          <a:fontRef idx="minor">
+            <a:schemeClr val="tx1"/>
+          </a:fontRef>
+        </p:style>
+      </p:cxnSp>
+      <p:cxnSp>
+        <p:nvCxnSpPr>
+          <p:cNvPr id="120" name="Straight Arrow Connector 119">
+            <a:extLst>
+              <a:ext uri="{FF2B5EF4-FFF2-40B4-BE49-F238E27FC236}">
+                <a16:creationId xmlns:a16="http://schemas.microsoft.com/office/drawing/2014/main" id="{B2437BE5-7889-7864-3977-B513F3F6B6D3}"/>
+              </a:ext>
+            </a:extLst>
+          </p:cNvPr>
+          <p:cNvCxnSpPr>
+            <a:stCxn id="4" idx="6"/>
+            <a:endCxn id="59" idx="1"/>
+          </p:cNvCxnSpPr>
+          <p:nvPr/>
+        </p:nvCxnSpPr>
+        <p:spPr>
+          <a:xfrm flipV="1">
+            <a:off x="7019056" y="540457"/>
+            <a:ext cx="727189" cy="1130004"/>
+          </a:xfrm>
+          <a:prstGeom prst="straightConnector1">
+            <a:avLst/>
+          </a:prstGeom>
+          <a:ln>
+            <a:tailEnd type="triangle"/>
+          </a:ln>
+        </p:spPr>
+        <p:style>
+          <a:lnRef idx="1">
+            <a:schemeClr val="accent3"/>
+          </a:lnRef>
+          <a:fillRef idx="0">
+            <a:schemeClr val="accent3"/>
+          </a:fillRef>
+          <a:effectRef idx="0">
+            <a:schemeClr val="accent3"/>
+          </a:effectRef>
+          <a:fontRef idx="minor">
+            <a:schemeClr val="tx1"/>
+          </a:fontRef>
+        </p:style>
+      </p:cxnSp>
+      <p:cxnSp>
+        <p:nvCxnSpPr>
+          <p:cNvPr id="122" name="Straight Arrow Connector 121">
+            <a:extLst>
+              <a:ext uri="{FF2B5EF4-FFF2-40B4-BE49-F238E27FC236}">
+                <a16:creationId xmlns:a16="http://schemas.microsoft.com/office/drawing/2014/main" id="{4F6435F0-F0E7-B811-7259-109592467239}"/>
+              </a:ext>
+            </a:extLst>
+          </p:cNvPr>
+          <p:cNvCxnSpPr>
+            <a:stCxn id="5" idx="6"/>
+            <a:endCxn id="59" idx="1"/>
+          </p:cNvCxnSpPr>
+          <p:nvPr/>
+        </p:nvCxnSpPr>
+        <p:spPr>
+          <a:xfrm flipV="1">
+            <a:off x="7019056" y="540457"/>
+            <a:ext cx="727189" cy="1546340"/>
+          </a:xfrm>
+          <a:prstGeom prst="straightConnector1">
+            <a:avLst/>
+          </a:prstGeom>
+          <a:ln>
+            <a:tailEnd type="triangle"/>
+          </a:ln>
+        </p:spPr>
+        <p:style>
+          <a:lnRef idx="1">
+            <a:schemeClr val="accent3"/>
+          </a:lnRef>
+          <a:fillRef idx="0">
+            <a:schemeClr val="accent3"/>
+          </a:fillRef>
+          <a:effectRef idx="0">
+            <a:schemeClr val="accent3"/>
+          </a:effectRef>
+          <a:fontRef idx="minor">
+            <a:schemeClr val="tx1"/>
+          </a:fontRef>
+        </p:style>
+      </p:cxnSp>
+      <p:cxnSp>
+        <p:nvCxnSpPr>
+          <p:cNvPr id="124" name="Straight Arrow Connector 123">
+            <a:extLst>
+              <a:ext uri="{FF2B5EF4-FFF2-40B4-BE49-F238E27FC236}">
+                <a16:creationId xmlns:a16="http://schemas.microsoft.com/office/drawing/2014/main" id="{B3BECB3F-AA59-381C-9EAA-7D5D421D68B7}"/>
+              </a:ext>
+            </a:extLst>
+          </p:cNvPr>
+          <p:cNvCxnSpPr>
+            <a:stCxn id="6" idx="6"/>
+            <a:endCxn id="59" idx="1"/>
+          </p:cNvCxnSpPr>
+          <p:nvPr/>
+        </p:nvCxnSpPr>
+        <p:spPr>
+          <a:xfrm flipV="1">
+            <a:off x="7019056" y="540457"/>
+            <a:ext cx="727189" cy="2004073"/>
+          </a:xfrm>
+          <a:prstGeom prst="straightConnector1">
+            <a:avLst/>
+          </a:prstGeom>
+          <a:ln>
+            <a:tailEnd type="triangle"/>
+          </a:ln>
+        </p:spPr>
+        <p:style>
+          <a:lnRef idx="1">
+            <a:schemeClr val="accent3"/>
+          </a:lnRef>
+          <a:fillRef idx="0">
+            <a:schemeClr val="accent3"/>
+          </a:fillRef>
+          <a:effectRef idx="0">
+            <a:schemeClr val="accent3"/>
+          </a:effectRef>
+          <a:fontRef idx="minor">
+            <a:schemeClr val="tx1"/>
+          </a:fontRef>
+        </p:style>
+      </p:cxnSp>
     </p:spTree>
     <p:extLst>
       <p:ext uri="{BB962C8B-B14F-4D97-AF65-F5344CB8AC3E}">
-        <p14:creationId xmlns:p14="http://schemas.microsoft.com/office/powerpoint/2010/main" val="2717208979"/>
+        <p14:creationId xmlns:p14="http://schemas.microsoft.com/office/powerpoint/2010/main" val="4169546643"/>
       </p:ext>
     </p:extLst>
   </p:cSld>
@@ -8134,7 +11112,7 @@
 </p:sld>
 </file>
 
-<file path=ppt/slides/slide5.xml><?xml version="1.0" encoding="utf-8"?>
+<file path=ppt/slides/slide6.xml><?xml version="1.0" encoding="utf-8"?>
 <p:sld xmlns:a="http://schemas.openxmlformats.org/drawingml/2006/main" xmlns:r="http://schemas.openxmlformats.org/officeDocument/2006/relationships" xmlns:p="http://schemas.openxmlformats.org/presentationml/2006/main">
   <p:cSld>
     <p:spTree>
@@ -9811,7 +12789,7 @@
 </p:sld>
 </file>
 
-<file path=ppt/slides/slide6.xml><?xml version="1.0" encoding="utf-8"?>
+<file path=ppt/slides/slide7.xml><?xml version="1.0" encoding="utf-8"?>
 <p:sld xmlns:a="http://schemas.openxmlformats.org/drawingml/2006/main" xmlns:r="http://schemas.openxmlformats.org/officeDocument/2006/relationships" xmlns:p="http://schemas.openxmlformats.org/presentationml/2006/main">
   <p:cSld>
     <p:spTree>

--- a/ThingSpaceTsM2.pptx
+++ b/ThingSpaceTsM2.pptx
@@ -314,7 +314,7 @@
           <a:p>
             <a:fld id="{D17C0673-4D49-4E82-8C72-D8AA60F272CB}" type="datetimeFigureOut">
               <a:rPr lang="pl-PL" smtClean="0"/>
-              <a:t>23.09.2025</a:t>
+              <a:t>24.09.2025</a:t>
             </a:fld>
             <a:endParaRPr lang="pl-PL"/>
           </a:p>
@@ -595,7 +595,7 @@
           <a:p>
             <a:fld id="{D17C0673-4D49-4E82-8C72-D8AA60F272CB}" type="datetimeFigureOut">
               <a:rPr lang="pl-PL" smtClean="0"/>
-              <a:t>23.09.2025</a:t>
+              <a:t>24.09.2025</a:t>
             </a:fld>
             <a:endParaRPr lang="pl-PL"/>
           </a:p>
@@ -787,7 +787,7 @@
           <a:p>
             <a:fld id="{D17C0673-4D49-4E82-8C72-D8AA60F272CB}" type="datetimeFigureOut">
               <a:rPr lang="pl-PL" smtClean="0"/>
-              <a:t>23.09.2025</a:t>
+              <a:t>24.09.2025</a:t>
             </a:fld>
             <a:endParaRPr lang="pl-PL"/>
           </a:p>
@@ -1048,7 +1048,7 @@
           <a:p>
             <a:fld id="{D17C0673-4D49-4E82-8C72-D8AA60F272CB}" type="datetimeFigureOut">
               <a:rPr lang="pl-PL" smtClean="0"/>
-              <a:t>23.09.2025</a:t>
+              <a:t>24.09.2025</a:t>
             </a:fld>
             <a:endParaRPr lang="pl-PL"/>
           </a:p>
@@ -1474,7 +1474,7 @@
           <a:p>
             <a:fld id="{D17C0673-4D49-4E82-8C72-D8AA60F272CB}" type="datetimeFigureOut">
               <a:rPr lang="pl-PL" smtClean="0"/>
-              <a:t>23.09.2025</a:t>
+              <a:t>24.09.2025</a:t>
             </a:fld>
             <a:endParaRPr lang="pl-PL"/>
           </a:p>
@@ -2020,7 +2020,7 @@
           <a:p>
             <a:fld id="{D17C0673-4D49-4E82-8C72-D8AA60F272CB}" type="datetimeFigureOut">
               <a:rPr lang="pl-PL" smtClean="0"/>
-              <a:t>23.09.2025</a:t>
+              <a:t>24.09.2025</a:t>
             </a:fld>
             <a:endParaRPr lang="pl-PL"/>
           </a:p>
@@ -2851,7 +2851,7 @@
           <a:p>
             <a:fld id="{D17C0673-4D49-4E82-8C72-D8AA60F272CB}" type="datetimeFigureOut">
               <a:rPr lang="pl-PL" smtClean="0"/>
-              <a:t>23.09.2025</a:t>
+              <a:t>24.09.2025</a:t>
             </a:fld>
             <a:endParaRPr lang="pl-PL"/>
           </a:p>
@@ -3021,7 +3021,7 @@
           <a:p>
             <a:fld id="{D17C0673-4D49-4E82-8C72-D8AA60F272CB}" type="datetimeFigureOut">
               <a:rPr lang="pl-PL" smtClean="0"/>
-              <a:t>23.09.2025</a:t>
+              <a:t>24.09.2025</a:t>
             </a:fld>
             <a:endParaRPr lang="pl-PL"/>
           </a:p>
@@ -3201,7 +3201,7 @@
           <a:p>
             <a:fld id="{D17C0673-4D49-4E82-8C72-D8AA60F272CB}" type="datetimeFigureOut">
               <a:rPr lang="pl-PL" smtClean="0"/>
-              <a:t>23.09.2025</a:t>
+              <a:t>24.09.2025</a:t>
             </a:fld>
             <a:endParaRPr lang="pl-PL"/>
           </a:p>
@@ -3371,7 +3371,7 @@
           <a:p>
             <a:fld id="{D17C0673-4D49-4E82-8C72-D8AA60F272CB}" type="datetimeFigureOut">
               <a:rPr lang="pl-PL" smtClean="0"/>
-              <a:t>23.09.2025</a:t>
+              <a:t>24.09.2025</a:t>
             </a:fld>
             <a:endParaRPr lang="pl-PL"/>
           </a:p>
@@ -3628,7 +3628,7 @@
           <a:p>
             <a:fld id="{D17C0673-4D49-4E82-8C72-D8AA60F272CB}" type="datetimeFigureOut">
               <a:rPr lang="pl-PL" smtClean="0"/>
-              <a:t>23.09.2025</a:t>
+              <a:t>24.09.2025</a:t>
             </a:fld>
             <a:endParaRPr lang="pl-PL"/>
           </a:p>
@@ -3860,7 +3860,7 @@
           <a:p>
             <a:fld id="{D17C0673-4D49-4E82-8C72-D8AA60F272CB}" type="datetimeFigureOut">
               <a:rPr lang="pl-PL" smtClean="0"/>
-              <a:t>23.09.2025</a:t>
+              <a:t>24.09.2025</a:t>
             </a:fld>
             <a:endParaRPr lang="pl-PL"/>
           </a:p>
@@ -4253,7 +4253,7 @@
           <a:p>
             <a:fld id="{D17C0673-4D49-4E82-8C72-D8AA60F272CB}" type="datetimeFigureOut">
               <a:rPr lang="pl-PL" smtClean="0"/>
-              <a:t>23.09.2025</a:t>
+              <a:t>24.09.2025</a:t>
             </a:fld>
             <a:endParaRPr lang="pl-PL"/>
           </a:p>
@@ -4371,7 +4371,7 @@
           <a:p>
             <a:fld id="{D17C0673-4D49-4E82-8C72-D8AA60F272CB}" type="datetimeFigureOut">
               <a:rPr lang="pl-PL" smtClean="0"/>
-              <a:t>23.09.2025</a:t>
+              <a:t>24.09.2025</a:t>
             </a:fld>
             <a:endParaRPr lang="pl-PL"/>
           </a:p>
@@ -4466,7 +4466,7 @@
           <a:p>
             <a:fld id="{D17C0673-4D49-4E82-8C72-D8AA60F272CB}" type="datetimeFigureOut">
               <a:rPr lang="pl-PL" smtClean="0"/>
-              <a:t>23.09.2025</a:t>
+              <a:t>24.09.2025</a:t>
             </a:fld>
             <a:endParaRPr lang="pl-PL"/>
           </a:p>
@@ -4739,7 +4739,7 @@
           <a:p>
             <a:fld id="{D17C0673-4D49-4E82-8C72-D8AA60F272CB}" type="datetimeFigureOut">
               <a:rPr lang="pl-PL" smtClean="0"/>
-              <a:t>23.09.2025</a:t>
+              <a:t>24.09.2025</a:t>
             </a:fld>
             <a:endParaRPr lang="pl-PL"/>
           </a:p>
@@ -5020,7 +5020,7 @@
           <a:p>
             <a:fld id="{D17C0673-4D49-4E82-8C72-D8AA60F272CB}" type="datetimeFigureOut">
               <a:rPr lang="pl-PL" smtClean="0"/>
-              <a:t>23.09.2025</a:t>
+              <a:t>24.09.2025</a:t>
             </a:fld>
             <a:endParaRPr lang="pl-PL"/>
           </a:p>
@@ -5260,7 +5260,7 @@
           <a:p>
             <a:fld id="{D17C0673-4D49-4E82-8C72-D8AA60F272CB}" type="datetimeFigureOut">
               <a:rPr lang="pl-PL" smtClean="0"/>
-              <a:t>23.09.2025</a:t>
+              <a:t>24.09.2025</a:t>
             </a:fld>
             <a:endParaRPr lang="pl-PL"/>
           </a:p>
@@ -8231,7 +8231,7 @@
             <a:pPr algn="ctr"/>
             <a:r>
               <a:rPr lang="en-IE" sz="1400" dirty="0"/>
-              <a:t>Sign in</a:t>
+              <a:t>Sign up</a:t>
             </a:r>
             <a:endParaRPr lang="pl-PL" sz="1400" dirty="0"/>
           </a:p>
@@ -8281,7 +8281,7 @@
             <a:pPr algn="ctr"/>
             <a:r>
               <a:rPr lang="en-IE" sz="1400" dirty="0"/>
-              <a:t>Sign out</a:t>
+              <a:t>Sign in</a:t>
             </a:r>
             <a:endParaRPr lang="pl-PL" sz="1400" dirty="0"/>
           </a:p>
@@ -8330,10 +8330,10 @@
           <a:p>
             <a:pPr algn="ctr"/>
             <a:r>
-              <a:rPr lang="en-IE" sz="1200" dirty="0"/>
-              <a:t>Delete account</a:t>
-            </a:r>
-            <a:endParaRPr lang="pl-PL" sz="1200" dirty="0"/>
+              <a:rPr lang="en-IE" sz="1400" dirty="0"/>
+              <a:t>Sign out</a:t>
+            </a:r>
+            <a:endParaRPr lang="pl-PL" sz="1400" dirty="0"/>
           </a:p>
         </p:txBody>
       </p:sp>
@@ -8380,10 +8380,10 @@
           <a:p>
             <a:pPr algn="ctr"/>
             <a:r>
-              <a:rPr lang="en-IE" sz="1400" dirty="0"/>
-              <a:t>Sign in</a:t>
-            </a:r>
-            <a:endParaRPr lang="pl-PL" sz="1400" dirty="0"/>
+              <a:rPr lang="en-IE" sz="1200" dirty="0"/>
+              <a:t>Delete Account</a:t>
+            </a:r>
+            <a:endParaRPr lang="pl-PL" sz="1200" dirty="0"/>
           </a:p>
         </p:txBody>
       </p:sp>
@@ -8531,7 +8531,7 @@
             <a:pPr algn="ctr"/>
             <a:r>
               <a:rPr lang="en-IE" sz="1200" dirty="0"/>
-              <a:t>Delete Note</a:t>
+              <a:t>Share Note</a:t>
             </a:r>
             <a:endParaRPr lang="pl-PL" sz="1200" dirty="0"/>
           </a:p>
@@ -8580,8 +8580,12 @@
           <a:p>
             <a:pPr algn="ctr"/>
             <a:r>
+              <a:rPr lang="en-IE" sz="1200"/>
+              <a:t>Delete </a:t>
+            </a:r>
+            <a:r>
               <a:rPr lang="en-IE" sz="1200" dirty="0"/>
-              <a:t>Share Note</a:t>
+              <a:t>Note</a:t>
             </a:r>
             <a:endParaRPr lang="pl-PL" sz="1200" dirty="0"/>
           </a:p>
@@ -8914,7 +8918,7 @@
         </p:nvSpPr>
         <p:spPr>
           <a:xfrm>
-            <a:off x="2125045" y="4244018"/>
+            <a:off x="2174891" y="4410163"/>
             <a:ext cx="2748116" cy="281848"/>
           </a:xfrm>
           <a:prstGeom prst="ellipse">
@@ -9020,7 +9024,7 @@
         </p:nvSpPr>
         <p:spPr>
           <a:xfrm>
-            <a:off x="2125045" y="2853443"/>
+            <a:off x="2125045" y="3162909"/>
             <a:ext cx="2748116" cy="281848"/>
           </a:xfrm>
           <a:prstGeom prst="ellipse">
@@ -9073,7 +9077,7 @@
         </p:nvSpPr>
         <p:spPr>
           <a:xfrm>
-            <a:off x="2125045" y="3316968"/>
+            <a:off x="2108376" y="3610667"/>
             <a:ext cx="2748116" cy="281848"/>
           </a:xfrm>
           <a:prstGeom prst="ellipse">
@@ -9126,7 +9130,7 @@
         </p:nvSpPr>
         <p:spPr>
           <a:xfrm>
-            <a:off x="2125045" y="3780493"/>
+            <a:off x="2125045" y="4066178"/>
             <a:ext cx="2748116" cy="281848"/>
           </a:xfrm>
           <a:prstGeom prst="ellipse">
@@ -9179,7 +9183,7 @@
         </p:nvSpPr>
         <p:spPr>
           <a:xfrm>
-            <a:off x="2125045" y="4692011"/>
+            <a:off x="2108376" y="4762744"/>
             <a:ext cx="2748116" cy="281848"/>
           </a:xfrm>
           <a:prstGeom prst="ellipse">
@@ -9517,8 +9521,8 @@
         </p:nvCxnSpPr>
         <p:spPr>
           <a:xfrm flipV="1">
-            <a:off x="4873161" y="2998315"/>
-            <a:ext cx="513729" cy="459577"/>
+            <a:off x="4856492" y="2998315"/>
+            <a:ext cx="530398" cy="753276"/>
           </a:xfrm>
           <a:prstGeom prst="straightConnector1">
             <a:avLst/>
@@ -9562,7 +9566,7 @@
         </p:nvSpPr>
         <p:spPr>
           <a:xfrm>
-            <a:off x="4693848" y="3051721"/>
+            <a:off x="4567962" y="3392774"/>
             <a:ext cx="960519" cy="276999"/>
           </a:xfrm>
           <a:prstGeom prst="rect">
@@ -9598,7 +9602,7 @@
         </p:nvSpPr>
         <p:spPr>
           <a:xfrm>
-            <a:off x="1117115" y="3303594"/>
+            <a:off x="1154719" y="4353929"/>
             <a:ext cx="235973" cy="171937"/>
           </a:xfrm>
           <a:prstGeom prst="ellipse">
@@ -9647,7 +9651,7 @@
         </p:nvCxnSpPr>
         <p:spPr>
           <a:xfrm>
-            <a:off x="1235102" y="3475531"/>
+            <a:off x="1272706" y="4525866"/>
             <a:ext cx="0" cy="584398"/>
           </a:xfrm>
           <a:prstGeom prst="line">
@@ -9683,7 +9687,7 @@
         </p:nvCxnSpPr>
         <p:spPr>
           <a:xfrm flipV="1">
-            <a:off x="1117115" y="4059929"/>
+            <a:off x="1154719" y="5110264"/>
             <a:ext cx="117987" cy="113786"/>
           </a:xfrm>
           <a:prstGeom prst="line">
@@ -9719,7 +9723,7 @@
         </p:nvCxnSpPr>
         <p:spPr>
           <a:xfrm>
-            <a:off x="1235102" y="4059929"/>
+            <a:off x="1272706" y="5110264"/>
             <a:ext cx="117986" cy="113786"/>
           </a:xfrm>
           <a:prstGeom prst="line">
@@ -9755,7 +9759,7 @@
         </p:nvCxnSpPr>
         <p:spPr>
           <a:xfrm flipV="1">
-            <a:off x="1117115" y="3656807"/>
+            <a:off x="1154719" y="4707142"/>
             <a:ext cx="117987" cy="100572"/>
           </a:xfrm>
           <a:prstGeom prst="line">
@@ -9791,7 +9795,7 @@
         </p:nvCxnSpPr>
         <p:spPr>
           <a:xfrm>
-            <a:off x="1235102" y="3656807"/>
+            <a:off x="1272706" y="4707142"/>
             <a:ext cx="117986" cy="100572"/>
           </a:xfrm>
           <a:prstGeom prst="line">
@@ -9823,14 +9827,15 @@
             </a:extLst>
           </p:cNvPr>
           <p:cNvCxnSpPr>
+            <a:cxnSpLocks/>
             <a:stCxn id="42" idx="0"/>
           </p:cNvCxnSpPr>
           <p:nvPr/>
         </p:nvCxnSpPr>
         <p:spPr>
-          <a:xfrm flipH="1" flipV="1">
-            <a:off x="1231475" y="2490816"/>
-            <a:ext cx="3627" cy="812778"/>
+          <a:xfrm flipV="1">
+            <a:off x="1272706" y="4005699"/>
+            <a:ext cx="0" cy="348230"/>
           </a:xfrm>
           <a:prstGeom prst="straightConnector1">
             <a:avLst/>
@@ -9904,7 +9909,7 @@
         </p:nvSpPr>
         <p:spPr>
           <a:xfrm>
-            <a:off x="-52404" y="3475531"/>
+            <a:off x="-14800" y="4525866"/>
             <a:ext cx="1283878" cy="646331"/>
           </a:xfrm>
           <a:prstGeom prst="rect">
@@ -10187,145 +10192,23 @@
       </p:cxnSp>
       <p:cxnSp>
         <p:nvCxnSpPr>
-          <p:cNvPr id="72" name="Straight Arrow Connector 71">
-            <a:extLst>
-              <a:ext uri="{FF2B5EF4-FFF2-40B4-BE49-F238E27FC236}">
-                <a16:creationId xmlns:a16="http://schemas.microsoft.com/office/drawing/2014/main" id="{AFC20540-DC5E-3A71-2219-9A189F9E1732}"/>
+          <p:cNvPr id="78" name="Straight Arrow Connector 77">
+            <a:extLst>
+              <a:ext uri="{FF2B5EF4-FFF2-40B4-BE49-F238E27FC236}">
+                <a16:creationId xmlns:a16="http://schemas.microsoft.com/office/drawing/2014/main" id="{CAC906D3-E3AD-662F-268C-D7A3F098AF4C}"/>
               </a:ext>
             </a:extLst>
           </p:cNvPr>
           <p:cNvCxnSpPr>
-            <a:endCxn id="20" idx="2"/>
-          </p:cNvCxnSpPr>
-          <p:nvPr/>
-        </p:nvCxnSpPr>
-        <p:spPr>
-          <a:xfrm>
-            <a:off x="1465006" y="2001453"/>
-            <a:ext cx="660039" cy="992914"/>
-          </a:xfrm>
-          <a:prstGeom prst="straightConnector1">
-            <a:avLst/>
-          </a:prstGeom>
-          <a:ln>
-            <a:tailEnd type="triangle"/>
-          </a:ln>
-        </p:spPr>
-        <p:style>
-          <a:lnRef idx="1">
-            <a:schemeClr val="accent6"/>
-          </a:lnRef>
-          <a:fillRef idx="0">
-            <a:schemeClr val="accent6"/>
-          </a:fillRef>
-          <a:effectRef idx="0">
-            <a:schemeClr val="accent6"/>
-          </a:effectRef>
-          <a:fontRef idx="minor">
-            <a:schemeClr val="tx1"/>
-          </a:fontRef>
-        </p:style>
-      </p:cxnSp>
-      <p:cxnSp>
-        <p:nvCxnSpPr>
-          <p:cNvPr id="74" name="Straight Arrow Connector 73">
-            <a:extLst>
-              <a:ext uri="{FF2B5EF4-FFF2-40B4-BE49-F238E27FC236}">
-                <a16:creationId xmlns:a16="http://schemas.microsoft.com/office/drawing/2014/main" id="{1A004089-E8E0-88FF-5B52-24FC76AAEC03}"/>
-              </a:ext>
-            </a:extLst>
-          </p:cNvPr>
-          <p:cNvCxnSpPr>
-            <a:endCxn id="21" idx="2"/>
-          </p:cNvCxnSpPr>
-          <p:nvPr/>
-        </p:nvCxnSpPr>
-        <p:spPr>
-          <a:xfrm>
-            <a:off x="1465006" y="2011804"/>
-            <a:ext cx="660039" cy="1446088"/>
-          </a:xfrm>
-          <a:prstGeom prst="straightConnector1">
-            <a:avLst/>
-          </a:prstGeom>
-          <a:ln>
-            <a:tailEnd type="triangle"/>
-          </a:ln>
-        </p:spPr>
-        <p:style>
-          <a:lnRef idx="1">
-            <a:schemeClr val="accent6"/>
-          </a:lnRef>
-          <a:fillRef idx="0">
-            <a:schemeClr val="accent6"/>
-          </a:fillRef>
-          <a:effectRef idx="0">
-            <a:schemeClr val="accent6"/>
-          </a:effectRef>
-          <a:fontRef idx="minor">
-            <a:schemeClr val="tx1"/>
-          </a:fontRef>
-        </p:style>
-      </p:cxnSp>
-      <p:cxnSp>
-        <p:nvCxnSpPr>
-          <p:cNvPr id="76" name="Straight Arrow Connector 75">
-            <a:extLst>
-              <a:ext uri="{FF2B5EF4-FFF2-40B4-BE49-F238E27FC236}">
-                <a16:creationId xmlns:a16="http://schemas.microsoft.com/office/drawing/2014/main" id="{544F7A69-5423-0BA5-5EC4-3C96ECC817CA}"/>
-              </a:ext>
-            </a:extLst>
-          </p:cNvPr>
-          <p:cNvCxnSpPr>
-            <a:endCxn id="22" idx="2"/>
-          </p:cNvCxnSpPr>
-          <p:nvPr/>
-        </p:nvCxnSpPr>
-        <p:spPr>
-          <a:xfrm>
-            <a:off x="1465006" y="2011804"/>
-            <a:ext cx="660039" cy="1909613"/>
-          </a:xfrm>
-          <a:prstGeom prst="straightConnector1">
-            <a:avLst/>
-          </a:prstGeom>
-          <a:ln>
-            <a:tailEnd type="triangle"/>
-          </a:ln>
-        </p:spPr>
-        <p:style>
-          <a:lnRef idx="1">
-            <a:schemeClr val="accent6"/>
-          </a:lnRef>
-          <a:fillRef idx="0">
-            <a:schemeClr val="accent6"/>
-          </a:fillRef>
-          <a:effectRef idx="0">
-            <a:schemeClr val="accent6"/>
-          </a:effectRef>
-          <a:fontRef idx="minor">
-            <a:schemeClr val="tx1"/>
-          </a:fontRef>
-        </p:style>
-      </p:cxnSp>
-      <p:cxnSp>
-        <p:nvCxnSpPr>
-          <p:cNvPr id="78" name="Straight Arrow Connector 77">
-            <a:extLst>
-              <a:ext uri="{FF2B5EF4-FFF2-40B4-BE49-F238E27FC236}">
-                <a16:creationId xmlns:a16="http://schemas.microsoft.com/office/drawing/2014/main" id="{CAC906D3-E3AD-662F-268C-D7A3F098AF4C}"/>
-              </a:ext>
-            </a:extLst>
-          </p:cNvPr>
-          <p:cNvCxnSpPr>
+            <a:cxnSpLocks/>
             <a:endCxn id="18" idx="2"/>
           </p:cNvCxnSpPr>
           <p:nvPr/>
         </p:nvCxnSpPr>
         <p:spPr>
-          <a:xfrm>
-            <a:off x="1435510" y="3780493"/>
-            <a:ext cx="689535" cy="604449"/>
+          <a:xfrm flipV="1">
+            <a:off x="1465006" y="4551087"/>
+            <a:ext cx="709885" cy="261431"/>
           </a:xfrm>
           <a:prstGeom prst="straightConnector1">
             <a:avLst/>
@@ -10359,14 +10242,15 @@
             </a:extLst>
           </p:cNvPr>
           <p:cNvCxnSpPr>
+            <a:cxnSpLocks/>
             <a:endCxn id="23" idx="2"/>
           </p:cNvCxnSpPr>
           <p:nvPr/>
         </p:nvCxnSpPr>
         <p:spPr>
           <a:xfrm>
-            <a:off x="1435510" y="3798696"/>
-            <a:ext cx="689535" cy="1034239"/>
+            <a:off x="1435510" y="4828987"/>
+            <a:ext cx="672866" cy="74681"/>
           </a:xfrm>
           <a:prstGeom prst="straightConnector1">
             <a:avLst/>
@@ -10400,14 +10284,15 @@
             </a:extLst>
           </p:cNvPr>
           <p:cNvCxnSpPr>
+            <a:cxnSpLocks/>
             <a:endCxn id="24" idx="2"/>
           </p:cNvCxnSpPr>
           <p:nvPr/>
         </p:nvCxnSpPr>
         <p:spPr>
           <a:xfrm>
-            <a:off x="1435510" y="3798696"/>
-            <a:ext cx="689535" cy="1497764"/>
+            <a:off x="1413894" y="4828987"/>
+            <a:ext cx="711151" cy="467473"/>
           </a:xfrm>
           <a:prstGeom prst="straightConnector1">
             <a:avLst/>
@@ -11099,6 +10984,754 @@
           </a:fontRef>
         </p:style>
       </p:cxnSp>
+      <p:sp>
+        <p:nvSpPr>
+          <p:cNvPr id="29" name="Oval 28">
+            <a:extLst>
+              <a:ext uri="{FF2B5EF4-FFF2-40B4-BE49-F238E27FC236}">
+                <a16:creationId xmlns:a16="http://schemas.microsoft.com/office/drawing/2014/main" id="{3AC4E15A-86FB-E67F-3788-40236A25544A}"/>
+              </a:ext>
+            </a:extLst>
+          </p:cNvPr>
+          <p:cNvSpPr/>
+          <p:nvPr/>
+        </p:nvSpPr>
+        <p:spPr>
+          <a:xfrm>
+            <a:off x="1147584" y="3115565"/>
+            <a:ext cx="235973" cy="171937"/>
+          </a:xfrm>
+          <a:prstGeom prst="ellipse">
+            <a:avLst/>
+          </a:prstGeom>
+        </p:spPr>
+        <p:style>
+          <a:lnRef idx="2">
+            <a:schemeClr val="accent1">
+              <a:shade val="15000"/>
+            </a:schemeClr>
+          </a:lnRef>
+          <a:fillRef idx="1">
+            <a:schemeClr val="accent1"/>
+          </a:fillRef>
+          <a:effectRef idx="0">
+            <a:schemeClr val="accent1"/>
+          </a:effectRef>
+          <a:fontRef idx="minor">
+            <a:schemeClr val="lt1"/>
+          </a:fontRef>
+        </p:style>
+        <p:txBody>
+          <a:bodyPr rtlCol="0" anchor="ctr"/>
+          <a:lstStyle/>
+          <a:p>
+            <a:pPr algn="ctr"/>
+            <a:endParaRPr lang="pl-PL"/>
+          </a:p>
+        </p:txBody>
+      </p:sp>
+      <p:cxnSp>
+        <p:nvCxnSpPr>
+          <p:cNvPr id="31" name="Straight Connector 30">
+            <a:extLst>
+              <a:ext uri="{FF2B5EF4-FFF2-40B4-BE49-F238E27FC236}">
+                <a16:creationId xmlns:a16="http://schemas.microsoft.com/office/drawing/2014/main" id="{368145C5-485E-ED6E-07DB-8F90F93EAFA9}"/>
+              </a:ext>
+            </a:extLst>
+          </p:cNvPr>
+          <p:cNvCxnSpPr>
+            <a:cxnSpLocks/>
+            <a:stCxn id="29" idx="4"/>
+          </p:cNvCxnSpPr>
+          <p:nvPr/>
+        </p:nvCxnSpPr>
+        <p:spPr>
+          <a:xfrm>
+            <a:off x="1265571" y="3287502"/>
+            <a:ext cx="0" cy="584398"/>
+          </a:xfrm>
+          <a:prstGeom prst="line">
+            <a:avLst/>
+          </a:prstGeom>
+        </p:spPr>
+        <p:style>
+          <a:lnRef idx="1">
+            <a:schemeClr val="accent1"/>
+          </a:lnRef>
+          <a:fillRef idx="0">
+            <a:schemeClr val="accent1"/>
+          </a:fillRef>
+          <a:effectRef idx="0">
+            <a:schemeClr val="accent1"/>
+          </a:effectRef>
+          <a:fontRef idx="minor">
+            <a:schemeClr val="tx1"/>
+          </a:fontRef>
+        </p:style>
+      </p:cxnSp>
+      <p:cxnSp>
+        <p:nvCxnSpPr>
+          <p:cNvPr id="33" name="Straight Connector 32">
+            <a:extLst>
+              <a:ext uri="{FF2B5EF4-FFF2-40B4-BE49-F238E27FC236}">
+                <a16:creationId xmlns:a16="http://schemas.microsoft.com/office/drawing/2014/main" id="{E405412D-FA7D-2A73-3F86-0ABF9C4E387C}"/>
+              </a:ext>
+            </a:extLst>
+          </p:cNvPr>
+          <p:cNvCxnSpPr/>
+          <p:nvPr/>
+        </p:nvCxnSpPr>
+        <p:spPr>
+          <a:xfrm flipV="1">
+            <a:off x="1147584" y="3871900"/>
+            <a:ext cx="117987" cy="113786"/>
+          </a:xfrm>
+          <a:prstGeom prst="line">
+            <a:avLst/>
+          </a:prstGeom>
+        </p:spPr>
+        <p:style>
+          <a:lnRef idx="1">
+            <a:schemeClr val="accent1"/>
+          </a:lnRef>
+          <a:fillRef idx="0">
+            <a:schemeClr val="accent1"/>
+          </a:fillRef>
+          <a:effectRef idx="0">
+            <a:schemeClr val="accent1"/>
+          </a:effectRef>
+          <a:fontRef idx="minor">
+            <a:schemeClr val="tx1"/>
+          </a:fontRef>
+        </p:style>
+      </p:cxnSp>
+      <p:cxnSp>
+        <p:nvCxnSpPr>
+          <p:cNvPr id="35" name="Straight Connector 34">
+            <a:extLst>
+              <a:ext uri="{FF2B5EF4-FFF2-40B4-BE49-F238E27FC236}">
+                <a16:creationId xmlns:a16="http://schemas.microsoft.com/office/drawing/2014/main" id="{5BD1D63B-59CB-069B-3943-ADAABF7B8FBA}"/>
+              </a:ext>
+            </a:extLst>
+          </p:cNvPr>
+          <p:cNvCxnSpPr/>
+          <p:nvPr/>
+        </p:nvCxnSpPr>
+        <p:spPr>
+          <a:xfrm>
+            <a:off x="1265571" y="3871900"/>
+            <a:ext cx="117986" cy="113786"/>
+          </a:xfrm>
+          <a:prstGeom prst="line">
+            <a:avLst/>
+          </a:prstGeom>
+        </p:spPr>
+        <p:style>
+          <a:lnRef idx="1">
+            <a:schemeClr val="accent1"/>
+          </a:lnRef>
+          <a:fillRef idx="0">
+            <a:schemeClr val="accent1"/>
+          </a:fillRef>
+          <a:effectRef idx="0">
+            <a:schemeClr val="accent1"/>
+          </a:effectRef>
+          <a:fontRef idx="minor">
+            <a:schemeClr val="tx1"/>
+          </a:fontRef>
+        </p:style>
+      </p:cxnSp>
+      <p:cxnSp>
+        <p:nvCxnSpPr>
+          <p:cNvPr id="37" name="Straight Connector 36">
+            <a:extLst>
+              <a:ext uri="{FF2B5EF4-FFF2-40B4-BE49-F238E27FC236}">
+                <a16:creationId xmlns:a16="http://schemas.microsoft.com/office/drawing/2014/main" id="{677F5139-4335-0883-0CD1-9F78F5D038A3}"/>
+              </a:ext>
+            </a:extLst>
+          </p:cNvPr>
+          <p:cNvCxnSpPr/>
+          <p:nvPr/>
+        </p:nvCxnSpPr>
+        <p:spPr>
+          <a:xfrm flipV="1">
+            <a:off x="1147584" y="3468778"/>
+            <a:ext cx="117987" cy="100572"/>
+          </a:xfrm>
+          <a:prstGeom prst="line">
+            <a:avLst/>
+          </a:prstGeom>
+        </p:spPr>
+        <p:style>
+          <a:lnRef idx="1">
+            <a:schemeClr val="accent1"/>
+          </a:lnRef>
+          <a:fillRef idx="0">
+            <a:schemeClr val="accent1"/>
+          </a:fillRef>
+          <a:effectRef idx="0">
+            <a:schemeClr val="accent1"/>
+          </a:effectRef>
+          <a:fontRef idx="minor">
+            <a:schemeClr val="tx1"/>
+          </a:fontRef>
+        </p:style>
+      </p:cxnSp>
+      <p:cxnSp>
+        <p:nvCxnSpPr>
+          <p:cNvPr id="38" name="Straight Connector 37">
+            <a:extLst>
+              <a:ext uri="{FF2B5EF4-FFF2-40B4-BE49-F238E27FC236}">
+                <a16:creationId xmlns:a16="http://schemas.microsoft.com/office/drawing/2014/main" id="{C3D86657-4A9D-C3B0-B77C-FE65B836434E}"/>
+              </a:ext>
+            </a:extLst>
+          </p:cNvPr>
+          <p:cNvCxnSpPr/>
+          <p:nvPr/>
+        </p:nvCxnSpPr>
+        <p:spPr>
+          <a:xfrm>
+            <a:off x="1265571" y="3468778"/>
+            <a:ext cx="117986" cy="100572"/>
+          </a:xfrm>
+          <a:prstGeom prst="line">
+            <a:avLst/>
+          </a:prstGeom>
+        </p:spPr>
+        <p:style>
+          <a:lnRef idx="1">
+            <a:schemeClr val="accent1"/>
+          </a:lnRef>
+          <a:fillRef idx="0">
+            <a:schemeClr val="accent1"/>
+          </a:fillRef>
+          <a:effectRef idx="0">
+            <a:schemeClr val="accent1"/>
+          </a:effectRef>
+          <a:fontRef idx="minor">
+            <a:schemeClr val="tx1"/>
+          </a:fontRef>
+        </p:style>
+      </p:cxnSp>
+      <p:cxnSp>
+        <p:nvCxnSpPr>
+          <p:cNvPr id="39" name="Straight Arrow Connector 38">
+            <a:extLst>
+              <a:ext uri="{FF2B5EF4-FFF2-40B4-BE49-F238E27FC236}">
+                <a16:creationId xmlns:a16="http://schemas.microsoft.com/office/drawing/2014/main" id="{DD5133FE-A906-3FAF-CCAD-94CC8A3BFD6D}"/>
+              </a:ext>
+            </a:extLst>
+          </p:cNvPr>
+          <p:cNvCxnSpPr>
+            <a:cxnSpLocks/>
+            <a:stCxn id="29" idx="0"/>
+          </p:cNvCxnSpPr>
+          <p:nvPr/>
+        </p:nvCxnSpPr>
+        <p:spPr>
+          <a:xfrm flipH="1" flipV="1">
+            <a:off x="1253582" y="2469501"/>
+            <a:ext cx="11989" cy="646064"/>
+          </a:xfrm>
+          <a:prstGeom prst="straightConnector1">
+            <a:avLst/>
+          </a:prstGeom>
+          <a:ln>
+            <a:tailEnd type="triangle"/>
+          </a:ln>
+        </p:spPr>
+        <p:style>
+          <a:lnRef idx="1">
+            <a:schemeClr val="accent6"/>
+          </a:lnRef>
+          <a:fillRef idx="0">
+            <a:schemeClr val="accent6"/>
+          </a:fillRef>
+          <a:effectRef idx="0">
+            <a:schemeClr val="accent6"/>
+          </a:effectRef>
+          <a:fontRef idx="minor">
+            <a:schemeClr val="tx1"/>
+          </a:fontRef>
+        </p:style>
+      </p:cxnSp>
+      <p:sp>
+        <p:nvSpPr>
+          <p:cNvPr id="48" name="TextBox 47">
+            <a:extLst>
+              <a:ext uri="{FF2B5EF4-FFF2-40B4-BE49-F238E27FC236}">
+                <a16:creationId xmlns:a16="http://schemas.microsoft.com/office/drawing/2014/main" id="{9956E6CD-7B84-27D5-4692-B58FCECE6EC9}"/>
+              </a:ext>
+            </a:extLst>
+          </p:cNvPr>
+          <p:cNvSpPr txBox="1"/>
+          <p:nvPr/>
+        </p:nvSpPr>
+        <p:spPr>
+          <a:xfrm>
+            <a:off x="-21935" y="3287502"/>
+            <a:ext cx="1283878" cy="646331"/>
+          </a:xfrm>
+          <a:prstGeom prst="rect">
+            <a:avLst/>
+          </a:prstGeom>
+          <a:noFill/>
+        </p:spPr>
+        <p:txBody>
+          <a:bodyPr wrap="none" rtlCol="0">
+            <a:spAutoFit/>
+          </a:bodyPr>
+          <a:lstStyle/>
+          <a:p>
+            <a:r>
+              <a:rPr lang="en-IE" dirty="0"/>
+              <a:t>Workspace </a:t>
+            </a:r>
+          </a:p>
+          <a:p>
+            <a:pPr algn="ctr"/>
+            <a:r>
+              <a:rPr lang="en-IE" dirty="0"/>
+              <a:t>Member</a:t>
+            </a:r>
+            <a:endParaRPr lang="pl-PL" dirty="0"/>
+          </a:p>
+        </p:txBody>
+      </p:sp>
+      <p:cxnSp>
+        <p:nvCxnSpPr>
+          <p:cNvPr id="55" name="Straight Arrow Connector 54">
+            <a:extLst>
+              <a:ext uri="{FF2B5EF4-FFF2-40B4-BE49-F238E27FC236}">
+                <a16:creationId xmlns:a16="http://schemas.microsoft.com/office/drawing/2014/main" id="{F7A69A6D-2BCA-C6D5-DA64-B41DD3268EF6}"/>
+              </a:ext>
+            </a:extLst>
+          </p:cNvPr>
+          <p:cNvCxnSpPr>
+            <a:cxnSpLocks/>
+            <a:endCxn id="20" idx="2"/>
+          </p:cNvCxnSpPr>
+          <p:nvPr/>
+        </p:nvCxnSpPr>
+        <p:spPr>
+          <a:xfrm flipV="1">
+            <a:off x="1408252" y="3303833"/>
+            <a:ext cx="716793" cy="241049"/>
+          </a:xfrm>
+          <a:prstGeom prst="straightConnector1">
+            <a:avLst/>
+          </a:prstGeom>
+          <a:ln>
+            <a:tailEnd type="triangle"/>
+          </a:ln>
+        </p:spPr>
+        <p:style>
+          <a:lnRef idx="1">
+            <a:schemeClr val="accent6"/>
+          </a:lnRef>
+          <a:fillRef idx="0">
+            <a:schemeClr val="accent6"/>
+          </a:fillRef>
+          <a:effectRef idx="0">
+            <a:schemeClr val="accent6"/>
+          </a:effectRef>
+          <a:fontRef idx="minor">
+            <a:schemeClr val="tx1"/>
+          </a:fontRef>
+        </p:style>
+      </p:cxnSp>
+      <p:sp>
+        <p:nvSpPr>
+          <p:cNvPr id="64" name="Oval 63">
+            <a:extLst>
+              <a:ext uri="{FF2B5EF4-FFF2-40B4-BE49-F238E27FC236}">
+                <a16:creationId xmlns:a16="http://schemas.microsoft.com/office/drawing/2014/main" id="{E03EA3CE-E456-1DEE-7D30-D42EC3A29801}"/>
+              </a:ext>
+            </a:extLst>
+          </p:cNvPr>
+          <p:cNvSpPr/>
+          <p:nvPr/>
+        </p:nvSpPr>
+        <p:spPr>
+          <a:xfrm>
+            <a:off x="2125045" y="2783896"/>
+            <a:ext cx="2748116" cy="281848"/>
+          </a:xfrm>
+          <a:prstGeom prst="ellipse">
+            <a:avLst/>
+          </a:prstGeom>
+          <a:solidFill>
+            <a:srgbClr val="C00000"/>
+          </a:solidFill>
+        </p:spPr>
+        <p:style>
+          <a:lnRef idx="2">
+            <a:schemeClr val="accent6">
+              <a:shade val="15000"/>
+            </a:schemeClr>
+          </a:lnRef>
+          <a:fillRef idx="1">
+            <a:schemeClr val="accent6"/>
+          </a:fillRef>
+          <a:effectRef idx="0">
+            <a:schemeClr val="accent6"/>
+          </a:effectRef>
+          <a:fontRef idx="minor">
+            <a:schemeClr val="lt1"/>
+          </a:fontRef>
+        </p:style>
+        <p:txBody>
+          <a:bodyPr rtlCol="0" anchor="ctr"/>
+          <a:lstStyle/>
+          <a:p>
+            <a:pPr algn="ctr"/>
+            <a:r>
+              <a:rPr lang="en-IE" sz="1400" dirty="0"/>
+              <a:t>Join Workspace</a:t>
+            </a:r>
+            <a:endParaRPr lang="pl-PL" sz="1400" dirty="0"/>
+          </a:p>
+        </p:txBody>
+      </p:sp>
+      <p:cxnSp>
+        <p:nvCxnSpPr>
+          <p:cNvPr id="71" name="Straight Arrow Connector 70">
+            <a:extLst>
+              <a:ext uri="{FF2B5EF4-FFF2-40B4-BE49-F238E27FC236}">
+                <a16:creationId xmlns:a16="http://schemas.microsoft.com/office/drawing/2014/main" id="{0EFE106C-FAD8-2DEE-F114-654B4DA042A1}"/>
+              </a:ext>
+            </a:extLst>
+          </p:cNvPr>
+          <p:cNvCxnSpPr>
+            <a:endCxn id="64" idx="2"/>
+          </p:cNvCxnSpPr>
+          <p:nvPr/>
+        </p:nvCxnSpPr>
+        <p:spPr>
+          <a:xfrm>
+            <a:off x="1435510" y="2001453"/>
+            <a:ext cx="689535" cy="923367"/>
+          </a:xfrm>
+          <a:prstGeom prst="straightConnector1">
+            <a:avLst/>
+          </a:prstGeom>
+          <a:ln>
+            <a:tailEnd type="triangle"/>
+          </a:ln>
+        </p:spPr>
+        <p:style>
+          <a:lnRef idx="1">
+            <a:schemeClr val="accent6"/>
+          </a:lnRef>
+          <a:fillRef idx="0">
+            <a:schemeClr val="accent6"/>
+          </a:fillRef>
+          <a:effectRef idx="0">
+            <a:schemeClr val="accent6"/>
+          </a:effectRef>
+          <a:fontRef idx="minor">
+            <a:schemeClr val="tx1"/>
+          </a:fontRef>
+        </p:style>
+      </p:cxnSp>
+      <p:cxnSp>
+        <p:nvCxnSpPr>
+          <p:cNvPr id="75" name="Straight Arrow Connector 74">
+            <a:extLst>
+              <a:ext uri="{FF2B5EF4-FFF2-40B4-BE49-F238E27FC236}">
+                <a16:creationId xmlns:a16="http://schemas.microsoft.com/office/drawing/2014/main" id="{AC3C49D8-D43F-C175-E421-5267EF12BAE5}"/>
+              </a:ext>
+            </a:extLst>
+          </p:cNvPr>
+          <p:cNvCxnSpPr>
+            <a:endCxn id="21" idx="2"/>
+          </p:cNvCxnSpPr>
+          <p:nvPr/>
+        </p:nvCxnSpPr>
+        <p:spPr>
+          <a:xfrm>
+            <a:off x="1435510" y="3544882"/>
+            <a:ext cx="672866" cy="206709"/>
+          </a:xfrm>
+          <a:prstGeom prst="straightConnector1">
+            <a:avLst/>
+          </a:prstGeom>
+          <a:ln>
+            <a:tailEnd type="triangle"/>
+          </a:ln>
+        </p:spPr>
+        <p:style>
+          <a:lnRef idx="1">
+            <a:schemeClr val="accent6"/>
+          </a:lnRef>
+          <a:fillRef idx="0">
+            <a:schemeClr val="accent6"/>
+          </a:fillRef>
+          <a:effectRef idx="0">
+            <a:schemeClr val="accent6"/>
+          </a:effectRef>
+          <a:fontRef idx="minor">
+            <a:schemeClr val="tx1"/>
+          </a:fontRef>
+        </p:style>
+      </p:cxnSp>
+      <p:cxnSp>
+        <p:nvCxnSpPr>
+          <p:cNvPr id="79" name="Straight Arrow Connector 78">
+            <a:extLst>
+              <a:ext uri="{FF2B5EF4-FFF2-40B4-BE49-F238E27FC236}">
+                <a16:creationId xmlns:a16="http://schemas.microsoft.com/office/drawing/2014/main" id="{386218AC-5B0F-142F-0221-9204CE71B22F}"/>
+              </a:ext>
+            </a:extLst>
+          </p:cNvPr>
+          <p:cNvCxnSpPr>
+            <a:endCxn id="22" idx="2"/>
+          </p:cNvCxnSpPr>
+          <p:nvPr/>
+        </p:nvCxnSpPr>
+        <p:spPr>
+          <a:xfrm>
+            <a:off x="1435510" y="3544882"/>
+            <a:ext cx="689535" cy="662220"/>
+          </a:xfrm>
+          <a:prstGeom prst="straightConnector1">
+            <a:avLst/>
+          </a:prstGeom>
+          <a:ln>
+            <a:tailEnd type="triangle"/>
+          </a:ln>
+        </p:spPr>
+        <p:style>
+          <a:lnRef idx="1">
+            <a:schemeClr val="accent6"/>
+          </a:lnRef>
+          <a:fillRef idx="0">
+            <a:schemeClr val="accent6"/>
+          </a:fillRef>
+          <a:effectRef idx="0">
+            <a:schemeClr val="accent6"/>
+          </a:effectRef>
+          <a:fontRef idx="minor">
+            <a:schemeClr val="tx1"/>
+          </a:fontRef>
+        </p:style>
+      </p:cxnSp>
+      <p:sp>
+        <p:nvSpPr>
+          <p:cNvPr id="83" name="TextBox 82">
+            <a:extLst>
+              <a:ext uri="{FF2B5EF4-FFF2-40B4-BE49-F238E27FC236}">
+                <a16:creationId xmlns:a16="http://schemas.microsoft.com/office/drawing/2014/main" id="{C7F0FFD4-4DE8-4CB7-AF7E-E2EEBE75E813}"/>
+              </a:ext>
+            </a:extLst>
+          </p:cNvPr>
+          <p:cNvSpPr txBox="1"/>
+          <p:nvPr/>
+        </p:nvSpPr>
+        <p:spPr>
+          <a:xfrm>
+            <a:off x="7804462" y="3887426"/>
+            <a:ext cx="1197764" cy="584775"/>
+          </a:xfrm>
+          <a:prstGeom prst="rect">
+            <a:avLst/>
+          </a:prstGeom>
+          <a:noFill/>
+        </p:spPr>
+        <p:txBody>
+          <a:bodyPr wrap="none" rtlCol="0">
+            <a:spAutoFit/>
+          </a:bodyPr>
+          <a:lstStyle/>
+          <a:p>
+            <a:pPr algn="ctr"/>
+            <a:r>
+              <a:rPr lang="en-IE" sz="1600" dirty="0"/>
+              <a:t>&lt;&lt;service&gt;&gt;</a:t>
+            </a:r>
+            <a:br>
+              <a:rPr lang="en-IE" sz="1600" dirty="0"/>
+            </a:br>
+            <a:r>
+              <a:rPr lang="en-IE" sz="1600" dirty="0"/>
+              <a:t>Open AI</a:t>
+            </a:r>
+            <a:endParaRPr lang="pl-PL" sz="1600" dirty="0"/>
+          </a:p>
+        </p:txBody>
+      </p:sp>
+      <p:cxnSp>
+        <p:nvCxnSpPr>
+          <p:cNvPr id="85" name="Straight Arrow Connector 84">
+            <a:extLst>
+              <a:ext uri="{FF2B5EF4-FFF2-40B4-BE49-F238E27FC236}">
+                <a16:creationId xmlns:a16="http://schemas.microsoft.com/office/drawing/2014/main" id="{4C5D6295-40B4-D001-060B-EFC1463E77AF}"/>
+              </a:ext>
+            </a:extLst>
+          </p:cNvPr>
+          <p:cNvCxnSpPr>
+            <a:stCxn id="7" idx="6"/>
+            <a:endCxn id="83" idx="1"/>
+          </p:cNvCxnSpPr>
+          <p:nvPr/>
+        </p:nvCxnSpPr>
+        <p:spPr>
+          <a:xfrm>
+            <a:off x="7019056" y="2998315"/>
+            <a:ext cx="785406" cy="1181499"/>
+          </a:xfrm>
+          <a:prstGeom prst="straightConnector1">
+            <a:avLst/>
+          </a:prstGeom>
+          <a:ln>
+            <a:tailEnd type="triangle"/>
+          </a:ln>
+        </p:spPr>
+        <p:style>
+          <a:lnRef idx="1">
+            <a:schemeClr val="accent3"/>
+          </a:lnRef>
+          <a:fillRef idx="0">
+            <a:schemeClr val="accent3"/>
+          </a:fillRef>
+          <a:effectRef idx="0">
+            <a:schemeClr val="accent3"/>
+          </a:effectRef>
+          <a:fontRef idx="minor">
+            <a:schemeClr val="tx1"/>
+          </a:fontRef>
+        </p:style>
+      </p:cxnSp>
+      <p:cxnSp>
+        <p:nvCxnSpPr>
+          <p:cNvPr id="87" name="Straight Arrow Connector 86">
+            <a:extLst>
+              <a:ext uri="{FF2B5EF4-FFF2-40B4-BE49-F238E27FC236}">
+                <a16:creationId xmlns:a16="http://schemas.microsoft.com/office/drawing/2014/main" id="{0876166B-0D2B-436F-F749-8B61DD14698B}"/>
+              </a:ext>
+            </a:extLst>
+          </p:cNvPr>
+          <p:cNvCxnSpPr>
+            <a:stCxn id="12" idx="6"/>
+            <a:endCxn id="83" idx="1"/>
+          </p:cNvCxnSpPr>
+          <p:nvPr/>
+        </p:nvCxnSpPr>
+        <p:spPr>
+          <a:xfrm flipV="1">
+            <a:off x="7019056" y="4179814"/>
+            <a:ext cx="785406" cy="1116646"/>
+          </a:xfrm>
+          <a:prstGeom prst="straightConnector1">
+            <a:avLst/>
+          </a:prstGeom>
+          <a:ln>
+            <a:tailEnd type="triangle"/>
+          </a:ln>
+        </p:spPr>
+        <p:style>
+          <a:lnRef idx="1">
+            <a:schemeClr val="accent3"/>
+          </a:lnRef>
+          <a:fillRef idx="0">
+            <a:schemeClr val="accent3"/>
+          </a:fillRef>
+          <a:effectRef idx="0">
+            <a:schemeClr val="accent3"/>
+          </a:effectRef>
+          <a:fontRef idx="minor">
+            <a:schemeClr val="tx1"/>
+          </a:fontRef>
+        </p:style>
+      </p:cxnSp>
+      <p:sp>
+        <p:nvSpPr>
+          <p:cNvPr id="92" name="TextBox 91">
+            <a:extLst>
+              <a:ext uri="{FF2B5EF4-FFF2-40B4-BE49-F238E27FC236}">
+                <a16:creationId xmlns:a16="http://schemas.microsoft.com/office/drawing/2014/main" id="{5EDE58DA-0420-7509-28DE-2669B1FE2EC5}"/>
+              </a:ext>
+            </a:extLst>
+          </p:cNvPr>
+          <p:cNvSpPr txBox="1"/>
+          <p:nvPr/>
+        </p:nvSpPr>
+        <p:spPr>
+          <a:xfrm>
+            <a:off x="7634797" y="1612985"/>
+            <a:ext cx="1465273" cy="830997"/>
+          </a:xfrm>
+          <a:prstGeom prst="rect">
+            <a:avLst/>
+          </a:prstGeom>
+          <a:noFill/>
+        </p:spPr>
+        <p:txBody>
+          <a:bodyPr wrap="none" rtlCol="0">
+            <a:spAutoFit/>
+          </a:bodyPr>
+          <a:lstStyle/>
+          <a:p>
+            <a:pPr algn="ctr"/>
+            <a:r>
+              <a:rPr lang="en-IE" sz="1600" dirty="0"/>
+              <a:t>(Optional)</a:t>
+            </a:r>
+            <a:br>
+              <a:rPr lang="en-IE" sz="1600" dirty="0"/>
+            </a:br>
+            <a:r>
+              <a:rPr lang="en-IE" sz="1600" dirty="0"/>
+              <a:t>&lt;&lt;service&gt;&gt;</a:t>
+            </a:r>
+            <a:br>
+              <a:rPr lang="en-IE" sz="1600" dirty="0"/>
+            </a:br>
+            <a:r>
+              <a:rPr lang="en-IE" sz="1600" dirty="0"/>
+              <a:t>Text-to-speech</a:t>
+            </a:r>
+            <a:endParaRPr lang="pl-PL" sz="1600" dirty="0"/>
+          </a:p>
+        </p:txBody>
+      </p:sp>
+      <p:sp>
+        <p:nvSpPr>
+          <p:cNvPr id="94" name="TextBox 93">
+            <a:extLst>
+              <a:ext uri="{FF2B5EF4-FFF2-40B4-BE49-F238E27FC236}">
+                <a16:creationId xmlns:a16="http://schemas.microsoft.com/office/drawing/2014/main" id="{FECB6100-A7FC-9DB8-2EBB-C47CD72EFE06}"/>
+              </a:ext>
+            </a:extLst>
+          </p:cNvPr>
+          <p:cNvSpPr txBox="1"/>
+          <p:nvPr/>
+        </p:nvSpPr>
+        <p:spPr>
+          <a:xfrm>
+            <a:off x="7817827" y="2401277"/>
+            <a:ext cx="1138386" cy="1015663"/>
+          </a:xfrm>
+          <a:prstGeom prst="rect">
+            <a:avLst/>
+          </a:prstGeom>
+          <a:noFill/>
+        </p:spPr>
+        <p:txBody>
+          <a:bodyPr wrap="square" rtlCol="0">
+            <a:spAutoFit/>
+          </a:bodyPr>
+          <a:lstStyle/>
+          <a:p>
+            <a:pPr algn="ctr"/>
+            <a:r>
+              <a:rPr lang="en-IE" sz="1200" dirty="0"/>
+              <a:t>Would be used as an app-wide alternative way to fill in long text fields</a:t>
+            </a:r>
+            <a:endParaRPr lang="pl-PL" sz="1200" dirty="0"/>
+          </a:p>
+        </p:txBody>
+      </p:sp>
     </p:spTree>
     <p:extLst>
       <p:ext uri="{BB962C8B-B14F-4D97-AF65-F5344CB8AC3E}">
@@ -11458,7 +12091,7 @@
             </a:br>
             <a:r>
               <a:rPr lang="en-IE" dirty="0"/>
-              <a:t>API</a:t>
+              <a:t>API (Optional)</a:t>
             </a:r>
             <a:endParaRPr lang="pl-PL" dirty="0"/>
           </a:p>

--- a/ThingSpaceTsM2.pptx
+++ b/ThingSpaceTsM2.pptx
@@ -13108,93 +13108,6 @@
           </a:fontRef>
         </p:style>
       </p:cxnSp>
-      <p:sp>
-        <p:nvSpPr>
-          <p:cNvPr id="67" name="Freeform: Shape 66">
-            <a:extLst>
-              <a:ext uri="{FF2B5EF4-FFF2-40B4-BE49-F238E27FC236}">
-                <a16:creationId xmlns:a16="http://schemas.microsoft.com/office/drawing/2014/main" id="{CCCC0973-6325-50BE-76F7-A8CE35D9AF2A}"/>
-              </a:ext>
-            </a:extLst>
-          </p:cNvPr>
-          <p:cNvSpPr/>
-          <p:nvPr/>
-        </p:nvSpPr>
-        <p:spPr>
-          <a:xfrm>
-            <a:off x="5054396" y="3188129"/>
-            <a:ext cx="501436" cy="1700231"/>
-          </a:xfrm>
-          <a:custGeom>
-            <a:avLst/>
-            <a:gdLst>
-              <a:gd name="connsiteX0" fmla="*/ 9833 w 462117"/>
-              <a:gd name="connsiteY0" fmla="*/ 0 h 1789471"/>
-              <a:gd name="connsiteX1" fmla="*/ 462117 w 462117"/>
-              <a:gd name="connsiteY1" fmla="*/ 973393 h 1789471"/>
-              <a:gd name="connsiteX2" fmla="*/ 0 w 462117"/>
-              <a:gd name="connsiteY2" fmla="*/ 1789471 h 1789471"/>
-            </a:gdLst>
-            <a:ahLst/>
-            <a:cxnLst>
-              <a:cxn ang="0">
-                <a:pos x="connsiteX0" y="connsiteY0"/>
-              </a:cxn>
-              <a:cxn ang="0">
-                <a:pos x="connsiteX1" y="connsiteY1"/>
-              </a:cxn>
-              <a:cxn ang="0">
-                <a:pos x="connsiteX2" y="connsiteY2"/>
-              </a:cxn>
-            </a:cxnLst>
-            <a:rect l="l" t="t" r="r" b="b"/>
-            <a:pathLst>
-              <a:path w="462117" h="1789471">
-                <a:moveTo>
-                  <a:pt x="9833" y="0"/>
-                </a:moveTo>
-                <a:lnTo>
-                  <a:pt x="462117" y="973393"/>
-                </a:lnTo>
-                <a:lnTo>
-                  <a:pt x="0" y="1789471"/>
-                </a:lnTo>
-              </a:path>
-            </a:pathLst>
-          </a:custGeom>
-          <a:ln w="9525" cap="flat" cmpd="sng" algn="ctr">
-            <a:solidFill>
-              <a:schemeClr val="accent3"/>
-            </a:solidFill>
-            <a:prstDash val="solid"/>
-            <a:round/>
-            <a:headEnd type="arrow" w="med" len="med"/>
-            <a:tailEnd type="arrow" w="med" len="med"/>
-          </a:ln>
-        </p:spPr>
-        <p:style>
-          <a:lnRef idx="0">
-            <a:scrgbClr r="0" g="0" b="0"/>
-          </a:lnRef>
-          <a:fillRef idx="0">
-            <a:scrgbClr r="0" g="0" b="0"/>
-          </a:fillRef>
-          <a:effectRef idx="0">
-            <a:scrgbClr r="0" g="0" b="0"/>
-          </a:effectRef>
-          <a:fontRef idx="minor">
-            <a:schemeClr val="tx1"/>
-          </a:fontRef>
-        </p:style>
-        <p:txBody>
-          <a:bodyPr rtlCol="0" anchor="ctr"/>
-          <a:lstStyle/>
-          <a:p>
-            <a:pPr algn="ctr"/>
-            <a:endParaRPr lang="pl-PL"/>
-          </a:p>
-        </p:txBody>
-      </p:sp>
       <p:cxnSp>
         <p:nvCxnSpPr>
           <p:cNvPr id="72" name="Straight Arrow Connector 71">
@@ -13361,48 +13274,164 @@
           </a:p>
         </p:txBody>
       </p:sp>
+      <p:sp>
+        <p:nvSpPr>
+          <p:cNvPr id="31" name="Freeform: Shape 30">
+            <a:extLst>
+              <a:ext uri="{FF2B5EF4-FFF2-40B4-BE49-F238E27FC236}">
+                <a16:creationId xmlns:a16="http://schemas.microsoft.com/office/drawing/2014/main" id="{5457A0A0-863F-B5CC-D4F5-F74E37B99E93}"/>
+              </a:ext>
+            </a:extLst>
+          </p:cNvPr>
+          <p:cNvSpPr/>
+          <p:nvPr/>
+        </p:nvSpPr>
+        <p:spPr>
+          <a:xfrm>
+            <a:off x="2964423" y="2027583"/>
+            <a:ext cx="478492" cy="3015939"/>
+          </a:xfrm>
+          <a:custGeom>
+            <a:avLst/>
+            <a:gdLst>
+              <a:gd name="connsiteX0" fmla="*/ 477078 w 477078"/>
+              <a:gd name="connsiteY0" fmla="*/ 7951 h 3045349"/>
+              <a:gd name="connsiteX1" fmla="*/ 0 w 477078"/>
+              <a:gd name="connsiteY1" fmla="*/ 0 h 3045349"/>
+              <a:gd name="connsiteX2" fmla="*/ 15902 w 477078"/>
+              <a:gd name="connsiteY2" fmla="*/ 3045349 h 3045349"/>
+            </a:gdLst>
+            <a:ahLst/>
+            <a:cxnLst>
+              <a:cxn ang="0">
+                <a:pos x="connsiteX0" y="connsiteY0"/>
+              </a:cxn>
+              <a:cxn ang="0">
+                <a:pos x="connsiteX1" y="connsiteY1"/>
+              </a:cxn>
+              <a:cxn ang="0">
+                <a:pos x="connsiteX2" y="connsiteY2"/>
+              </a:cxn>
+            </a:cxnLst>
+            <a:rect l="l" t="t" r="r" b="b"/>
+            <a:pathLst>
+              <a:path w="477078" h="3045349">
+                <a:moveTo>
+                  <a:pt x="477078" y="7951"/>
+                </a:moveTo>
+                <a:lnTo>
+                  <a:pt x="0" y="0"/>
+                </a:lnTo>
+                <a:cubicBezTo>
+                  <a:pt x="5301" y="1015116"/>
+                  <a:pt x="10601" y="2030233"/>
+                  <a:pt x="15902" y="3045349"/>
+                </a:cubicBezTo>
+              </a:path>
+            </a:pathLst>
+          </a:custGeom>
+        </p:spPr>
+        <p:style>
+          <a:lnRef idx="1">
+            <a:schemeClr val="accent3"/>
+          </a:lnRef>
+          <a:fillRef idx="0">
+            <a:schemeClr val="accent3"/>
+          </a:fillRef>
+          <a:effectRef idx="0">
+            <a:schemeClr val="accent3"/>
+          </a:effectRef>
+          <a:fontRef idx="minor">
+            <a:schemeClr val="tx1"/>
+          </a:fontRef>
+        </p:style>
+        <p:txBody>
+          <a:bodyPr rtlCol="0" anchor="ctr"/>
+          <a:lstStyle/>
+          <a:p>
+            <a:pPr algn="ctr"/>
+            <a:endParaRPr lang="pl-PL"/>
+          </a:p>
+        </p:txBody>
+      </p:sp>
       <p:cxnSp>
         <p:nvCxnSpPr>
-          <p:cNvPr id="5" name="Straight Arrow Connector 4">
-            <a:extLst>
-              <a:ext uri="{FF2B5EF4-FFF2-40B4-BE49-F238E27FC236}">
-                <a16:creationId xmlns:a16="http://schemas.microsoft.com/office/drawing/2014/main" id="{45A9FA95-E33B-BB07-C598-D701E64E1B36}"/>
+          <p:cNvPr id="35" name="Straight Arrow Connector 34">
+            <a:extLst>
+              <a:ext uri="{FF2B5EF4-FFF2-40B4-BE49-F238E27FC236}">
+                <a16:creationId xmlns:a16="http://schemas.microsoft.com/office/drawing/2014/main" id="{8AE7FD13-C0E7-4CC3-5604-2076C09A9AEE}"/>
               </a:ext>
             </a:extLst>
           </p:cNvPr>
           <p:cNvCxnSpPr>
-            <a:stCxn id="25" idx="2"/>
-            <a:endCxn id="26" idx="0"/>
+            <a:cxnSpLocks/>
+            <a:stCxn id="31" idx="2"/>
+            <a:endCxn id="26" idx="1"/>
           </p:cNvCxnSpPr>
           <p:nvPr/>
         </p:nvCxnSpPr>
         <p:spPr>
           <a:xfrm>
-            <a:off x="4232785" y="4407706"/>
-            <a:ext cx="0" cy="267106"/>
+            <a:off x="2980372" y="5043522"/>
+            <a:ext cx="460916" cy="0"/>
           </a:xfrm>
           <a:prstGeom prst="straightConnector1">
             <a:avLst/>
           </a:prstGeom>
-          <a:ln w="9525" cap="flat" cmpd="sng" algn="ctr">
-            <a:solidFill>
-              <a:schemeClr val="accent6"/>
-            </a:solidFill>
-            <a:prstDash val="solid"/>
-            <a:round/>
-            <a:headEnd type="arrow" w="med" len="med"/>
-            <a:tailEnd type="arrow" w="med" len="med"/>
+          <a:ln>
+            <a:tailEnd type="triangle"/>
           </a:ln>
         </p:spPr>
         <p:style>
-          <a:lnRef idx="0">
-            <a:scrgbClr r="0" g="0" b="0"/>
+          <a:lnRef idx="1">
+            <a:schemeClr val="accent3"/>
           </a:lnRef>
           <a:fillRef idx="0">
-            <a:scrgbClr r="0" g="0" b="0"/>
+            <a:schemeClr val="accent3"/>
           </a:fillRef>
           <a:effectRef idx="0">
-            <a:scrgbClr r="0" g="0" b="0"/>
+            <a:schemeClr val="accent3"/>
+          </a:effectRef>
+          <a:fontRef idx="minor">
+            <a:schemeClr val="tx1"/>
+          </a:fontRef>
+        </p:style>
+      </p:cxnSp>
+      <p:cxnSp>
+        <p:nvCxnSpPr>
+          <p:cNvPr id="39" name="Straight Arrow Connector 38">
+            <a:extLst>
+              <a:ext uri="{FF2B5EF4-FFF2-40B4-BE49-F238E27FC236}">
+                <a16:creationId xmlns:a16="http://schemas.microsoft.com/office/drawing/2014/main" id="{2B2E2071-9B9D-A638-CDD1-C00C6F9B63BA}"/>
+              </a:ext>
+            </a:extLst>
+          </p:cNvPr>
+          <p:cNvCxnSpPr>
+            <a:endCxn id="25" idx="1"/>
+          </p:cNvCxnSpPr>
+          <p:nvPr/>
+        </p:nvCxnSpPr>
+        <p:spPr>
+          <a:xfrm>
+            <a:off x="2980372" y="4038996"/>
+            <a:ext cx="460916" cy="0"/>
+          </a:xfrm>
+          <a:prstGeom prst="straightConnector1">
+            <a:avLst/>
+          </a:prstGeom>
+          <a:ln>
+            <a:tailEnd type="triangle"/>
+          </a:ln>
+        </p:spPr>
+        <p:style>
+          <a:lnRef idx="1">
+            <a:schemeClr val="accent3"/>
+          </a:lnRef>
+          <a:fillRef idx="0">
+            <a:schemeClr val="accent3"/>
+          </a:fillRef>
+          <a:effectRef idx="0">
+            <a:schemeClr val="accent3"/>
           </a:effectRef>
           <a:fontRef idx="minor">
             <a:schemeClr val="tx1"/>

--- a/ThingSpaceTsM2.pptx
+++ b/ThingSpaceTsM2.pptx
@@ -8,10 +8,9 @@
     <p:sldId id="256" r:id="rId2"/>
     <p:sldId id="257" r:id="rId3"/>
     <p:sldId id="258" r:id="rId4"/>
-    <p:sldId id="259" r:id="rId5"/>
-    <p:sldId id="262" r:id="rId6"/>
-    <p:sldId id="260" r:id="rId7"/>
-    <p:sldId id="261" r:id="rId8"/>
+    <p:sldId id="262" r:id="rId5"/>
+    <p:sldId id="260" r:id="rId6"/>
+    <p:sldId id="261" r:id="rId7"/>
   </p:sldIdLst>
   <p:sldSz cx="9144000" cy="5716588"/>
   <p:notesSz cx="6858000" cy="9144000"/>
@@ -314,7 +313,7 @@
           <a:p>
             <a:fld id="{D17C0673-4D49-4E82-8C72-D8AA60F272CB}" type="datetimeFigureOut">
               <a:rPr lang="pl-PL" smtClean="0"/>
-              <a:t>24.09.2025</a:t>
+              <a:t>25.09.2025</a:t>
             </a:fld>
             <a:endParaRPr lang="pl-PL"/>
           </a:p>
@@ -595,7 +594,7 @@
           <a:p>
             <a:fld id="{D17C0673-4D49-4E82-8C72-D8AA60F272CB}" type="datetimeFigureOut">
               <a:rPr lang="pl-PL" smtClean="0"/>
-              <a:t>24.09.2025</a:t>
+              <a:t>25.09.2025</a:t>
             </a:fld>
             <a:endParaRPr lang="pl-PL"/>
           </a:p>
@@ -787,7 +786,7 @@
           <a:p>
             <a:fld id="{D17C0673-4D49-4E82-8C72-D8AA60F272CB}" type="datetimeFigureOut">
               <a:rPr lang="pl-PL" smtClean="0"/>
-              <a:t>24.09.2025</a:t>
+              <a:t>25.09.2025</a:t>
             </a:fld>
             <a:endParaRPr lang="pl-PL"/>
           </a:p>
@@ -1048,7 +1047,7 @@
           <a:p>
             <a:fld id="{D17C0673-4D49-4E82-8C72-D8AA60F272CB}" type="datetimeFigureOut">
               <a:rPr lang="pl-PL" smtClean="0"/>
-              <a:t>24.09.2025</a:t>
+              <a:t>25.09.2025</a:t>
             </a:fld>
             <a:endParaRPr lang="pl-PL"/>
           </a:p>
@@ -1474,7 +1473,7 @@
           <a:p>
             <a:fld id="{D17C0673-4D49-4E82-8C72-D8AA60F272CB}" type="datetimeFigureOut">
               <a:rPr lang="pl-PL" smtClean="0"/>
-              <a:t>24.09.2025</a:t>
+              <a:t>25.09.2025</a:t>
             </a:fld>
             <a:endParaRPr lang="pl-PL"/>
           </a:p>
@@ -2020,7 +2019,7 @@
           <a:p>
             <a:fld id="{D17C0673-4D49-4E82-8C72-D8AA60F272CB}" type="datetimeFigureOut">
               <a:rPr lang="pl-PL" smtClean="0"/>
-              <a:t>24.09.2025</a:t>
+              <a:t>25.09.2025</a:t>
             </a:fld>
             <a:endParaRPr lang="pl-PL"/>
           </a:p>
@@ -2851,7 +2850,7 @@
           <a:p>
             <a:fld id="{D17C0673-4D49-4E82-8C72-D8AA60F272CB}" type="datetimeFigureOut">
               <a:rPr lang="pl-PL" smtClean="0"/>
-              <a:t>24.09.2025</a:t>
+              <a:t>25.09.2025</a:t>
             </a:fld>
             <a:endParaRPr lang="pl-PL"/>
           </a:p>
@@ -3021,7 +3020,7 @@
           <a:p>
             <a:fld id="{D17C0673-4D49-4E82-8C72-D8AA60F272CB}" type="datetimeFigureOut">
               <a:rPr lang="pl-PL" smtClean="0"/>
-              <a:t>24.09.2025</a:t>
+              <a:t>25.09.2025</a:t>
             </a:fld>
             <a:endParaRPr lang="pl-PL"/>
           </a:p>
@@ -3201,7 +3200,7 @@
           <a:p>
             <a:fld id="{D17C0673-4D49-4E82-8C72-D8AA60F272CB}" type="datetimeFigureOut">
               <a:rPr lang="pl-PL" smtClean="0"/>
-              <a:t>24.09.2025</a:t>
+              <a:t>25.09.2025</a:t>
             </a:fld>
             <a:endParaRPr lang="pl-PL"/>
           </a:p>
@@ -3371,7 +3370,7 @@
           <a:p>
             <a:fld id="{D17C0673-4D49-4E82-8C72-D8AA60F272CB}" type="datetimeFigureOut">
               <a:rPr lang="pl-PL" smtClean="0"/>
-              <a:t>24.09.2025</a:t>
+              <a:t>25.09.2025</a:t>
             </a:fld>
             <a:endParaRPr lang="pl-PL"/>
           </a:p>
@@ -3628,7 +3627,7 @@
           <a:p>
             <a:fld id="{D17C0673-4D49-4E82-8C72-D8AA60F272CB}" type="datetimeFigureOut">
               <a:rPr lang="pl-PL" smtClean="0"/>
-              <a:t>24.09.2025</a:t>
+              <a:t>25.09.2025</a:t>
             </a:fld>
             <a:endParaRPr lang="pl-PL"/>
           </a:p>
@@ -3860,7 +3859,7 @@
           <a:p>
             <a:fld id="{D17C0673-4D49-4E82-8C72-D8AA60F272CB}" type="datetimeFigureOut">
               <a:rPr lang="pl-PL" smtClean="0"/>
-              <a:t>24.09.2025</a:t>
+              <a:t>25.09.2025</a:t>
             </a:fld>
             <a:endParaRPr lang="pl-PL"/>
           </a:p>
@@ -4253,7 +4252,7 @@
           <a:p>
             <a:fld id="{D17C0673-4D49-4E82-8C72-D8AA60F272CB}" type="datetimeFigureOut">
               <a:rPr lang="pl-PL" smtClean="0"/>
-              <a:t>24.09.2025</a:t>
+              <a:t>25.09.2025</a:t>
             </a:fld>
             <a:endParaRPr lang="pl-PL"/>
           </a:p>
@@ -4371,7 +4370,7 @@
           <a:p>
             <a:fld id="{D17C0673-4D49-4E82-8C72-D8AA60F272CB}" type="datetimeFigureOut">
               <a:rPr lang="pl-PL" smtClean="0"/>
-              <a:t>24.09.2025</a:t>
+              <a:t>25.09.2025</a:t>
             </a:fld>
             <a:endParaRPr lang="pl-PL"/>
           </a:p>
@@ -4466,7 +4465,7 @@
           <a:p>
             <a:fld id="{D17C0673-4D49-4E82-8C72-D8AA60F272CB}" type="datetimeFigureOut">
               <a:rPr lang="pl-PL" smtClean="0"/>
-              <a:t>24.09.2025</a:t>
+              <a:t>25.09.2025</a:t>
             </a:fld>
             <a:endParaRPr lang="pl-PL"/>
           </a:p>
@@ -4739,7 +4738,7 @@
           <a:p>
             <a:fld id="{D17C0673-4D49-4E82-8C72-D8AA60F272CB}" type="datetimeFigureOut">
               <a:rPr lang="pl-PL" smtClean="0"/>
-              <a:t>24.09.2025</a:t>
+              <a:t>25.09.2025</a:t>
             </a:fld>
             <a:endParaRPr lang="pl-PL"/>
           </a:p>
@@ -5020,7 +5019,7 @@
           <a:p>
             <a:fld id="{D17C0673-4D49-4E82-8C72-D8AA60F272CB}" type="datetimeFigureOut">
               <a:rPr lang="pl-PL" smtClean="0"/>
-              <a:t>24.09.2025</a:t>
+              <a:t>25.09.2025</a:t>
             </a:fld>
             <a:endParaRPr lang="pl-PL"/>
           </a:p>
@@ -5260,7 +5259,7 @@
           <a:p>
             <a:fld id="{D17C0673-4D49-4E82-8C72-D8AA60F272CB}" type="datetimeFigureOut">
               <a:rPr lang="pl-PL" smtClean="0"/>
-              <a:t>24.09.2025</a:t>
+              <a:t>25.09.2025</a:t>
             </a:fld>
             <a:endParaRPr lang="pl-PL"/>
           </a:p>
@@ -5972,12 +5971,8 @@
           <a:p>
             <a:pPr algn="ctr"/>
             <a:r>
-              <a:rPr lang="en-IE"/>
-              <a:t>Overview </a:t>
-            </a:r>
-            <a:r>
               <a:rPr lang="en-IE" dirty="0"/>
-              <a:t>and Target Audience</a:t>
+              <a:t>Overview and Target Audience</a:t>
             </a:r>
             <a:endParaRPr lang="pl-PL" dirty="0"/>
           </a:p>
@@ -6004,7 +5999,281 @@
           <a:bodyPr/>
           <a:lstStyle/>
           <a:p>
+            <a:r>
+              <a:rPr lang="pl-PL" dirty="0"/>
+              <a:t>Overview</a:t>
+            </a:r>
+          </a:p>
+          <a:p>
+            <a:pPr lvl="1"/>
+            <a:r>
+              <a:rPr lang="pl-PL" dirty="0" err="1"/>
+              <a:t>Note</a:t>
+            </a:r>
+            <a:r>
+              <a:rPr lang="pl-PL" dirty="0"/>
+              <a:t> </a:t>
+            </a:r>
+            <a:r>
+              <a:rPr lang="pl-PL" dirty="0" err="1"/>
+              <a:t>storage</a:t>
+            </a:r>
+            <a:r>
+              <a:rPr lang="pl-PL" dirty="0"/>
+              <a:t> and smart </a:t>
+            </a:r>
+            <a:r>
+              <a:rPr lang="pl-PL" dirty="0" err="1"/>
+              <a:t>retrieval</a:t>
+            </a:r>
+            <a:r>
+              <a:rPr lang="pl-PL" dirty="0"/>
+              <a:t> </a:t>
+            </a:r>
+            <a:r>
+              <a:rPr lang="pl-PL" dirty="0" err="1"/>
+              <a:t>app</a:t>
+            </a:r>
             <a:endParaRPr lang="pl-PL" dirty="0"/>
+          </a:p>
+          <a:p>
+            <a:pPr lvl="2"/>
+            <a:r>
+              <a:rPr lang="pl-PL" dirty="0"/>
+              <a:t>Ex. </a:t>
+            </a:r>
+            <a:r>
+              <a:rPr lang="pl-PL" dirty="0" err="1"/>
+              <a:t>Location</a:t>
+            </a:r>
+            <a:r>
+              <a:rPr lang="pl-PL" dirty="0"/>
+              <a:t> of </a:t>
+            </a:r>
+            <a:r>
+              <a:rPr lang="pl-PL" dirty="0" err="1"/>
+              <a:t>toilet</a:t>
+            </a:r>
+            <a:r>
+              <a:rPr lang="pl-PL" dirty="0"/>
+              <a:t> </a:t>
+            </a:r>
+            <a:r>
+              <a:rPr lang="pl-PL" dirty="0" err="1"/>
+              <a:t>paper</a:t>
+            </a:r>
+            <a:r>
+              <a:rPr lang="pl-PL" dirty="0"/>
+              <a:t>, </a:t>
+            </a:r>
+            <a:r>
+              <a:rPr lang="pl-PL" dirty="0" err="1"/>
+              <a:t>name</a:t>
+            </a:r>
+            <a:r>
+              <a:rPr lang="pl-PL" dirty="0"/>
+              <a:t> of </a:t>
+            </a:r>
+            <a:r>
+              <a:rPr lang="pl-PL" dirty="0" err="1"/>
+              <a:t>your</a:t>
+            </a:r>
+            <a:r>
+              <a:rPr lang="pl-PL" dirty="0"/>
+              <a:t> </a:t>
+            </a:r>
+            <a:r>
+              <a:rPr lang="pl-PL" dirty="0" err="1"/>
+              <a:t>optometrist</a:t>
+            </a:r>
+            <a:r>
+              <a:rPr lang="pl-PL" dirty="0"/>
+              <a:t>, and </a:t>
+            </a:r>
+            <a:r>
+              <a:rPr lang="pl-PL" dirty="0" err="1"/>
+              <a:t>due</a:t>
+            </a:r>
+            <a:r>
+              <a:rPr lang="pl-PL" dirty="0"/>
+              <a:t> </a:t>
+            </a:r>
+            <a:r>
+              <a:rPr lang="pl-PL" dirty="0" err="1"/>
+              <a:t>date</a:t>
+            </a:r>
+            <a:r>
+              <a:rPr lang="pl-PL" dirty="0"/>
+              <a:t> of CPEN 321 M3 </a:t>
+            </a:r>
+          </a:p>
+          <a:p>
+            <a:pPr lvl="1"/>
+            <a:r>
+              <a:rPr lang="pl-PL" dirty="0" err="1"/>
+              <a:t>Interact</a:t>
+            </a:r>
+            <a:r>
+              <a:rPr lang="pl-PL" dirty="0"/>
+              <a:t> with </a:t>
+            </a:r>
+            <a:r>
+              <a:rPr lang="pl-PL" dirty="0" err="1"/>
+              <a:t>others</a:t>
+            </a:r>
+            <a:r>
+              <a:rPr lang="pl-PL" dirty="0"/>
+              <a:t> </a:t>
+            </a:r>
+            <a:r>
+              <a:rPr lang="pl-PL" dirty="0" err="1"/>
+              <a:t>through</a:t>
+            </a:r>
+            <a:r>
+              <a:rPr lang="pl-PL" dirty="0"/>
+              <a:t> </a:t>
+            </a:r>
+            <a:r>
+              <a:rPr lang="pl-PL" dirty="0" err="1"/>
+              <a:t>Workspaces</a:t>
+            </a:r>
+            <a:r>
+              <a:rPr lang="pl-PL" dirty="0"/>
+              <a:t> </a:t>
+            </a:r>
+          </a:p>
+          <a:p>
+            <a:pPr lvl="2"/>
+            <a:r>
+              <a:rPr lang="pl-PL" dirty="0" err="1"/>
+              <a:t>Share</a:t>
+            </a:r>
+            <a:r>
+              <a:rPr lang="pl-PL" dirty="0"/>
+              <a:t> notes! </a:t>
+            </a:r>
+          </a:p>
+          <a:p>
+            <a:pPr lvl="1"/>
+            <a:r>
+              <a:rPr lang="pl-PL" dirty="0" err="1"/>
+              <a:t>Customize</a:t>
+            </a:r>
+            <a:r>
+              <a:rPr lang="pl-PL" dirty="0"/>
+              <a:t> notes with </a:t>
+            </a:r>
+            <a:r>
+              <a:rPr lang="pl-PL" dirty="0" err="1"/>
+              <a:t>templates</a:t>
+            </a:r>
+            <a:endParaRPr lang="pl-PL" dirty="0"/>
+          </a:p>
+          <a:p>
+            <a:pPr lvl="1"/>
+            <a:endParaRPr lang="pl-PL" dirty="0"/>
+          </a:p>
+          <a:p>
+            <a:r>
+              <a:rPr lang="pl-PL" dirty="0"/>
+              <a:t>Target </a:t>
+            </a:r>
+            <a:r>
+              <a:rPr lang="pl-PL" dirty="0" err="1"/>
+              <a:t>Audience</a:t>
+            </a:r>
+            <a:endParaRPr lang="pl-PL" dirty="0"/>
+          </a:p>
+          <a:p>
+            <a:pPr lvl="1"/>
+            <a:r>
+              <a:rPr lang="pl-PL" dirty="0"/>
+              <a:t>General public – </a:t>
+            </a:r>
+            <a:r>
+              <a:rPr lang="pl-PL" dirty="0" err="1"/>
+              <a:t>anyone</a:t>
+            </a:r>
+            <a:r>
+              <a:rPr lang="pl-PL" dirty="0"/>
+              <a:t> </a:t>
+            </a:r>
+            <a:r>
+              <a:rPr lang="pl-PL" dirty="0" err="1"/>
+              <a:t>who</a:t>
+            </a:r>
+            <a:r>
+              <a:rPr lang="pl-PL" dirty="0"/>
+              <a:t> </a:t>
+            </a:r>
+            <a:r>
+              <a:rPr lang="pl-PL" dirty="0" err="1"/>
+              <a:t>needs</a:t>
+            </a:r>
+            <a:r>
+              <a:rPr lang="pl-PL" dirty="0"/>
+              <a:t> to </a:t>
+            </a:r>
+            <a:r>
+              <a:rPr lang="pl-PL" dirty="0" err="1"/>
+              <a:t>remember</a:t>
+            </a:r>
+            <a:r>
+              <a:rPr lang="pl-PL" dirty="0"/>
+              <a:t> </a:t>
+            </a:r>
+            <a:r>
+              <a:rPr lang="pl-PL" dirty="0" err="1"/>
+              <a:t>things</a:t>
+            </a:r>
+            <a:endParaRPr lang="pl-PL" dirty="0"/>
+          </a:p>
+          <a:p>
+            <a:pPr lvl="1"/>
+            <a:r>
+              <a:rPr lang="pl-PL" dirty="0"/>
+              <a:t>People </a:t>
+            </a:r>
+            <a:r>
+              <a:rPr lang="pl-PL" dirty="0" err="1"/>
+              <a:t>tired</a:t>
+            </a:r>
+            <a:r>
+              <a:rPr lang="pl-PL" dirty="0"/>
+              <a:t> of </a:t>
+            </a:r>
+            <a:r>
+              <a:rPr lang="pl-PL" dirty="0" err="1"/>
+              <a:t>digging</a:t>
+            </a:r>
+            <a:r>
+              <a:rPr lang="pl-PL" dirty="0"/>
+              <a:t> </a:t>
+            </a:r>
+            <a:r>
+              <a:rPr lang="pl-PL" dirty="0" err="1"/>
+              <a:t>through</a:t>
+            </a:r>
+            <a:r>
+              <a:rPr lang="pl-PL" dirty="0"/>
+              <a:t> </a:t>
+            </a:r>
+            <a:r>
+              <a:rPr lang="pl-PL" dirty="0" err="1"/>
+              <a:t>items</a:t>
+            </a:r>
+            <a:r>
+              <a:rPr lang="pl-PL" dirty="0"/>
+              <a:t> in </a:t>
+            </a:r>
+            <a:r>
+              <a:rPr lang="pl-PL" dirty="0" err="1"/>
+              <a:t>Notepad</a:t>
+            </a:r>
+            <a:r>
+              <a:rPr lang="pl-PL" dirty="0"/>
+              <a:t> </a:t>
+            </a:r>
           </a:p>
         </p:txBody>
       </p:sp>
@@ -6095,7 +6364,28 @@
             </a:r>
             <a:r>
               <a:rPr lang="en-IE" dirty="0"/>
-              <a:t> We have a User who can perform operation on his own notes as well as share the notes with other users and workspaces they are in. Another actor would be workspace owner who can perform editorial tasks inside a workspace.</a:t>
+              <a:t> </a:t>
+            </a:r>
+          </a:p>
+          <a:p>
+            <a:pPr lvl="1"/>
+            <a:r>
+              <a:rPr lang="en-IE" dirty="0"/>
+              <a:t>User: the main actor who can perform operations on his own notes as well as share the notes with other users. Users can also join Workspaces.</a:t>
+            </a:r>
+          </a:p>
+          <a:p>
+            <a:pPr lvl="1"/>
+            <a:r>
+              <a:rPr lang="en-IE" dirty="0"/>
+              <a:t>Workspace Member: A member of a workspace. These members can share notes, send messages, and invite people to their workspaces. </a:t>
+            </a:r>
+          </a:p>
+          <a:p>
+            <a:pPr lvl="1"/>
+            <a:r>
+              <a:rPr lang="en-IE" dirty="0"/>
+              <a:t>Workspace Manager: A workspace owner who can perform editorial tasks inside their workspace.</a:t>
             </a:r>
           </a:p>
           <a:p>
@@ -6148,1994 +6438,6 @@
 </file>
 
 <file path=ppt/slides/slide4.xml><?xml version="1.0" encoding="utf-8"?>
-<p:sld xmlns:a="http://schemas.openxmlformats.org/drawingml/2006/main" xmlns:r="http://schemas.openxmlformats.org/officeDocument/2006/relationships" xmlns:p="http://schemas.openxmlformats.org/presentationml/2006/main" show="0">
-  <p:cSld>
-    <p:spTree>
-      <p:nvGrpSpPr>
-        <p:cNvPr id="1" name=""/>
-        <p:cNvGrpSpPr/>
-        <p:nvPr/>
-      </p:nvGrpSpPr>
-      <p:grpSpPr>
-        <a:xfrm>
-          <a:off x="0" y="0"/>
-          <a:ext cx="0" cy="0"/>
-          <a:chOff x="0" y="0"/>
-          <a:chExt cx="0" cy="0"/>
-        </a:xfrm>
-      </p:grpSpPr>
-      <p:sp>
-        <p:nvSpPr>
-          <p:cNvPr id="23" name="Rectangle 22">
-            <a:extLst>
-              <a:ext uri="{FF2B5EF4-FFF2-40B4-BE49-F238E27FC236}">
-                <a16:creationId xmlns:a16="http://schemas.microsoft.com/office/drawing/2014/main" id="{9BB6BCC8-A996-1C8F-6312-A4AD4A24C0FE}"/>
-              </a:ext>
-            </a:extLst>
-          </p:cNvPr>
-          <p:cNvSpPr/>
-          <p:nvPr/>
-        </p:nvSpPr>
-        <p:spPr>
-          <a:xfrm>
-            <a:off x="1493441" y="1378965"/>
-            <a:ext cx="6065520" cy="3421380"/>
-          </a:xfrm>
-          <a:prstGeom prst="rect">
-            <a:avLst/>
-          </a:prstGeom>
-        </p:spPr>
-        <p:style>
-          <a:lnRef idx="2">
-            <a:schemeClr val="accent1">
-              <a:shade val="15000"/>
-            </a:schemeClr>
-          </a:lnRef>
-          <a:fillRef idx="1">
-            <a:schemeClr val="accent1"/>
-          </a:fillRef>
-          <a:effectRef idx="0">
-            <a:schemeClr val="accent1"/>
-          </a:effectRef>
-          <a:fontRef idx="minor">
-            <a:schemeClr val="lt1"/>
-          </a:fontRef>
-        </p:style>
-        <p:txBody>
-          <a:bodyPr rtlCol="0" anchor="ctr"/>
-          <a:lstStyle/>
-          <a:p>
-            <a:pPr algn="ctr"/>
-            <a:endParaRPr lang="pl-PL" dirty="0"/>
-          </a:p>
-        </p:txBody>
-      </p:sp>
-      <p:sp>
-        <p:nvSpPr>
-          <p:cNvPr id="48" name="Rectangle 47">
-            <a:extLst>
-              <a:ext uri="{FF2B5EF4-FFF2-40B4-BE49-F238E27FC236}">
-                <a16:creationId xmlns:a16="http://schemas.microsoft.com/office/drawing/2014/main" id="{45B64817-250F-FCE4-CFC3-1F8BD26D0207}"/>
-              </a:ext>
-            </a:extLst>
-          </p:cNvPr>
-          <p:cNvSpPr/>
-          <p:nvPr/>
-        </p:nvSpPr>
-        <p:spPr>
-          <a:xfrm>
-            <a:off x="4618634" y="2873192"/>
-            <a:ext cx="2551219" cy="879249"/>
-          </a:xfrm>
-          <a:prstGeom prst="rect">
-            <a:avLst/>
-          </a:prstGeom>
-          <a:solidFill>
-            <a:schemeClr val="accent5">
-              <a:lumMod val="50000"/>
-            </a:schemeClr>
-          </a:solidFill>
-        </p:spPr>
-        <p:style>
-          <a:lnRef idx="2">
-            <a:schemeClr val="accent1">
-              <a:shade val="15000"/>
-            </a:schemeClr>
-          </a:lnRef>
-          <a:fillRef idx="1">
-            <a:schemeClr val="accent1"/>
-          </a:fillRef>
-          <a:effectRef idx="0">
-            <a:schemeClr val="accent1"/>
-          </a:effectRef>
-          <a:fontRef idx="minor">
-            <a:schemeClr val="lt1"/>
-          </a:fontRef>
-        </p:style>
-        <p:txBody>
-          <a:bodyPr rtlCol="0" anchor="ctr"/>
-          <a:lstStyle/>
-          <a:p>
-            <a:pPr algn="ctr"/>
-            <a:endParaRPr lang="pl-PL"/>
-          </a:p>
-        </p:txBody>
-      </p:sp>
-      <p:sp>
-        <p:nvSpPr>
-          <p:cNvPr id="47" name="Rectangle 46">
-            <a:extLst>
-              <a:ext uri="{FF2B5EF4-FFF2-40B4-BE49-F238E27FC236}">
-                <a16:creationId xmlns:a16="http://schemas.microsoft.com/office/drawing/2014/main" id="{15243AED-9FC8-98B8-C6D7-CD75A1872574}"/>
-              </a:ext>
-            </a:extLst>
-          </p:cNvPr>
-          <p:cNvSpPr/>
-          <p:nvPr/>
-        </p:nvSpPr>
-        <p:spPr>
-          <a:xfrm>
-            <a:off x="1673255" y="2388420"/>
-            <a:ext cx="2789861" cy="2236702"/>
-          </a:xfrm>
-          <a:prstGeom prst="rect">
-            <a:avLst/>
-          </a:prstGeom>
-          <a:solidFill>
-            <a:srgbClr val="7030A0"/>
-          </a:solidFill>
-        </p:spPr>
-        <p:style>
-          <a:lnRef idx="2">
-            <a:schemeClr val="accent1">
-              <a:shade val="15000"/>
-            </a:schemeClr>
-          </a:lnRef>
-          <a:fillRef idx="1">
-            <a:schemeClr val="accent1"/>
-          </a:fillRef>
-          <a:effectRef idx="0">
-            <a:schemeClr val="accent1"/>
-          </a:effectRef>
-          <a:fontRef idx="minor">
-            <a:schemeClr val="lt1"/>
-          </a:fontRef>
-        </p:style>
-        <p:txBody>
-          <a:bodyPr rtlCol="0" anchor="ctr"/>
-          <a:lstStyle/>
-          <a:p>
-            <a:pPr algn="ctr"/>
-            <a:endParaRPr lang="pl-PL" dirty="0"/>
-          </a:p>
-        </p:txBody>
-      </p:sp>
-      <p:sp>
-        <p:nvSpPr>
-          <p:cNvPr id="37" name="Rectangle 36">
-            <a:extLst>
-              <a:ext uri="{FF2B5EF4-FFF2-40B4-BE49-F238E27FC236}">
-                <a16:creationId xmlns:a16="http://schemas.microsoft.com/office/drawing/2014/main" id="{8FAAF6E4-3880-0141-E33B-46C52CD321B7}"/>
-              </a:ext>
-            </a:extLst>
-          </p:cNvPr>
-          <p:cNvSpPr/>
-          <p:nvPr/>
-        </p:nvSpPr>
-        <p:spPr>
-          <a:xfrm>
-            <a:off x="5236435" y="3804956"/>
-            <a:ext cx="2031054" cy="656595"/>
-          </a:xfrm>
-          <a:prstGeom prst="rect">
-            <a:avLst/>
-          </a:prstGeom>
-          <a:solidFill>
-            <a:schemeClr val="bg1">
-              <a:lumMod val="65000"/>
-              <a:lumOff val="35000"/>
-            </a:schemeClr>
-          </a:solidFill>
-        </p:spPr>
-        <p:style>
-          <a:lnRef idx="2">
-            <a:schemeClr val="dk1">
-              <a:shade val="15000"/>
-            </a:schemeClr>
-          </a:lnRef>
-          <a:fillRef idx="1">
-            <a:schemeClr val="dk1"/>
-          </a:fillRef>
-          <a:effectRef idx="0">
-            <a:schemeClr val="dk1"/>
-          </a:effectRef>
-          <a:fontRef idx="minor">
-            <a:schemeClr val="lt1"/>
-          </a:fontRef>
-        </p:style>
-        <p:txBody>
-          <a:bodyPr rtlCol="0" anchor="ctr"/>
-          <a:lstStyle/>
-          <a:p>
-            <a:pPr algn="ctr"/>
-            <a:endParaRPr lang="pl-PL"/>
-          </a:p>
-        </p:txBody>
-      </p:sp>
-      <p:sp>
-        <p:nvSpPr>
-          <p:cNvPr id="26" name="Rectangle 25">
-            <a:extLst>
-              <a:ext uri="{FF2B5EF4-FFF2-40B4-BE49-F238E27FC236}">
-                <a16:creationId xmlns:a16="http://schemas.microsoft.com/office/drawing/2014/main" id="{A44DA0E5-771C-4ACD-8787-AAE804949F65}"/>
-              </a:ext>
-            </a:extLst>
-          </p:cNvPr>
-          <p:cNvSpPr/>
-          <p:nvPr/>
-        </p:nvSpPr>
-        <p:spPr>
-          <a:xfrm>
-            <a:off x="5097272" y="1530872"/>
-            <a:ext cx="1463040" cy="1298471"/>
-          </a:xfrm>
-          <a:prstGeom prst="rect">
-            <a:avLst/>
-          </a:prstGeom>
-        </p:spPr>
-        <p:style>
-          <a:lnRef idx="2">
-            <a:schemeClr val="accent4">
-              <a:shade val="15000"/>
-            </a:schemeClr>
-          </a:lnRef>
-          <a:fillRef idx="1">
-            <a:schemeClr val="accent4"/>
-          </a:fillRef>
-          <a:effectRef idx="0">
-            <a:schemeClr val="accent4"/>
-          </a:effectRef>
-          <a:fontRef idx="minor">
-            <a:schemeClr val="lt1"/>
-          </a:fontRef>
-        </p:style>
-        <p:txBody>
-          <a:bodyPr rtlCol="0" anchor="ctr"/>
-          <a:lstStyle/>
-          <a:p>
-            <a:pPr algn="ctr"/>
-            <a:endParaRPr lang="pl-PL" dirty="0"/>
-          </a:p>
-        </p:txBody>
-      </p:sp>
-      <p:sp>
-        <p:nvSpPr>
-          <p:cNvPr id="25" name="Rectangle 24">
-            <a:extLst>
-              <a:ext uri="{FF2B5EF4-FFF2-40B4-BE49-F238E27FC236}">
-                <a16:creationId xmlns:a16="http://schemas.microsoft.com/office/drawing/2014/main" id="{A076507E-F516-3CDE-D96B-907E17D11D1A}"/>
-              </a:ext>
-            </a:extLst>
-          </p:cNvPr>
-          <p:cNvSpPr/>
-          <p:nvPr/>
-        </p:nvSpPr>
-        <p:spPr>
-          <a:xfrm>
-            <a:off x="1908314" y="1530873"/>
-            <a:ext cx="2389832" cy="735972"/>
-          </a:xfrm>
-          <a:prstGeom prst="rect">
-            <a:avLst/>
-          </a:prstGeom>
-          <a:solidFill>
-            <a:srgbClr val="FF0000"/>
-          </a:solidFill>
-        </p:spPr>
-        <p:style>
-          <a:lnRef idx="2">
-            <a:schemeClr val="accent4">
-              <a:shade val="15000"/>
-            </a:schemeClr>
-          </a:lnRef>
-          <a:fillRef idx="1">
-            <a:schemeClr val="accent4"/>
-          </a:fillRef>
-          <a:effectRef idx="0">
-            <a:schemeClr val="accent4"/>
-          </a:effectRef>
-          <a:fontRef idx="minor">
-            <a:schemeClr val="lt1"/>
-          </a:fontRef>
-        </p:style>
-        <p:txBody>
-          <a:bodyPr rtlCol="0" anchor="ctr"/>
-          <a:lstStyle/>
-          <a:p>
-            <a:pPr algn="ctr"/>
-            <a:endParaRPr lang="pl-PL"/>
-          </a:p>
-        </p:txBody>
-      </p:sp>
-      <p:sp>
-        <p:nvSpPr>
-          <p:cNvPr id="2" name="Title 1">
-            <a:extLst>
-              <a:ext uri="{FF2B5EF4-FFF2-40B4-BE49-F238E27FC236}">
-                <a16:creationId xmlns:a16="http://schemas.microsoft.com/office/drawing/2014/main" id="{A6D9024F-5DC4-53ED-6D9D-86A2E68F304B}"/>
-              </a:ext>
-            </a:extLst>
-          </p:cNvPr>
-          <p:cNvSpPr>
-            <a:spLocks noGrp="1"/>
-          </p:cNvSpPr>
-          <p:nvPr>
-            <p:ph type="title"/>
-          </p:nvPr>
-        </p:nvSpPr>
-        <p:spPr/>
-        <p:txBody>
-          <a:bodyPr/>
-          <a:lstStyle/>
-          <a:p>
-            <a:pPr algn="ctr"/>
-            <a:r>
-              <a:rPr lang="en-IE" dirty="0"/>
-              <a:t>Use Case Diagram</a:t>
-            </a:r>
-            <a:endParaRPr lang="pl-PL" dirty="0"/>
-          </a:p>
-        </p:txBody>
-      </p:sp>
-      <p:sp>
-        <p:nvSpPr>
-          <p:cNvPr id="5" name="TextBox 4">
-            <a:extLst>
-              <a:ext uri="{FF2B5EF4-FFF2-40B4-BE49-F238E27FC236}">
-                <a16:creationId xmlns:a16="http://schemas.microsoft.com/office/drawing/2014/main" id="{E519C272-F848-9890-7BE5-A6F8F70084AA}"/>
-              </a:ext>
-            </a:extLst>
-          </p:cNvPr>
-          <p:cNvSpPr txBox="1"/>
-          <p:nvPr/>
-        </p:nvSpPr>
-        <p:spPr>
-          <a:xfrm>
-            <a:off x="1942778" y="1540075"/>
-            <a:ext cx="764953" cy="338554"/>
-          </a:xfrm>
-          <a:prstGeom prst="rect">
-            <a:avLst/>
-          </a:prstGeom>
-          <a:noFill/>
-        </p:spPr>
-        <p:txBody>
-          <a:bodyPr wrap="none" rtlCol="0">
-            <a:spAutoFit/>
-          </a:bodyPr>
-          <a:lstStyle/>
-          <a:p>
-            <a:r>
-              <a:rPr lang="en-IE" sz="1600" dirty="0"/>
-              <a:t>Sign In</a:t>
-            </a:r>
-          </a:p>
-        </p:txBody>
-      </p:sp>
-      <p:sp>
-        <p:nvSpPr>
-          <p:cNvPr id="6" name="TextBox 5">
-            <a:extLst>
-              <a:ext uri="{FF2B5EF4-FFF2-40B4-BE49-F238E27FC236}">
-                <a16:creationId xmlns:a16="http://schemas.microsoft.com/office/drawing/2014/main" id="{50102270-C95E-D9DE-FCF1-B1FA8B2DFC0C}"/>
-              </a:ext>
-            </a:extLst>
-          </p:cNvPr>
-          <p:cNvSpPr txBox="1"/>
-          <p:nvPr/>
-        </p:nvSpPr>
-        <p:spPr>
-          <a:xfrm>
-            <a:off x="2723299" y="1521482"/>
-            <a:ext cx="925253" cy="338554"/>
-          </a:xfrm>
-          <a:prstGeom prst="rect">
-            <a:avLst/>
-          </a:prstGeom>
-          <a:noFill/>
-        </p:spPr>
-        <p:txBody>
-          <a:bodyPr wrap="none" rtlCol="0">
-            <a:spAutoFit/>
-          </a:bodyPr>
-          <a:lstStyle/>
-          <a:p>
-            <a:r>
-              <a:rPr lang="en-IE" sz="1600" dirty="0"/>
-              <a:t>Sign Out</a:t>
-            </a:r>
-            <a:endParaRPr lang="pl-PL" sz="1600" dirty="0"/>
-          </a:p>
-        </p:txBody>
-      </p:sp>
-      <p:sp>
-        <p:nvSpPr>
-          <p:cNvPr id="7" name="TextBox 6">
-            <a:extLst>
-              <a:ext uri="{FF2B5EF4-FFF2-40B4-BE49-F238E27FC236}">
-                <a16:creationId xmlns:a16="http://schemas.microsoft.com/office/drawing/2014/main" id="{E767BC79-AA64-FE6E-6CB1-AB7580D9A9C9}"/>
-              </a:ext>
-            </a:extLst>
-          </p:cNvPr>
-          <p:cNvSpPr txBox="1"/>
-          <p:nvPr/>
-        </p:nvSpPr>
-        <p:spPr>
-          <a:xfrm>
-            <a:off x="1908314" y="1897873"/>
-            <a:ext cx="847091" cy="338554"/>
-          </a:xfrm>
-          <a:prstGeom prst="rect">
-            <a:avLst/>
-          </a:prstGeom>
-          <a:noFill/>
-        </p:spPr>
-        <p:txBody>
-          <a:bodyPr wrap="none" rtlCol="0">
-            <a:spAutoFit/>
-          </a:bodyPr>
-          <a:lstStyle/>
-          <a:p>
-            <a:r>
-              <a:rPr lang="en-IE" sz="1600" dirty="0"/>
-              <a:t>Sign Up</a:t>
-            </a:r>
-            <a:endParaRPr lang="pl-PL" sz="1600" dirty="0"/>
-          </a:p>
-        </p:txBody>
-      </p:sp>
-      <p:sp>
-        <p:nvSpPr>
-          <p:cNvPr id="8" name="TextBox 7">
-            <a:extLst>
-              <a:ext uri="{FF2B5EF4-FFF2-40B4-BE49-F238E27FC236}">
-                <a16:creationId xmlns:a16="http://schemas.microsoft.com/office/drawing/2014/main" id="{0227D585-A9D1-390B-E0E5-D1EFF005BC6D}"/>
-              </a:ext>
-            </a:extLst>
-          </p:cNvPr>
-          <p:cNvSpPr txBox="1"/>
-          <p:nvPr/>
-        </p:nvSpPr>
-        <p:spPr>
-          <a:xfrm>
-            <a:off x="2735008" y="1928290"/>
-            <a:ext cx="1482265" cy="338554"/>
-          </a:xfrm>
-          <a:prstGeom prst="rect">
-            <a:avLst/>
-          </a:prstGeom>
-          <a:noFill/>
-        </p:spPr>
-        <p:txBody>
-          <a:bodyPr wrap="none" rtlCol="0">
-            <a:spAutoFit/>
-          </a:bodyPr>
-          <a:lstStyle/>
-          <a:p>
-            <a:r>
-              <a:rPr lang="en-IE" sz="1600" dirty="0"/>
-              <a:t>Delete Account</a:t>
-            </a:r>
-            <a:endParaRPr lang="pl-PL" sz="1600" dirty="0"/>
-          </a:p>
-        </p:txBody>
-      </p:sp>
-      <p:sp>
-        <p:nvSpPr>
-          <p:cNvPr id="9" name="TextBox 8">
-            <a:extLst>
-              <a:ext uri="{FF2B5EF4-FFF2-40B4-BE49-F238E27FC236}">
-                <a16:creationId xmlns:a16="http://schemas.microsoft.com/office/drawing/2014/main" id="{6FA1341F-6E0B-7BB6-ABBA-BA26A39D0A4E}"/>
-              </a:ext>
-            </a:extLst>
-          </p:cNvPr>
-          <p:cNvSpPr txBox="1"/>
-          <p:nvPr/>
-        </p:nvSpPr>
-        <p:spPr>
-          <a:xfrm>
-            <a:off x="5201169" y="1492214"/>
-            <a:ext cx="1217000" cy="338554"/>
-          </a:xfrm>
-          <a:prstGeom prst="rect">
-            <a:avLst/>
-          </a:prstGeom>
-          <a:noFill/>
-        </p:spPr>
-        <p:txBody>
-          <a:bodyPr wrap="none" rtlCol="0">
-            <a:spAutoFit/>
-          </a:bodyPr>
-          <a:lstStyle/>
-          <a:p>
-            <a:r>
-              <a:rPr lang="en-IE" sz="1600" dirty="0"/>
-              <a:t>Create Note</a:t>
-            </a:r>
-            <a:endParaRPr lang="pl-PL" sz="1600" dirty="0"/>
-          </a:p>
-        </p:txBody>
-      </p:sp>
-      <p:sp>
-        <p:nvSpPr>
-          <p:cNvPr id="10" name="TextBox 9">
-            <a:extLst>
-              <a:ext uri="{FF2B5EF4-FFF2-40B4-BE49-F238E27FC236}">
-                <a16:creationId xmlns:a16="http://schemas.microsoft.com/office/drawing/2014/main" id="{AD9E5720-B15B-62F6-E4F5-EE70C119C308}"/>
-              </a:ext>
-            </a:extLst>
-          </p:cNvPr>
-          <p:cNvSpPr txBox="1"/>
-          <p:nvPr/>
-        </p:nvSpPr>
-        <p:spPr>
-          <a:xfrm>
-            <a:off x="5139940" y="1728984"/>
-            <a:ext cx="1282723" cy="338554"/>
-          </a:xfrm>
-          <a:prstGeom prst="rect">
-            <a:avLst/>
-          </a:prstGeom>
-          <a:noFill/>
-        </p:spPr>
-        <p:txBody>
-          <a:bodyPr wrap="none" rtlCol="0">
-            <a:spAutoFit/>
-          </a:bodyPr>
-          <a:lstStyle/>
-          <a:p>
-            <a:r>
-              <a:rPr lang="en-IE" sz="1600" dirty="0"/>
-              <a:t>Update Note</a:t>
-            </a:r>
-            <a:endParaRPr lang="pl-PL" sz="1600" dirty="0"/>
-          </a:p>
-        </p:txBody>
-      </p:sp>
-      <p:sp>
-        <p:nvSpPr>
-          <p:cNvPr id="11" name="TextBox 10">
-            <a:extLst>
-              <a:ext uri="{FF2B5EF4-FFF2-40B4-BE49-F238E27FC236}">
-                <a16:creationId xmlns:a16="http://schemas.microsoft.com/office/drawing/2014/main" id="{7BD1AD93-2FC6-BF3C-1585-DECEB3551AFA}"/>
-              </a:ext>
-            </a:extLst>
-          </p:cNvPr>
-          <p:cNvSpPr txBox="1"/>
-          <p:nvPr/>
-        </p:nvSpPr>
-        <p:spPr>
-          <a:xfrm>
-            <a:off x="5255558" y="1977660"/>
-            <a:ext cx="1146468" cy="338554"/>
-          </a:xfrm>
-          <a:prstGeom prst="rect">
-            <a:avLst/>
-          </a:prstGeom>
-          <a:noFill/>
-        </p:spPr>
-        <p:txBody>
-          <a:bodyPr wrap="none" rtlCol="0">
-            <a:spAutoFit/>
-          </a:bodyPr>
-          <a:lstStyle/>
-          <a:p>
-            <a:r>
-              <a:rPr lang="en-IE" sz="1600" dirty="0"/>
-              <a:t>Share Note</a:t>
-            </a:r>
-            <a:endParaRPr lang="pl-PL" sz="1600" dirty="0"/>
-          </a:p>
-        </p:txBody>
-      </p:sp>
-      <p:sp>
-        <p:nvSpPr>
-          <p:cNvPr id="12" name="TextBox 11">
-            <a:extLst>
-              <a:ext uri="{FF2B5EF4-FFF2-40B4-BE49-F238E27FC236}">
-                <a16:creationId xmlns:a16="http://schemas.microsoft.com/office/drawing/2014/main" id="{205C132D-D3FB-9C69-16D6-BEACA95A87E6}"/>
-              </a:ext>
-            </a:extLst>
-          </p:cNvPr>
-          <p:cNvSpPr txBox="1"/>
-          <p:nvPr/>
-        </p:nvSpPr>
-        <p:spPr>
-          <a:xfrm>
-            <a:off x="5171898" y="2210805"/>
-            <a:ext cx="1215397" cy="338554"/>
-          </a:xfrm>
-          <a:prstGeom prst="rect">
-            <a:avLst/>
-          </a:prstGeom>
-          <a:noFill/>
-        </p:spPr>
-        <p:txBody>
-          <a:bodyPr wrap="none" rtlCol="0">
-            <a:spAutoFit/>
-          </a:bodyPr>
-          <a:lstStyle/>
-          <a:p>
-            <a:r>
-              <a:rPr lang="en-IE" sz="1600" dirty="0"/>
-              <a:t>Delete Note</a:t>
-            </a:r>
-            <a:endParaRPr lang="pl-PL" sz="1600" dirty="0"/>
-          </a:p>
-        </p:txBody>
-      </p:sp>
-      <p:sp>
-        <p:nvSpPr>
-          <p:cNvPr id="13" name="TextBox 12">
-            <a:extLst>
-              <a:ext uri="{FF2B5EF4-FFF2-40B4-BE49-F238E27FC236}">
-                <a16:creationId xmlns:a16="http://schemas.microsoft.com/office/drawing/2014/main" id="{76430900-AE9D-3988-6ED0-AE39D4FA0E50}"/>
-              </a:ext>
-            </a:extLst>
-          </p:cNvPr>
-          <p:cNvSpPr txBox="1"/>
-          <p:nvPr/>
-        </p:nvSpPr>
-        <p:spPr>
-          <a:xfrm>
-            <a:off x="4962961" y="2890419"/>
-            <a:ext cx="2049151" cy="338554"/>
-          </a:xfrm>
-          <a:prstGeom prst="rect">
-            <a:avLst/>
-          </a:prstGeom>
-          <a:noFill/>
-        </p:spPr>
-        <p:txBody>
-          <a:bodyPr wrap="none" rtlCol="0">
-            <a:spAutoFit/>
-          </a:bodyPr>
-          <a:lstStyle/>
-          <a:p>
-            <a:r>
-              <a:rPr lang="en-IE" sz="1600" dirty="0"/>
-              <a:t>Create Note Template</a:t>
-            </a:r>
-            <a:endParaRPr lang="pl-PL" sz="1600" dirty="0"/>
-          </a:p>
-        </p:txBody>
-      </p:sp>
-      <p:sp>
-        <p:nvSpPr>
-          <p:cNvPr id="14" name="TextBox 13">
-            <a:extLst>
-              <a:ext uri="{FF2B5EF4-FFF2-40B4-BE49-F238E27FC236}">
-                <a16:creationId xmlns:a16="http://schemas.microsoft.com/office/drawing/2014/main" id="{E324BB1E-7203-83C9-7C79-B762D7F04EF1}"/>
-              </a:ext>
-            </a:extLst>
-          </p:cNvPr>
-          <p:cNvSpPr txBox="1"/>
-          <p:nvPr/>
-        </p:nvSpPr>
-        <p:spPr>
-          <a:xfrm>
-            <a:off x="5308762" y="3853126"/>
-            <a:ext cx="1750607" cy="338554"/>
-          </a:xfrm>
-          <a:prstGeom prst="rect">
-            <a:avLst/>
-          </a:prstGeom>
-          <a:noFill/>
-        </p:spPr>
-        <p:txBody>
-          <a:bodyPr wrap="none" rtlCol="0">
-            <a:spAutoFit/>
-          </a:bodyPr>
-          <a:lstStyle/>
-          <a:p>
-            <a:r>
-              <a:rPr lang="en-IE" sz="1600" dirty="0"/>
-              <a:t>Synonymic Search</a:t>
-            </a:r>
-            <a:endParaRPr lang="pl-PL" sz="1600" dirty="0"/>
-          </a:p>
-        </p:txBody>
-      </p:sp>
-      <p:sp>
-        <p:nvSpPr>
-          <p:cNvPr id="15" name="TextBox 14">
-            <a:extLst>
-              <a:ext uri="{FF2B5EF4-FFF2-40B4-BE49-F238E27FC236}">
-                <a16:creationId xmlns:a16="http://schemas.microsoft.com/office/drawing/2014/main" id="{209EF96E-1A99-E9C7-4323-825DAA7FEF44}"/>
-              </a:ext>
-            </a:extLst>
-          </p:cNvPr>
-          <p:cNvSpPr txBox="1"/>
-          <p:nvPr/>
-        </p:nvSpPr>
-        <p:spPr>
-          <a:xfrm>
-            <a:off x="5710048" y="4122997"/>
-            <a:ext cx="1143262" cy="338554"/>
-          </a:xfrm>
-          <a:prstGeom prst="rect">
-            <a:avLst/>
-          </a:prstGeom>
-          <a:noFill/>
-        </p:spPr>
-        <p:txBody>
-          <a:bodyPr wrap="none" rtlCol="0">
-            <a:spAutoFit/>
-          </a:bodyPr>
-          <a:lstStyle/>
-          <a:p>
-            <a:r>
-              <a:rPr lang="en-IE" sz="1600" dirty="0"/>
-              <a:t>Filter notes</a:t>
-            </a:r>
-            <a:endParaRPr lang="pl-PL" sz="1600" dirty="0"/>
-          </a:p>
-        </p:txBody>
-      </p:sp>
-      <p:sp>
-        <p:nvSpPr>
-          <p:cNvPr id="16" name="TextBox 15">
-            <a:extLst>
-              <a:ext uri="{FF2B5EF4-FFF2-40B4-BE49-F238E27FC236}">
-                <a16:creationId xmlns:a16="http://schemas.microsoft.com/office/drawing/2014/main" id="{E2EE8439-5EEA-CACE-4AB6-23B262E5094E}"/>
-              </a:ext>
-            </a:extLst>
-          </p:cNvPr>
-          <p:cNvSpPr txBox="1"/>
-          <p:nvPr/>
-        </p:nvSpPr>
-        <p:spPr>
-          <a:xfrm>
-            <a:off x="2141513" y="2743564"/>
-            <a:ext cx="1847685" cy="338554"/>
-          </a:xfrm>
-          <a:prstGeom prst="rect">
-            <a:avLst/>
-          </a:prstGeom>
-          <a:noFill/>
-        </p:spPr>
-        <p:txBody>
-          <a:bodyPr wrap="none" rtlCol="0">
-            <a:spAutoFit/>
-          </a:bodyPr>
-          <a:lstStyle/>
-          <a:p>
-            <a:r>
-              <a:rPr lang="en-IE" sz="1600" dirty="0"/>
-              <a:t>Invite to Workspace</a:t>
-            </a:r>
-            <a:endParaRPr lang="pl-PL" sz="1600" dirty="0"/>
-          </a:p>
-        </p:txBody>
-      </p:sp>
-      <p:sp>
-        <p:nvSpPr>
-          <p:cNvPr id="17" name="TextBox 16">
-            <a:extLst>
-              <a:ext uri="{FF2B5EF4-FFF2-40B4-BE49-F238E27FC236}">
-                <a16:creationId xmlns:a16="http://schemas.microsoft.com/office/drawing/2014/main" id="{A68AC190-8C9C-CAFA-52B8-097CD19FBEC5}"/>
-              </a:ext>
-            </a:extLst>
-          </p:cNvPr>
-          <p:cNvSpPr txBox="1"/>
-          <p:nvPr/>
-        </p:nvSpPr>
-        <p:spPr>
-          <a:xfrm>
-            <a:off x="2073363" y="3026509"/>
-            <a:ext cx="1989647" cy="338554"/>
-          </a:xfrm>
-          <a:prstGeom prst="rect">
-            <a:avLst/>
-          </a:prstGeom>
-          <a:noFill/>
-        </p:spPr>
-        <p:txBody>
-          <a:bodyPr wrap="none" rtlCol="0">
-            <a:spAutoFit/>
-          </a:bodyPr>
-          <a:lstStyle/>
-          <a:p>
-            <a:r>
-              <a:rPr lang="en-IE" sz="1600" dirty="0"/>
-              <a:t>Send a Chat Message</a:t>
-            </a:r>
-            <a:endParaRPr lang="pl-PL" sz="1600" dirty="0"/>
-          </a:p>
-        </p:txBody>
-      </p:sp>
-      <p:sp>
-        <p:nvSpPr>
-          <p:cNvPr id="18" name="TextBox 17">
-            <a:extLst>
-              <a:ext uri="{FF2B5EF4-FFF2-40B4-BE49-F238E27FC236}">
-                <a16:creationId xmlns:a16="http://schemas.microsoft.com/office/drawing/2014/main" id="{53B87EC5-E1BC-61E9-7F9E-AA062406065C}"/>
-              </a:ext>
-            </a:extLst>
-          </p:cNvPr>
-          <p:cNvSpPr txBox="1"/>
-          <p:nvPr/>
-        </p:nvSpPr>
-        <p:spPr>
-          <a:xfrm>
-            <a:off x="2132151" y="3347649"/>
-            <a:ext cx="1866921" cy="338554"/>
-          </a:xfrm>
-          <a:prstGeom prst="rect">
-            <a:avLst/>
-          </a:prstGeom>
-          <a:noFill/>
-        </p:spPr>
-        <p:txBody>
-          <a:bodyPr wrap="none" rtlCol="0">
-            <a:spAutoFit/>
-          </a:bodyPr>
-          <a:lstStyle/>
-          <a:p>
-            <a:r>
-              <a:rPr lang="en-IE" sz="1600" dirty="0"/>
-              <a:t>Update Workspaces</a:t>
-            </a:r>
-            <a:endParaRPr lang="pl-PL" sz="1600" dirty="0"/>
-          </a:p>
-        </p:txBody>
-      </p:sp>
-      <p:sp>
-        <p:nvSpPr>
-          <p:cNvPr id="19" name="TextBox 18">
-            <a:extLst>
-              <a:ext uri="{FF2B5EF4-FFF2-40B4-BE49-F238E27FC236}">
-                <a16:creationId xmlns:a16="http://schemas.microsoft.com/office/drawing/2014/main" id="{0282B073-DA9B-3E7B-221F-F052306E5472}"/>
-              </a:ext>
-            </a:extLst>
-          </p:cNvPr>
-          <p:cNvSpPr txBox="1"/>
-          <p:nvPr/>
-        </p:nvSpPr>
-        <p:spPr>
-          <a:xfrm>
-            <a:off x="2235290" y="3654334"/>
-            <a:ext cx="1660134" cy="338554"/>
-          </a:xfrm>
-          <a:prstGeom prst="rect">
-            <a:avLst/>
-          </a:prstGeom>
-          <a:noFill/>
-        </p:spPr>
-        <p:txBody>
-          <a:bodyPr wrap="none" rtlCol="0">
-            <a:spAutoFit/>
-          </a:bodyPr>
-          <a:lstStyle/>
-          <a:p>
-            <a:r>
-              <a:rPr lang="en-IE" sz="1600" dirty="0"/>
-              <a:t>Leave Workspace</a:t>
-            </a:r>
-            <a:endParaRPr lang="pl-PL" sz="1600" dirty="0"/>
-          </a:p>
-        </p:txBody>
-      </p:sp>
-      <p:sp>
-        <p:nvSpPr>
-          <p:cNvPr id="20" name="TextBox 19">
-            <a:extLst>
-              <a:ext uri="{FF2B5EF4-FFF2-40B4-BE49-F238E27FC236}">
-                <a16:creationId xmlns:a16="http://schemas.microsoft.com/office/drawing/2014/main" id="{7FD40246-C709-0F0F-AB81-D5E350D1185F}"/>
-              </a:ext>
-            </a:extLst>
-          </p:cNvPr>
-          <p:cNvSpPr txBox="1"/>
-          <p:nvPr/>
-        </p:nvSpPr>
-        <p:spPr>
-          <a:xfrm>
-            <a:off x="5145698" y="3138342"/>
-            <a:ext cx="1648400" cy="338554"/>
-          </a:xfrm>
-          <a:prstGeom prst="rect">
-            <a:avLst/>
-          </a:prstGeom>
-          <a:noFill/>
-        </p:spPr>
-        <p:txBody>
-          <a:bodyPr wrap="none" rtlCol="0">
-            <a:spAutoFit/>
-          </a:bodyPr>
-          <a:lstStyle/>
-          <a:p>
-            <a:r>
-              <a:rPr lang="en-IE" sz="1600" dirty="0"/>
-              <a:t>Update Template</a:t>
-            </a:r>
-            <a:endParaRPr lang="pl-PL" sz="1600" dirty="0"/>
-          </a:p>
-        </p:txBody>
-      </p:sp>
-      <p:sp>
-        <p:nvSpPr>
-          <p:cNvPr id="21" name="TextBox 20">
-            <a:extLst>
-              <a:ext uri="{FF2B5EF4-FFF2-40B4-BE49-F238E27FC236}">
-                <a16:creationId xmlns:a16="http://schemas.microsoft.com/office/drawing/2014/main" id="{1201BAE8-D5B8-BBB9-DC3F-2B989DA67FE3}"/>
-              </a:ext>
-            </a:extLst>
-          </p:cNvPr>
-          <p:cNvSpPr txBox="1"/>
-          <p:nvPr/>
-        </p:nvSpPr>
-        <p:spPr>
-          <a:xfrm>
-            <a:off x="2222515" y="3944890"/>
-            <a:ext cx="1716239" cy="338554"/>
-          </a:xfrm>
-          <a:prstGeom prst="rect">
-            <a:avLst/>
-          </a:prstGeom>
-          <a:noFill/>
-        </p:spPr>
-        <p:txBody>
-          <a:bodyPr wrap="none" rtlCol="0">
-            <a:spAutoFit/>
-          </a:bodyPr>
-          <a:lstStyle/>
-          <a:p>
-            <a:r>
-              <a:rPr lang="en-IE" sz="1600" dirty="0"/>
-              <a:t>Delete Workspace</a:t>
-            </a:r>
-            <a:endParaRPr lang="pl-PL" sz="1600" dirty="0"/>
-          </a:p>
-        </p:txBody>
-      </p:sp>
-      <p:sp>
-        <p:nvSpPr>
-          <p:cNvPr id="22" name="TextBox 21">
-            <a:extLst>
-              <a:ext uri="{FF2B5EF4-FFF2-40B4-BE49-F238E27FC236}">
-                <a16:creationId xmlns:a16="http://schemas.microsoft.com/office/drawing/2014/main" id="{2D1D3AE1-043B-9C0D-666B-876B03D24BDA}"/>
-              </a:ext>
-            </a:extLst>
-          </p:cNvPr>
-          <p:cNvSpPr txBox="1"/>
-          <p:nvPr/>
-        </p:nvSpPr>
-        <p:spPr>
-          <a:xfrm>
-            <a:off x="348649" y="1357382"/>
-            <a:ext cx="643125" cy="369332"/>
-          </a:xfrm>
-          <a:prstGeom prst="rect">
-            <a:avLst/>
-          </a:prstGeom>
-          <a:noFill/>
-        </p:spPr>
-        <p:txBody>
-          <a:bodyPr wrap="none" rtlCol="0">
-            <a:spAutoFit/>
-          </a:bodyPr>
-          <a:lstStyle/>
-          <a:p>
-            <a:r>
-              <a:rPr lang="en-IE" b="1" i="1" dirty="0"/>
-              <a:t>User</a:t>
-            </a:r>
-            <a:endParaRPr lang="pl-PL" b="1" i="1" dirty="0"/>
-          </a:p>
-        </p:txBody>
-      </p:sp>
-      <p:sp>
-        <p:nvSpPr>
-          <p:cNvPr id="27" name="TextBox 26">
-            <a:extLst>
-              <a:ext uri="{FF2B5EF4-FFF2-40B4-BE49-F238E27FC236}">
-                <a16:creationId xmlns:a16="http://schemas.microsoft.com/office/drawing/2014/main" id="{387A52E6-72D8-4624-5E62-0B31435E9886}"/>
-              </a:ext>
-            </a:extLst>
-          </p:cNvPr>
-          <p:cNvSpPr txBox="1"/>
-          <p:nvPr/>
-        </p:nvSpPr>
-        <p:spPr>
-          <a:xfrm>
-            <a:off x="7581392" y="1418811"/>
-            <a:ext cx="1471621" cy="646331"/>
-          </a:xfrm>
-          <a:prstGeom prst="rect">
-            <a:avLst/>
-          </a:prstGeom>
-          <a:noFill/>
-        </p:spPr>
-        <p:txBody>
-          <a:bodyPr wrap="none" rtlCol="0">
-            <a:spAutoFit/>
-          </a:bodyPr>
-          <a:lstStyle/>
-          <a:p>
-            <a:pPr algn="ctr"/>
-            <a:r>
-              <a:rPr lang="en-IE" b="1" i="1" dirty="0">
-                <a:solidFill>
-                  <a:schemeClr val="accent5">
-                    <a:lumMod val="60000"/>
-                    <a:lumOff val="40000"/>
-                  </a:schemeClr>
-                </a:solidFill>
-              </a:rPr>
-              <a:t>Text2Speech</a:t>
-            </a:r>
-            <a:br>
-              <a:rPr lang="en-IE" b="1" i="1" dirty="0"/>
-            </a:br>
-            <a:r>
-              <a:rPr lang="en-IE" b="1" i="1" dirty="0">
-                <a:solidFill>
-                  <a:schemeClr val="accent5">
-                    <a:lumMod val="60000"/>
-                    <a:lumOff val="40000"/>
-                  </a:schemeClr>
-                </a:solidFill>
-              </a:rPr>
-              <a:t>API</a:t>
-            </a:r>
-            <a:endParaRPr lang="pl-PL" b="1" i="1" dirty="0">
-              <a:solidFill>
-                <a:schemeClr val="accent5">
-                  <a:lumMod val="60000"/>
-                  <a:lumOff val="40000"/>
-                </a:schemeClr>
-              </a:solidFill>
-            </a:endParaRPr>
-          </a:p>
-        </p:txBody>
-      </p:sp>
-      <p:sp>
-        <p:nvSpPr>
-          <p:cNvPr id="28" name="TextBox 27">
-            <a:extLst>
-              <a:ext uri="{FF2B5EF4-FFF2-40B4-BE49-F238E27FC236}">
-                <a16:creationId xmlns:a16="http://schemas.microsoft.com/office/drawing/2014/main" id="{65BB2F85-60E2-2FB7-A90F-6844D577D817}"/>
-              </a:ext>
-            </a:extLst>
-          </p:cNvPr>
-          <p:cNvSpPr txBox="1"/>
-          <p:nvPr/>
-        </p:nvSpPr>
-        <p:spPr>
-          <a:xfrm>
-            <a:off x="7662100" y="4051237"/>
-            <a:ext cx="1208985" cy="646331"/>
-          </a:xfrm>
-          <a:prstGeom prst="rect">
-            <a:avLst/>
-          </a:prstGeom>
-          <a:noFill/>
-        </p:spPr>
-        <p:txBody>
-          <a:bodyPr wrap="none" rtlCol="0">
-            <a:spAutoFit/>
-          </a:bodyPr>
-          <a:lstStyle/>
-          <a:p>
-            <a:pPr algn="ctr"/>
-            <a:r>
-              <a:rPr lang="en-IE" b="1" i="1" dirty="0"/>
-              <a:t>Thesaurus</a:t>
-            </a:r>
-            <a:br>
-              <a:rPr lang="en-IE" b="1" i="1" dirty="0"/>
-            </a:br>
-            <a:r>
-              <a:rPr lang="en-IE" b="1" i="1" dirty="0"/>
-              <a:t>API</a:t>
-            </a:r>
-            <a:endParaRPr lang="pl-PL" b="1" i="1" dirty="0"/>
-          </a:p>
-        </p:txBody>
-      </p:sp>
-      <p:sp>
-        <p:nvSpPr>
-          <p:cNvPr id="29" name="TextBox 28">
-            <a:extLst>
-              <a:ext uri="{FF2B5EF4-FFF2-40B4-BE49-F238E27FC236}">
-                <a16:creationId xmlns:a16="http://schemas.microsoft.com/office/drawing/2014/main" id="{FF7E4367-3C4D-BA98-08F2-3D46199DB6E0}"/>
-              </a:ext>
-            </a:extLst>
-          </p:cNvPr>
-          <p:cNvSpPr txBox="1"/>
-          <p:nvPr/>
-        </p:nvSpPr>
-        <p:spPr>
-          <a:xfrm>
-            <a:off x="7718981" y="3411795"/>
-            <a:ext cx="1014508" cy="369332"/>
-          </a:xfrm>
-          <a:prstGeom prst="rect">
-            <a:avLst/>
-          </a:prstGeom>
-          <a:noFill/>
-        </p:spPr>
-        <p:txBody>
-          <a:bodyPr wrap="none" rtlCol="0">
-            <a:spAutoFit/>
-          </a:bodyPr>
-          <a:lstStyle/>
-          <a:p>
-            <a:r>
-              <a:rPr lang="en-IE" b="1" i="1" dirty="0">
-                <a:solidFill>
-                  <a:schemeClr val="accent5">
-                    <a:lumMod val="60000"/>
-                    <a:lumOff val="40000"/>
-                  </a:schemeClr>
-                </a:solidFill>
-              </a:rPr>
-              <a:t>LLM API</a:t>
-            </a:r>
-            <a:endParaRPr lang="pl-PL" b="1" i="1" dirty="0">
-              <a:solidFill>
-                <a:schemeClr val="accent5">
-                  <a:lumMod val="60000"/>
-                  <a:lumOff val="40000"/>
-                </a:schemeClr>
-              </a:solidFill>
-            </a:endParaRPr>
-          </a:p>
-        </p:txBody>
-      </p:sp>
-      <p:cxnSp>
-        <p:nvCxnSpPr>
-          <p:cNvPr id="52" name="Straight Arrow Connector 51">
-            <a:extLst>
-              <a:ext uri="{FF2B5EF4-FFF2-40B4-BE49-F238E27FC236}">
-                <a16:creationId xmlns:a16="http://schemas.microsoft.com/office/drawing/2014/main" id="{A5B13293-71E5-1CAF-9C41-EEB7D7DC3D61}"/>
-              </a:ext>
-            </a:extLst>
-          </p:cNvPr>
-          <p:cNvCxnSpPr>
-            <a:cxnSpLocks/>
-          </p:cNvCxnSpPr>
-          <p:nvPr/>
-        </p:nvCxnSpPr>
-        <p:spPr>
-          <a:xfrm flipV="1">
-            <a:off x="7080148" y="3699238"/>
-            <a:ext cx="618815" cy="266824"/>
-          </a:xfrm>
-          <a:prstGeom prst="straightConnector1">
-            <a:avLst/>
-          </a:prstGeom>
-          <a:ln>
-            <a:headEnd type="arrow" w="med" len="med"/>
-            <a:tailEnd type="arrow" w="med" len="med"/>
-          </a:ln>
-        </p:spPr>
-        <p:style>
-          <a:lnRef idx="3">
-            <a:schemeClr val="accent6"/>
-          </a:lnRef>
-          <a:fillRef idx="0">
-            <a:schemeClr val="accent6"/>
-          </a:fillRef>
-          <a:effectRef idx="2">
-            <a:schemeClr val="accent6"/>
-          </a:effectRef>
-          <a:fontRef idx="minor">
-            <a:schemeClr val="tx1"/>
-          </a:fontRef>
-        </p:style>
-      </p:cxnSp>
-      <p:cxnSp>
-        <p:nvCxnSpPr>
-          <p:cNvPr id="54" name="Straight Arrow Connector 53">
-            <a:extLst>
-              <a:ext uri="{FF2B5EF4-FFF2-40B4-BE49-F238E27FC236}">
-                <a16:creationId xmlns:a16="http://schemas.microsoft.com/office/drawing/2014/main" id="{497D5977-93D6-C2CF-D783-368ECA7A40F8}"/>
-              </a:ext>
-            </a:extLst>
-          </p:cNvPr>
-          <p:cNvCxnSpPr>
-            <a:cxnSpLocks/>
-            <a:stCxn id="14" idx="3"/>
-            <a:endCxn id="28" idx="1"/>
-          </p:cNvCxnSpPr>
-          <p:nvPr/>
-        </p:nvCxnSpPr>
-        <p:spPr>
-          <a:xfrm>
-            <a:off x="7059369" y="4022403"/>
-            <a:ext cx="602731" cy="352000"/>
-          </a:xfrm>
-          <a:prstGeom prst="straightConnector1">
-            <a:avLst/>
-          </a:prstGeom>
-          <a:ln>
-            <a:headEnd type="arrow" w="med" len="med"/>
-            <a:tailEnd type="arrow" w="med" len="med"/>
-          </a:ln>
-        </p:spPr>
-        <p:style>
-          <a:lnRef idx="3">
-            <a:schemeClr val="accent6"/>
-          </a:lnRef>
-          <a:fillRef idx="0">
-            <a:schemeClr val="accent6"/>
-          </a:fillRef>
-          <a:effectRef idx="2">
-            <a:schemeClr val="accent6"/>
-          </a:effectRef>
-          <a:fontRef idx="minor">
-            <a:schemeClr val="tx1"/>
-          </a:fontRef>
-        </p:style>
-      </p:cxnSp>
-      <p:sp>
-        <p:nvSpPr>
-          <p:cNvPr id="63" name="TextBox 62">
-            <a:extLst>
-              <a:ext uri="{FF2B5EF4-FFF2-40B4-BE49-F238E27FC236}">
-                <a16:creationId xmlns:a16="http://schemas.microsoft.com/office/drawing/2014/main" id="{96755D4B-7D8D-3E8A-76E7-3EF2003709A1}"/>
-              </a:ext>
-            </a:extLst>
-          </p:cNvPr>
-          <p:cNvSpPr txBox="1"/>
-          <p:nvPr/>
-        </p:nvSpPr>
-        <p:spPr>
-          <a:xfrm>
-            <a:off x="-18042" y="1683689"/>
-            <a:ext cx="1481624" cy="1600438"/>
-          </a:xfrm>
-          <a:prstGeom prst="rect">
-            <a:avLst/>
-          </a:prstGeom>
-          <a:noFill/>
-        </p:spPr>
-        <p:txBody>
-          <a:bodyPr wrap="none" rtlCol="0">
-            <a:spAutoFit/>
-          </a:bodyPr>
-          <a:lstStyle/>
-          <a:p>
-            <a:pPr algn="ctr"/>
-            <a:r>
-              <a:rPr lang="en-IE" sz="1400" dirty="0"/>
-              <a:t>Can perform </a:t>
-            </a:r>
-          </a:p>
-          <a:p>
-            <a:pPr algn="ctr"/>
-            <a:r>
-              <a:rPr lang="en-IE" sz="1400" dirty="0"/>
-              <a:t>all use cases</a:t>
-            </a:r>
-          </a:p>
-          <a:p>
-            <a:pPr algn="ctr"/>
-            <a:r>
-              <a:rPr lang="en-IE" sz="1400" dirty="0"/>
-              <a:t> other than</a:t>
-            </a:r>
-          </a:p>
-          <a:p>
-            <a:pPr algn="ctr"/>
-            <a:r>
-              <a:rPr lang="en-IE" sz="1400" dirty="0"/>
-              <a:t> Workspace </a:t>
-            </a:r>
-          </a:p>
-          <a:p>
-            <a:pPr algn="ctr"/>
-            <a:r>
-              <a:rPr lang="en-IE" sz="1400" dirty="0"/>
-              <a:t>Manager. Arrows </a:t>
-            </a:r>
-          </a:p>
-          <a:p>
-            <a:pPr algn="ctr"/>
-            <a:r>
-              <a:rPr lang="en-IE" sz="1400" dirty="0"/>
-              <a:t>not shown for </a:t>
-            </a:r>
-          </a:p>
-          <a:p>
-            <a:pPr algn="ctr"/>
-            <a:r>
-              <a:rPr lang="en-IE" sz="1400" dirty="0"/>
-              <a:t>Readability.</a:t>
-            </a:r>
-            <a:endParaRPr lang="pl-PL" sz="1400" dirty="0"/>
-          </a:p>
-        </p:txBody>
-      </p:sp>
-      <p:sp>
-        <p:nvSpPr>
-          <p:cNvPr id="68" name="TextBox 67">
-            <a:extLst>
-              <a:ext uri="{FF2B5EF4-FFF2-40B4-BE49-F238E27FC236}">
-                <a16:creationId xmlns:a16="http://schemas.microsoft.com/office/drawing/2014/main" id="{19384C75-D69C-FAD7-BCF8-1CC9FEBE87D6}"/>
-              </a:ext>
-            </a:extLst>
-          </p:cNvPr>
-          <p:cNvSpPr txBox="1"/>
-          <p:nvPr/>
-        </p:nvSpPr>
-        <p:spPr>
-          <a:xfrm>
-            <a:off x="7539176" y="1898398"/>
-            <a:ext cx="1563248" cy="1384995"/>
-          </a:xfrm>
-          <a:prstGeom prst="rect">
-            <a:avLst/>
-          </a:prstGeom>
-          <a:noFill/>
-        </p:spPr>
-        <p:txBody>
-          <a:bodyPr wrap="none" rtlCol="0">
-            <a:spAutoFit/>
-          </a:bodyPr>
-          <a:lstStyle/>
-          <a:p>
-            <a:pPr algn="ctr"/>
-            <a:r>
-              <a:rPr lang="en-IE" sz="1400" dirty="0">
-                <a:solidFill>
-                  <a:schemeClr val="accent5">
-                    <a:lumMod val="60000"/>
-                    <a:lumOff val="40000"/>
-                  </a:schemeClr>
-                </a:solidFill>
-              </a:rPr>
-              <a:t>Will be used as an </a:t>
-            </a:r>
-          </a:p>
-          <a:p>
-            <a:pPr algn="ctr"/>
-            <a:r>
-              <a:rPr lang="en-IE" sz="1400" dirty="0">
-                <a:solidFill>
-                  <a:schemeClr val="accent5">
-                    <a:lumMod val="60000"/>
-                    <a:lumOff val="40000"/>
-                  </a:schemeClr>
-                </a:solidFill>
-              </a:rPr>
-              <a:t>alternative to </a:t>
-            </a:r>
-          </a:p>
-          <a:p>
-            <a:pPr algn="ctr"/>
-            <a:r>
-              <a:rPr lang="en-IE" sz="1400" dirty="0">
-                <a:solidFill>
-                  <a:schemeClr val="accent5">
-                    <a:lumMod val="60000"/>
-                    <a:lumOff val="40000"/>
-                  </a:schemeClr>
-                </a:solidFill>
-              </a:rPr>
-              <a:t>typing in the </a:t>
-            </a:r>
-          </a:p>
-          <a:p>
-            <a:pPr algn="ctr"/>
-            <a:r>
-              <a:rPr lang="en-IE" sz="1400" dirty="0">
-                <a:solidFill>
-                  <a:schemeClr val="accent5">
-                    <a:lumMod val="60000"/>
-                    <a:lumOff val="40000"/>
-                  </a:schemeClr>
-                </a:solidFill>
-              </a:rPr>
-              <a:t>text fields. </a:t>
-            </a:r>
-          </a:p>
-          <a:p>
-            <a:pPr algn="ctr"/>
-            <a:r>
-              <a:rPr lang="en-IE" sz="1400" dirty="0">
-                <a:solidFill>
-                  <a:schemeClr val="accent5">
-                    <a:lumMod val="60000"/>
-                    <a:lumOff val="40000"/>
-                  </a:schemeClr>
-                </a:solidFill>
-              </a:rPr>
-              <a:t>Arrows not shown </a:t>
-            </a:r>
-          </a:p>
-          <a:p>
-            <a:pPr algn="ctr"/>
-            <a:r>
-              <a:rPr lang="en-IE" sz="1400" dirty="0">
-                <a:solidFill>
-                  <a:schemeClr val="accent5">
-                    <a:lumMod val="60000"/>
-                    <a:lumOff val="40000"/>
-                  </a:schemeClr>
-                </a:solidFill>
-              </a:rPr>
-              <a:t>for readability</a:t>
-            </a:r>
-            <a:endParaRPr lang="pl-PL" sz="1400" dirty="0">
-              <a:solidFill>
-                <a:schemeClr val="accent5">
-                  <a:lumMod val="60000"/>
-                  <a:lumOff val="40000"/>
-                </a:schemeClr>
-              </a:solidFill>
-            </a:endParaRPr>
-          </a:p>
-        </p:txBody>
-      </p:sp>
-      <p:sp>
-        <p:nvSpPr>
-          <p:cNvPr id="3" name="TextBox 2">
-            <a:extLst>
-              <a:ext uri="{FF2B5EF4-FFF2-40B4-BE49-F238E27FC236}">
-                <a16:creationId xmlns:a16="http://schemas.microsoft.com/office/drawing/2014/main" id="{5A40573B-BA06-5264-C486-869A5BB55B34}"/>
-              </a:ext>
-            </a:extLst>
-          </p:cNvPr>
-          <p:cNvSpPr txBox="1"/>
-          <p:nvPr/>
-        </p:nvSpPr>
-        <p:spPr>
-          <a:xfrm>
-            <a:off x="5181212" y="3386265"/>
-            <a:ext cx="1581074" cy="338554"/>
-          </a:xfrm>
-          <a:prstGeom prst="rect">
-            <a:avLst/>
-          </a:prstGeom>
-          <a:noFill/>
-        </p:spPr>
-        <p:txBody>
-          <a:bodyPr wrap="none" rtlCol="0">
-            <a:spAutoFit/>
-          </a:bodyPr>
-          <a:lstStyle/>
-          <a:p>
-            <a:r>
-              <a:rPr lang="en-IE" sz="1600" dirty="0"/>
-              <a:t>Delete Template</a:t>
-            </a:r>
-            <a:endParaRPr lang="pl-PL" sz="1600" dirty="0"/>
-          </a:p>
-        </p:txBody>
-      </p:sp>
-      <p:sp>
-        <p:nvSpPr>
-          <p:cNvPr id="24" name="TextBox 23">
-            <a:extLst>
-              <a:ext uri="{FF2B5EF4-FFF2-40B4-BE49-F238E27FC236}">
-                <a16:creationId xmlns:a16="http://schemas.microsoft.com/office/drawing/2014/main" id="{BF9B75BB-ED44-5A7F-A8C5-57B0CD71484F}"/>
-              </a:ext>
-            </a:extLst>
-          </p:cNvPr>
-          <p:cNvSpPr txBox="1"/>
-          <p:nvPr/>
-        </p:nvSpPr>
-        <p:spPr>
-          <a:xfrm>
-            <a:off x="5374228" y="2483908"/>
-            <a:ext cx="809837" cy="338554"/>
-          </a:xfrm>
-          <a:prstGeom prst="rect">
-            <a:avLst/>
-          </a:prstGeom>
-          <a:noFill/>
-        </p:spPr>
-        <p:txBody>
-          <a:bodyPr wrap="none" rtlCol="0">
-            <a:spAutoFit/>
-          </a:bodyPr>
-          <a:lstStyle/>
-          <a:p>
-            <a:r>
-              <a:rPr lang="en-IE" sz="1600" dirty="0">
-                <a:solidFill>
-                  <a:schemeClr val="accent5">
-                    <a:lumMod val="60000"/>
-                    <a:lumOff val="40000"/>
-                  </a:schemeClr>
-                </a:solidFill>
-              </a:rPr>
-              <a:t>Autofill</a:t>
-            </a:r>
-            <a:endParaRPr lang="pl-PL" sz="1600" dirty="0">
-              <a:solidFill>
-                <a:schemeClr val="accent5">
-                  <a:lumMod val="60000"/>
-                  <a:lumOff val="40000"/>
-                </a:schemeClr>
-              </a:solidFill>
-            </a:endParaRPr>
-          </a:p>
-        </p:txBody>
-      </p:sp>
-      <p:cxnSp>
-        <p:nvCxnSpPr>
-          <p:cNvPr id="40" name="Connector: Elbow 39">
-            <a:extLst>
-              <a:ext uri="{FF2B5EF4-FFF2-40B4-BE49-F238E27FC236}">
-                <a16:creationId xmlns:a16="http://schemas.microsoft.com/office/drawing/2014/main" id="{F2C865DF-1689-6D43-E7F9-64684A4A733A}"/>
-              </a:ext>
-            </a:extLst>
-          </p:cNvPr>
-          <p:cNvCxnSpPr>
-            <a:cxnSpLocks/>
-            <a:stCxn id="29" idx="1"/>
-          </p:cNvCxnSpPr>
-          <p:nvPr/>
-        </p:nvCxnSpPr>
-        <p:spPr>
-          <a:xfrm rot="10800000">
-            <a:off x="6256325" y="2649327"/>
-            <a:ext cx="1462656" cy="947135"/>
-          </a:xfrm>
-          <a:prstGeom prst="bentConnector3">
-            <a:avLst>
-              <a:gd name="adj1" fmla="val 26081"/>
-            </a:avLst>
-          </a:prstGeom>
-          <a:ln>
-            <a:headEnd type="arrow" w="med" len="med"/>
-            <a:tailEnd type="arrow" w="med" len="med"/>
-          </a:ln>
-        </p:spPr>
-        <p:style>
-          <a:lnRef idx="3">
-            <a:schemeClr val="accent6"/>
-          </a:lnRef>
-          <a:fillRef idx="0">
-            <a:schemeClr val="accent6"/>
-          </a:fillRef>
-          <a:effectRef idx="2">
-            <a:schemeClr val="accent6"/>
-          </a:effectRef>
-          <a:fontRef idx="minor">
-            <a:schemeClr val="tx1"/>
-          </a:fontRef>
-        </p:style>
-      </p:cxnSp>
-      <p:sp>
-        <p:nvSpPr>
-          <p:cNvPr id="32" name="TextBox 31">
-            <a:extLst>
-              <a:ext uri="{FF2B5EF4-FFF2-40B4-BE49-F238E27FC236}">
-                <a16:creationId xmlns:a16="http://schemas.microsoft.com/office/drawing/2014/main" id="{BB4F0DE5-DBD7-7E9F-63FA-4F8AAC2DE93B}"/>
-              </a:ext>
-            </a:extLst>
-          </p:cNvPr>
-          <p:cNvSpPr txBox="1"/>
-          <p:nvPr/>
-        </p:nvSpPr>
-        <p:spPr>
-          <a:xfrm>
-            <a:off x="100404" y="4051237"/>
-            <a:ext cx="1253035" cy="646331"/>
-          </a:xfrm>
-          <a:prstGeom prst="rect">
-            <a:avLst/>
-          </a:prstGeom>
-          <a:noFill/>
-        </p:spPr>
-        <p:txBody>
-          <a:bodyPr wrap="none" rtlCol="0">
-            <a:spAutoFit/>
-          </a:bodyPr>
-          <a:lstStyle/>
-          <a:p>
-            <a:r>
-              <a:rPr lang="en-IE" b="1" i="1" dirty="0"/>
-              <a:t>Workspace</a:t>
-            </a:r>
-          </a:p>
-          <a:p>
-            <a:pPr algn="ctr"/>
-            <a:r>
-              <a:rPr lang="en-IE" b="1" i="1" dirty="0"/>
-              <a:t>Manager</a:t>
-            </a:r>
-            <a:endParaRPr lang="pl-PL" b="1" i="1" dirty="0"/>
-          </a:p>
-        </p:txBody>
-      </p:sp>
-      <p:cxnSp>
-        <p:nvCxnSpPr>
-          <p:cNvPr id="34" name="Straight Arrow Connector 33">
-            <a:extLst>
-              <a:ext uri="{FF2B5EF4-FFF2-40B4-BE49-F238E27FC236}">
-                <a16:creationId xmlns:a16="http://schemas.microsoft.com/office/drawing/2014/main" id="{4D3E5215-EBA7-15A3-012D-861BA3C51F85}"/>
-              </a:ext>
-            </a:extLst>
-          </p:cNvPr>
-          <p:cNvCxnSpPr>
-            <a:cxnSpLocks/>
-            <a:stCxn id="32" idx="3"/>
-            <a:endCxn id="18" idx="1"/>
-          </p:cNvCxnSpPr>
-          <p:nvPr/>
-        </p:nvCxnSpPr>
-        <p:spPr>
-          <a:xfrm flipV="1">
-            <a:off x="1353439" y="3516926"/>
-            <a:ext cx="778712" cy="857477"/>
-          </a:xfrm>
-          <a:prstGeom prst="straightConnector1">
-            <a:avLst/>
-          </a:prstGeom>
-          <a:ln>
-            <a:tailEnd type="triangle"/>
-          </a:ln>
-        </p:spPr>
-        <p:style>
-          <a:lnRef idx="3">
-            <a:schemeClr val="accent6"/>
-          </a:lnRef>
-          <a:fillRef idx="0">
-            <a:schemeClr val="accent6"/>
-          </a:fillRef>
-          <a:effectRef idx="2">
-            <a:schemeClr val="accent6"/>
-          </a:effectRef>
-          <a:fontRef idx="minor">
-            <a:schemeClr val="tx1"/>
-          </a:fontRef>
-        </p:style>
-      </p:cxnSp>
-      <p:sp>
-        <p:nvSpPr>
-          <p:cNvPr id="35" name="TextBox 34">
-            <a:extLst>
-              <a:ext uri="{FF2B5EF4-FFF2-40B4-BE49-F238E27FC236}">
-                <a16:creationId xmlns:a16="http://schemas.microsoft.com/office/drawing/2014/main" id="{316B09CE-ED15-F81B-92C3-3075B3C74EBA}"/>
-              </a:ext>
-            </a:extLst>
-          </p:cNvPr>
-          <p:cNvSpPr txBox="1"/>
-          <p:nvPr/>
-        </p:nvSpPr>
-        <p:spPr>
-          <a:xfrm>
-            <a:off x="2551240" y="4216840"/>
-            <a:ext cx="1028230" cy="338554"/>
-          </a:xfrm>
-          <a:prstGeom prst="rect">
-            <a:avLst/>
-          </a:prstGeom>
-          <a:noFill/>
-        </p:spPr>
-        <p:txBody>
-          <a:bodyPr wrap="none" rtlCol="0">
-            <a:spAutoFit/>
-          </a:bodyPr>
-          <a:lstStyle/>
-          <a:p>
-            <a:r>
-              <a:rPr lang="en-IE" sz="1600" dirty="0"/>
-              <a:t>Ban Users</a:t>
-            </a:r>
-            <a:endParaRPr lang="pl-PL" sz="1600" dirty="0"/>
-          </a:p>
-        </p:txBody>
-      </p:sp>
-      <p:cxnSp>
-        <p:nvCxnSpPr>
-          <p:cNvPr id="41" name="Straight Arrow Connector 40">
-            <a:extLst>
-              <a:ext uri="{FF2B5EF4-FFF2-40B4-BE49-F238E27FC236}">
-                <a16:creationId xmlns:a16="http://schemas.microsoft.com/office/drawing/2014/main" id="{EA223209-BF8A-2DB0-D54C-B09EA3CD2AAD}"/>
-              </a:ext>
-            </a:extLst>
-          </p:cNvPr>
-          <p:cNvCxnSpPr>
-            <a:stCxn id="32" idx="3"/>
-            <a:endCxn id="21" idx="1"/>
-          </p:cNvCxnSpPr>
-          <p:nvPr/>
-        </p:nvCxnSpPr>
-        <p:spPr>
-          <a:xfrm flipV="1">
-            <a:off x="1353439" y="4114167"/>
-            <a:ext cx="869076" cy="260236"/>
-          </a:xfrm>
-          <a:prstGeom prst="straightConnector1">
-            <a:avLst/>
-          </a:prstGeom>
-          <a:ln>
-            <a:tailEnd type="triangle"/>
-          </a:ln>
-        </p:spPr>
-        <p:style>
-          <a:lnRef idx="3">
-            <a:schemeClr val="accent6"/>
-          </a:lnRef>
-          <a:fillRef idx="0">
-            <a:schemeClr val="accent6"/>
-          </a:fillRef>
-          <a:effectRef idx="2">
-            <a:schemeClr val="accent6"/>
-          </a:effectRef>
-          <a:fontRef idx="minor">
-            <a:schemeClr val="tx1"/>
-          </a:fontRef>
-        </p:style>
-      </p:cxnSp>
-      <p:cxnSp>
-        <p:nvCxnSpPr>
-          <p:cNvPr id="43" name="Straight Arrow Connector 42">
-            <a:extLst>
-              <a:ext uri="{FF2B5EF4-FFF2-40B4-BE49-F238E27FC236}">
-                <a16:creationId xmlns:a16="http://schemas.microsoft.com/office/drawing/2014/main" id="{8D4039CE-B76A-9077-6490-957F50721052}"/>
-              </a:ext>
-            </a:extLst>
-          </p:cNvPr>
-          <p:cNvCxnSpPr>
-            <a:stCxn id="32" idx="3"/>
-            <a:endCxn id="35" idx="1"/>
-          </p:cNvCxnSpPr>
-          <p:nvPr/>
-        </p:nvCxnSpPr>
-        <p:spPr>
-          <a:xfrm>
-            <a:off x="1353439" y="4374403"/>
-            <a:ext cx="1197801" cy="11714"/>
-          </a:xfrm>
-          <a:prstGeom prst="straightConnector1">
-            <a:avLst/>
-          </a:prstGeom>
-          <a:ln>
-            <a:tailEnd type="triangle"/>
-          </a:ln>
-        </p:spPr>
-        <p:style>
-          <a:lnRef idx="3">
-            <a:schemeClr val="accent6"/>
-          </a:lnRef>
-          <a:fillRef idx="0">
-            <a:schemeClr val="accent6"/>
-          </a:fillRef>
-          <a:effectRef idx="2">
-            <a:schemeClr val="accent6"/>
-          </a:effectRef>
-          <a:fontRef idx="minor">
-            <a:schemeClr val="tx1"/>
-          </a:fontRef>
-        </p:style>
-      </p:cxnSp>
-      <p:cxnSp>
-        <p:nvCxnSpPr>
-          <p:cNvPr id="69" name="Straight Arrow Connector 68">
-            <a:extLst>
-              <a:ext uri="{FF2B5EF4-FFF2-40B4-BE49-F238E27FC236}">
-                <a16:creationId xmlns:a16="http://schemas.microsoft.com/office/drawing/2014/main" id="{41B4DE46-B178-297A-FDDB-F451C721C9A9}"/>
-              </a:ext>
-            </a:extLst>
-          </p:cNvPr>
-          <p:cNvCxnSpPr>
-            <a:stCxn id="32" idx="0"/>
-            <a:endCxn id="63" idx="2"/>
-          </p:cNvCxnSpPr>
-          <p:nvPr/>
-        </p:nvCxnSpPr>
-        <p:spPr>
-          <a:xfrm flipH="1" flipV="1">
-            <a:off x="722770" y="3284127"/>
-            <a:ext cx="4152" cy="767110"/>
-          </a:xfrm>
-          <a:prstGeom prst="straightConnector1">
-            <a:avLst/>
-          </a:prstGeom>
-          <a:ln>
-            <a:tailEnd type="triangle"/>
-          </a:ln>
-        </p:spPr>
-        <p:style>
-          <a:lnRef idx="1">
-            <a:schemeClr val="accent1"/>
-          </a:lnRef>
-          <a:fillRef idx="0">
-            <a:schemeClr val="accent1"/>
-          </a:fillRef>
-          <a:effectRef idx="0">
-            <a:schemeClr val="accent1"/>
-          </a:effectRef>
-          <a:fontRef idx="minor">
-            <a:schemeClr val="tx1"/>
-          </a:fontRef>
-        </p:style>
-      </p:cxnSp>
-      <p:sp>
-        <p:nvSpPr>
-          <p:cNvPr id="70" name="TextBox 69">
-            <a:extLst>
-              <a:ext uri="{FF2B5EF4-FFF2-40B4-BE49-F238E27FC236}">
-                <a16:creationId xmlns:a16="http://schemas.microsoft.com/office/drawing/2014/main" id="{FC8EE690-75B8-8A4B-A1FD-99D49CA54F07}"/>
-              </a:ext>
-            </a:extLst>
-          </p:cNvPr>
-          <p:cNvSpPr txBox="1"/>
-          <p:nvPr/>
-        </p:nvSpPr>
-        <p:spPr>
-          <a:xfrm>
-            <a:off x="3498547" y="5024210"/>
-            <a:ext cx="2770182" cy="369332"/>
-          </a:xfrm>
-          <a:prstGeom prst="rect">
-            <a:avLst/>
-          </a:prstGeom>
-          <a:noFill/>
-        </p:spPr>
-        <p:txBody>
-          <a:bodyPr wrap="none" rtlCol="0">
-            <a:spAutoFit/>
-          </a:bodyPr>
-          <a:lstStyle/>
-          <a:p>
-            <a:r>
-              <a:rPr lang="en-IE" i="1" dirty="0">
-                <a:solidFill>
-                  <a:schemeClr val="accent5">
-                    <a:lumMod val="60000"/>
-                    <a:lumOff val="40000"/>
-                  </a:schemeClr>
-                </a:solidFill>
-              </a:rPr>
-              <a:t>Optional Features in Yellow</a:t>
-            </a:r>
-            <a:endParaRPr lang="pl-PL" i="1" dirty="0">
-              <a:solidFill>
-                <a:schemeClr val="accent5">
-                  <a:lumMod val="60000"/>
-                  <a:lumOff val="40000"/>
-                </a:schemeClr>
-              </a:solidFill>
-            </a:endParaRPr>
-          </a:p>
-        </p:txBody>
-      </p:sp>
-      <p:sp>
-        <p:nvSpPr>
-          <p:cNvPr id="4" name="TextBox 3">
-            <a:extLst>
-              <a:ext uri="{FF2B5EF4-FFF2-40B4-BE49-F238E27FC236}">
-                <a16:creationId xmlns:a16="http://schemas.microsoft.com/office/drawing/2014/main" id="{C724BB2E-2792-9FEA-7546-926FA512B720}"/>
-              </a:ext>
-            </a:extLst>
-          </p:cNvPr>
-          <p:cNvSpPr txBox="1"/>
-          <p:nvPr/>
-        </p:nvSpPr>
-        <p:spPr>
-          <a:xfrm>
-            <a:off x="2203430" y="2450304"/>
-            <a:ext cx="1717843" cy="338554"/>
-          </a:xfrm>
-          <a:prstGeom prst="rect">
-            <a:avLst/>
-          </a:prstGeom>
-          <a:noFill/>
-        </p:spPr>
-        <p:txBody>
-          <a:bodyPr wrap="none" rtlCol="0">
-            <a:spAutoFit/>
-          </a:bodyPr>
-          <a:lstStyle/>
-          <a:p>
-            <a:r>
-              <a:rPr lang="en-IE" sz="1600" dirty="0"/>
-              <a:t>Create Workspace</a:t>
-            </a:r>
-            <a:endParaRPr lang="pl-PL" sz="1600" dirty="0"/>
-          </a:p>
-        </p:txBody>
-      </p:sp>
-      <p:cxnSp>
-        <p:nvCxnSpPr>
-          <p:cNvPr id="51" name="Straight Arrow Connector 50">
-            <a:extLst>
-              <a:ext uri="{FF2B5EF4-FFF2-40B4-BE49-F238E27FC236}">
-                <a16:creationId xmlns:a16="http://schemas.microsoft.com/office/drawing/2014/main" id="{461FE8CA-1533-77A0-536D-5F6EE148C0E5}"/>
-              </a:ext>
-            </a:extLst>
-          </p:cNvPr>
-          <p:cNvCxnSpPr>
-            <a:stCxn id="17" idx="3"/>
-            <a:endCxn id="9" idx="1"/>
-          </p:cNvCxnSpPr>
-          <p:nvPr/>
-        </p:nvCxnSpPr>
-        <p:spPr>
-          <a:xfrm flipV="1">
-            <a:off x="4063010" y="1661491"/>
-            <a:ext cx="1138159" cy="1534295"/>
-          </a:xfrm>
-          <a:prstGeom prst="straightConnector1">
-            <a:avLst/>
-          </a:prstGeom>
-          <a:ln>
-            <a:tailEnd type="triangle"/>
-          </a:ln>
-        </p:spPr>
-        <p:style>
-          <a:lnRef idx="3">
-            <a:schemeClr val="accent6"/>
-          </a:lnRef>
-          <a:fillRef idx="0">
-            <a:schemeClr val="accent6"/>
-          </a:fillRef>
-          <a:effectRef idx="2">
-            <a:schemeClr val="accent6"/>
-          </a:effectRef>
-          <a:fontRef idx="minor">
-            <a:schemeClr val="tx1"/>
-          </a:fontRef>
-        </p:style>
-      </p:cxnSp>
-      <p:sp>
-        <p:nvSpPr>
-          <p:cNvPr id="53" name="TextBox 52">
-            <a:extLst>
-              <a:ext uri="{FF2B5EF4-FFF2-40B4-BE49-F238E27FC236}">
-                <a16:creationId xmlns:a16="http://schemas.microsoft.com/office/drawing/2014/main" id="{B2E2D1EE-A95E-1519-BD76-F9F5D5C40F6F}"/>
-              </a:ext>
-            </a:extLst>
-          </p:cNvPr>
-          <p:cNvSpPr txBox="1"/>
-          <p:nvPr/>
-        </p:nvSpPr>
-        <p:spPr>
-          <a:xfrm rot="18496042">
-            <a:off x="4271366" y="1879773"/>
-            <a:ext cx="792205" cy="307777"/>
-          </a:xfrm>
-          <a:prstGeom prst="rect">
-            <a:avLst/>
-          </a:prstGeom>
-          <a:noFill/>
-        </p:spPr>
-        <p:txBody>
-          <a:bodyPr wrap="none" rtlCol="0">
-            <a:spAutoFit/>
-          </a:bodyPr>
-          <a:lstStyle/>
-          <a:p>
-            <a:r>
-              <a:rPr lang="en-IE" sz="1400" i="1" dirty="0"/>
-              <a:t>includes</a:t>
-            </a:r>
-            <a:endParaRPr lang="pl-PL" sz="1400" i="1" dirty="0"/>
-          </a:p>
-        </p:txBody>
-      </p:sp>
-    </p:spTree>
-    <p:extLst>
-      <p:ext uri="{BB962C8B-B14F-4D97-AF65-F5344CB8AC3E}">
-        <p14:creationId xmlns:p14="http://schemas.microsoft.com/office/powerpoint/2010/main" val="2717208979"/>
-      </p:ext>
-    </p:extLst>
-  </p:cSld>
-  <p:clrMapOvr>
-    <a:masterClrMapping/>
-  </p:clrMapOvr>
-</p:sld>
-</file>
-
-<file path=ppt/slides/slide5.xml><?xml version="1.0" encoding="utf-8"?>
 <p:sld xmlns:a="http://schemas.openxmlformats.org/drawingml/2006/main" xmlns:r="http://schemas.openxmlformats.org/officeDocument/2006/relationships" xmlns:p="http://schemas.openxmlformats.org/presentationml/2006/main">
   <p:cSld>
     <p:spTree>
@@ -11745,7 +10047,7 @@
 </p:sld>
 </file>
 
-<file path=ppt/slides/slide6.xml><?xml version="1.0" encoding="utf-8"?>
+<file path=ppt/slides/slide5.xml><?xml version="1.0" encoding="utf-8"?>
 <p:sld xmlns:a="http://schemas.openxmlformats.org/drawingml/2006/main" xmlns:r="http://schemas.openxmlformats.org/officeDocument/2006/relationships" xmlns:p="http://schemas.openxmlformats.org/presentationml/2006/main">
   <p:cSld>
     <p:spTree>
@@ -12084,7 +10386,7 @@
             <a:pPr algn="ctr"/>
             <a:r>
               <a:rPr lang="en-IE" dirty="0"/>
-              <a:t>Text to Speech</a:t>
+              <a:t>Speech to Text</a:t>
             </a:r>
             <a:br>
               <a:rPr lang="en-IE" dirty="0"/>
@@ -12447,7 +10749,7 @@
             <a:pPr algn="ctr"/>
             <a:r>
               <a:rPr lang="en-IE" dirty="0"/>
-              <a:t>Vector Database</a:t>
+              <a:t>Vector Database (Optional)</a:t>
             </a:r>
             <a:endParaRPr lang="pl-PL" dirty="0"/>
           </a:p>
@@ -13451,7 +11753,7 @@
 </p:sld>
 </file>
 
-<file path=ppt/slides/slide7.xml><?xml version="1.0" encoding="utf-8"?>
+<file path=ppt/slides/slide6.xml><?xml version="1.0" encoding="utf-8"?>
 <p:sld xmlns:a="http://schemas.openxmlformats.org/drawingml/2006/main" xmlns:r="http://schemas.openxmlformats.org/officeDocument/2006/relationships" xmlns:p="http://schemas.openxmlformats.org/presentationml/2006/main">
   <p:cSld>
     <p:spTree>
@@ -13492,13 +11794,9 @@
             <a:pPr algn="ctr"/>
             <a:r>
               <a:rPr lang="en-IE" dirty="0"/>
-              <a:t>The main </a:t>
-            </a:r>
-            <a:r>
-              <a:rPr lang="en-IE"/>
-              <a:t>technical challenge</a:t>
-            </a:r>
-            <a:endParaRPr lang="pl-PL"/>
+              <a:t>The main technical challenges</a:t>
+            </a:r>
+            <a:endParaRPr lang="pl-PL" dirty="0"/>
           </a:p>
         </p:txBody>
       </p:sp>
@@ -13523,7 +11821,219 @@
           <a:bodyPr/>
           <a:lstStyle/>
           <a:p>
-            <a:endParaRPr lang="pl-PL"/>
+            <a:r>
+              <a:rPr lang="pl-PL" dirty="0"/>
+              <a:t>Smart </a:t>
+            </a:r>
+            <a:r>
+              <a:rPr lang="pl-PL" dirty="0" err="1"/>
+              <a:t>search</a:t>
+            </a:r>
+            <a:r>
+              <a:rPr lang="pl-PL" dirty="0"/>
+              <a:t> – </a:t>
+            </a:r>
+            <a:r>
+              <a:rPr lang="pl-PL" dirty="0" err="1"/>
+              <a:t>exploration</a:t>
+            </a:r>
+            <a:r>
+              <a:rPr lang="pl-PL" dirty="0"/>
+              <a:t> of </a:t>
+            </a:r>
+            <a:r>
+              <a:rPr lang="pl-PL" dirty="0" err="1"/>
+              <a:t>various</a:t>
+            </a:r>
+            <a:r>
+              <a:rPr lang="pl-PL" dirty="0"/>
+              <a:t> </a:t>
+            </a:r>
+            <a:r>
+              <a:rPr lang="pl-PL" dirty="0" err="1"/>
+              <a:t>techniques</a:t>
+            </a:r>
+            <a:endParaRPr lang="pl-PL" dirty="0"/>
+          </a:p>
+          <a:p>
+            <a:pPr lvl="1"/>
+            <a:r>
+              <a:rPr lang="pl-PL" dirty="0" err="1"/>
+              <a:t>Keyword</a:t>
+            </a:r>
+            <a:r>
+              <a:rPr lang="pl-PL" dirty="0"/>
+              <a:t> </a:t>
+            </a:r>
+            <a:r>
+              <a:rPr lang="pl-PL" dirty="0" err="1"/>
+              <a:t>matching</a:t>
+            </a:r>
+            <a:r>
+              <a:rPr lang="pl-PL" dirty="0"/>
+              <a:t> - </a:t>
+            </a:r>
+            <a:r>
+              <a:rPr lang="pl-PL" dirty="0" err="1"/>
+              <a:t>synonym</a:t>
+            </a:r>
+            <a:r>
+              <a:rPr lang="pl-PL" dirty="0"/>
+              <a:t> </a:t>
+            </a:r>
+            <a:r>
+              <a:rPr lang="pl-PL" dirty="0" err="1"/>
+              <a:t>search</a:t>
+            </a:r>
+            <a:endParaRPr lang="pl-PL" dirty="0"/>
+          </a:p>
+          <a:p>
+            <a:pPr lvl="1"/>
+            <a:r>
+              <a:rPr lang="pl-PL" dirty="0" err="1"/>
+              <a:t>Lexical</a:t>
+            </a:r>
+            <a:r>
+              <a:rPr lang="pl-PL" dirty="0"/>
+              <a:t> </a:t>
+            </a:r>
+            <a:r>
+              <a:rPr lang="pl-PL" dirty="0" err="1"/>
+              <a:t>search</a:t>
+            </a:r>
+            <a:r>
+              <a:rPr lang="pl-PL" dirty="0"/>
+              <a:t> </a:t>
+            </a:r>
+            <a:r>
+              <a:rPr lang="pl-PL" dirty="0" err="1"/>
+              <a:t>algorithms</a:t>
+            </a:r>
+            <a:r>
+              <a:rPr lang="pl-PL" dirty="0"/>
+              <a:t> </a:t>
+            </a:r>
+            <a:r>
+              <a:rPr lang="pl-PL" dirty="0" err="1"/>
+              <a:t>like</a:t>
+            </a:r>
+            <a:r>
+              <a:rPr lang="pl-PL" dirty="0"/>
+              <a:t> BM25</a:t>
+            </a:r>
+          </a:p>
+          <a:p>
+            <a:pPr lvl="1"/>
+            <a:r>
+              <a:rPr lang="pl-PL" dirty="0"/>
+              <a:t>KNN with </a:t>
+            </a:r>
+            <a:r>
+              <a:rPr lang="pl-PL" dirty="0" err="1"/>
+              <a:t>vectorized</a:t>
+            </a:r>
+            <a:r>
+              <a:rPr lang="pl-PL" dirty="0"/>
+              <a:t> notes and </a:t>
+            </a:r>
+            <a:r>
+              <a:rPr lang="pl-PL" dirty="0" err="1"/>
+              <a:t>queries</a:t>
+            </a:r>
+            <a:r>
+              <a:rPr lang="pl-PL" dirty="0"/>
+              <a:t> </a:t>
+            </a:r>
+          </a:p>
+          <a:p>
+            <a:r>
+              <a:rPr lang="pl-PL" dirty="0"/>
+              <a:t>Good </a:t>
+            </a:r>
+            <a:r>
+              <a:rPr lang="pl-PL" dirty="0" err="1"/>
+              <a:t>looking</a:t>
+            </a:r>
+            <a:r>
+              <a:rPr lang="pl-PL" dirty="0"/>
+              <a:t> </a:t>
+            </a:r>
+            <a:r>
+              <a:rPr lang="pl-PL" dirty="0" err="1"/>
+              <a:t>templates</a:t>
+            </a:r>
+            <a:endParaRPr lang="pl-PL" dirty="0"/>
+          </a:p>
+          <a:p>
+            <a:pPr lvl="1"/>
+            <a:r>
+              <a:rPr lang="pl-PL" dirty="0"/>
+              <a:t>Multi-</a:t>
+            </a:r>
+            <a:r>
+              <a:rPr lang="pl-PL" dirty="0" err="1"/>
+              <a:t>sized</a:t>
+            </a:r>
+            <a:r>
+              <a:rPr lang="pl-PL" dirty="0"/>
+              <a:t> </a:t>
+            </a:r>
+            <a:r>
+              <a:rPr lang="pl-PL" dirty="0" err="1"/>
+              <a:t>components</a:t>
+            </a:r>
+            <a:r>
+              <a:rPr lang="pl-PL" dirty="0"/>
+              <a:t> with </a:t>
+            </a:r>
+            <a:r>
+              <a:rPr lang="pl-PL" dirty="0" err="1"/>
+              <a:t>reorganization</a:t>
+            </a:r>
+            <a:endParaRPr lang="pl-PL" dirty="0"/>
+          </a:p>
+          <a:p>
+            <a:pPr lvl="1"/>
+            <a:r>
+              <a:rPr lang="pl-PL" dirty="0" err="1"/>
+              <a:t>Potentially</a:t>
+            </a:r>
+            <a:r>
+              <a:rPr lang="pl-PL" dirty="0"/>
+              <a:t> </a:t>
+            </a:r>
+            <a:r>
+              <a:rPr lang="pl-PL" dirty="0" err="1"/>
+              <a:t>allow</a:t>
+            </a:r>
+            <a:r>
+              <a:rPr lang="pl-PL" dirty="0"/>
+              <a:t> for </a:t>
+            </a:r>
+            <a:r>
+              <a:rPr lang="pl-PL" dirty="0" err="1"/>
+              <a:t>dragging</a:t>
+            </a:r>
+            <a:r>
+              <a:rPr lang="pl-PL" dirty="0"/>
+              <a:t> </a:t>
+            </a:r>
+            <a:r>
+              <a:rPr lang="pl-PL" dirty="0" err="1"/>
+              <a:t>components</a:t>
+            </a:r>
+            <a:r>
+              <a:rPr lang="pl-PL" dirty="0"/>
+              <a:t> for </a:t>
+            </a:r>
+            <a:r>
+              <a:rPr lang="pl-PL" dirty="0" err="1"/>
+              <a:t>reordering</a:t>
+            </a:r>
+            <a:r>
+              <a:rPr lang="pl-PL" dirty="0"/>
+              <a:t> </a:t>
+            </a:r>
           </a:p>
         </p:txBody>
       </p:sp>

--- a/ThingSpaceTsM2.pptx
+++ b/ThingSpaceTsM2.pptx
@@ -313,7 +313,7 @@
           <a:p>
             <a:fld id="{D17C0673-4D49-4E82-8C72-D8AA60F272CB}" type="datetimeFigureOut">
               <a:rPr lang="pl-PL" smtClean="0"/>
-              <a:t>25.09.2025</a:t>
+              <a:t>26.09.2025</a:t>
             </a:fld>
             <a:endParaRPr lang="pl-PL"/>
           </a:p>
@@ -594,7 +594,7 @@
           <a:p>
             <a:fld id="{D17C0673-4D49-4E82-8C72-D8AA60F272CB}" type="datetimeFigureOut">
               <a:rPr lang="pl-PL" smtClean="0"/>
-              <a:t>25.09.2025</a:t>
+              <a:t>26.09.2025</a:t>
             </a:fld>
             <a:endParaRPr lang="pl-PL"/>
           </a:p>
@@ -786,7 +786,7 @@
           <a:p>
             <a:fld id="{D17C0673-4D49-4E82-8C72-D8AA60F272CB}" type="datetimeFigureOut">
               <a:rPr lang="pl-PL" smtClean="0"/>
-              <a:t>25.09.2025</a:t>
+              <a:t>26.09.2025</a:t>
             </a:fld>
             <a:endParaRPr lang="pl-PL"/>
           </a:p>
@@ -1047,7 +1047,7 @@
           <a:p>
             <a:fld id="{D17C0673-4D49-4E82-8C72-D8AA60F272CB}" type="datetimeFigureOut">
               <a:rPr lang="pl-PL" smtClean="0"/>
-              <a:t>25.09.2025</a:t>
+              <a:t>26.09.2025</a:t>
             </a:fld>
             <a:endParaRPr lang="pl-PL"/>
           </a:p>
@@ -1473,7 +1473,7 @@
           <a:p>
             <a:fld id="{D17C0673-4D49-4E82-8C72-D8AA60F272CB}" type="datetimeFigureOut">
               <a:rPr lang="pl-PL" smtClean="0"/>
-              <a:t>25.09.2025</a:t>
+              <a:t>26.09.2025</a:t>
             </a:fld>
             <a:endParaRPr lang="pl-PL"/>
           </a:p>
@@ -2019,7 +2019,7 @@
           <a:p>
             <a:fld id="{D17C0673-4D49-4E82-8C72-D8AA60F272CB}" type="datetimeFigureOut">
               <a:rPr lang="pl-PL" smtClean="0"/>
-              <a:t>25.09.2025</a:t>
+              <a:t>26.09.2025</a:t>
             </a:fld>
             <a:endParaRPr lang="pl-PL"/>
           </a:p>
@@ -2850,7 +2850,7 @@
           <a:p>
             <a:fld id="{D17C0673-4D49-4E82-8C72-D8AA60F272CB}" type="datetimeFigureOut">
               <a:rPr lang="pl-PL" smtClean="0"/>
-              <a:t>25.09.2025</a:t>
+              <a:t>26.09.2025</a:t>
             </a:fld>
             <a:endParaRPr lang="pl-PL"/>
           </a:p>
@@ -3020,7 +3020,7 @@
           <a:p>
             <a:fld id="{D17C0673-4D49-4E82-8C72-D8AA60F272CB}" type="datetimeFigureOut">
               <a:rPr lang="pl-PL" smtClean="0"/>
-              <a:t>25.09.2025</a:t>
+              <a:t>26.09.2025</a:t>
             </a:fld>
             <a:endParaRPr lang="pl-PL"/>
           </a:p>
@@ -3200,7 +3200,7 @@
           <a:p>
             <a:fld id="{D17C0673-4D49-4E82-8C72-D8AA60F272CB}" type="datetimeFigureOut">
               <a:rPr lang="pl-PL" smtClean="0"/>
-              <a:t>25.09.2025</a:t>
+              <a:t>26.09.2025</a:t>
             </a:fld>
             <a:endParaRPr lang="pl-PL"/>
           </a:p>
@@ -3370,7 +3370,7 @@
           <a:p>
             <a:fld id="{D17C0673-4D49-4E82-8C72-D8AA60F272CB}" type="datetimeFigureOut">
               <a:rPr lang="pl-PL" smtClean="0"/>
-              <a:t>25.09.2025</a:t>
+              <a:t>26.09.2025</a:t>
             </a:fld>
             <a:endParaRPr lang="pl-PL"/>
           </a:p>
@@ -3627,7 +3627,7 @@
           <a:p>
             <a:fld id="{D17C0673-4D49-4E82-8C72-D8AA60F272CB}" type="datetimeFigureOut">
               <a:rPr lang="pl-PL" smtClean="0"/>
-              <a:t>25.09.2025</a:t>
+              <a:t>26.09.2025</a:t>
             </a:fld>
             <a:endParaRPr lang="pl-PL"/>
           </a:p>
@@ -3859,7 +3859,7 @@
           <a:p>
             <a:fld id="{D17C0673-4D49-4E82-8C72-D8AA60F272CB}" type="datetimeFigureOut">
               <a:rPr lang="pl-PL" smtClean="0"/>
-              <a:t>25.09.2025</a:t>
+              <a:t>26.09.2025</a:t>
             </a:fld>
             <a:endParaRPr lang="pl-PL"/>
           </a:p>
@@ -4252,7 +4252,7 @@
           <a:p>
             <a:fld id="{D17C0673-4D49-4E82-8C72-D8AA60F272CB}" type="datetimeFigureOut">
               <a:rPr lang="pl-PL" smtClean="0"/>
-              <a:t>25.09.2025</a:t>
+              <a:t>26.09.2025</a:t>
             </a:fld>
             <a:endParaRPr lang="pl-PL"/>
           </a:p>
@@ -4370,7 +4370,7 @@
           <a:p>
             <a:fld id="{D17C0673-4D49-4E82-8C72-D8AA60F272CB}" type="datetimeFigureOut">
               <a:rPr lang="pl-PL" smtClean="0"/>
-              <a:t>25.09.2025</a:t>
+              <a:t>26.09.2025</a:t>
             </a:fld>
             <a:endParaRPr lang="pl-PL"/>
           </a:p>
@@ -4465,7 +4465,7 @@
           <a:p>
             <a:fld id="{D17C0673-4D49-4E82-8C72-D8AA60F272CB}" type="datetimeFigureOut">
               <a:rPr lang="pl-PL" smtClean="0"/>
-              <a:t>25.09.2025</a:t>
+              <a:t>26.09.2025</a:t>
             </a:fld>
             <a:endParaRPr lang="pl-PL"/>
           </a:p>
@@ -4738,7 +4738,7 @@
           <a:p>
             <a:fld id="{D17C0673-4D49-4E82-8C72-D8AA60F272CB}" type="datetimeFigureOut">
               <a:rPr lang="pl-PL" smtClean="0"/>
-              <a:t>25.09.2025</a:t>
+              <a:t>26.09.2025</a:t>
             </a:fld>
             <a:endParaRPr lang="pl-PL"/>
           </a:p>
@@ -5019,7 +5019,7 @@
           <a:p>
             <a:fld id="{D17C0673-4D49-4E82-8C72-D8AA60F272CB}" type="datetimeFigureOut">
               <a:rPr lang="pl-PL" smtClean="0"/>
-              <a:t>25.09.2025</a:t>
+              <a:t>26.09.2025</a:t>
             </a:fld>
             <a:endParaRPr lang="pl-PL"/>
           </a:p>
@@ -5259,7 +5259,7 @@
           <a:p>
             <a:fld id="{D17C0673-4D49-4E82-8C72-D8AA60F272CB}" type="datetimeFigureOut">
               <a:rPr lang="pl-PL" smtClean="0"/>
-              <a:t>25.09.2025</a:t>
+              <a:t>26.09.2025</a:t>
             </a:fld>
             <a:endParaRPr lang="pl-PL"/>
           </a:p>
@@ -9960,8 +9960,8 @@
         </p:nvSpPr>
         <p:spPr>
           <a:xfrm>
-            <a:off x="7634797" y="1612985"/>
-            <a:ext cx="1465273" cy="830997"/>
+            <a:off x="7634701" y="1612985"/>
+            <a:ext cx="1465466" cy="830997"/>
           </a:xfrm>
           <a:prstGeom prst="rect">
             <a:avLst/>
@@ -9991,7 +9991,7 @@
             </a:br>
             <a:r>
               <a:rPr lang="en-IE" sz="1600" dirty="0"/>
-              <a:t>Text-to-speech</a:t>
+              <a:t>Speech-to-text</a:t>
             </a:r>
             <a:endParaRPr lang="pl-PL" sz="1600" dirty="0"/>
           </a:p>

--- a/ThingSpaceTsM2.pptx
+++ b/ThingSpaceTsM2.pptx
@@ -5972,7 +5972,7 @@
             <a:pPr algn="ctr"/>
             <a:r>
               <a:rPr lang="en-IE" dirty="0"/>
-              <a:t>Overview and Target Audience</a:t>
+              <a:t>High-level Idea</a:t>
             </a:r>
             <a:endParaRPr lang="pl-PL" dirty="0"/>
           </a:p>
@@ -6330,8 +6330,8 @@
           <a:p>
             <a:pPr algn="ctr"/>
             <a:r>
-              <a:rPr lang="en-IE" dirty="0"/>
-              <a:t>Main Actors + central Features</a:t>
+              <a:rPr lang="en-US" dirty="0"/>
+              <a:t>Actors and Features</a:t>
             </a:r>
             <a:endParaRPr lang="pl-PL" dirty="0"/>
           </a:p>
@@ -9960,8 +9960,8 @@
         </p:nvSpPr>
         <p:spPr>
           <a:xfrm>
-            <a:off x="7634701" y="1612985"/>
-            <a:ext cx="1465466" cy="830997"/>
+            <a:off x="7634797" y="1612985"/>
+            <a:ext cx="1465273" cy="830997"/>
           </a:xfrm>
           <a:prstGeom prst="rect">
             <a:avLst/>
@@ -9991,7 +9991,7 @@
             </a:br>
             <a:r>
               <a:rPr lang="en-IE" sz="1600" dirty="0"/>
-              <a:t>Speech-to-text</a:t>
+              <a:t>Text-to-speech</a:t>
             </a:r>
             <a:endParaRPr lang="pl-PL" sz="1600" dirty="0"/>
           </a:p>
@@ -10093,7 +10093,7 @@
             <a:pPr algn="ctr"/>
             <a:r>
               <a:rPr lang="en-IE" dirty="0"/>
-              <a:t>High-level design diagram</a:t>
+              <a:t>High-level Design</a:t>
             </a:r>
             <a:endParaRPr lang="pl-PL" dirty="0"/>
           </a:p>

--- a/ThingSpaceTsM2.pptx
+++ b/ThingSpaceTsM2.pptx
@@ -313,7 +313,7 @@
           <a:p>
             <a:fld id="{D17C0673-4D49-4E82-8C72-D8AA60F272CB}" type="datetimeFigureOut">
               <a:rPr lang="pl-PL" smtClean="0"/>
-              <a:t>26.09.2025</a:t>
+              <a:t>1.10.2025</a:t>
             </a:fld>
             <a:endParaRPr lang="pl-PL"/>
           </a:p>
@@ -594,7 +594,7 @@
           <a:p>
             <a:fld id="{D17C0673-4D49-4E82-8C72-D8AA60F272CB}" type="datetimeFigureOut">
               <a:rPr lang="pl-PL" smtClean="0"/>
-              <a:t>26.09.2025</a:t>
+              <a:t>1.10.2025</a:t>
             </a:fld>
             <a:endParaRPr lang="pl-PL"/>
           </a:p>
@@ -786,7 +786,7 @@
           <a:p>
             <a:fld id="{D17C0673-4D49-4E82-8C72-D8AA60F272CB}" type="datetimeFigureOut">
               <a:rPr lang="pl-PL" smtClean="0"/>
-              <a:t>26.09.2025</a:t>
+              <a:t>1.10.2025</a:t>
             </a:fld>
             <a:endParaRPr lang="pl-PL"/>
           </a:p>
@@ -1047,7 +1047,7 @@
           <a:p>
             <a:fld id="{D17C0673-4D49-4E82-8C72-D8AA60F272CB}" type="datetimeFigureOut">
               <a:rPr lang="pl-PL" smtClean="0"/>
-              <a:t>26.09.2025</a:t>
+              <a:t>1.10.2025</a:t>
             </a:fld>
             <a:endParaRPr lang="pl-PL"/>
           </a:p>
@@ -1473,7 +1473,7 @@
           <a:p>
             <a:fld id="{D17C0673-4D49-4E82-8C72-D8AA60F272CB}" type="datetimeFigureOut">
               <a:rPr lang="pl-PL" smtClean="0"/>
-              <a:t>26.09.2025</a:t>
+              <a:t>1.10.2025</a:t>
             </a:fld>
             <a:endParaRPr lang="pl-PL"/>
           </a:p>
@@ -2019,7 +2019,7 @@
           <a:p>
             <a:fld id="{D17C0673-4D49-4E82-8C72-D8AA60F272CB}" type="datetimeFigureOut">
               <a:rPr lang="pl-PL" smtClean="0"/>
-              <a:t>26.09.2025</a:t>
+              <a:t>1.10.2025</a:t>
             </a:fld>
             <a:endParaRPr lang="pl-PL"/>
           </a:p>
@@ -2850,7 +2850,7 @@
           <a:p>
             <a:fld id="{D17C0673-4D49-4E82-8C72-D8AA60F272CB}" type="datetimeFigureOut">
               <a:rPr lang="pl-PL" smtClean="0"/>
-              <a:t>26.09.2025</a:t>
+              <a:t>1.10.2025</a:t>
             </a:fld>
             <a:endParaRPr lang="pl-PL"/>
           </a:p>
@@ -3020,7 +3020,7 @@
           <a:p>
             <a:fld id="{D17C0673-4D49-4E82-8C72-D8AA60F272CB}" type="datetimeFigureOut">
               <a:rPr lang="pl-PL" smtClean="0"/>
-              <a:t>26.09.2025</a:t>
+              <a:t>1.10.2025</a:t>
             </a:fld>
             <a:endParaRPr lang="pl-PL"/>
           </a:p>
@@ -3200,7 +3200,7 @@
           <a:p>
             <a:fld id="{D17C0673-4D49-4E82-8C72-D8AA60F272CB}" type="datetimeFigureOut">
               <a:rPr lang="pl-PL" smtClean="0"/>
-              <a:t>26.09.2025</a:t>
+              <a:t>1.10.2025</a:t>
             </a:fld>
             <a:endParaRPr lang="pl-PL"/>
           </a:p>
@@ -3370,7 +3370,7 @@
           <a:p>
             <a:fld id="{D17C0673-4D49-4E82-8C72-D8AA60F272CB}" type="datetimeFigureOut">
               <a:rPr lang="pl-PL" smtClean="0"/>
-              <a:t>26.09.2025</a:t>
+              <a:t>1.10.2025</a:t>
             </a:fld>
             <a:endParaRPr lang="pl-PL"/>
           </a:p>
@@ -3627,7 +3627,7 @@
           <a:p>
             <a:fld id="{D17C0673-4D49-4E82-8C72-D8AA60F272CB}" type="datetimeFigureOut">
               <a:rPr lang="pl-PL" smtClean="0"/>
-              <a:t>26.09.2025</a:t>
+              <a:t>1.10.2025</a:t>
             </a:fld>
             <a:endParaRPr lang="pl-PL"/>
           </a:p>
@@ -3859,7 +3859,7 @@
           <a:p>
             <a:fld id="{D17C0673-4D49-4E82-8C72-D8AA60F272CB}" type="datetimeFigureOut">
               <a:rPr lang="pl-PL" smtClean="0"/>
-              <a:t>26.09.2025</a:t>
+              <a:t>1.10.2025</a:t>
             </a:fld>
             <a:endParaRPr lang="pl-PL"/>
           </a:p>
@@ -4252,7 +4252,7 @@
           <a:p>
             <a:fld id="{D17C0673-4D49-4E82-8C72-D8AA60F272CB}" type="datetimeFigureOut">
               <a:rPr lang="pl-PL" smtClean="0"/>
-              <a:t>26.09.2025</a:t>
+              <a:t>1.10.2025</a:t>
             </a:fld>
             <a:endParaRPr lang="pl-PL"/>
           </a:p>
@@ -4370,7 +4370,7 @@
           <a:p>
             <a:fld id="{D17C0673-4D49-4E82-8C72-D8AA60F272CB}" type="datetimeFigureOut">
               <a:rPr lang="pl-PL" smtClean="0"/>
-              <a:t>26.09.2025</a:t>
+              <a:t>1.10.2025</a:t>
             </a:fld>
             <a:endParaRPr lang="pl-PL"/>
           </a:p>
@@ -4465,7 +4465,7 @@
           <a:p>
             <a:fld id="{D17C0673-4D49-4E82-8C72-D8AA60F272CB}" type="datetimeFigureOut">
               <a:rPr lang="pl-PL" smtClean="0"/>
-              <a:t>26.09.2025</a:t>
+              <a:t>1.10.2025</a:t>
             </a:fld>
             <a:endParaRPr lang="pl-PL"/>
           </a:p>
@@ -4738,7 +4738,7 @@
           <a:p>
             <a:fld id="{D17C0673-4D49-4E82-8C72-D8AA60F272CB}" type="datetimeFigureOut">
               <a:rPr lang="pl-PL" smtClean="0"/>
-              <a:t>26.09.2025</a:t>
+              <a:t>1.10.2025</a:t>
             </a:fld>
             <a:endParaRPr lang="pl-PL"/>
           </a:p>
@@ -5019,7 +5019,7 @@
           <a:p>
             <a:fld id="{D17C0673-4D49-4E82-8C72-D8AA60F272CB}" type="datetimeFigureOut">
               <a:rPr lang="pl-PL" smtClean="0"/>
-              <a:t>26.09.2025</a:t>
+              <a:t>1.10.2025</a:t>
             </a:fld>
             <a:endParaRPr lang="pl-PL"/>
           </a:p>
@@ -5259,7 +5259,7 @@
           <a:p>
             <a:fld id="{D17C0673-4D49-4E82-8C72-D8AA60F272CB}" type="datetimeFigureOut">
               <a:rPr lang="pl-PL" smtClean="0"/>
-              <a:t>26.09.2025</a:t>
+              <a:t>1.10.2025</a:t>
             </a:fld>
             <a:endParaRPr lang="pl-PL"/>
           </a:p>
@@ -9946,94 +9946,6 @@
           </a:fontRef>
         </p:style>
       </p:cxnSp>
-      <p:sp>
-        <p:nvSpPr>
-          <p:cNvPr id="92" name="TextBox 91">
-            <a:extLst>
-              <a:ext uri="{FF2B5EF4-FFF2-40B4-BE49-F238E27FC236}">
-                <a16:creationId xmlns:a16="http://schemas.microsoft.com/office/drawing/2014/main" id="{5EDE58DA-0420-7509-28DE-2669B1FE2EC5}"/>
-              </a:ext>
-            </a:extLst>
-          </p:cNvPr>
-          <p:cNvSpPr txBox="1"/>
-          <p:nvPr/>
-        </p:nvSpPr>
-        <p:spPr>
-          <a:xfrm>
-            <a:off x="7634797" y="1612985"/>
-            <a:ext cx="1465273" cy="830997"/>
-          </a:xfrm>
-          <a:prstGeom prst="rect">
-            <a:avLst/>
-          </a:prstGeom>
-          <a:noFill/>
-        </p:spPr>
-        <p:txBody>
-          <a:bodyPr wrap="none" rtlCol="0">
-            <a:spAutoFit/>
-          </a:bodyPr>
-          <a:lstStyle/>
-          <a:p>
-            <a:pPr algn="ctr"/>
-            <a:r>
-              <a:rPr lang="en-IE" sz="1600" dirty="0"/>
-              <a:t>(Optional)</a:t>
-            </a:r>
-            <a:br>
-              <a:rPr lang="en-IE" sz="1600" dirty="0"/>
-            </a:br>
-            <a:r>
-              <a:rPr lang="en-IE" sz="1600" dirty="0"/>
-              <a:t>&lt;&lt;service&gt;&gt;</a:t>
-            </a:r>
-            <a:br>
-              <a:rPr lang="en-IE" sz="1600" dirty="0"/>
-            </a:br>
-            <a:r>
-              <a:rPr lang="en-IE" sz="1600" dirty="0"/>
-              <a:t>Text-to-speech</a:t>
-            </a:r>
-            <a:endParaRPr lang="pl-PL" sz="1600" dirty="0"/>
-          </a:p>
-        </p:txBody>
-      </p:sp>
-      <p:sp>
-        <p:nvSpPr>
-          <p:cNvPr id="94" name="TextBox 93">
-            <a:extLst>
-              <a:ext uri="{FF2B5EF4-FFF2-40B4-BE49-F238E27FC236}">
-                <a16:creationId xmlns:a16="http://schemas.microsoft.com/office/drawing/2014/main" id="{FECB6100-A7FC-9DB8-2EBB-C47CD72EFE06}"/>
-              </a:ext>
-            </a:extLst>
-          </p:cNvPr>
-          <p:cNvSpPr txBox="1"/>
-          <p:nvPr/>
-        </p:nvSpPr>
-        <p:spPr>
-          <a:xfrm>
-            <a:off x="7817827" y="2401277"/>
-            <a:ext cx="1138386" cy="1015663"/>
-          </a:xfrm>
-          <a:prstGeom prst="rect">
-            <a:avLst/>
-          </a:prstGeom>
-          <a:noFill/>
-        </p:spPr>
-        <p:txBody>
-          <a:bodyPr wrap="square" rtlCol="0">
-            <a:spAutoFit/>
-          </a:bodyPr>
-          <a:lstStyle/>
-          <a:p>
-            <a:pPr algn="ctr"/>
-            <a:r>
-              <a:rPr lang="en-IE" sz="1200" dirty="0"/>
-              <a:t>Would be used as an app-wide alternative way to fill in long text fields</a:t>
-            </a:r>
-            <a:endParaRPr lang="pl-PL" sz="1200" dirty="0"/>
-          </a:p>
-        </p:txBody>
-      </p:sp>
     </p:spTree>
     <p:extLst>
       <p:ext uri="{BB962C8B-B14F-4D97-AF65-F5344CB8AC3E}">
@@ -10318,105 +10230,6 @@
         <p:spPr>
           <a:xfrm flipV="1">
             <a:off x="1381433" y="2612719"/>
-            <a:ext cx="1" cy="534213"/>
-          </a:xfrm>
-          <a:prstGeom prst="straightConnector1">
-            <a:avLst/>
-          </a:prstGeom>
-          <a:ln>
-            <a:tailEnd type="triangle"/>
-          </a:ln>
-        </p:spPr>
-        <p:style>
-          <a:lnRef idx="1">
-            <a:schemeClr val="accent6"/>
-          </a:lnRef>
-          <a:fillRef idx="0">
-            <a:schemeClr val="accent6"/>
-          </a:fillRef>
-          <a:effectRef idx="0">
-            <a:schemeClr val="accent6"/>
-          </a:effectRef>
-          <a:fontRef idx="minor">
-            <a:schemeClr val="tx1"/>
-          </a:fontRef>
-        </p:style>
-      </p:cxnSp>
-      <p:sp>
-        <p:nvSpPr>
-          <p:cNvPr id="15" name="Rectangle 14">
-            <a:extLst>
-              <a:ext uri="{FF2B5EF4-FFF2-40B4-BE49-F238E27FC236}">
-                <a16:creationId xmlns:a16="http://schemas.microsoft.com/office/drawing/2014/main" id="{C7751D3B-4E79-FF8B-7591-A50C0FE3E71D}"/>
-              </a:ext>
-            </a:extLst>
-          </p:cNvPr>
-          <p:cNvSpPr/>
-          <p:nvPr/>
-        </p:nvSpPr>
-        <p:spPr>
-          <a:xfrm>
-            <a:off x="589935" y="4418565"/>
-            <a:ext cx="1582993" cy="737420"/>
-          </a:xfrm>
-          <a:prstGeom prst="rect">
-            <a:avLst/>
-          </a:prstGeom>
-        </p:spPr>
-        <p:style>
-          <a:lnRef idx="2">
-            <a:schemeClr val="accent1">
-              <a:shade val="15000"/>
-            </a:schemeClr>
-          </a:lnRef>
-          <a:fillRef idx="1">
-            <a:schemeClr val="accent1"/>
-          </a:fillRef>
-          <a:effectRef idx="0">
-            <a:schemeClr val="accent1"/>
-          </a:effectRef>
-          <a:fontRef idx="minor">
-            <a:schemeClr val="lt1"/>
-          </a:fontRef>
-        </p:style>
-        <p:txBody>
-          <a:bodyPr rtlCol="0" anchor="ctr"/>
-          <a:lstStyle/>
-          <a:p>
-            <a:pPr algn="ctr"/>
-            <a:r>
-              <a:rPr lang="en-IE" dirty="0"/>
-              <a:t>Speech to Text</a:t>
-            </a:r>
-            <a:br>
-              <a:rPr lang="en-IE" dirty="0"/>
-            </a:br>
-            <a:r>
-              <a:rPr lang="en-IE" dirty="0"/>
-              <a:t>API (Optional)</a:t>
-            </a:r>
-            <a:endParaRPr lang="pl-PL" dirty="0"/>
-          </a:p>
-        </p:txBody>
-      </p:sp>
-      <p:cxnSp>
-        <p:nvCxnSpPr>
-          <p:cNvPr id="17" name="Straight Arrow Connector 16">
-            <a:extLst>
-              <a:ext uri="{FF2B5EF4-FFF2-40B4-BE49-F238E27FC236}">
-                <a16:creationId xmlns:a16="http://schemas.microsoft.com/office/drawing/2014/main" id="{16F1D58B-B65E-F122-DBD6-86C2F300F8BB}"/>
-              </a:ext>
-            </a:extLst>
-          </p:cNvPr>
-          <p:cNvCxnSpPr>
-            <a:stCxn id="4" idx="2"/>
-            <a:endCxn id="15" idx="0"/>
-          </p:cNvCxnSpPr>
-          <p:nvPr/>
-        </p:nvCxnSpPr>
-        <p:spPr>
-          <a:xfrm flipH="1">
-            <a:off x="1381432" y="3884352"/>
             <a:ext cx="1" cy="534213"/>
           </a:xfrm>
           <a:prstGeom prst="straightConnector1">
